--- a/linguappt/en/templates/vocab_english_classic.pptx
+++ b/linguappt/en/templates/vocab_english_classic.pptx
@@ -5,11 +5,8 @@
     <p:sldMasterId id="2147483852" r:id="rId1"/>
   </p:sldMasterIdLst>
   <p:notesMasterIdLst>
-    <p:notesMasterId r:id="rId3"/>
+    <p:notesMasterId r:id="rId2"/>
   </p:notesMasterIdLst>
-  <p:sldIdLst>
-    <p:sldId id="256" r:id="rId2"/>
-  </p:sldIdLst>
   <p:sldSz cx="12192000" cy="6858000"/>
   <p:notesSz cx="6858000" cy="9144000"/>
   <p:defaultTextStyle>
@@ -211,7 +208,7 @@
           <a:p>
             <a:fld id="{49827307-2D32-1C49-A664-3E09AADAF8D1}" type="datetimeFigureOut">
               <a:rPr lang="en-CN" smtClean="0"/>
-              <a:t>11/21/20</a:t>
+              <a:t>2020/11/21</a:t>
             </a:fld>
             <a:endParaRPr lang="en-CN"/>
           </a:p>
@@ -18650,86 +18647,6 @@
     </p:ext>
   </p:extLst>
 </p:sldMaster>
-</file>
-
-<file path=ppt/slides/slide1.xml><?xml version="1.0" encoding="utf-8"?>
-<p:sld xmlns:a="http://schemas.openxmlformats.org/drawingml/2006/main" xmlns:r="http://schemas.openxmlformats.org/officeDocument/2006/relationships" xmlns:p="http://schemas.openxmlformats.org/presentationml/2006/main">
-  <p:cSld>
-    <p:spTree>
-      <p:nvGrpSpPr>
-        <p:cNvPr id="1" name=""/>
-        <p:cNvGrpSpPr/>
-        <p:nvPr/>
-      </p:nvGrpSpPr>
-      <p:grpSpPr>
-        <a:xfrm>
-          <a:off x="0" y="0"/>
-          <a:ext cx="0" cy="0"/>
-          <a:chOff x="0" y="0"/>
-          <a:chExt cx="0" cy="0"/>
-        </a:xfrm>
-      </p:grpSpPr>
-      <p:sp>
-        <p:nvSpPr>
-          <p:cNvPr id="2" name="Text Placeholder 1">
-            <a:extLst>
-              <a:ext uri="{FF2B5EF4-FFF2-40B4-BE49-F238E27FC236}">
-                <a16:creationId xmlns:a16="http://schemas.microsoft.com/office/drawing/2014/main" id="{F4379AFC-3307-9B42-BA15-159151239110}"/>
-              </a:ext>
-            </a:extLst>
-          </p:cNvPr>
-          <p:cNvSpPr>
-            <a:spLocks noGrp="1"/>
-          </p:cNvSpPr>
-          <p:nvPr>
-            <p:ph type="body" sz="quarter" idx="10"/>
-          </p:nvPr>
-        </p:nvSpPr>
-        <p:spPr/>
-        <p:txBody>
-          <a:bodyPr/>
-          <a:lstStyle/>
-          <a:p>
-            <a:endParaRPr lang="en-JP"/>
-          </a:p>
-        </p:txBody>
-      </p:sp>
-      <p:sp>
-        <p:nvSpPr>
-          <p:cNvPr id="3" name="Text Placeholder 2">
-            <a:extLst>
-              <a:ext uri="{FF2B5EF4-FFF2-40B4-BE49-F238E27FC236}">
-                <a16:creationId xmlns:a16="http://schemas.microsoft.com/office/drawing/2014/main" id="{0B33966C-15D2-1145-AC0D-53E65A409C6F}"/>
-              </a:ext>
-            </a:extLst>
-          </p:cNvPr>
-          <p:cNvSpPr>
-            <a:spLocks noGrp="1"/>
-          </p:cNvSpPr>
-          <p:nvPr>
-            <p:ph type="body" sz="quarter" idx="11"/>
-          </p:nvPr>
-        </p:nvSpPr>
-        <p:spPr/>
-        <p:txBody>
-          <a:bodyPr/>
-          <a:lstStyle/>
-          <a:p>
-            <a:endParaRPr lang="en-JP"/>
-          </a:p>
-        </p:txBody>
-      </p:sp>
-    </p:spTree>
-    <p:extLst>
-      <p:ext uri="{BB962C8B-B14F-4D97-AF65-F5344CB8AC3E}">
-        <p14:creationId xmlns:p14="http://schemas.microsoft.com/office/powerpoint/2010/main" val="4000489959"/>
-      </p:ext>
-    </p:extLst>
-  </p:cSld>
-  <p:clrMapOvr>
-    <a:masterClrMapping/>
-  </p:clrMapOvr>
-</p:sld>
 </file>
 
 <file path=ppt/theme/theme1.xml><?xml version="1.0" encoding="utf-8"?>

--- a/linguappt/en/templates/vocab_english_classic.pptx
+++ b/linguappt/en/templates/vocab_english_classic.pptx
@@ -5,8 +5,11 @@
     <p:sldMasterId id="2147483852" r:id="rId1"/>
   </p:sldMasterIdLst>
   <p:notesMasterIdLst>
-    <p:notesMasterId r:id="rId2"/>
+    <p:notesMasterId r:id="rId3"/>
   </p:notesMasterIdLst>
+  <p:sldIdLst>
+    <p:sldId id="256" r:id="rId2"/>
+  </p:sldIdLst>
   <p:sldSz cx="12192000" cy="6858000"/>
   <p:notesSz cx="6858000" cy="9144000"/>
   <p:defaultTextStyle>
@@ -208,7 +211,7 @@
           <a:p>
             <a:fld id="{49827307-2D32-1C49-A664-3E09AADAF8D1}" type="datetimeFigureOut">
               <a:rPr lang="en-CN" smtClean="0"/>
-              <a:t>2020/11/21</a:t>
+              <a:t>4/2/21</a:t>
             </a:fld>
             <a:endParaRPr lang="en-CN"/>
           </a:p>
@@ -478,7 +481,7 @@
 
 <file path=ppt/slideLayouts/slideLayout1.xml><?xml version="1.0" encoding="utf-8"?>
 <p:sldLayout xmlns:a="http://schemas.openxmlformats.org/drawingml/2006/main" xmlns:r="http://schemas.openxmlformats.org/officeDocument/2006/relationships" xmlns:p="http://schemas.openxmlformats.org/presentationml/2006/main" preserve="1" userDrawn="1">
-  <p:cSld name="Title and subtitle for chinese">
+  <p:cSld name="Opening for chinese">
     <p:bg>
       <p:bgPr>
         <a:solidFill>
@@ -885,2653 +888,7 @@
 
 <file path=ppt/slideLayouts/slideLayout10.xml><?xml version="1.0" encoding="utf-8"?>
 <p:sldLayout xmlns:a="http://schemas.openxmlformats.org/drawingml/2006/main" xmlns:r="http://schemas.openxmlformats.org/officeDocument/2006/relationships" xmlns:p="http://schemas.openxmlformats.org/presentationml/2006/main" preserve="1" userDrawn="1">
-  <p:cSld name="Default adjective">
-    <p:bg>
-      <p:bgPr>
-        <a:solidFill>
-          <a:schemeClr val="bg1"/>
-        </a:solidFill>
-        <a:effectLst/>
-      </p:bgPr>
-    </p:bg>
-    <p:spTree>
-      <p:nvGrpSpPr>
-        <p:cNvPr id="1" name=""/>
-        <p:cNvGrpSpPr/>
-        <p:nvPr/>
-      </p:nvGrpSpPr>
-      <p:grpSpPr>
-        <a:xfrm>
-          <a:off x="0" y="0"/>
-          <a:ext cx="0" cy="0"/>
-          <a:chOff x="0" y="0"/>
-          <a:chExt cx="0" cy="0"/>
-        </a:xfrm>
-      </p:grpSpPr>
-      <p:pic>
-        <p:nvPicPr>
-          <p:cNvPr id="20" name="Picture 19">
-            <a:extLst>
-              <a:ext uri="{FF2B5EF4-FFF2-40B4-BE49-F238E27FC236}">
-                <a16:creationId xmlns:a16="http://schemas.microsoft.com/office/drawing/2014/main" id="{64CE1A7C-CAD8-744A-811C-8777A474C7EE}"/>
-              </a:ext>
-            </a:extLst>
-          </p:cNvPr>
-          <p:cNvPicPr>
-            <a:picLocks noChangeAspect="1"/>
-          </p:cNvPicPr>
-          <p:nvPr userDrawn="1"/>
-        </p:nvPicPr>
-        <p:blipFill>
-          <a:blip r:embed="rId2"/>
-          <a:stretch>
-            <a:fillRect/>
-          </a:stretch>
-        </p:blipFill>
-        <p:spPr>
-          <a:xfrm>
-            <a:off x="0" y="-6269"/>
-            <a:ext cx="12245969" cy="6884447"/>
-          </a:xfrm>
-          <a:prstGeom prst="rect">
-            <a:avLst/>
-          </a:prstGeom>
-        </p:spPr>
-      </p:pic>
-      <p:sp>
-        <p:nvSpPr>
-          <p:cNvPr id="25" name="Rounded Rectangle 24">
-            <a:extLst>
-              <a:ext uri="{FF2B5EF4-FFF2-40B4-BE49-F238E27FC236}">
-                <a16:creationId xmlns:a16="http://schemas.microsoft.com/office/drawing/2014/main" id="{BF240552-C9E5-5E4F-AAB2-8E2982F9FD3C}"/>
-              </a:ext>
-            </a:extLst>
-          </p:cNvPr>
-          <p:cNvSpPr/>
-          <p:nvPr userDrawn="1"/>
-        </p:nvSpPr>
-        <p:spPr>
-          <a:xfrm>
-            <a:off x="5761199" y="1031092"/>
-            <a:ext cx="669600" cy="324000"/>
-          </a:xfrm>
-          <a:prstGeom prst="roundRect">
-            <a:avLst>
-              <a:gd name="adj" fmla="val 50000"/>
-            </a:avLst>
-          </a:prstGeom>
-          <a:solidFill>
-            <a:schemeClr val="bg1"/>
-          </a:solidFill>
-          <a:ln>
-            <a:solidFill>
-              <a:schemeClr val="bg1">
-                <a:lumMod val="95000"/>
-              </a:schemeClr>
-            </a:solidFill>
-          </a:ln>
-        </p:spPr>
-        <p:style>
-          <a:lnRef idx="2">
-            <a:schemeClr val="accent1">
-              <a:shade val="50000"/>
-            </a:schemeClr>
-          </a:lnRef>
-          <a:fillRef idx="1">
-            <a:schemeClr val="accent1"/>
-          </a:fillRef>
-          <a:effectRef idx="0">
-            <a:schemeClr val="accent1"/>
-          </a:effectRef>
-          <a:fontRef idx="minor">
-            <a:schemeClr val="lt1"/>
-          </a:fontRef>
-        </p:style>
-        <p:txBody>
-          <a:bodyPr rtlCol="0" anchor="ctr"/>
-          <a:lstStyle/>
-          <a:p>
-            <a:pPr algn="ctr"/>
-            <a:endParaRPr lang="en-JP" sz="1200" dirty="0">
-              <a:solidFill>
-                <a:schemeClr val="tx1">
-                  <a:lumMod val="50000"/>
-                  <a:lumOff val="50000"/>
-                </a:schemeClr>
-              </a:solidFill>
-              <a:latin typeface="PingFang SC" panose="020B0400000000000000" pitchFamily="34" charset="-122"/>
-              <a:ea typeface="PingFang SC" panose="020B0400000000000000" pitchFamily="34" charset="-122"/>
-            </a:endParaRPr>
-          </a:p>
-        </p:txBody>
-      </p:sp>
-      <p:sp>
-        <p:nvSpPr>
-          <p:cNvPr id="7" name="Text Placeholder 6">
-            <a:extLst>
-              <a:ext uri="{FF2B5EF4-FFF2-40B4-BE49-F238E27FC236}">
-                <a16:creationId xmlns:a16="http://schemas.microsoft.com/office/drawing/2014/main" id="{640E96AF-F586-3243-ACF1-FD2B5D10F517}"/>
-              </a:ext>
-            </a:extLst>
-          </p:cNvPr>
-          <p:cNvSpPr>
-            <a:spLocks noGrp="1"/>
-          </p:cNvSpPr>
-          <p:nvPr>
-            <p:ph type="body" sz="quarter" idx="10" hasCustomPrompt="1"/>
-          </p:nvPr>
-        </p:nvSpPr>
-        <p:spPr>
-          <a:xfrm>
-            <a:off x="5761200" y="1030350"/>
-            <a:ext cx="669600" cy="324000"/>
-          </a:xfrm>
-          <a:prstGeom prst="rect">
-            <a:avLst/>
-          </a:prstGeom>
-        </p:spPr>
-        <p:txBody>
-          <a:bodyPr anchor="ctr"/>
-          <a:lstStyle>
-            <a:lvl1pPr marL="0" indent="0" algn="ctr">
-              <a:buNone/>
-              <a:defRPr sz="1400" b="0" i="0">
-                <a:solidFill>
-                  <a:schemeClr val="accent3">
-                    <a:lumMod val="75000"/>
-                  </a:schemeClr>
-                </a:solidFill>
-                <a:latin typeface="Roboto" pitchFamily="2" charset="0"/>
-                <a:ea typeface="Roboto" pitchFamily="2" charset="0"/>
-              </a:defRPr>
-            </a:lvl1pPr>
-            <a:lvl2pPr marL="324000" indent="0">
-              <a:buNone/>
-              <a:defRPr sz="1200" b="0" i="0">
-                <a:latin typeface="PingFang SC Light" panose="020B0300000000000000" pitchFamily="34" charset="-122"/>
-                <a:ea typeface="PingFang SC Light" panose="020B0300000000000000" pitchFamily="34" charset="-122"/>
-              </a:defRPr>
-            </a:lvl2pPr>
-            <a:lvl3pPr marL="630000" indent="0">
-              <a:buNone/>
-              <a:defRPr sz="1200" b="0" i="0">
-                <a:latin typeface="PingFang SC Light" panose="020B0300000000000000" pitchFamily="34" charset="-122"/>
-                <a:ea typeface="PingFang SC Light" panose="020B0300000000000000" pitchFamily="34" charset="-122"/>
-              </a:defRPr>
-            </a:lvl3pPr>
-            <a:lvl4pPr marL="1008000" indent="0">
-              <a:buNone/>
-              <a:defRPr sz="1200" b="0" i="0">
-                <a:latin typeface="PingFang SC Light" panose="020B0300000000000000" pitchFamily="34" charset="-122"/>
-                <a:ea typeface="PingFang SC Light" panose="020B0300000000000000" pitchFamily="34" charset="-122"/>
-              </a:defRPr>
-            </a:lvl4pPr>
-            <a:lvl5pPr marL="1368000" indent="0">
-              <a:buNone/>
-              <a:defRPr sz="1200" b="0" i="0">
-                <a:latin typeface="PingFang SC Light" panose="020B0300000000000000" pitchFamily="34" charset="-122"/>
-                <a:ea typeface="PingFang SC Light" panose="020B0300000000000000" pitchFamily="34" charset="-122"/>
-              </a:defRPr>
-            </a:lvl5pPr>
-          </a:lstStyle>
-          <a:p>
-            <a:pPr lvl="0"/>
-            <a:r>
-              <a:rPr lang="en-US" altLang="zh-CN" dirty="0"/>
-              <a:t>adj</a:t>
-            </a:r>
-            <a:r>
-              <a:rPr lang="en-JP" dirty="0"/>
-              <a:t>.</a:t>
-            </a:r>
-          </a:p>
-        </p:txBody>
-      </p:sp>
-      <p:sp>
-        <p:nvSpPr>
-          <p:cNvPr id="53" name="Text Placeholder 6">
-            <a:extLst>
-              <a:ext uri="{FF2B5EF4-FFF2-40B4-BE49-F238E27FC236}">
-                <a16:creationId xmlns:a16="http://schemas.microsoft.com/office/drawing/2014/main" id="{FE966760-E5A1-5B4E-BCB8-D2999A82721F}"/>
-              </a:ext>
-            </a:extLst>
-          </p:cNvPr>
-          <p:cNvSpPr>
-            <a:spLocks noGrp="1"/>
-          </p:cNvSpPr>
-          <p:nvPr>
-            <p:ph type="body" sz="quarter" idx="11" hasCustomPrompt="1"/>
-          </p:nvPr>
-        </p:nvSpPr>
-        <p:spPr>
-          <a:xfrm>
-            <a:off x="1247799" y="1484784"/>
-            <a:ext cx="9696401" cy="1300613"/>
-          </a:xfrm>
-          <a:prstGeom prst="rect">
-            <a:avLst/>
-          </a:prstGeom>
-        </p:spPr>
-        <p:txBody>
-          <a:bodyPr anchor="ctr"/>
-          <a:lstStyle>
-            <a:lvl1pPr marL="0" indent="0" algn="ctr">
-              <a:buNone/>
-              <a:defRPr sz="5800" b="0" i="0">
-                <a:solidFill>
-                  <a:schemeClr val="accent3">
-                    <a:lumMod val="75000"/>
-                  </a:schemeClr>
-                </a:solidFill>
-                <a:latin typeface="Roboto Medium" pitchFamily="2" charset="0"/>
-                <a:ea typeface="Roboto Medium" pitchFamily="2" charset="0"/>
-              </a:defRPr>
-            </a:lvl1pPr>
-            <a:lvl2pPr marL="324000" indent="0">
-              <a:buNone/>
-              <a:defRPr sz="1200" b="0" i="0">
-                <a:latin typeface="PingFang SC Light" panose="020B0300000000000000" pitchFamily="34" charset="-122"/>
-                <a:ea typeface="PingFang SC Light" panose="020B0300000000000000" pitchFamily="34" charset="-122"/>
-              </a:defRPr>
-            </a:lvl2pPr>
-            <a:lvl3pPr marL="630000" indent="0">
-              <a:buNone/>
-              <a:defRPr sz="1200" b="0" i="0">
-                <a:latin typeface="PingFang SC Light" panose="020B0300000000000000" pitchFamily="34" charset="-122"/>
-                <a:ea typeface="PingFang SC Light" panose="020B0300000000000000" pitchFamily="34" charset="-122"/>
-              </a:defRPr>
-            </a:lvl3pPr>
-            <a:lvl4pPr marL="1008000" indent="0">
-              <a:buNone/>
-              <a:defRPr sz="1200" b="0" i="0">
-                <a:latin typeface="PingFang SC Light" panose="020B0300000000000000" pitchFamily="34" charset="-122"/>
-                <a:ea typeface="PingFang SC Light" panose="020B0300000000000000" pitchFamily="34" charset="-122"/>
-              </a:defRPr>
-            </a:lvl4pPr>
-            <a:lvl5pPr marL="1368000" indent="0">
-              <a:buNone/>
-              <a:defRPr sz="1200" b="0" i="0">
-                <a:latin typeface="PingFang SC Light" panose="020B0300000000000000" pitchFamily="34" charset="-122"/>
-                <a:ea typeface="PingFang SC Light" panose="020B0300000000000000" pitchFamily="34" charset="-122"/>
-              </a:defRPr>
-            </a:lvl5pPr>
-          </a:lstStyle>
-          <a:p>
-            <a:pPr lvl="0"/>
-            <a:r>
-              <a:rPr lang="en-US" altLang="zh-CN" dirty="0"/>
-              <a:t>adjective</a:t>
-            </a:r>
-            <a:endParaRPr lang="en-JP" dirty="0"/>
-          </a:p>
-        </p:txBody>
-      </p:sp>
-      <p:sp>
-        <p:nvSpPr>
-          <p:cNvPr id="54" name="Text Placeholder 6">
-            <a:extLst>
-              <a:ext uri="{FF2B5EF4-FFF2-40B4-BE49-F238E27FC236}">
-                <a16:creationId xmlns:a16="http://schemas.microsoft.com/office/drawing/2014/main" id="{FB90C090-45A5-F849-A90C-BEEF045674C2}"/>
-              </a:ext>
-            </a:extLst>
-          </p:cNvPr>
-          <p:cNvSpPr>
-            <a:spLocks noGrp="1"/>
-          </p:cNvSpPr>
-          <p:nvPr>
-            <p:ph type="body" sz="quarter" idx="12" hasCustomPrompt="1"/>
-          </p:nvPr>
-        </p:nvSpPr>
-        <p:spPr>
-          <a:xfrm>
-            <a:off x="1247799" y="2883278"/>
-            <a:ext cx="9696401" cy="3058247"/>
-          </a:xfrm>
-          <a:prstGeom prst="rect">
-            <a:avLst/>
-          </a:prstGeom>
-        </p:spPr>
-        <p:txBody>
-          <a:bodyPr anchor="t"/>
-          <a:lstStyle>
-            <a:lvl1pPr marL="0" indent="0" algn="ctr">
-              <a:buNone/>
-              <a:defRPr sz="2400" b="0" i="0">
-                <a:solidFill>
-                  <a:schemeClr val="accent3">
-                    <a:lumMod val="75000"/>
-                  </a:schemeClr>
-                </a:solidFill>
-                <a:latin typeface="PingFang SC Light" panose="020B0300000000000000" pitchFamily="34" charset="-122"/>
-                <a:ea typeface="PingFang SC Light" panose="020B0300000000000000" pitchFamily="34" charset="-122"/>
-              </a:defRPr>
-            </a:lvl1pPr>
-            <a:lvl2pPr marL="324000" indent="0">
-              <a:buNone/>
-              <a:defRPr sz="1200" b="0" i="0">
-                <a:latin typeface="PingFang SC Light" panose="020B0300000000000000" pitchFamily="34" charset="-122"/>
-                <a:ea typeface="PingFang SC Light" panose="020B0300000000000000" pitchFamily="34" charset="-122"/>
-              </a:defRPr>
-            </a:lvl2pPr>
-            <a:lvl3pPr marL="630000" indent="0">
-              <a:buNone/>
-              <a:defRPr sz="1200" b="0" i="0">
-                <a:latin typeface="PingFang SC Light" panose="020B0300000000000000" pitchFamily="34" charset="-122"/>
-                <a:ea typeface="PingFang SC Light" panose="020B0300000000000000" pitchFamily="34" charset="-122"/>
-              </a:defRPr>
-            </a:lvl3pPr>
-            <a:lvl4pPr marL="1008000" indent="0">
-              <a:buNone/>
-              <a:defRPr sz="1200" b="0" i="0">
-                <a:latin typeface="PingFang SC Light" panose="020B0300000000000000" pitchFamily="34" charset="-122"/>
-                <a:ea typeface="PingFang SC Light" panose="020B0300000000000000" pitchFamily="34" charset="-122"/>
-              </a:defRPr>
-            </a:lvl4pPr>
-            <a:lvl5pPr marL="1368000" indent="0">
-              <a:buNone/>
-              <a:defRPr sz="1200" b="0" i="0">
-                <a:latin typeface="PingFang SC Light" panose="020B0300000000000000" pitchFamily="34" charset="-122"/>
-                <a:ea typeface="PingFang SC Light" panose="020B0300000000000000" pitchFamily="34" charset="-122"/>
-              </a:defRPr>
-            </a:lvl5pPr>
-          </a:lstStyle>
-          <a:p>
-            <a:pPr lvl="0"/>
-            <a:r>
-              <a:rPr lang="zh-CN" altLang="en-JP" dirty="0"/>
-              <a:t>翻译</a:t>
-            </a:r>
-            <a:r>
-              <a:rPr lang="en-US" altLang="zh-CN" dirty="0"/>
-              <a:t>1</a:t>
-            </a:r>
-          </a:p>
-          <a:p>
-            <a:pPr lvl="0"/>
-            <a:r>
-              <a:rPr lang="zh-CN" altLang="en-US" dirty="0"/>
-              <a:t>翻译</a:t>
-            </a:r>
-            <a:r>
-              <a:rPr lang="en-US" altLang="zh-CN" dirty="0"/>
-              <a:t>2</a:t>
-            </a:r>
-          </a:p>
-          <a:p>
-            <a:pPr lvl="0"/>
-            <a:r>
-              <a:rPr lang="zh-CN" altLang="en-US" dirty="0"/>
-              <a:t>翻译</a:t>
-            </a:r>
-            <a:r>
-              <a:rPr lang="en-US" altLang="zh-CN" dirty="0"/>
-              <a:t>3</a:t>
-            </a:r>
-          </a:p>
-          <a:p>
-            <a:pPr lvl="0"/>
-            <a:r>
-              <a:rPr lang="zh-CN" altLang="en-US" dirty="0"/>
-              <a:t>翻译</a:t>
-            </a:r>
-            <a:r>
-              <a:rPr lang="en-US" altLang="zh-CN" dirty="0"/>
-              <a:t>4</a:t>
-            </a:r>
-          </a:p>
-          <a:p>
-            <a:pPr lvl="0"/>
-            <a:r>
-              <a:rPr lang="zh-CN" altLang="en-US" dirty="0"/>
-              <a:t>翻译</a:t>
-            </a:r>
-            <a:r>
-              <a:rPr lang="en-US" altLang="zh-CN" dirty="0"/>
-              <a:t>5</a:t>
-            </a:r>
-          </a:p>
-          <a:p>
-            <a:pPr lvl="0"/>
-            <a:r>
-              <a:rPr lang="zh-CN" altLang="en-US" dirty="0"/>
-              <a:t>翻译</a:t>
-            </a:r>
-            <a:r>
-              <a:rPr lang="en-US" altLang="zh-CN" dirty="0"/>
-              <a:t>6</a:t>
-            </a:r>
-            <a:endParaRPr lang="en-JP" dirty="0"/>
-          </a:p>
-        </p:txBody>
-      </p:sp>
-    </p:spTree>
-    <p:extLst>
-      <p:ext uri="{BB962C8B-B14F-4D97-AF65-F5344CB8AC3E}">
-        <p14:creationId xmlns:p14="http://schemas.microsoft.com/office/powerpoint/2010/main" val="2151983696"/>
-      </p:ext>
-    </p:extLst>
-  </p:cSld>
-  <p:clrMapOvr>
-    <a:masterClrMapping/>
-  </p:clrMapOvr>
-</p:sldLayout>
-</file>
-
-<file path=ppt/slideLayouts/slideLayout11.xml><?xml version="1.0" encoding="utf-8"?>
-<p:sldLayout xmlns:a="http://schemas.openxmlformats.org/drawingml/2006/main" xmlns:r="http://schemas.openxmlformats.org/officeDocument/2006/relationships" xmlns:p="http://schemas.openxmlformats.org/presentationml/2006/main" preserve="1" userDrawn="1">
-  <p:cSld name="Adjective with examples">
-    <p:bg>
-      <p:bgPr>
-        <a:solidFill>
-          <a:schemeClr val="bg1"/>
-        </a:solidFill>
-        <a:effectLst/>
-      </p:bgPr>
-    </p:bg>
-    <p:spTree>
-      <p:nvGrpSpPr>
-        <p:cNvPr id="1" name=""/>
-        <p:cNvGrpSpPr/>
-        <p:nvPr/>
-      </p:nvGrpSpPr>
-      <p:grpSpPr>
-        <a:xfrm>
-          <a:off x="0" y="0"/>
-          <a:ext cx="0" cy="0"/>
-          <a:chOff x="0" y="0"/>
-          <a:chExt cx="0" cy="0"/>
-        </a:xfrm>
-      </p:grpSpPr>
-      <p:pic>
-        <p:nvPicPr>
-          <p:cNvPr id="20" name="Picture 19">
-            <a:extLst>
-              <a:ext uri="{FF2B5EF4-FFF2-40B4-BE49-F238E27FC236}">
-                <a16:creationId xmlns:a16="http://schemas.microsoft.com/office/drawing/2014/main" id="{64CE1A7C-CAD8-744A-811C-8777A474C7EE}"/>
-              </a:ext>
-            </a:extLst>
-          </p:cNvPr>
-          <p:cNvPicPr>
-            <a:picLocks noChangeAspect="1"/>
-          </p:cNvPicPr>
-          <p:nvPr userDrawn="1"/>
-        </p:nvPicPr>
-        <p:blipFill>
-          <a:blip r:embed="rId2"/>
-          <a:stretch>
-            <a:fillRect/>
-          </a:stretch>
-        </p:blipFill>
-        <p:spPr>
-          <a:xfrm>
-            <a:off x="-1" y="-17777"/>
-            <a:ext cx="12221225" cy="6870536"/>
-          </a:xfrm>
-          <a:prstGeom prst="rect">
-            <a:avLst/>
-          </a:prstGeom>
-        </p:spPr>
-      </p:pic>
-      <p:sp>
-        <p:nvSpPr>
-          <p:cNvPr id="25" name="Rounded Rectangle 24">
-            <a:extLst>
-              <a:ext uri="{FF2B5EF4-FFF2-40B4-BE49-F238E27FC236}">
-                <a16:creationId xmlns:a16="http://schemas.microsoft.com/office/drawing/2014/main" id="{BF240552-C9E5-5E4F-AAB2-8E2982F9FD3C}"/>
-              </a:ext>
-            </a:extLst>
-          </p:cNvPr>
-          <p:cNvSpPr/>
-          <p:nvPr userDrawn="1"/>
-        </p:nvSpPr>
-        <p:spPr>
-          <a:xfrm>
-            <a:off x="4994599" y="980895"/>
-            <a:ext cx="669600" cy="324000"/>
-          </a:xfrm>
-          <a:prstGeom prst="roundRect">
-            <a:avLst>
-              <a:gd name="adj" fmla="val 50000"/>
-            </a:avLst>
-          </a:prstGeom>
-          <a:solidFill>
-            <a:schemeClr val="bg1"/>
-          </a:solidFill>
-          <a:ln>
-            <a:solidFill>
-              <a:schemeClr val="bg1">
-                <a:lumMod val="95000"/>
-              </a:schemeClr>
-            </a:solidFill>
-          </a:ln>
-        </p:spPr>
-        <p:style>
-          <a:lnRef idx="2">
-            <a:schemeClr val="accent1">
-              <a:shade val="50000"/>
-            </a:schemeClr>
-          </a:lnRef>
-          <a:fillRef idx="1">
-            <a:schemeClr val="accent1"/>
-          </a:fillRef>
-          <a:effectRef idx="0">
-            <a:schemeClr val="accent1"/>
-          </a:effectRef>
-          <a:fontRef idx="minor">
-            <a:schemeClr val="lt1"/>
-          </a:fontRef>
-        </p:style>
-        <p:txBody>
-          <a:bodyPr rtlCol="0" anchor="ctr"/>
-          <a:lstStyle/>
-          <a:p>
-            <a:pPr algn="ctr"/>
-            <a:endParaRPr lang="en-JP" sz="1200" dirty="0">
-              <a:solidFill>
-                <a:schemeClr val="tx1">
-                  <a:lumMod val="50000"/>
-                  <a:lumOff val="50000"/>
-                </a:schemeClr>
-              </a:solidFill>
-              <a:latin typeface="PingFang SC" panose="020B0400000000000000" pitchFamily="34" charset="-122"/>
-              <a:ea typeface="PingFang SC" panose="020B0400000000000000" pitchFamily="34" charset="-122"/>
-            </a:endParaRPr>
-          </a:p>
-        </p:txBody>
-      </p:sp>
-      <p:cxnSp>
-        <p:nvCxnSpPr>
-          <p:cNvPr id="52" name="Straight Connector 51">
-            <a:extLst>
-              <a:ext uri="{FF2B5EF4-FFF2-40B4-BE49-F238E27FC236}">
-                <a16:creationId xmlns:a16="http://schemas.microsoft.com/office/drawing/2014/main" id="{37B0950A-2FDA-924B-BFF8-E5629FE778C4}"/>
-              </a:ext>
-            </a:extLst>
-          </p:cNvPr>
-          <p:cNvCxnSpPr>
-            <a:cxnSpLocks/>
-          </p:cNvCxnSpPr>
-          <p:nvPr userDrawn="1"/>
-        </p:nvCxnSpPr>
-        <p:spPr>
-          <a:xfrm>
-            <a:off x="6096000" y="0"/>
-            <a:ext cx="0" cy="6858000"/>
-          </a:xfrm>
-          <a:prstGeom prst="line">
-            <a:avLst/>
-          </a:prstGeom>
-          <a:ln>
-            <a:solidFill>
-              <a:schemeClr val="bg1">
-                <a:lumMod val="85000"/>
-              </a:schemeClr>
-            </a:solidFill>
-            <a:prstDash val="dash"/>
-          </a:ln>
-        </p:spPr>
-        <p:style>
-          <a:lnRef idx="1">
-            <a:schemeClr val="accent1"/>
-          </a:lnRef>
-          <a:fillRef idx="0">
-            <a:schemeClr val="accent1"/>
-          </a:fillRef>
-          <a:effectRef idx="0">
-            <a:schemeClr val="accent1"/>
-          </a:effectRef>
-          <a:fontRef idx="minor">
-            <a:schemeClr val="tx1"/>
-          </a:fontRef>
-        </p:style>
-      </p:cxnSp>
-      <p:sp>
-        <p:nvSpPr>
-          <p:cNvPr id="7" name="Text Placeholder 6">
-            <a:extLst>
-              <a:ext uri="{FF2B5EF4-FFF2-40B4-BE49-F238E27FC236}">
-                <a16:creationId xmlns:a16="http://schemas.microsoft.com/office/drawing/2014/main" id="{640E96AF-F586-3243-ACF1-FD2B5D10F517}"/>
-              </a:ext>
-            </a:extLst>
-          </p:cNvPr>
-          <p:cNvSpPr>
-            <a:spLocks noGrp="1"/>
-          </p:cNvSpPr>
-          <p:nvPr>
-            <p:ph type="body" sz="quarter" idx="10" hasCustomPrompt="1"/>
-          </p:nvPr>
-        </p:nvSpPr>
-        <p:spPr>
-          <a:xfrm>
-            <a:off x="4994600" y="980728"/>
-            <a:ext cx="669600" cy="324000"/>
-          </a:xfrm>
-          <a:prstGeom prst="rect">
-            <a:avLst/>
-          </a:prstGeom>
-        </p:spPr>
-        <p:txBody>
-          <a:bodyPr anchor="ctr"/>
-          <a:lstStyle>
-            <a:lvl1pPr marL="0" indent="0" algn="ctr">
-              <a:buNone/>
-              <a:defRPr sz="1400" b="0" i="0">
-                <a:solidFill>
-                  <a:schemeClr val="accent3">
-                    <a:lumMod val="75000"/>
-                  </a:schemeClr>
-                </a:solidFill>
-                <a:latin typeface="Roboto" pitchFamily="2" charset="0"/>
-                <a:ea typeface="Roboto" pitchFamily="2" charset="0"/>
-              </a:defRPr>
-            </a:lvl1pPr>
-            <a:lvl2pPr marL="324000" indent="0">
-              <a:buNone/>
-              <a:defRPr sz="1200" b="0" i="0">
-                <a:latin typeface="PingFang SC Light" panose="020B0300000000000000" pitchFamily="34" charset="-122"/>
-                <a:ea typeface="PingFang SC Light" panose="020B0300000000000000" pitchFamily="34" charset="-122"/>
-              </a:defRPr>
-            </a:lvl2pPr>
-            <a:lvl3pPr marL="630000" indent="0">
-              <a:buNone/>
-              <a:defRPr sz="1200" b="0" i="0">
-                <a:latin typeface="PingFang SC Light" panose="020B0300000000000000" pitchFamily="34" charset="-122"/>
-                <a:ea typeface="PingFang SC Light" panose="020B0300000000000000" pitchFamily="34" charset="-122"/>
-              </a:defRPr>
-            </a:lvl3pPr>
-            <a:lvl4pPr marL="1008000" indent="0">
-              <a:buNone/>
-              <a:defRPr sz="1200" b="0" i="0">
-                <a:latin typeface="PingFang SC Light" panose="020B0300000000000000" pitchFamily="34" charset="-122"/>
-                <a:ea typeface="PingFang SC Light" panose="020B0300000000000000" pitchFamily="34" charset="-122"/>
-              </a:defRPr>
-            </a:lvl4pPr>
-            <a:lvl5pPr marL="1368000" indent="0">
-              <a:buNone/>
-              <a:defRPr sz="1200" b="0" i="0">
-                <a:latin typeface="PingFang SC Light" panose="020B0300000000000000" pitchFamily="34" charset="-122"/>
-                <a:ea typeface="PingFang SC Light" panose="020B0300000000000000" pitchFamily="34" charset="-122"/>
-              </a:defRPr>
-            </a:lvl5pPr>
-          </a:lstStyle>
-          <a:p>
-            <a:pPr lvl="0"/>
-            <a:r>
-              <a:rPr lang="en-US" altLang="zh-CN" dirty="0"/>
-              <a:t>adj</a:t>
-            </a:r>
-            <a:r>
-              <a:rPr lang="en-JP" dirty="0"/>
-              <a:t>.</a:t>
-            </a:r>
-          </a:p>
-        </p:txBody>
-      </p:sp>
-      <p:sp>
-        <p:nvSpPr>
-          <p:cNvPr id="53" name="Text Placeholder 6">
-            <a:extLst>
-              <a:ext uri="{FF2B5EF4-FFF2-40B4-BE49-F238E27FC236}">
-                <a16:creationId xmlns:a16="http://schemas.microsoft.com/office/drawing/2014/main" id="{FE966760-E5A1-5B4E-BCB8-D2999A82721F}"/>
-              </a:ext>
-            </a:extLst>
-          </p:cNvPr>
-          <p:cNvSpPr>
-            <a:spLocks noGrp="1"/>
-          </p:cNvSpPr>
-          <p:nvPr>
-            <p:ph type="body" sz="quarter" idx="11" hasCustomPrompt="1"/>
-          </p:nvPr>
-        </p:nvSpPr>
-        <p:spPr>
-          <a:xfrm>
-            <a:off x="-1" y="1402609"/>
-            <a:ext cx="5756284" cy="1300613"/>
-          </a:xfrm>
-          <a:prstGeom prst="rect">
-            <a:avLst/>
-          </a:prstGeom>
-        </p:spPr>
-        <p:txBody>
-          <a:bodyPr anchor="ctr"/>
-          <a:lstStyle>
-            <a:lvl1pPr marL="0" indent="0" algn="r">
-              <a:buNone/>
-              <a:defRPr sz="5800" b="0" i="0">
-                <a:solidFill>
-                  <a:schemeClr val="accent3">
-                    <a:lumMod val="75000"/>
-                  </a:schemeClr>
-                </a:solidFill>
-                <a:latin typeface="Roboto Medium" pitchFamily="2" charset="0"/>
-                <a:ea typeface="Roboto Medium" pitchFamily="2" charset="0"/>
-              </a:defRPr>
-            </a:lvl1pPr>
-            <a:lvl2pPr marL="324000" indent="0">
-              <a:buNone/>
-              <a:defRPr sz="1200" b="0" i="0">
-                <a:latin typeface="PingFang SC Light" panose="020B0300000000000000" pitchFamily="34" charset="-122"/>
-                <a:ea typeface="PingFang SC Light" panose="020B0300000000000000" pitchFamily="34" charset="-122"/>
-              </a:defRPr>
-            </a:lvl2pPr>
-            <a:lvl3pPr marL="630000" indent="0">
-              <a:buNone/>
-              <a:defRPr sz="1200" b="0" i="0">
-                <a:latin typeface="PingFang SC Light" panose="020B0300000000000000" pitchFamily="34" charset="-122"/>
-                <a:ea typeface="PingFang SC Light" panose="020B0300000000000000" pitchFamily="34" charset="-122"/>
-              </a:defRPr>
-            </a:lvl3pPr>
-            <a:lvl4pPr marL="1008000" indent="0">
-              <a:buNone/>
-              <a:defRPr sz="1200" b="0" i="0">
-                <a:latin typeface="PingFang SC Light" panose="020B0300000000000000" pitchFamily="34" charset="-122"/>
-                <a:ea typeface="PingFang SC Light" panose="020B0300000000000000" pitchFamily="34" charset="-122"/>
-              </a:defRPr>
-            </a:lvl4pPr>
-            <a:lvl5pPr marL="1368000" indent="0">
-              <a:buNone/>
-              <a:defRPr sz="1200" b="0" i="0">
-                <a:latin typeface="PingFang SC Light" panose="020B0300000000000000" pitchFamily="34" charset="-122"/>
-                <a:ea typeface="PingFang SC Light" panose="020B0300000000000000" pitchFamily="34" charset="-122"/>
-              </a:defRPr>
-            </a:lvl5pPr>
-          </a:lstStyle>
-          <a:p>
-            <a:pPr lvl="0"/>
-            <a:r>
-              <a:rPr lang="en-US" altLang="zh-CN" dirty="0"/>
-              <a:t>adjective</a:t>
-            </a:r>
-            <a:endParaRPr lang="en-JP" dirty="0"/>
-          </a:p>
-        </p:txBody>
-      </p:sp>
-      <p:sp>
-        <p:nvSpPr>
-          <p:cNvPr id="54" name="Text Placeholder 6">
-            <a:extLst>
-              <a:ext uri="{FF2B5EF4-FFF2-40B4-BE49-F238E27FC236}">
-                <a16:creationId xmlns:a16="http://schemas.microsoft.com/office/drawing/2014/main" id="{FB90C090-45A5-F849-A90C-BEEF045674C2}"/>
-              </a:ext>
-            </a:extLst>
-          </p:cNvPr>
-          <p:cNvSpPr>
-            <a:spLocks noGrp="1"/>
-          </p:cNvSpPr>
-          <p:nvPr>
-            <p:ph type="body" sz="quarter" idx="12" hasCustomPrompt="1"/>
-          </p:nvPr>
-        </p:nvSpPr>
-        <p:spPr>
-          <a:xfrm>
-            <a:off x="-1" y="2801103"/>
-            <a:ext cx="5756284" cy="3090332"/>
-          </a:xfrm>
-          <a:prstGeom prst="rect">
-            <a:avLst/>
-          </a:prstGeom>
-        </p:spPr>
-        <p:txBody>
-          <a:bodyPr anchor="t"/>
-          <a:lstStyle>
-            <a:lvl1pPr marL="0" indent="0" algn="r">
-              <a:buNone/>
-              <a:defRPr sz="2400" b="0" i="0">
-                <a:solidFill>
-                  <a:schemeClr val="accent3">
-                    <a:lumMod val="75000"/>
-                  </a:schemeClr>
-                </a:solidFill>
-                <a:latin typeface="PingFang SC Light" panose="020B0300000000000000" pitchFamily="34" charset="-122"/>
-                <a:ea typeface="PingFang SC Light" panose="020B0300000000000000" pitchFamily="34" charset="-122"/>
-              </a:defRPr>
-            </a:lvl1pPr>
-            <a:lvl2pPr marL="324000" indent="0">
-              <a:buNone/>
-              <a:defRPr sz="1200" b="0" i="0">
-                <a:latin typeface="PingFang SC Light" panose="020B0300000000000000" pitchFamily="34" charset="-122"/>
-                <a:ea typeface="PingFang SC Light" panose="020B0300000000000000" pitchFamily="34" charset="-122"/>
-              </a:defRPr>
-            </a:lvl2pPr>
-            <a:lvl3pPr marL="630000" indent="0">
-              <a:buNone/>
-              <a:defRPr sz="1200" b="0" i="0">
-                <a:latin typeface="PingFang SC Light" panose="020B0300000000000000" pitchFamily="34" charset="-122"/>
-                <a:ea typeface="PingFang SC Light" panose="020B0300000000000000" pitchFamily="34" charset="-122"/>
-              </a:defRPr>
-            </a:lvl3pPr>
-            <a:lvl4pPr marL="1008000" indent="0">
-              <a:buNone/>
-              <a:defRPr sz="1200" b="0" i="0">
-                <a:latin typeface="PingFang SC Light" panose="020B0300000000000000" pitchFamily="34" charset="-122"/>
-                <a:ea typeface="PingFang SC Light" panose="020B0300000000000000" pitchFamily="34" charset="-122"/>
-              </a:defRPr>
-            </a:lvl4pPr>
-            <a:lvl5pPr marL="1368000" indent="0">
-              <a:buNone/>
-              <a:defRPr sz="1200" b="0" i="0">
-                <a:latin typeface="PingFang SC Light" panose="020B0300000000000000" pitchFamily="34" charset="-122"/>
-                <a:ea typeface="PingFang SC Light" panose="020B0300000000000000" pitchFamily="34" charset="-122"/>
-              </a:defRPr>
-            </a:lvl5pPr>
-          </a:lstStyle>
-          <a:p>
-            <a:pPr lvl="0"/>
-            <a:r>
-              <a:rPr lang="zh-CN" altLang="en-JP" dirty="0"/>
-              <a:t>翻译</a:t>
-            </a:r>
-            <a:r>
-              <a:rPr lang="en-US" altLang="zh-CN" dirty="0"/>
-              <a:t>1</a:t>
-            </a:r>
-          </a:p>
-          <a:p>
-            <a:pPr lvl="0"/>
-            <a:r>
-              <a:rPr lang="zh-CN" altLang="en-US" dirty="0"/>
-              <a:t>翻译</a:t>
-            </a:r>
-            <a:r>
-              <a:rPr lang="en-US" altLang="zh-CN" dirty="0"/>
-              <a:t>2</a:t>
-            </a:r>
-          </a:p>
-          <a:p>
-            <a:pPr lvl="0"/>
-            <a:r>
-              <a:rPr lang="zh-CN" altLang="en-US" dirty="0"/>
-              <a:t>翻译</a:t>
-            </a:r>
-            <a:r>
-              <a:rPr lang="en-US" altLang="zh-CN" dirty="0"/>
-              <a:t>3</a:t>
-            </a:r>
-          </a:p>
-          <a:p>
-            <a:pPr lvl="0"/>
-            <a:r>
-              <a:rPr lang="zh-CN" altLang="en-US" dirty="0"/>
-              <a:t>翻译</a:t>
-            </a:r>
-            <a:r>
-              <a:rPr lang="en-US" altLang="zh-CN" dirty="0"/>
-              <a:t>4</a:t>
-            </a:r>
-          </a:p>
-          <a:p>
-            <a:pPr lvl="0"/>
-            <a:r>
-              <a:rPr lang="zh-CN" altLang="en-US" dirty="0"/>
-              <a:t>翻译</a:t>
-            </a:r>
-            <a:r>
-              <a:rPr lang="en-US" altLang="zh-CN" dirty="0"/>
-              <a:t>5</a:t>
-            </a:r>
-          </a:p>
-          <a:p>
-            <a:pPr lvl="0"/>
-            <a:r>
-              <a:rPr lang="zh-CN" altLang="en-US" dirty="0"/>
-              <a:t>翻译</a:t>
-            </a:r>
-            <a:r>
-              <a:rPr lang="en-US" altLang="zh-CN" dirty="0"/>
-              <a:t>6</a:t>
-            </a:r>
-            <a:endParaRPr lang="en-JP" dirty="0"/>
-          </a:p>
-        </p:txBody>
-      </p:sp>
-      <p:sp>
-        <p:nvSpPr>
-          <p:cNvPr id="8" name="Rounded Rectangle 7">
-            <a:extLst>
-              <a:ext uri="{FF2B5EF4-FFF2-40B4-BE49-F238E27FC236}">
-                <a16:creationId xmlns:a16="http://schemas.microsoft.com/office/drawing/2014/main" id="{A87B8540-175F-6549-B6A1-2E535E8EF3CF}"/>
-              </a:ext>
-            </a:extLst>
-          </p:cNvPr>
-          <p:cNvSpPr/>
-          <p:nvPr userDrawn="1"/>
-        </p:nvSpPr>
-        <p:spPr>
-          <a:xfrm>
-            <a:off x="6358268" y="980728"/>
-            <a:ext cx="669600" cy="324000"/>
-          </a:xfrm>
-          <a:prstGeom prst="roundRect">
-            <a:avLst>
-              <a:gd name="adj" fmla="val 50000"/>
-            </a:avLst>
-          </a:prstGeom>
-          <a:solidFill>
-            <a:schemeClr val="bg1">
-              <a:lumMod val="95000"/>
-            </a:schemeClr>
-          </a:solidFill>
-          <a:ln>
-            <a:noFill/>
-          </a:ln>
-        </p:spPr>
-        <p:style>
-          <a:lnRef idx="2">
-            <a:schemeClr val="accent1">
-              <a:shade val="50000"/>
-            </a:schemeClr>
-          </a:lnRef>
-          <a:fillRef idx="1">
-            <a:schemeClr val="accent1"/>
-          </a:fillRef>
-          <a:effectRef idx="0">
-            <a:schemeClr val="accent1"/>
-          </a:effectRef>
-          <a:fontRef idx="minor">
-            <a:schemeClr val="lt1"/>
-          </a:fontRef>
-        </p:style>
-        <p:txBody>
-          <a:bodyPr rtlCol="0" anchor="ctr"/>
-          <a:lstStyle/>
-          <a:p>
-            <a:pPr algn="ctr"/>
-            <a:r>
-              <a:rPr lang="zh-CN" altLang="en-US" sz="1200" b="0" i="0" dirty="0">
-                <a:solidFill>
-                  <a:schemeClr val="tx1">
-                    <a:lumMod val="50000"/>
-                    <a:lumOff val="50000"/>
-                  </a:schemeClr>
-                </a:solidFill>
-                <a:latin typeface="PingFang SC Light" panose="020B0300000000000000" pitchFamily="34" charset="-122"/>
-                <a:ea typeface="PingFang SC Light" panose="020B0300000000000000" pitchFamily="34" charset="-122"/>
-              </a:rPr>
-              <a:t>例句</a:t>
-            </a:r>
-            <a:endParaRPr lang="en-JP" sz="1200" b="0" i="0" dirty="0">
-              <a:solidFill>
-                <a:schemeClr val="tx1">
-                  <a:lumMod val="50000"/>
-                  <a:lumOff val="50000"/>
-                </a:schemeClr>
-              </a:solidFill>
-              <a:latin typeface="PingFang SC Light" panose="020B0300000000000000" pitchFamily="34" charset="-122"/>
-              <a:ea typeface="PingFang SC Light" panose="020B0300000000000000" pitchFamily="34" charset="-122"/>
-            </a:endParaRPr>
-          </a:p>
-        </p:txBody>
-      </p:sp>
-      <p:sp>
-        <p:nvSpPr>
-          <p:cNvPr id="9" name="Text Placeholder 6">
-            <a:extLst>
-              <a:ext uri="{FF2B5EF4-FFF2-40B4-BE49-F238E27FC236}">
-                <a16:creationId xmlns:a16="http://schemas.microsoft.com/office/drawing/2014/main" id="{06994839-8FE8-6E43-8918-4D7D44F02D5D}"/>
-              </a:ext>
-            </a:extLst>
-          </p:cNvPr>
-          <p:cNvSpPr>
-            <a:spLocks noGrp="1"/>
-          </p:cNvSpPr>
-          <p:nvPr>
-            <p:ph type="body" sz="quarter" idx="13" hasCustomPrompt="1"/>
-          </p:nvPr>
-        </p:nvSpPr>
-        <p:spPr>
-          <a:xfrm>
-            <a:off x="6358268" y="1423672"/>
-            <a:ext cx="5400000" cy="648000"/>
-          </a:xfrm>
-          <a:prstGeom prst="rect">
-            <a:avLst/>
-          </a:prstGeom>
-        </p:spPr>
-        <p:txBody>
-          <a:bodyPr anchor="b"/>
-          <a:lstStyle>
-            <a:lvl1pPr marL="0" indent="0" algn="l">
-              <a:buNone/>
-              <a:defRPr sz="1800" b="0" i="0">
-                <a:solidFill>
-                  <a:schemeClr val="accent3">
-                    <a:lumMod val="75000"/>
-                  </a:schemeClr>
-                </a:solidFill>
-                <a:latin typeface="Roboto Medium" pitchFamily="2" charset="0"/>
-                <a:ea typeface="Roboto Medium" pitchFamily="2" charset="0"/>
-              </a:defRPr>
-            </a:lvl1pPr>
-            <a:lvl2pPr marL="324000" indent="0">
-              <a:buNone/>
-              <a:defRPr sz="1200" b="0" i="0">
-                <a:latin typeface="PingFang SC Light" panose="020B0300000000000000" pitchFamily="34" charset="-122"/>
-                <a:ea typeface="PingFang SC Light" panose="020B0300000000000000" pitchFamily="34" charset="-122"/>
-              </a:defRPr>
-            </a:lvl2pPr>
-            <a:lvl3pPr marL="630000" indent="0">
-              <a:buNone/>
-              <a:defRPr sz="1200" b="0" i="0">
-                <a:latin typeface="PingFang SC Light" panose="020B0300000000000000" pitchFamily="34" charset="-122"/>
-                <a:ea typeface="PingFang SC Light" panose="020B0300000000000000" pitchFamily="34" charset="-122"/>
-              </a:defRPr>
-            </a:lvl3pPr>
-            <a:lvl4pPr marL="1008000" indent="0">
-              <a:buNone/>
-              <a:defRPr sz="1200" b="0" i="0">
-                <a:latin typeface="PingFang SC Light" panose="020B0300000000000000" pitchFamily="34" charset="-122"/>
-                <a:ea typeface="PingFang SC Light" panose="020B0300000000000000" pitchFamily="34" charset="-122"/>
-              </a:defRPr>
-            </a:lvl4pPr>
-            <a:lvl5pPr marL="1368000" indent="0">
-              <a:buNone/>
-              <a:defRPr sz="1200" b="0" i="0">
-                <a:latin typeface="PingFang SC Light" panose="020B0300000000000000" pitchFamily="34" charset="-122"/>
-                <a:ea typeface="PingFang SC Light" panose="020B0300000000000000" pitchFamily="34" charset="-122"/>
-              </a:defRPr>
-            </a:lvl5pPr>
-          </a:lstStyle>
-          <a:p>
-            <a:pPr lvl="0"/>
-            <a:r>
-              <a:rPr lang="en-US" altLang="zh-CN" dirty="0"/>
-              <a:t>Sentence</a:t>
-            </a:r>
-            <a:r>
-              <a:rPr lang="zh-CN" altLang="en-US" dirty="0"/>
-              <a:t> </a:t>
-            </a:r>
-            <a:r>
-              <a:rPr lang="en-US" altLang="zh-CN" dirty="0"/>
-              <a:t>1</a:t>
-            </a:r>
-            <a:endParaRPr lang="en-JP" dirty="0"/>
-          </a:p>
-        </p:txBody>
-      </p:sp>
-      <p:sp>
-        <p:nvSpPr>
-          <p:cNvPr id="10" name="Text Placeholder 6">
-            <a:extLst>
-              <a:ext uri="{FF2B5EF4-FFF2-40B4-BE49-F238E27FC236}">
-                <a16:creationId xmlns:a16="http://schemas.microsoft.com/office/drawing/2014/main" id="{6816F5A4-C3D2-854B-ABC8-F66C643EE4E0}"/>
-              </a:ext>
-            </a:extLst>
-          </p:cNvPr>
-          <p:cNvSpPr>
-            <a:spLocks noGrp="1"/>
-          </p:cNvSpPr>
-          <p:nvPr>
-            <p:ph type="body" sz="quarter" idx="14" hasCustomPrompt="1"/>
-          </p:nvPr>
-        </p:nvSpPr>
-        <p:spPr>
-          <a:xfrm>
-            <a:off x="6358268" y="2118419"/>
-            <a:ext cx="5400000" cy="324000"/>
-          </a:xfrm>
-          <a:prstGeom prst="rect">
-            <a:avLst/>
-          </a:prstGeom>
-        </p:spPr>
-        <p:txBody>
-          <a:bodyPr anchor="t"/>
-          <a:lstStyle>
-            <a:lvl1pPr marL="0" indent="0" algn="l">
-              <a:buNone/>
-              <a:defRPr sz="1400" b="0" i="0">
-                <a:solidFill>
-                  <a:schemeClr val="tx1">
-                    <a:lumMod val="50000"/>
-                    <a:lumOff val="50000"/>
-                  </a:schemeClr>
-                </a:solidFill>
-                <a:latin typeface="PingFang SC Light" panose="020B0300000000000000" pitchFamily="34" charset="-122"/>
-                <a:ea typeface="PingFang SC Light" panose="020B0300000000000000" pitchFamily="34" charset="-122"/>
-              </a:defRPr>
-            </a:lvl1pPr>
-            <a:lvl2pPr marL="324000" indent="0">
-              <a:buNone/>
-              <a:defRPr sz="1200" b="0" i="0">
-                <a:latin typeface="PingFang SC Light" panose="020B0300000000000000" pitchFamily="34" charset="-122"/>
-                <a:ea typeface="PingFang SC Light" panose="020B0300000000000000" pitchFamily="34" charset="-122"/>
-              </a:defRPr>
-            </a:lvl2pPr>
-            <a:lvl3pPr marL="630000" indent="0">
-              <a:buNone/>
-              <a:defRPr sz="1200" b="0" i="0">
-                <a:latin typeface="PingFang SC Light" panose="020B0300000000000000" pitchFamily="34" charset="-122"/>
-                <a:ea typeface="PingFang SC Light" panose="020B0300000000000000" pitchFamily="34" charset="-122"/>
-              </a:defRPr>
-            </a:lvl3pPr>
-            <a:lvl4pPr marL="1008000" indent="0">
-              <a:buNone/>
-              <a:defRPr sz="1200" b="0" i="0">
-                <a:latin typeface="PingFang SC Light" panose="020B0300000000000000" pitchFamily="34" charset="-122"/>
-                <a:ea typeface="PingFang SC Light" panose="020B0300000000000000" pitchFamily="34" charset="-122"/>
-              </a:defRPr>
-            </a:lvl4pPr>
-            <a:lvl5pPr marL="1368000" indent="0">
-              <a:buNone/>
-              <a:defRPr sz="1200" b="0" i="0">
-                <a:latin typeface="PingFang SC Light" panose="020B0300000000000000" pitchFamily="34" charset="-122"/>
-                <a:ea typeface="PingFang SC Light" panose="020B0300000000000000" pitchFamily="34" charset="-122"/>
-              </a:defRPr>
-            </a:lvl5pPr>
-          </a:lstStyle>
-          <a:p>
-            <a:pPr lvl="0"/>
-            <a:r>
-              <a:rPr lang="zh-CN" altLang="en-US" dirty="0"/>
-              <a:t>翻译 </a:t>
-            </a:r>
-            <a:r>
-              <a:rPr lang="en-US" altLang="zh-CN" dirty="0"/>
-              <a:t>1</a:t>
-            </a:r>
-            <a:endParaRPr lang="en-JP" dirty="0"/>
-          </a:p>
-        </p:txBody>
-      </p:sp>
-      <p:sp>
-        <p:nvSpPr>
-          <p:cNvPr id="11" name="Text Placeholder 6">
-            <a:extLst>
-              <a:ext uri="{FF2B5EF4-FFF2-40B4-BE49-F238E27FC236}">
-                <a16:creationId xmlns:a16="http://schemas.microsoft.com/office/drawing/2014/main" id="{FCF73F8A-79A6-8B45-80FF-2449DD7E715F}"/>
-              </a:ext>
-            </a:extLst>
-          </p:cNvPr>
-          <p:cNvSpPr>
-            <a:spLocks noGrp="1"/>
-          </p:cNvSpPr>
-          <p:nvPr>
-            <p:ph type="body" sz="quarter" idx="15" hasCustomPrompt="1"/>
-          </p:nvPr>
-        </p:nvSpPr>
-        <p:spPr>
-          <a:xfrm>
-            <a:off x="6358268" y="2581081"/>
-            <a:ext cx="5400000" cy="648000"/>
-          </a:xfrm>
-          <a:prstGeom prst="rect">
-            <a:avLst/>
-          </a:prstGeom>
-        </p:spPr>
-        <p:txBody>
-          <a:bodyPr anchor="b"/>
-          <a:lstStyle>
-            <a:lvl1pPr marL="0" indent="0" algn="l">
-              <a:buNone/>
-              <a:defRPr sz="1800" b="0" i="0">
-                <a:solidFill>
-                  <a:schemeClr val="accent3">
-                    <a:lumMod val="75000"/>
-                  </a:schemeClr>
-                </a:solidFill>
-                <a:latin typeface="Roboto Medium" pitchFamily="2" charset="0"/>
-                <a:ea typeface="Roboto Medium" pitchFamily="2" charset="0"/>
-              </a:defRPr>
-            </a:lvl1pPr>
-            <a:lvl2pPr marL="324000" indent="0">
-              <a:buNone/>
-              <a:defRPr sz="1200" b="0" i="0">
-                <a:latin typeface="PingFang SC Light" panose="020B0300000000000000" pitchFamily="34" charset="-122"/>
-                <a:ea typeface="PingFang SC Light" panose="020B0300000000000000" pitchFamily="34" charset="-122"/>
-              </a:defRPr>
-            </a:lvl2pPr>
-            <a:lvl3pPr marL="630000" indent="0">
-              <a:buNone/>
-              <a:defRPr sz="1200" b="0" i="0">
-                <a:latin typeface="PingFang SC Light" panose="020B0300000000000000" pitchFamily="34" charset="-122"/>
-                <a:ea typeface="PingFang SC Light" panose="020B0300000000000000" pitchFamily="34" charset="-122"/>
-              </a:defRPr>
-            </a:lvl3pPr>
-            <a:lvl4pPr marL="1008000" indent="0">
-              <a:buNone/>
-              <a:defRPr sz="1200" b="0" i="0">
-                <a:latin typeface="PingFang SC Light" panose="020B0300000000000000" pitchFamily="34" charset="-122"/>
-                <a:ea typeface="PingFang SC Light" panose="020B0300000000000000" pitchFamily="34" charset="-122"/>
-              </a:defRPr>
-            </a:lvl4pPr>
-            <a:lvl5pPr marL="1368000" indent="0">
-              <a:buNone/>
-              <a:defRPr sz="1200" b="0" i="0">
-                <a:latin typeface="PingFang SC Light" panose="020B0300000000000000" pitchFamily="34" charset="-122"/>
-                <a:ea typeface="PingFang SC Light" panose="020B0300000000000000" pitchFamily="34" charset="-122"/>
-              </a:defRPr>
-            </a:lvl5pPr>
-          </a:lstStyle>
-          <a:p>
-            <a:pPr lvl="0"/>
-            <a:r>
-              <a:rPr lang="en-US" altLang="zh-CN" dirty="0"/>
-              <a:t>Sentence</a:t>
-            </a:r>
-            <a:r>
-              <a:rPr lang="zh-CN" altLang="en-US" dirty="0"/>
-              <a:t> </a:t>
-            </a:r>
-            <a:r>
-              <a:rPr lang="en-US" altLang="zh-CN" dirty="0"/>
-              <a:t>2</a:t>
-            </a:r>
-            <a:endParaRPr lang="en-JP" dirty="0"/>
-          </a:p>
-        </p:txBody>
-      </p:sp>
-      <p:sp>
-        <p:nvSpPr>
-          <p:cNvPr id="12" name="Text Placeholder 6">
-            <a:extLst>
-              <a:ext uri="{FF2B5EF4-FFF2-40B4-BE49-F238E27FC236}">
-                <a16:creationId xmlns:a16="http://schemas.microsoft.com/office/drawing/2014/main" id="{6D94A5CC-3BDE-784D-82EA-FEA7B34C9CFC}"/>
-              </a:ext>
-            </a:extLst>
-          </p:cNvPr>
-          <p:cNvSpPr>
-            <a:spLocks noGrp="1"/>
-          </p:cNvSpPr>
-          <p:nvPr>
-            <p:ph type="body" sz="quarter" idx="16" hasCustomPrompt="1"/>
-          </p:nvPr>
-        </p:nvSpPr>
-        <p:spPr>
-          <a:xfrm>
-            <a:off x="6358268" y="3263825"/>
-            <a:ext cx="5400000" cy="324000"/>
-          </a:xfrm>
-          <a:prstGeom prst="rect">
-            <a:avLst/>
-          </a:prstGeom>
-        </p:spPr>
-        <p:txBody>
-          <a:bodyPr anchor="t"/>
-          <a:lstStyle>
-            <a:lvl1pPr marL="0" indent="0" algn="l">
-              <a:buNone/>
-              <a:defRPr sz="1400" b="0" i="0">
-                <a:solidFill>
-                  <a:schemeClr val="tx1">
-                    <a:lumMod val="50000"/>
-                    <a:lumOff val="50000"/>
-                  </a:schemeClr>
-                </a:solidFill>
-                <a:latin typeface="PingFang SC Light" panose="020B0300000000000000" pitchFamily="34" charset="-122"/>
-                <a:ea typeface="PingFang SC Light" panose="020B0300000000000000" pitchFamily="34" charset="-122"/>
-              </a:defRPr>
-            </a:lvl1pPr>
-            <a:lvl2pPr marL="324000" indent="0">
-              <a:buNone/>
-              <a:defRPr sz="1200" b="0" i="0">
-                <a:latin typeface="PingFang SC Light" panose="020B0300000000000000" pitchFamily="34" charset="-122"/>
-                <a:ea typeface="PingFang SC Light" panose="020B0300000000000000" pitchFamily="34" charset="-122"/>
-              </a:defRPr>
-            </a:lvl2pPr>
-            <a:lvl3pPr marL="630000" indent="0">
-              <a:buNone/>
-              <a:defRPr sz="1200" b="0" i="0">
-                <a:latin typeface="PingFang SC Light" panose="020B0300000000000000" pitchFamily="34" charset="-122"/>
-                <a:ea typeface="PingFang SC Light" panose="020B0300000000000000" pitchFamily="34" charset="-122"/>
-              </a:defRPr>
-            </a:lvl3pPr>
-            <a:lvl4pPr marL="1008000" indent="0">
-              <a:buNone/>
-              <a:defRPr sz="1200" b="0" i="0">
-                <a:latin typeface="PingFang SC Light" panose="020B0300000000000000" pitchFamily="34" charset="-122"/>
-                <a:ea typeface="PingFang SC Light" panose="020B0300000000000000" pitchFamily="34" charset="-122"/>
-              </a:defRPr>
-            </a:lvl4pPr>
-            <a:lvl5pPr marL="1368000" indent="0">
-              <a:buNone/>
-              <a:defRPr sz="1200" b="0" i="0">
-                <a:latin typeface="PingFang SC Light" panose="020B0300000000000000" pitchFamily="34" charset="-122"/>
-                <a:ea typeface="PingFang SC Light" panose="020B0300000000000000" pitchFamily="34" charset="-122"/>
-              </a:defRPr>
-            </a:lvl5pPr>
-          </a:lstStyle>
-          <a:p>
-            <a:pPr lvl="0"/>
-            <a:r>
-              <a:rPr lang="zh-CN" altLang="en-US" dirty="0"/>
-              <a:t>翻译 </a:t>
-            </a:r>
-            <a:r>
-              <a:rPr lang="en-US" altLang="zh-CN" dirty="0"/>
-              <a:t>2</a:t>
-            </a:r>
-            <a:endParaRPr lang="en-JP" dirty="0"/>
-          </a:p>
-        </p:txBody>
-      </p:sp>
-      <p:sp>
-        <p:nvSpPr>
-          <p:cNvPr id="13" name="Text Placeholder 6">
-            <a:extLst>
-              <a:ext uri="{FF2B5EF4-FFF2-40B4-BE49-F238E27FC236}">
-                <a16:creationId xmlns:a16="http://schemas.microsoft.com/office/drawing/2014/main" id="{F9B50DCC-A84C-A64B-89FC-40EE28A7E87C}"/>
-              </a:ext>
-            </a:extLst>
-          </p:cNvPr>
-          <p:cNvSpPr>
-            <a:spLocks noGrp="1"/>
-          </p:cNvSpPr>
-          <p:nvPr>
-            <p:ph type="body" sz="quarter" idx="17" hasCustomPrompt="1"/>
-          </p:nvPr>
-        </p:nvSpPr>
-        <p:spPr>
-          <a:xfrm>
-            <a:off x="6358268" y="3727216"/>
-            <a:ext cx="5400000" cy="648000"/>
-          </a:xfrm>
-          <a:prstGeom prst="rect">
-            <a:avLst/>
-          </a:prstGeom>
-        </p:spPr>
-        <p:txBody>
-          <a:bodyPr anchor="b"/>
-          <a:lstStyle>
-            <a:lvl1pPr marL="0" indent="0" algn="l">
-              <a:buNone/>
-              <a:defRPr sz="1800" b="0" i="0">
-                <a:solidFill>
-                  <a:schemeClr val="accent3">
-                    <a:lumMod val="75000"/>
-                  </a:schemeClr>
-                </a:solidFill>
-                <a:latin typeface="Roboto Medium" pitchFamily="2" charset="0"/>
-                <a:ea typeface="Roboto Medium" pitchFamily="2" charset="0"/>
-              </a:defRPr>
-            </a:lvl1pPr>
-            <a:lvl2pPr marL="324000" indent="0">
-              <a:buNone/>
-              <a:defRPr sz="1200" b="0" i="0">
-                <a:latin typeface="PingFang SC Light" panose="020B0300000000000000" pitchFamily="34" charset="-122"/>
-                <a:ea typeface="PingFang SC Light" panose="020B0300000000000000" pitchFamily="34" charset="-122"/>
-              </a:defRPr>
-            </a:lvl2pPr>
-            <a:lvl3pPr marL="630000" indent="0">
-              <a:buNone/>
-              <a:defRPr sz="1200" b="0" i="0">
-                <a:latin typeface="PingFang SC Light" panose="020B0300000000000000" pitchFamily="34" charset="-122"/>
-                <a:ea typeface="PingFang SC Light" panose="020B0300000000000000" pitchFamily="34" charset="-122"/>
-              </a:defRPr>
-            </a:lvl3pPr>
-            <a:lvl4pPr marL="1008000" indent="0">
-              <a:buNone/>
-              <a:defRPr sz="1200" b="0" i="0">
-                <a:latin typeface="PingFang SC Light" panose="020B0300000000000000" pitchFamily="34" charset="-122"/>
-                <a:ea typeface="PingFang SC Light" panose="020B0300000000000000" pitchFamily="34" charset="-122"/>
-              </a:defRPr>
-            </a:lvl4pPr>
-            <a:lvl5pPr marL="1368000" indent="0">
-              <a:buNone/>
-              <a:defRPr sz="1200" b="0" i="0">
-                <a:latin typeface="PingFang SC Light" panose="020B0300000000000000" pitchFamily="34" charset="-122"/>
-                <a:ea typeface="PingFang SC Light" panose="020B0300000000000000" pitchFamily="34" charset="-122"/>
-              </a:defRPr>
-            </a:lvl5pPr>
-          </a:lstStyle>
-          <a:p>
-            <a:pPr lvl="0"/>
-            <a:r>
-              <a:rPr lang="en-US" altLang="zh-CN" dirty="0"/>
-              <a:t>Sentence</a:t>
-            </a:r>
-            <a:r>
-              <a:rPr lang="zh-CN" altLang="en-US" dirty="0"/>
-              <a:t> </a:t>
-            </a:r>
-            <a:r>
-              <a:rPr lang="en-US" altLang="zh-CN" dirty="0"/>
-              <a:t>3</a:t>
-            </a:r>
-            <a:endParaRPr lang="en-JP" dirty="0"/>
-          </a:p>
-        </p:txBody>
-      </p:sp>
-      <p:sp>
-        <p:nvSpPr>
-          <p:cNvPr id="14" name="Text Placeholder 6">
-            <a:extLst>
-              <a:ext uri="{FF2B5EF4-FFF2-40B4-BE49-F238E27FC236}">
-                <a16:creationId xmlns:a16="http://schemas.microsoft.com/office/drawing/2014/main" id="{0BBC6236-F0EF-2D41-BDBC-922BED4B9BAA}"/>
-              </a:ext>
-            </a:extLst>
-          </p:cNvPr>
-          <p:cNvSpPr>
-            <a:spLocks noGrp="1"/>
-          </p:cNvSpPr>
-          <p:nvPr>
-            <p:ph type="body" sz="quarter" idx="18" hasCustomPrompt="1"/>
-          </p:nvPr>
-        </p:nvSpPr>
-        <p:spPr>
-          <a:xfrm>
-            <a:off x="6358268" y="4416019"/>
-            <a:ext cx="5400000" cy="324000"/>
-          </a:xfrm>
-          <a:prstGeom prst="rect">
-            <a:avLst/>
-          </a:prstGeom>
-        </p:spPr>
-        <p:txBody>
-          <a:bodyPr anchor="t"/>
-          <a:lstStyle>
-            <a:lvl1pPr marL="0" indent="0" algn="l">
-              <a:buNone/>
-              <a:defRPr sz="1400" b="0" i="0">
-                <a:solidFill>
-                  <a:schemeClr val="tx1">
-                    <a:lumMod val="50000"/>
-                    <a:lumOff val="50000"/>
-                  </a:schemeClr>
-                </a:solidFill>
-                <a:latin typeface="PingFang SC Light" panose="020B0300000000000000" pitchFamily="34" charset="-122"/>
-                <a:ea typeface="PingFang SC Light" panose="020B0300000000000000" pitchFamily="34" charset="-122"/>
-              </a:defRPr>
-            </a:lvl1pPr>
-            <a:lvl2pPr marL="324000" indent="0">
-              <a:buNone/>
-              <a:defRPr sz="1200" b="0" i="0">
-                <a:latin typeface="PingFang SC Light" panose="020B0300000000000000" pitchFamily="34" charset="-122"/>
-                <a:ea typeface="PingFang SC Light" panose="020B0300000000000000" pitchFamily="34" charset="-122"/>
-              </a:defRPr>
-            </a:lvl2pPr>
-            <a:lvl3pPr marL="630000" indent="0">
-              <a:buNone/>
-              <a:defRPr sz="1200" b="0" i="0">
-                <a:latin typeface="PingFang SC Light" panose="020B0300000000000000" pitchFamily="34" charset="-122"/>
-                <a:ea typeface="PingFang SC Light" panose="020B0300000000000000" pitchFamily="34" charset="-122"/>
-              </a:defRPr>
-            </a:lvl3pPr>
-            <a:lvl4pPr marL="1008000" indent="0">
-              <a:buNone/>
-              <a:defRPr sz="1200" b="0" i="0">
-                <a:latin typeface="PingFang SC Light" panose="020B0300000000000000" pitchFamily="34" charset="-122"/>
-                <a:ea typeface="PingFang SC Light" panose="020B0300000000000000" pitchFamily="34" charset="-122"/>
-              </a:defRPr>
-            </a:lvl4pPr>
-            <a:lvl5pPr marL="1368000" indent="0">
-              <a:buNone/>
-              <a:defRPr sz="1200" b="0" i="0">
-                <a:latin typeface="PingFang SC Light" panose="020B0300000000000000" pitchFamily="34" charset="-122"/>
-                <a:ea typeface="PingFang SC Light" panose="020B0300000000000000" pitchFamily="34" charset="-122"/>
-              </a:defRPr>
-            </a:lvl5pPr>
-          </a:lstStyle>
-          <a:p>
-            <a:pPr lvl="0"/>
-            <a:r>
-              <a:rPr lang="zh-CN" altLang="en-US" dirty="0"/>
-              <a:t>翻译 </a:t>
-            </a:r>
-            <a:r>
-              <a:rPr lang="en-US" altLang="zh-CN" dirty="0"/>
-              <a:t>3</a:t>
-            </a:r>
-            <a:endParaRPr lang="en-JP" dirty="0"/>
-          </a:p>
-        </p:txBody>
-      </p:sp>
-      <p:sp>
-        <p:nvSpPr>
-          <p:cNvPr id="15" name="Text Placeholder 6">
-            <a:extLst>
-              <a:ext uri="{FF2B5EF4-FFF2-40B4-BE49-F238E27FC236}">
-                <a16:creationId xmlns:a16="http://schemas.microsoft.com/office/drawing/2014/main" id="{5CC1D25C-4F08-D748-A9A2-136F6A6BFF34}"/>
-              </a:ext>
-            </a:extLst>
-          </p:cNvPr>
-          <p:cNvSpPr>
-            <a:spLocks noGrp="1"/>
-          </p:cNvSpPr>
-          <p:nvPr>
-            <p:ph type="body" sz="quarter" idx="19" hasCustomPrompt="1"/>
-          </p:nvPr>
-        </p:nvSpPr>
-        <p:spPr>
-          <a:xfrm>
-            <a:off x="6358268" y="4878632"/>
-            <a:ext cx="5400000" cy="648000"/>
-          </a:xfrm>
-          <a:prstGeom prst="rect">
-            <a:avLst/>
-          </a:prstGeom>
-        </p:spPr>
-        <p:txBody>
-          <a:bodyPr anchor="b"/>
-          <a:lstStyle>
-            <a:lvl1pPr marL="0" indent="0" algn="l">
-              <a:buNone/>
-              <a:defRPr sz="1800" b="0" i="0">
-                <a:solidFill>
-                  <a:schemeClr val="accent3">
-                    <a:lumMod val="75000"/>
-                  </a:schemeClr>
-                </a:solidFill>
-                <a:latin typeface="Roboto Medium" pitchFamily="2" charset="0"/>
-                <a:ea typeface="Roboto Medium" pitchFamily="2" charset="0"/>
-              </a:defRPr>
-            </a:lvl1pPr>
-            <a:lvl2pPr marL="324000" indent="0">
-              <a:buNone/>
-              <a:defRPr sz="1200" b="0" i="0">
-                <a:latin typeface="PingFang SC Light" panose="020B0300000000000000" pitchFamily="34" charset="-122"/>
-                <a:ea typeface="PingFang SC Light" panose="020B0300000000000000" pitchFamily="34" charset="-122"/>
-              </a:defRPr>
-            </a:lvl2pPr>
-            <a:lvl3pPr marL="630000" indent="0">
-              <a:buNone/>
-              <a:defRPr sz="1200" b="0" i="0">
-                <a:latin typeface="PingFang SC Light" panose="020B0300000000000000" pitchFamily="34" charset="-122"/>
-                <a:ea typeface="PingFang SC Light" panose="020B0300000000000000" pitchFamily="34" charset="-122"/>
-              </a:defRPr>
-            </a:lvl3pPr>
-            <a:lvl4pPr marL="1008000" indent="0">
-              <a:buNone/>
-              <a:defRPr sz="1200" b="0" i="0">
-                <a:latin typeface="PingFang SC Light" panose="020B0300000000000000" pitchFamily="34" charset="-122"/>
-                <a:ea typeface="PingFang SC Light" panose="020B0300000000000000" pitchFamily="34" charset="-122"/>
-              </a:defRPr>
-            </a:lvl4pPr>
-            <a:lvl5pPr marL="1368000" indent="0">
-              <a:buNone/>
-              <a:defRPr sz="1200" b="0" i="0">
-                <a:latin typeface="PingFang SC Light" panose="020B0300000000000000" pitchFamily="34" charset="-122"/>
-                <a:ea typeface="PingFang SC Light" panose="020B0300000000000000" pitchFamily="34" charset="-122"/>
-              </a:defRPr>
-            </a:lvl5pPr>
-          </a:lstStyle>
-          <a:p>
-            <a:pPr lvl="0"/>
-            <a:r>
-              <a:rPr lang="en-US" altLang="zh-CN" dirty="0"/>
-              <a:t>Sentence</a:t>
-            </a:r>
-            <a:r>
-              <a:rPr lang="zh-CN" altLang="en-US" dirty="0"/>
-              <a:t> </a:t>
-            </a:r>
-            <a:r>
-              <a:rPr lang="en-US" altLang="zh-CN" dirty="0"/>
-              <a:t>4</a:t>
-            </a:r>
-            <a:endParaRPr lang="en-JP" dirty="0"/>
-          </a:p>
-        </p:txBody>
-      </p:sp>
-      <p:sp>
-        <p:nvSpPr>
-          <p:cNvPr id="16" name="Text Placeholder 6">
-            <a:extLst>
-              <a:ext uri="{FF2B5EF4-FFF2-40B4-BE49-F238E27FC236}">
-                <a16:creationId xmlns:a16="http://schemas.microsoft.com/office/drawing/2014/main" id="{99A6D220-4B7F-584B-BCD3-BB0D49E94ACF}"/>
-              </a:ext>
-            </a:extLst>
-          </p:cNvPr>
-          <p:cNvSpPr>
-            <a:spLocks noGrp="1"/>
-          </p:cNvSpPr>
-          <p:nvPr>
-            <p:ph type="body" sz="quarter" idx="20" hasCustomPrompt="1"/>
-          </p:nvPr>
-        </p:nvSpPr>
-        <p:spPr>
-          <a:xfrm>
-            <a:off x="6358268" y="5567435"/>
-            <a:ext cx="5400000" cy="324000"/>
-          </a:xfrm>
-          <a:prstGeom prst="rect">
-            <a:avLst/>
-          </a:prstGeom>
-        </p:spPr>
-        <p:txBody>
-          <a:bodyPr anchor="t"/>
-          <a:lstStyle>
-            <a:lvl1pPr marL="0" indent="0" algn="l">
-              <a:buNone/>
-              <a:defRPr sz="1400" b="0" i="0">
-                <a:solidFill>
-                  <a:schemeClr val="tx1">
-                    <a:lumMod val="50000"/>
-                    <a:lumOff val="50000"/>
-                  </a:schemeClr>
-                </a:solidFill>
-                <a:latin typeface="PingFang SC Light" panose="020B0300000000000000" pitchFamily="34" charset="-122"/>
-                <a:ea typeface="PingFang SC Light" panose="020B0300000000000000" pitchFamily="34" charset="-122"/>
-              </a:defRPr>
-            </a:lvl1pPr>
-            <a:lvl2pPr marL="324000" indent="0">
-              <a:buNone/>
-              <a:defRPr sz="1200" b="0" i="0">
-                <a:latin typeface="PingFang SC Light" panose="020B0300000000000000" pitchFamily="34" charset="-122"/>
-                <a:ea typeface="PingFang SC Light" panose="020B0300000000000000" pitchFamily="34" charset="-122"/>
-              </a:defRPr>
-            </a:lvl2pPr>
-            <a:lvl3pPr marL="630000" indent="0">
-              <a:buNone/>
-              <a:defRPr sz="1200" b="0" i="0">
-                <a:latin typeface="PingFang SC Light" panose="020B0300000000000000" pitchFamily="34" charset="-122"/>
-                <a:ea typeface="PingFang SC Light" panose="020B0300000000000000" pitchFamily="34" charset="-122"/>
-              </a:defRPr>
-            </a:lvl3pPr>
-            <a:lvl4pPr marL="1008000" indent="0">
-              <a:buNone/>
-              <a:defRPr sz="1200" b="0" i="0">
-                <a:latin typeface="PingFang SC Light" panose="020B0300000000000000" pitchFamily="34" charset="-122"/>
-                <a:ea typeface="PingFang SC Light" panose="020B0300000000000000" pitchFamily="34" charset="-122"/>
-              </a:defRPr>
-            </a:lvl4pPr>
-            <a:lvl5pPr marL="1368000" indent="0">
-              <a:buNone/>
-              <a:defRPr sz="1200" b="0" i="0">
-                <a:latin typeface="PingFang SC Light" panose="020B0300000000000000" pitchFamily="34" charset="-122"/>
-                <a:ea typeface="PingFang SC Light" panose="020B0300000000000000" pitchFamily="34" charset="-122"/>
-              </a:defRPr>
-            </a:lvl5pPr>
-          </a:lstStyle>
-          <a:p>
-            <a:pPr lvl="0"/>
-            <a:r>
-              <a:rPr lang="zh-CN" altLang="en-US" dirty="0"/>
-              <a:t>翻译 </a:t>
-            </a:r>
-            <a:r>
-              <a:rPr lang="en-US" altLang="zh-CN" dirty="0"/>
-              <a:t>4</a:t>
-            </a:r>
-            <a:endParaRPr lang="en-JP" dirty="0"/>
-          </a:p>
-        </p:txBody>
-      </p:sp>
-    </p:spTree>
-    <p:extLst>
-      <p:ext uri="{BB962C8B-B14F-4D97-AF65-F5344CB8AC3E}">
-        <p14:creationId xmlns:p14="http://schemas.microsoft.com/office/powerpoint/2010/main" val="3588131372"/>
-      </p:ext>
-    </p:extLst>
-  </p:cSld>
-  <p:clrMapOvr>
-    <a:masterClrMapping/>
-  </p:clrMapOvr>
-  <p:extLst>
-    <p:ext uri="{DCECCB84-F9BA-43D5-87BE-67443E8EF086}">
-      <p15:sldGuideLst xmlns:p15="http://schemas.microsoft.com/office/powerpoint/2012/main">
-        <p15:guide id="1" pos="3568" userDrawn="1">
-          <p15:clr>
-            <a:srgbClr val="FBAE40"/>
-          </p15:clr>
-        </p15:guide>
-      </p15:sldGuideLst>
-    </p:ext>
-  </p:extLst>
-</p:sldLayout>
-</file>
-
-<file path=ppt/slideLayouts/slideLayout12.xml><?xml version="1.0" encoding="utf-8"?>
-<p:sldLayout xmlns:a="http://schemas.openxmlformats.org/drawingml/2006/main" xmlns:r="http://schemas.openxmlformats.org/officeDocument/2006/relationships" xmlns:p="http://schemas.openxmlformats.org/presentationml/2006/main" preserve="1" userDrawn="1">
-  <p:cSld name="Adjective with extension">
-    <p:bg>
-      <p:bgPr>
-        <a:solidFill>
-          <a:schemeClr val="bg1"/>
-        </a:solidFill>
-        <a:effectLst/>
-      </p:bgPr>
-    </p:bg>
-    <p:spTree>
-      <p:nvGrpSpPr>
-        <p:cNvPr id="1" name=""/>
-        <p:cNvGrpSpPr/>
-        <p:nvPr/>
-      </p:nvGrpSpPr>
-      <p:grpSpPr>
-        <a:xfrm>
-          <a:off x="0" y="0"/>
-          <a:ext cx="0" cy="0"/>
-          <a:chOff x="0" y="0"/>
-          <a:chExt cx="0" cy="0"/>
-        </a:xfrm>
-      </p:grpSpPr>
-      <p:pic>
-        <p:nvPicPr>
-          <p:cNvPr id="20" name="Picture 19">
-            <a:extLst>
-              <a:ext uri="{FF2B5EF4-FFF2-40B4-BE49-F238E27FC236}">
-                <a16:creationId xmlns:a16="http://schemas.microsoft.com/office/drawing/2014/main" id="{64CE1A7C-CAD8-744A-811C-8777A474C7EE}"/>
-              </a:ext>
-            </a:extLst>
-          </p:cNvPr>
-          <p:cNvPicPr>
-            <a:picLocks noChangeAspect="1"/>
-          </p:cNvPicPr>
-          <p:nvPr userDrawn="1"/>
-        </p:nvPicPr>
-        <p:blipFill>
-          <a:blip r:embed="rId2"/>
-          <a:stretch>
-            <a:fillRect/>
-          </a:stretch>
-        </p:blipFill>
-        <p:spPr>
-          <a:xfrm>
-            <a:off x="-1" y="0"/>
-            <a:ext cx="12221225" cy="6870536"/>
-          </a:xfrm>
-          <a:prstGeom prst="rect">
-            <a:avLst/>
-          </a:prstGeom>
-        </p:spPr>
-      </p:pic>
-      <p:sp>
-        <p:nvSpPr>
-          <p:cNvPr id="25" name="Rounded Rectangle 24">
-            <a:extLst>
-              <a:ext uri="{FF2B5EF4-FFF2-40B4-BE49-F238E27FC236}">
-                <a16:creationId xmlns:a16="http://schemas.microsoft.com/office/drawing/2014/main" id="{BF240552-C9E5-5E4F-AAB2-8E2982F9FD3C}"/>
-              </a:ext>
-            </a:extLst>
-          </p:cNvPr>
-          <p:cNvSpPr/>
-          <p:nvPr userDrawn="1"/>
-        </p:nvSpPr>
-        <p:spPr>
-          <a:xfrm>
-            <a:off x="4584200" y="993858"/>
-            <a:ext cx="1080000" cy="324000"/>
-          </a:xfrm>
-          <a:prstGeom prst="roundRect">
-            <a:avLst>
-              <a:gd name="adj" fmla="val 50000"/>
-            </a:avLst>
-          </a:prstGeom>
-          <a:solidFill>
-            <a:schemeClr val="bg1"/>
-          </a:solidFill>
-          <a:ln>
-            <a:solidFill>
-              <a:schemeClr val="bg1">
-                <a:lumMod val="95000"/>
-              </a:schemeClr>
-            </a:solidFill>
-          </a:ln>
-        </p:spPr>
-        <p:style>
-          <a:lnRef idx="2">
-            <a:schemeClr val="accent1">
-              <a:shade val="50000"/>
-            </a:schemeClr>
-          </a:lnRef>
-          <a:fillRef idx="1">
-            <a:schemeClr val="accent1"/>
-          </a:fillRef>
-          <a:effectRef idx="0">
-            <a:schemeClr val="accent1"/>
-          </a:effectRef>
-          <a:fontRef idx="minor">
-            <a:schemeClr val="lt1"/>
-          </a:fontRef>
-        </p:style>
-        <p:txBody>
-          <a:bodyPr rtlCol="0" anchor="ctr"/>
-          <a:lstStyle/>
-          <a:p>
-            <a:pPr algn="ctr"/>
-            <a:endParaRPr lang="en-JP" sz="1200" dirty="0">
-              <a:solidFill>
-                <a:schemeClr val="tx1">
-                  <a:lumMod val="50000"/>
-                  <a:lumOff val="50000"/>
-                </a:schemeClr>
-              </a:solidFill>
-              <a:latin typeface="PingFang SC" panose="020B0400000000000000" pitchFamily="34" charset="-122"/>
-              <a:ea typeface="PingFang SC" panose="020B0400000000000000" pitchFamily="34" charset="-122"/>
-            </a:endParaRPr>
-          </a:p>
-        </p:txBody>
-      </p:sp>
-      <p:sp>
-        <p:nvSpPr>
-          <p:cNvPr id="26" name="Rounded Rectangle 25">
-            <a:extLst>
-              <a:ext uri="{FF2B5EF4-FFF2-40B4-BE49-F238E27FC236}">
-                <a16:creationId xmlns:a16="http://schemas.microsoft.com/office/drawing/2014/main" id="{D3C38A53-AEFA-BD48-95DB-E59461D01E2B}"/>
-              </a:ext>
-            </a:extLst>
-          </p:cNvPr>
-          <p:cNvSpPr/>
-          <p:nvPr userDrawn="1"/>
-        </p:nvSpPr>
-        <p:spPr>
-          <a:xfrm>
-            <a:off x="6415088" y="1484784"/>
-            <a:ext cx="761032" cy="324000"/>
-          </a:xfrm>
-          <a:prstGeom prst="roundRect">
-            <a:avLst>
-              <a:gd name="adj" fmla="val 50000"/>
-            </a:avLst>
-          </a:prstGeom>
-          <a:solidFill>
-            <a:schemeClr val="bg1">
-              <a:lumMod val="95000"/>
-            </a:schemeClr>
-          </a:solidFill>
-          <a:ln>
-            <a:noFill/>
-          </a:ln>
-        </p:spPr>
-        <p:style>
-          <a:lnRef idx="2">
-            <a:schemeClr val="accent1">
-              <a:shade val="50000"/>
-            </a:schemeClr>
-          </a:lnRef>
-          <a:fillRef idx="1">
-            <a:schemeClr val="accent1"/>
-          </a:fillRef>
-          <a:effectRef idx="0">
-            <a:schemeClr val="accent1"/>
-          </a:effectRef>
-          <a:fontRef idx="minor">
-            <a:schemeClr val="lt1"/>
-          </a:fontRef>
-        </p:style>
-        <p:txBody>
-          <a:bodyPr rtlCol="0" anchor="ctr"/>
-          <a:lstStyle/>
-          <a:p>
-            <a:pPr algn="ctr"/>
-            <a:r>
-              <a:rPr lang="zh-CN" altLang="en-US" sz="1200" b="0" i="0" dirty="0">
-                <a:solidFill>
-                  <a:schemeClr val="tx1">
-                    <a:lumMod val="50000"/>
-                    <a:lumOff val="50000"/>
-                  </a:schemeClr>
-                </a:solidFill>
-                <a:latin typeface="PingFang SC Light" panose="020B0300000000000000" pitchFamily="34" charset="-122"/>
-                <a:ea typeface="PingFang SC Light" panose="020B0300000000000000" pitchFamily="34" charset="-122"/>
-              </a:rPr>
-              <a:t>原形</a:t>
-            </a:r>
-            <a:endParaRPr lang="en-JP" sz="1200" b="0" i="0" dirty="0">
-              <a:solidFill>
-                <a:schemeClr val="tx1">
-                  <a:lumMod val="50000"/>
-                  <a:lumOff val="50000"/>
-                </a:schemeClr>
-              </a:solidFill>
-              <a:latin typeface="PingFang SC Light" panose="020B0300000000000000" pitchFamily="34" charset="-122"/>
-              <a:ea typeface="PingFang SC Light" panose="020B0300000000000000" pitchFamily="34" charset="-122"/>
-            </a:endParaRPr>
-          </a:p>
-        </p:txBody>
-      </p:sp>
-      <p:sp>
-        <p:nvSpPr>
-          <p:cNvPr id="29" name="Rounded Rectangle 28">
-            <a:extLst>
-              <a:ext uri="{FF2B5EF4-FFF2-40B4-BE49-F238E27FC236}">
-                <a16:creationId xmlns:a16="http://schemas.microsoft.com/office/drawing/2014/main" id="{10B4239A-2331-584B-AA11-8BF68BA5FB62}"/>
-              </a:ext>
-            </a:extLst>
-          </p:cNvPr>
-          <p:cNvSpPr/>
-          <p:nvPr userDrawn="1"/>
-        </p:nvSpPr>
-        <p:spPr>
-          <a:xfrm>
-            <a:off x="6415088" y="2116669"/>
-            <a:ext cx="761032" cy="324000"/>
-          </a:xfrm>
-          <a:prstGeom prst="roundRect">
-            <a:avLst>
-              <a:gd name="adj" fmla="val 50000"/>
-            </a:avLst>
-          </a:prstGeom>
-          <a:solidFill>
-            <a:schemeClr val="bg1">
-              <a:lumMod val="95000"/>
-            </a:schemeClr>
-          </a:solidFill>
-          <a:ln>
-            <a:noFill/>
-          </a:ln>
-        </p:spPr>
-        <p:style>
-          <a:lnRef idx="2">
-            <a:schemeClr val="accent1">
-              <a:shade val="50000"/>
-            </a:schemeClr>
-          </a:lnRef>
-          <a:fillRef idx="1">
-            <a:schemeClr val="accent1"/>
-          </a:fillRef>
-          <a:effectRef idx="0">
-            <a:schemeClr val="accent1"/>
-          </a:effectRef>
-          <a:fontRef idx="minor">
-            <a:schemeClr val="lt1"/>
-          </a:fontRef>
-        </p:style>
-        <p:txBody>
-          <a:bodyPr rtlCol="0" anchor="ctr"/>
-          <a:lstStyle/>
-          <a:p>
-            <a:pPr algn="ctr"/>
-            <a:r>
-              <a:rPr lang="zh-CN" altLang="en-US" sz="1200" b="0" i="0" dirty="0">
-                <a:solidFill>
-                  <a:schemeClr val="tx1">
-                    <a:lumMod val="50000"/>
-                    <a:lumOff val="50000"/>
-                  </a:schemeClr>
-                </a:solidFill>
-                <a:latin typeface="PingFang SC Light" panose="020B0300000000000000" pitchFamily="34" charset="-122"/>
-                <a:ea typeface="PingFang SC Light" panose="020B0300000000000000" pitchFamily="34" charset="-122"/>
-              </a:rPr>
-              <a:t>比较级</a:t>
-            </a:r>
-            <a:endParaRPr lang="en-JP" sz="1200" b="0" i="0" dirty="0">
-              <a:solidFill>
-                <a:schemeClr val="tx1">
-                  <a:lumMod val="50000"/>
-                  <a:lumOff val="50000"/>
-                </a:schemeClr>
-              </a:solidFill>
-              <a:latin typeface="PingFang SC Light" panose="020B0300000000000000" pitchFamily="34" charset="-122"/>
-              <a:ea typeface="PingFang SC Light" panose="020B0300000000000000" pitchFamily="34" charset="-122"/>
-            </a:endParaRPr>
-          </a:p>
-        </p:txBody>
-      </p:sp>
-      <p:cxnSp>
-        <p:nvCxnSpPr>
-          <p:cNvPr id="52" name="Straight Connector 51">
-            <a:extLst>
-              <a:ext uri="{FF2B5EF4-FFF2-40B4-BE49-F238E27FC236}">
-                <a16:creationId xmlns:a16="http://schemas.microsoft.com/office/drawing/2014/main" id="{37B0950A-2FDA-924B-BFF8-E5629FE778C4}"/>
-              </a:ext>
-            </a:extLst>
-          </p:cNvPr>
-          <p:cNvCxnSpPr>
-            <a:cxnSpLocks/>
-          </p:cNvCxnSpPr>
-          <p:nvPr userDrawn="1"/>
-        </p:nvCxnSpPr>
-        <p:spPr>
-          <a:xfrm>
-            <a:off x="6096000" y="-6132"/>
-            <a:ext cx="0" cy="6858000"/>
-          </a:xfrm>
-          <a:prstGeom prst="line">
-            <a:avLst/>
-          </a:prstGeom>
-          <a:ln>
-            <a:solidFill>
-              <a:schemeClr val="bg1">
-                <a:lumMod val="85000"/>
-              </a:schemeClr>
-            </a:solidFill>
-            <a:prstDash val="dash"/>
-          </a:ln>
-        </p:spPr>
-        <p:style>
-          <a:lnRef idx="1">
-            <a:schemeClr val="accent1"/>
-          </a:lnRef>
-          <a:fillRef idx="0">
-            <a:schemeClr val="accent1"/>
-          </a:fillRef>
-          <a:effectRef idx="0">
-            <a:schemeClr val="accent1"/>
-          </a:effectRef>
-          <a:fontRef idx="minor">
-            <a:schemeClr val="tx1"/>
-          </a:fontRef>
-        </p:style>
-      </p:cxnSp>
-      <p:sp>
-        <p:nvSpPr>
-          <p:cNvPr id="7" name="Text Placeholder 6">
-            <a:extLst>
-              <a:ext uri="{FF2B5EF4-FFF2-40B4-BE49-F238E27FC236}">
-                <a16:creationId xmlns:a16="http://schemas.microsoft.com/office/drawing/2014/main" id="{640E96AF-F586-3243-ACF1-FD2B5D10F517}"/>
-              </a:ext>
-            </a:extLst>
-          </p:cNvPr>
-          <p:cNvSpPr>
-            <a:spLocks noGrp="1"/>
-          </p:cNvSpPr>
-          <p:nvPr>
-            <p:ph type="body" sz="quarter" idx="10" hasCustomPrompt="1"/>
-          </p:nvPr>
-        </p:nvSpPr>
-        <p:spPr>
-          <a:xfrm>
-            <a:off x="4584200" y="993858"/>
-            <a:ext cx="1080000" cy="324000"/>
-          </a:xfrm>
-          <a:prstGeom prst="rect">
-            <a:avLst/>
-          </a:prstGeom>
-        </p:spPr>
-        <p:txBody>
-          <a:bodyPr anchor="ctr"/>
-          <a:lstStyle>
-            <a:lvl1pPr marL="0" indent="0" algn="ctr">
-              <a:buNone/>
-              <a:defRPr sz="1200" b="0" i="0">
-                <a:solidFill>
-                  <a:schemeClr val="accent3">
-                    <a:lumMod val="75000"/>
-                  </a:schemeClr>
-                </a:solidFill>
-                <a:latin typeface="PingFang SC" panose="020B0400000000000000" pitchFamily="34" charset="-122"/>
-                <a:ea typeface="PingFang SC" panose="020B0400000000000000" pitchFamily="34" charset="-122"/>
-              </a:defRPr>
-            </a:lvl1pPr>
-            <a:lvl2pPr marL="324000" indent="0">
-              <a:buNone/>
-              <a:defRPr sz="1200" b="0" i="0">
-                <a:latin typeface="PingFang SC Light" panose="020B0300000000000000" pitchFamily="34" charset="-122"/>
-                <a:ea typeface="PingFang SC Light" panose="020B0300000000000000" pitchFamily="34" charset="-122"/>
-              </a:defRPr>
-            </a:lvl2pPr>
-            <a:lvl3pPr marL="630000" indent="0">
-              <a:buNone/>
-              <a:defRPr sz="1200" b="0" i="0">
-                <a:latin typeface="PingFang SC Light" panose="020B0300000000000000" pitchFamily="34" charset="-122"/>
-                <a:ea typeface="PingFang SC Light" panose="020B0300000000000000" pitchFamily="34" charset="-122"/>
-              </a:defRPr>
-            </a:lvl3pPr>
-            <a:lvl4pPr marL="1008000" indent="0">
-              <a:buNone/>
-              <a:defRPr sz="1200" b="0" i="0">
-                <a:latin typeface="PingFang SC Light" panose="020B0300000000000000" pitchFamily="34" charset="-122"/>
-                <a:ea typeface="PingFang SC Light" panose="020B0300000000000000" pitchFamily="34" charset="-122"/>
-              </a:defRPr>
-            </a:lvl4pPr>
-            <a:lvl5pPr marL="1368000" indent="0">
-              <a:buNone/>
-              <a:defRPr sz="1200" b="0" i="0">
-                <a:latin typeface="PingFang SC Light" panose="020B0300000000000000" pitchFamily="34" charset="-122"/>
-                <a:ea typeface="PingFang SC Light" panose="020B0300000000000000" pitchFamily="34" charset="-122"/>
-              </a:defRPr>
-            </a:lvl5pPr>
-          </a:lstStyle>
-          <a:p>
-            <a:pPr lvl="0"/>
-            <a:r>
-              <a:rPr lang="en-JP" dirty="0"/>
-              <a:t>adj. </a:t>
-            </a:r>
-            <a:r>
-              <a:rPr lang="zh-CN" altLang="en-US" dirty="0"/>
-              <a:t>说明</a:t>
-            </a:r>
-            <a:endParaRPr lang="en-JP" dirty="0"/>
-          </a:p>
-        </p:txBody>
-      </p:sp>
-      <p:sp>
-        <p:nvSpPr>
-          <p:cNvPr id="53" name="Text Placeholder 6">
-            <a:extLst>
-              <a:ext uri="{FF2B5EF4-FFF2-40B4-BE49-F238E27FC236}">
-                <a16:creationId xmlns:a16="http://schemas.microsoft.com/office/drawing/2014/main" id="{FE966760-E5A1-5B4E-BCB8-D2999A82721F}"/>
-              </a:ext>
-            </a:extLst>
-          </p:cNvPr>
-          <p:cNvSpPr>
-            <a:spLocks noGrp="1"/>
-          </p:cNvSpPr>
-          <p:nvPr>
-            <p:ph type="body" sz="quarter" idx="11" hasCustomPrompt="1"/>
-          </p:nvPr>
-        </p:nvSpPr>
-        <p:spPr>
-          <a:xfrm>
-            <a:off x="-1" y="1420216"/>
-            <a:ext cx="5756284" cy="1300613"/>
-          </a:xfrm>
-          <a:prstGeom prst="rect">
-            <a:avLst/>
-          </a:prstGeom>
-        </p:spPr>
-        <p:txBody>
-          <a:bodyPr anchor="ctr"/>
-          <a:lstStyle>
-            <a:lvl1pPr marL="0" indent="0" algn="r">
-              <a:buNone/>
-              <a:defRPr sz="5800" b="0" i="0">
-                <a:solidFill>
-                  <a:schemeClr val="accent3">
-                    <a:lumMod val="75000"/>
-                  </a:schemeClr>
-                </a:solidFill>
-                <a:latin typeface="Roboto Medium" pitchFamily="2" charset="0"/>
-                <a:ea typeface="Roboto Medium" pitchFamily="2" charset="0"/>
-              </a:defRPr>
-            </a:lvl1pPr>
-            <a:lvl2pPr marL="324000" indent="0">
-              <a:buNone/>
-              <a:defRPr sz="1200" b="0" i="0">
-                <a:latin typeface="PingFang SC Light" panose="020B0300000000000000" pitchFamily="34" charset="-122"/>
-                <a:ea typeface="PingFang SC Light" panose="020B0300000000000000" pitchFamily="34" charset="-122"/>
-              </a:defRPr>
-            </a:lvl2pPr>
-            <a:lvl3pPr marL="630000" indent="0">
-              <a:buNone/>
-              <a:defRPr sz="1200" b="0" i="0">
-                <a:latin typeface="PingFang SC Light" panose="020B0300000000000000" pitchFamily="34" charset="-122"/>
-                <a:ea typeface="PingFang SC Light" panose="020B0300000000000000" pitchFamily="34" charset="-122"/>
-              </a:defRPr>
-            </a:lvl3pPr>
-            <a:lvl4pPr marL="1008000" indent="0">
-              <a:buNone/>
-              <a:defRPr sz="1200" b="0" i="0">
-                <a:latin typeface="PingFang SC Light" panose="020B0300000000000000" pitchFamily="34" charset="-122"/>
-                <a:ea typeface="PingFang SC Light" panose="020B0300000000000000" pitchFamily="34" charset="-122"/>
-              </a:defRPr>
-            </a:lvl4pPr>
-            <a:lvl5pPr marL="1368000" indent="0">
-              <a:buNone/>
-              <a:defRPr sz="1200" b="0" i="0">
-                <a:latin typeface="PingFang SC Light" panose="020B0300000000000000" pitchFamily="34" charset="-122"/>
-                <a:ea typeface="PingFang SC Light" panose="020B0300000000000000" pitchFamily="34" charset="-122"/>
-              </a:defRPr>
-            </a:lvl5pPr>
-          </a:lstStyle>
-          <a:p>
-            <a:pPr lvl="0"/>
-            <a:r>
-              <a:rPr lang="en-JP" dirty="0"/>
-              <a:t>adjective</a:t>
-            </a:r>
-          </a:p>
-        </p:txBody>
-      </p:sp>
-      <p:sp>
-        <p:nvSpPr>
-          <p:cNvPr id="54" name="Text Placeholder 6">
-            <a:extLst>
-              <a:ext uri="{FF2B5EF4-FFF2-40B4-BE49-F238E27FC236}">
-                <a16:creationId xmlns:a16="http://schemas.microsoft.com/office/drawing/2014/main" id="{FB90C090-45A5-F849-A90C-BEEF045674C2}"/>
-              </a:ext>
-            </a:extLst>
-          </p:cNvPr>
-          <p:cNvSpPr>
-            <a:spLocks noGrp="1"/>
-          </p:cNvSpPr>
-          <p:nvPr>
-            <p:ph type="body" sz="quarter" idx="12" hasCustomPrompt="1"/>
-          </p:nvPr>
-        </p:nvSpPr>
-        <p:spPr>
-          <a:xfrm>
-            <a:off x="-1" y="2818710"/>
-            <a:ext cx="5756284" cy="3058247"/>
-          </a:xfrm>
-          <a:prstGeom prst="rect">
-            <a:avLst/>
-          </a:prstGeom>
-        </p:spPr>
-        <p:txBody>
-          <a:bodyPr anchor="t"/>
-          <a:lstStyle>
-            <a:lvl1pPr marL="0" indent="0" algn="r">
-              <a:buNone/>
-              <a:defRPr sz="2400" b="0" i="0">
-                <a:solidFill>
-                  <a:schemeClr val="accent3">
-                    <a:lumMod val="75000"/>
-                  </a:schemeClr>
-                </a:solidFill>
-                <a:latin typeface="PingFang SC Light" panose="020B0300000000000000" pitchFamily="34" charset="-122"/>
-                <a:ea typeface="PingFang SC Light" panose="020B0300000000000000" pitchFamily="34" charset="-122"/>
-              </a:defRPr>
-            </a:lvl1pPr>
-            <a:lvl2pPr marL="324000" indent="0">
-              <a:buNone/>
-              <a:defRPr sz="1200" b="0" i="0">
-                <a:latin typeface="PingFang SC Light" panose="020B0300000000000000" pitchFamily="34" charset="-122"/>
-                <a:ea typeface="PingFang SC Light" panose="020B0300000000000000" pitchFamily="34" charset="-122"/>
-              </a:defRPr>
-            </a:lvl2pPr>
-            <a:lvl3pPr marL="630000" indent="0">
-              <a:buNone/>
-              <a:defRPr sz="1200" b="0" i="0">
-                <a:latin typeface="PingFang SC Light" panose="020B0300000000000000" pitchFamily="34" charset="-122"/>
-                <a:ea typeface="PingFang SC Light" panose="020B0300000000000000" pitchFamily="34" charset="-122"/>
-              </a:defRPr>
-            </a:lvl3pPr>
-            <a:lvl4pPr marL="1008000" indent="0">
-              <a:buNone/>
-              <a:defRPr sz="1200" b="0" i="0">
-                <a:latin typeface="PingFang SC Light" panose="020B0300000000000000" pitchFamily="34" charset="-122"/>
-                <a:ea typeface="PingFang SC Light" panose="020B0300000000000000" pitchFamily="34" charset="-122"/>
-              </a:defRPr>
-            </a:lvl4pPr>
-            <a:lvl5pPr marL="1368000" indent="0">
-              <a:buNone/>
-              <a:defRPr sz="1200" b="0" i="0">
-                <a:latin typeface="PingFang SC Light" panose="020B0300000000000000" pitchFamily="34" charset="-122"/>
-                <a:ea typeface="PingFang SC Light" panose="020B0300000000000000" pitchFamily="34" charset="-122"/>
-              </a:defRPr>
-            </a:lvl5pPr>
-          </a:lstStyle>
-          <a:p>
-            <a:pPr lvl="0"/>
-            <a:r>
-              <a:rPr lang="zh-CN" altLang="en-JP" dirty="0"/>
-              <a:t>翻译</a:t>
-            </a:r>
-            <a:r>
-              <a:rPr lang="en-US" altLang="zh-CN" dirty="0"/>
-              <a:t>1</a:t>
-            </a:r>
-          </a:p>
-          <a:p>
-            <a:pPr lvl="0"/>
-            <a:r>
-              <a:rPr lang="zh-CN" altLang="en-US" dirty="0"/>
-              <a:t>翻译</a:t>
-            </a:r>
-            <a:r>
-              <a:rPr lang="en-US" altLang="zh-CN" dirty="0"/>
-              <a:t>2</a:t>
-            </a:r>
-          </a:p>
-          <a:p>
-            <a:pPr lvl="0"/>
-            <a:r>
-              <a:rPr lang="zh-CN" altLang="en-US" dirty="0"/>
-              <a:t>翻译</a:t>
-            </a:r>
-            <a:r>
-              <a:rPr lang="en-US" altLang="zh-CN" dirty="0"/>
-              <a:t>3</a:t>
-            </a:r>
-          </a:p>
-          <a:p>
-            <a:pPr lvl="0"/>
-            <a:r>
-              <a:rPr lang="zh-CN" altLang="en-US" dirty="0"/>
-              <a:t>翻译</a:t>
-            </a:r>
-            <a:r>
-              <a:rPr lang="en-US" altLang="zh-CN" dirty="0"/>
-              <a:t>4</a:t>
-            </a:r>
-          </a:p>
-          <a:p>
-            <a:pPr lvl="0"/>
-            <a:r>
-              <a:rPr lang="zh-CN" altLang="en-US" dirty="0"/>
-              <a:t>翻译</a:t>
-            </a:r>
-            <a:r>
-              <a:rPr lang="en-US" altLang="zh-CN" dirty="0"/>
-              <a:t>5</a:t>
-            </a:r>
-          </a:p>
-          <a:p>
-            <a:pPr lvl="0"/>
-            <a:r>
-              <a:rPr lang="zh-CN" altLang="en-US" dirty="0"/>
-              <a:t>翻译</a:t>
-            </a:r>
-            <a:r>
-              <a:rPr lang="en-US" altLang="zh-CN" dirty="0"/>
-              <a:t>6</a:t>
-            </a:r>
-            <a:endParaRPr lang="en-JP" dirty="0"/>
-          </a:p>
-        </p:txBody>
-      </p:sp>
-      <p:sp>
-        <p:nvSpPr>
-          <p:cNvPr id="55" name="Text Placeholder 6">
-            <a:extLst>
-              <a:ext uri="{FF2B5EF4-FFF2-40B4-BE49-F238E27FC236}">
-                <a16:creationId xmlns:a16="http://schemas.microsoft.com/office/drawing/2014/main" id="{DAFB5A77-CA21-6547-9045-AA48F1B4B34E}"/>
-              </a:ext>
-            </a:extLst>
-          </p:cNvPr>
-          <p:cNvSpPr>
-            <a:spLocks noGrp="1"/>
-          </p:cNvSpPr>
-          <p:nvPr>
-            <p:ph type="body" sz="quarter" idx="13" hasCustomPrompt="1"/>
-          </p:nvPr>
-        </p:nvSpPr>
-        <p:spPr>
-          <a:xfrm>
-            <a:off x="7361523" y="1410649"/>
-            <a:ext cx="4501390" cy="472270"/>
-          </a:xfrm>
-          <a:prstGeom prst="rect">
-            <a:avLst/>
-          </a:prstGeom>
-        </p:spPr>
-        <p:txBody>
-          <a:bodyPr anchor="ctr"/>
-          <a:lstStyle>
-            <a:lvl1pPr marL="0" indent="0" algn="l">
-              <a:buNone/>
-              <a:defRPr sz="2400" b="0" i="0">
-                <a:solidFill>
-                  <a:schemeClr val="accent3">
-                    <a:lumMod val="75000"/>
-                  </a:schemeClr>
-                </a:solidFill>
-                <a:latin typeface="Roboto Medium" pitchFamily="2" charset="0"/>
-                <a:ea typeface="Roboto Medium" pitchFamily="2" charset="0"/>
-              </a:defRPr>
-            </a:lvl1pPr>
-            <a:lvl2pPr marL="324000" indent="0">
-              <a:buNone/>
-              <a:defRPr sz="1200" b="0" i="0">
-                <a:latin typeface="PingFang SC Light" panose="020B0300000000000000" pitchFamily="34" charset="-122"/>
-                <a:ea typeface="PingFang SC Light" panose="020B0300000000000000" pitchFamily="34" charset="-122"/>
-              </a:defRPr>
-            </a:lvl2pPr>
-            <a:lvl3pPr marL="630000" indent="0">
-              <a:buNone/>
-              <a:defRPr sz="1200" b="0" i="0">
-                <a:latin typeface="PingFang SC Light" panose="020B0300000000000000" pitchFamily="34" charset="-122"/>
-                <a:ea typeface="PingFang SC Light" panose="020B0300000000000000" pitchFamily="34" charset="-122"/>
-              </a:defRPr>
-            </a:lvl3pPr>
-            <a:lvl4pPr marL="1008000" indent="0">
-              <a:buNone/>
-              <a:defRPr sz="1200" b="0" i="0">
-                <a:latin typeface="PingFang SC Light" panose="020B0300000000000000" pitchFamily="34" charset="-122"/>
-                <a:ea typeface="PingFang SC Light" panose="020B0300000000000000" pitchFamily="34" charset="-122"/>
-              </a:defRPr>
-            </a:lvl4pPr>
-            <a:lvl5pPr marL="1368000" indent="0">
-              <a:buNone/>
-              <a:defRPr sz="1200" b="0" i="0">
-                <a:latin typeface="PingFang SC Light" panose="020B0300000000000000" pitchFamily="34" charset="-122"/>
-                <a:ea typeface="PingFang SC Light" panose="020B0300000000000000" pitchFamily="34" charset="-122"/>
-              </a:defRPr>
-            </a:lvl5pPr>
-          </a:lstStyle>
-          <a:p>
-            <a:pPr lvl="0"/>
-            <a:r>
-              <a:rPr lang="en-JP" dirty="0"/>
-              <a:t>adjective</a:t>
-            </a:r>
-          </a:p>
-        </p:txBody>
-      </p:sp>
-      <p:sp>
-        <p:nvSpPr>
-          <p:cNvPr id="30" name="Text Placeholder 6">
-            <a:extLst>
-              <a:ext uri="{FF2B5EF4-FFF2-40B4-BE49-F238E27FC236}">
-                <a16:creationId xmlns:a16="http://schemas.microsoft.com/office/drawing/2014/main" id="{DC9DE555-235D-844E-81F7-2719FE0EBE5A}"/>
-              </a:ext>
-            </a:extLst>
-          </p:cNvPr>
-          <p:cNvSpPr>
-            <a:spLocks noGrp="1"/>
-          </p:cNvSpPr>
-          <p:nvPr>
-            <p:ph type="body" sz="quarter" idx="14" hasCustomPrompt="1"/>
-          </p:nvPr>
-        </p:nvSpPr>
-        <p:spPr>
-          <a:xfrm>
-            <a:off x="7350895" y="2046799"/>
-            <a:ext cx="4501390" cy="472270"/>
-          </a:xfrm>
-          <a:prstGeom prst="rect">
-            <a:avLst/>
-          </a:prstGeom>
-        </p:spPr>
-        <p:txBody>
-          <a:bodyPr anchor="ctr"/>
-          <a:lstStyle>
-            <a:lvl1pPr marL="0" indent="0" algn="l">
-              <a:buNone/>
-              <a:defRPr sz="2400" b="0" i="0">
-                <a:solidFill>
-                  <a:schemeClr val="accent3">
-                    <a:lumMod val="75000"/>
-                  </a:schemeClr>
-                </a:solidFill>
-                <a:latin typeface="Roboto Medium" pitchFamily="2" charset="0"/>
-                <a:ea typeface="Roboto Medium" pitchFamily="2" charset="0"/>
-              </a:defRPr>
-            </a:lvl1pPr>
-            <a:lvl2pPr marL="324000" indent="0">
-              <a:buNone/>
-              <a:defRPr sz="1200" b="0" i="0">
-                <a:latin typeface="PingFang SC Light" panose="020B0300000000000000" pitchFamily="34" charset="-122"/>
-                <a:ea typeface="PingFang SC Light" panose="020B0300000000000000" pitchFamily="34" charset="-122"/>
-              </a:defRPr>
-            </a:lvl2pPr>
-            <a:lvl3pPr marL="630000" indent="0">
-              <a:buNone/>
-              <a:defRPr sz="1200" b="0" i="0">
-                <a:latin typeface="PingFang SC Light" panose="020B0300000000000000" pitchFamily="34" charset="-122"/>
-                <a:ea typeface="PingFang SC Light" panose="020B0300000000000000" pitchFamily="34" charset="-122"/>
-              </a:defRPr>
-            </a:lvl3pPr>
-            <a:lvl4pPr marL="1008000" indent="0">
-              <a:buNone/>
-              <a:defRPr sz="1200" b="0" i="0">
-                <a:latin typeface="PingFang SC Light" panose="020B0300000000000000" pitchFamily="34" charset="-122"/>
-                <a:ea typeface="PingFang SC Light" panose="020B0300000000000000" pitchFamily="34" charset="-122"/>
-              </a:defRPr>
-            </a:lvl4pPr>
-            <a:lvl5pPr marL="1368000" indent="0">
-              <a:buNone/>
-              <a:defRPr sz="1200" b="0" i="0">
-                <a:latin typeface="PingFang SC Light" panose="020B0300000000000000" pitchFamily="34" charset="-122"/>
-                <a:ea typeface="PingFang SC Light" panose="020B0300000000000000" pitchFamily="34" charset="-122"/>
-              </a:defRPr>
-            </a:lvl5pPr>
-          </a:lstStyle>
-          <a:p>
-            <a:pPr lvl="0"/>
-            <a:r>
-              <a:rPr lang="en-JP" dirty="0"/>
-              <a:t>adjective</a:t>
-            </a:r>
-          </a:p>
-        </p:txBody>
-      </p:sp>
-      <p:sp>
-        <p:nvSpPr>
-          <p:cNvPr id="12" name="Rounded Rectangle 11">
-            <a:extLst>
-              <a:ext uri="{FF2B5EF4-FFF2-40B4-BE49-F238E27FC236}">
-                <a16:creationId xmlns:a16="http://schemas.microsoft.com/office/drawing/2014/main" id="{E7AB3786-9C4D-2449-8415-D91FBD28CAE0}"/>
-              </a:ext>
-            </a:extLst>
-          </p:cNvPr>
-          <p:cNvSpPr/>
-          <p:nvPr userDrawn="1"/>
-        </p:nvSpPr>
-        <p:spPr>
-          <a:xfrm>
-            <a:off x="6415088" y="2752819"/>
-            <a:ext cx="761032" cy="324000"/>
-          </a:xfrm>
-          <a:prstGeom prst="roundRect">
-            <a:avLst>
-              <a:gd name="adj" fmla="val 50000"/>
-            </a:avLst>
-          </a:prstGeom>
-          <a:solidFill>
-            <a:schemeClr val="bg1">
-              <a:lumMod val="95000"/>
-            </a:schemeClr>
-          </a:solidFill>
-          <a:ln>
-            <a:noFill/>
-          </a:ln>
-        </p:spPr>
-        <p:style>
-          <a:lnRef idx="2">
-            <a:schemeClr val="accent1">
-              <a:shade val="50000"/>
-            </a:schemeClr>
-          </a:lnRef>
-          <a:fillRef idx="1">
-            <a:schemeClr val="accent1"/>
-          </a:fillRef>
-          <a:effectRef idx="0">
-            <a:schemeClr val="accent1"/>
-          </a:effectRef>
-          <a:fontRef idx="minor">
-            <a:schemeClr val="lt1"/>
-          </a:fontRef>
-        </p:style>
-        <p:txBody>
-          <a:bodyPr rtlCol="0" anchor="ctr"/>
-          <a:lstStyle/>
-          <a:p>
-            <a:pPr algn="ctr"/>
-            <a:r>
-              <a:rPr lang="zh-CN" altLang="en-US" sz="1200" b="0" i="0" dirty="0">
-                <a:solidFill>
-                  <a:schemeClr val="tx1">
-                    <a:lumMod val="50000"/>
-                    <a:lumOff val="50000"/>
-                  </a:schemeClr>
-                </a:solidFill>
-                <a:latin typeface="PingFang SC Light" panose="020B0300000000000000" pitchFamily="34" charset="-122"/>
-                <a:ea typeface="PingFang SC Light" panose="020B0300000000000000" pitchFamily="34" charset="-122"/>
-              </a:rPr>
-              <a:t>最高级</a:t>
-            </a:r>
-            <a:endParaRPr lang="en-JP" sz="1200" b="0" i="0" dirty="0">
-              <a:solidFill>
-                <a:schemeClr val="tx1">
-                  <a:lumMod val="50000"/>
-                  <a:lumOff val="50000"/>
-                </a:schemeClr>
-              </a:solidFill>
-              <a:latin typeface="PingFang SC Light" panose="020B0300000000000000" pitchFamily="34" charset="-122"/>
-              <a:ea typeface="PingFang SC Light" panose="020B0300000000000000" pitchFamily="34" charset="-122"/>
-            </a:endParaRPr>
-          </a:p>
-        </p:txBody>
-      </p:sp>
-      <p:sp>
-        <p:nvSpPr>
-          <p:cNvPr id="13" name="Text Placeholder 6">
-            <a:extLst>
-              <a:ext uri="{FF2B5EF4-FFF2-40B4-BE49-F238E27FC236}">
-                <a16:creationId xmlns:a16="http://schemas.microsoft.com/office/drawing/2014/main" id="{2F65C241-53E5-F140-9F8D-2EF816AB9CD5}"/>
-              </a:ext>
-            </a:extLst>
-          </p:cNvPr>
-          <p:cNvSpPr>
-            <a:spLocks noGrp="1"/>
-          </p:cNvSpPr>
-          <p:nvPr>
-            <p:ph type="body" sz="quarter" idx="15" hasCustomPrompt="1"/>
-          </p:nvPr>
-        </p:nvSpPr>
-        <p:spPr>
-          <a:xfrm>
-            <a:off x="7350895" y="2682949"/>
-            <a:ext cx="4501390" cy="472270"/>
-          </a:xfrm>
-          <a:prstGeom prst="rect">
-            <a:avLst/>
-          </a:prstGeom>
-        </p:spPr>
-        <p:txBody>
-          <a:bodyPr anchor="ctr"/>
-          <a:lstStyle>
-            <a:lvl1pPr marL="0" indent="0" algn="l">
-              <a:buNone/>
-              <a:defRPr sz="2400" b="0" i="0">
-                <a:solidFill>
-                  <a:schemeClr val="accent3">
-                    <a:lumMod val="75000"/>
-                  </a:schemeClr>
-                </a:solidFill>
-                <a:latin typeface="Roboto Medium" pitchFamily="2" charset="0"/>
-                <a:ea typeface="Roboto Medium" pitchFamily="2" charset="0"/>
-              </a:defRPr>
-            </a:lvl1pPr>
-            <a:lvl2pPr marL="324000" indent="0">
-              <a:buNone/>
-              <a:defRPr sz="1200" b="0" i="0">
-                <a:latin typeface="PingFang SC Light" panose="020B0300000000000000" pitchFamily="34" charset="-122"/>
-                <a:ea typeface="PingFang SC Light" panose="020B0300000000000000" pitchFamily="34" charset="-122"/>
-              </a:defRPr>
-            </a:lvl2pPr>
-            <a:lvl3pPr marL="630000" indent="0">
-              <a:buNone/>
-              <a:defRPr sz="1200" b="0" i="0">
-                <a:latin typeface="PingFang SC Light" panose="020B0300000000000000" pitchFamily="34" charset="-122"/>
-                <a:ea typeface="PingFang SC Light" panose="020B0300000000000000" pitchFamily="34" charset="-122"/>
-              </a:defRPr>
-            </a:lvl3pPr>
-            <a:lvl4pPr marL="1008000" indent="0">
-              <a:buNone/>
-              <a:defRPr sz="1200" b="0" i="0">
-                <a:latin typeface="PingFang SC Light" panose="020B0300000000000000" pitchFamily="34" charset="-122"/>
-                <a:ea typeface="PingFang SC Light" panose="020B0300000000000000" pitchFamily="34" charset="-122"/>
-              </a:defRPr>
-            </a:lvl4pPr>
-            <a:lvl5pPr marL="1368000" indent="0">
-              <a:buNone/>
-              <a:defRPr sz="1200" b="0" i="0">
-                <a:latin typeface="PingFang SC Light" panose="020B0300000000000000" pitchFamily="34" charset="-122"/>
-                <a:ea typeface="PingFang SC Light" panose="020B0300000000000000" pitchFamily="34" charset="-122"/>
-              </a:defRPr>
-            </a:lvl5pPr>
-          </a:lstStyle>
-          <a:p>
-            <a:pPr lvl="0"/>
-            <a:r>
-              <a:rPr lang="en-JP" dirty="0"/>
-              <a:t>adjective</a:t>
-            </a:r>
-          </a:p>
-        </p:txBody>
-      </p:sp>
-    </p:spTree>
-    <p:extLst>
-      <p:ext uri="{BB962C8B-B14F-4D97-AF65-F5344CB8AC3E}">
-        <p14:creationId xmlns:p14="http://schemas.microsoft.com/office/powerpoint/2010/main" val="2837212197"/>
-      </p:ext>
-    </p:extLst>
-  </p:cSld>
-  <p:clrMapOvr>
-    <a:masterClrMapping/>
-  </p:clrMapOvr>
-  <p:extLst>
-    <p:ext uri="{DCECCB84-F9BA-43D5-87BE-67443E8EF086}">
-      <p15:sldGuideLst xmlns:p15="http://schemas.microsoft.com/office/powerpoint/2012/main">
-        <p15:guide id="1" pos="3568" userDrawn="1">
-          <p15:clr>
-            <a:srgbClr val="FBAE40"/>
-          </p15:clr>
-        </p15:guide>
-      </p15:sldGuideLst>
-    </p:ext>
-  </p:extLst>
-</p:sldLayout>
-</file>
-
-<file path=ppt/slideLayouts/slideLayout13.xml><?xml version="1.0" encoding="utf-8"?>
-<p:sldLayout xmlns:a="http://schemas.openxmlformats.org/drawingml/2006/main" xmlns:r="http://schemas.openxmlformats.org/officeDocument/2006/relationships" xmlns:p="http://schemas.openxmlformats.org/presentationml/2006/main" preserve="1" userDrawn="1">
-  <p:cSld name="Adjective with extension and examples">
+  <p:cSld name="Adj with extension B">
     <p:bg>
       <p:bgPr>
         <a:solidFill>
@@ -5137,1978 +2494,9 @@
 </p:sldLayout>
 </file>
 
-<file path=ppt/slideLayouts/slideLayout14.xml><?xml version="1.0" encoding="utf-8"?>
+<file path=ppt/slideLayouts/slideLayout11.xml><?xml version="1.0" encoding="utf-8"?>
 <p:sldLayout xmlns:a="http://schemas.openxmlformats.org/drawingml/2006/main" xmlns:r="http://schemas.openxmlformats.org/officeDocument/2006/relationships" xmlns:p="http://schemas.openxmlformats.org/presentationml/2006/main" preserve="1" userDrawn="1">
-  <p:cSld name="Title for verb">
-    <p:bg>
-      <p:bgPr>
-        <a:solidFill>
-          <a:schemeClr val="bg1"/>
-        </a:solidFill>
-        <a:effectLst/>
-      </p:bgPr>
-    </p:bg>
-    <p:spTree>
-      <p:nvGrpSpPr>
-        <p:cNvPr id="1" name=""/>
-        <p:cNvGrpSpPr/>
-        <p:nvPr/>
-      </p:nvGrpSpPr>
-      <p:grpSpPr>
-        <a:xfrm>
-          <a:off x="0" y="0"/>
-          <a:ext cx="0" cy="0"/>
-          <a:chOff x="0" y="0"/>
-          <a:chExt cx="0" cy="0"/>
-        </a:xfrm>
-      </p:grpSpPr>
-      <p:pic>
-        <p:nvPicPr>
-          <p:cNvPr id="8" name="Picture 7">
-            <a:extLst>
-              <a:ext uri="{FF2B5EF4-FFF2-40B4-BE49-F238E27FC236}">
-                <a16:creationId xmlns:a16="http://schemas.microsoft.com/office/drawing/2014/main" id="{A86FADF1-DD47-FE40-AF17-8D95625C48D7}"/>
-              </a:ext>
-            </a:extLst>
-          </p:cNvPr>
-          <p:cNvPicPr>
-            <a:picLocks noChangeAspect="1"/>
-          </p:cNvPicPr>
-          <p:nvPr userDrawn="1"/>
-        </p:nvPicPr>
-        <p:blipFill>
-          <a:blip r:embed="rId2"/>
-          <a:stretch>
-            <a:fillRect/>
-          </a:stretch>
-        </p:blipFill>
-        <p:spPr>
-          <a:xfrm>
-            <a:off x="-1" y="0"/>
-            <a:ext cx="12198927" cy="6858000"/>
-          </a:xfrm>
-          <a:prstGeom prst="rect">
-            <a:avLst/>
-          </a:prstGeom>
-        </p:spPr>
-      </p:pic>
-      <p:sp>
-        <p:nvSpPr>
-          <p:cNvPr id="5" name="Text Placeholder 6">
-            <a:extLst>
-              <a:ext uri="{FF2B5EF4-FFF2-40B4-BE49-F238E27FC236}">
-                <a16:creationId xmlns:a16="http://schemas.microsoft.com/office/drawing/2014/main" id="{F5F4ADE3-8622-714A-B6C7-DE542EA6C243}"/>
-              </a:ext>
-            </a:extLst>
-          </p:cNvPr>
-          <p:cNvSpPr>
-            <a:spLocks noGrp="1"/>
-          </p:cNvSpPr>
-          <p:nvPr>
-            <p:ph type="body" sz="quarter" idx="10" hasCustomPrompt="1"/>
-          </p:nvPr>
-        </p:nvSpPr>
-        <p:spPr>
-          <a:xfrm>
-            <a:off x="3296194" y="2383436"/>
-            <a:ext cx="5599612" cy="1031276"/>
-          </a:xfrm>
-          <a:prstGeom prst="rect">
-            <a:avLst/>
-          </a:prstGeom>
-        </p:spPr>
-        <p:txBody>
-          <a:bodyPr vert="horz" anchor="ctr"/>
-          <a:lstStyle>
-            <a:lvl1pPr marL="0" indent="0" algn="ctr">
-              <a:buNone/>
-              <a:defRPr sz="4400" b="0" i="0">
-                <a:solidFill>
-                  <a:schemeClr val="accent3">
-                    <a:lumMod val="75000"/>
-                  </a:schemeClr>
-                </a:solidFill>
-                <a:latin typeface="Roboto Medium" pitchFamily="2" charset="0"/>
-                <a:ea typeface="Roboto Medium" pitchFamily="2" charset="0"/>
-                <a:cs typeface="Helvetica Neue" panose="02000503000000020004" pitchFamily="2" charset="0"/>
-              </a:defRPr>
-            </a:lvl1pPr>
-            <a:lvl2pPr>
-              <a:defRPr>
-                <a:solidFill>
-                  <a:schemeClr val="tx1">
-                    <a:lumMod val="95000"/>
-                    <a:lumOff val="5000"/>
-                  </a:schemeClr>
-                </a:solidFill>
-                <a:latin typeface="Helvetica Neue" panose="02000503000000020004" pitchFamily="2" charset="0"/>
-                <a:ea typeface="Helvetica Neue" panose="02000503000000020004" pitchFamily="2" charset="0"/>
-                <a:cs typeface="Helvetica Neue" panose="02000503000000020004" pitchFamily="2" charset="0"/>
-              </a:defRPr>
-            </a:lvl2pPr>
-            <a:lvl3pPr>
-              <a:defRPr>
-                <a:solidFill>
-                  <a:schemeClr val="tx1">
-                    <a:lumMod val="95000"/>
-                    <a:lumOff val="5000"/>
-                  </a:schemeClr>
-                </a:solidFill>
-                <a:latin typeface="Helvetica Neue" panose="02000503000000020004" pitchFamily="2" charset="0"/>
-                <a:ea typeface="Helvetica Neue" panose="02000503000000020004" pitchFamily="2" charset="0"/>
-                <a:cs typeface="Helvetica Neue" panose="02000503000000020004" pitchFamily="2" charset="0"/>
-              </a:defRPr>
-            </a:lvl3pPr>
-            <a:lvl4pPr>
-              <a:defRPr>
-                <a:solidFill>
-                  <a:schemeClr val="tx1">
-                    <a:lumMod val="95000"/>
-                    <a:lumOff val="5000"/>
-                  </a:schemeClr>
-                </a:solidFill>
-                <a:latin typeface="Helvetica Neue" panose="02000503000000020004" pitchFamily="2" charset="0"/>
-                <a:ea typeface="Helvetica Neue" panose="02000503000000020004" pitchFamily="2" charset="0"/>
-                <a:cs typeface="Helvetica Neue" panose="02000503000000020004" pitchFamily="2" charset="0"/>
-              </a:defRPr>
-            </a:lvl4pPr>
-            <a:lvl5pPr>
-              <a:defRPr>
-                <a:solidFill>
-                  <a:schemeClr val="tx1">
-                    <a:lumMod val="95000"/>
-                    <a:lumOff val="5000"/>
-                  </a:schemeClr>
-                </a:solidFill>
-                <a:latin typeface="Helvetica Neue" panose="02000503000000020004" pitchFamily="2" charset="0"/>
-                <a:ea typeface="Helvetica Neue" panose="02000503000000020004" pitchFamily="2" charset="0"/>
-                <a:cs typeface="Helvetica Neue" panose="02000503000000020004" pitchFamily="2" charset="0"/>
-              </a:defRPr>
-            </a:lvl5pPr>
-          </a:lstStyle>
-          <a:p>
-            <a:pPr lvl="0"/>
-            <a:r>
-              <a:rPr lang="en-US" altLang="zh-CN" dirty="0"/>
-              <a:t>Verb</a:t>
-            </a:r>
-            <a:endParaRPr lang="en-US" dirty="0"/>
-          </a:p>
-        </p:txBody>
-      </p:sp>
-      <p:sp>
-        <p:nvSpPr>
-          <p:cNvPr id="6" name="Text Placeholder 6">
-            <a:extLst>
-              <a:ext uri="{FF2B5EF4-FFF2-40B4-BE49-F238E27FC236}">
-                <a16:creationId xmlns:a16="http://schemas.microsoft.com/office/drawing/2014/main" id="{4C56A07E-E9FC-4444-A843-AE8A2CBEFAD2}"/>
-              </a:ext>
-            </a:extLst>
-          </p:cNvPr>
-          <p:cNvSpPr>
-            <a:spLocks noGrp="1"/>
-          </p:cNvSpPr>
-          <p:nvPr>
-            <p:ph type="body" sz="quarter" idx="11" hasCustomPrompt="1"/>
-          </p:nvPr>
-        </p:nvSpPr>
-        <p:spPr>
-          <a:xfrm>
-            <a:off x="3296194" y="3471864"/>
-            <a:ext cx="5599612" cy="560490"/>
-          </a:xfrm>
-          <a:prstGeom prst="rect">
-            <a:avLst/>
-          </a:prstGeom>
-        </p:spPr>
-        <p:txBody>
-          <a:bodyPr vert="horz" anchor="ctr"/>
-          <a:lstStyle>
-            <a:lvl1pPr marL="0" indent="0" algn="ctr">
-              <a:buNone/>
-              <a:defRPr sz="2400" b="0" i="0">
-                <a:solidFill>
-                  <a:schemeClr val="accent3">
-                    <a:lumMod val="75000"/>
-                  </a:schemeClr>
-                </a:solidFill>
-                <a:latin typeface="PingFang SC Light" panose="020B0300000000000000" pitchFamily="34" charset="-122"/>
-                <a:ea typeface="PingFang SC Light" panose="020B0300000000000000" pitchFamily="34" charset="-122"/>
-                <a:cs typeface="Helvetica Neue" panose="02000503000000020004" pitchFamily="2" charset="0"/>
-              </a:defRPr>
-            </a:lvl1pPr>
-            <a:lvl2pPr>
-              <a:defRPr>
-                <a:solidFill>
-                  <a:schemeClr val="tx1">
-                    <a:lumMod val="95000"/>
-                    <a:lumOff val="5000"/>
-                  </a:schemeClr>
-                </a:solidFill>
-                <a:latin typeface="Helvetica Neue" panose="02000503000000020004" pitchFamily="2" charset="0"/>
-                <a:ea typeface="Helvetica Neue" panose="02000503000000020004" pitchFamily="2" charset="0"/>
-                <a:cs typeface="Helvetica Neue" panose="02000503000000020004" pitchFamily="2" charset="0"/>
-              </a:defRPr>
-            </a:lvl2pPr>
-            <a:lvl3pPr>
-              <a:defRPr>
-                <a:solidFill>
-                  <a:schemeClr val="tx1">
-                    <a:lumMod val="95000"/>
-                    <a:lumOff val="5000"/>
-                  </a:schemeClr>
-                </a:solidFill>
-                <a:latin typeface="Helvetica Neue" panose="02000503000000020004" pitchFamily="2" charset="0"/>
-                <a:ea typeface="Helvetica Neue" panose="02000503000000020004" pitchFamily="2" charset="0"/>
-                <a:cs typeface="Helvetica Neue" panose="02000503000000020004" pitchFamily="2" charset="0"/>
-              </a:defRPr>
-            </a:lvl3pPr>
-            <a:lvl4pPr>
-              <a:defRPr>
-                <a:solidFill>
-                  <a:schemeClr val="tx1">
-                    <a:lumMod val="95000"/>
-                    <a:lumOff val="5000"/>
-                  </a:schemeClr>
-                </a:solidFill>
-                <a:latin typeface="Helvetica Neue" panose="02000503000000020004" pitchFamily="2" charset="0"/>
-                <a:ea typeface="Helvetica Neue" panose="02000503000000020004" pitchFamily="2" charset="0"/>
-                <a:cs typeface="Helvetica Neue" panose="02000503000000020004" pitchFamily="2" charset="0"/>
-              </a:defRPr>
-            </a:lvl4pPr>
-            <a:lvl5pPr>
-              <a:defRPr>
-                <a:solidFill>
-                  <a:schemeClr val="tx1">
-                    <a:lumMod val="95000"/>
-                    <a:lumOff val="5000"/>
-                  </a:schemeClr>
-                </a:solidFill>
-                <a:latin typeface="Helvetica Neue" panose="02000503000000020004" pitchFamily="2" charset="0"/>
-                <a:ea typeface="Helvetica Neue" panose="02000503000000020004" pitchFamily="2" charset="0"/>
-                <a:cs typeface="Helvetica Neue" panose="02000503000000020004" pitchFamily="2" charset="0"/>
-              </a:defRPr>
-            </a:lvl5pPr>
-          </a:lstStyle>
-          <a:p>
-            <a:pPr lvl="0"/>
-            <a:r>
-              <a:rPr lang="zh-CN" altLang="en-US" dirty="0"/>
-              <a:t>动词</a:t>
-            </a:r>
-            <a:endParaRPr lang="en-US" dirty="0"/>
-          </a:p>
-        </p:txBody>
-      </p:sp>
-    </p:spTree>
-    <p:extLst>
-      <p:ext uri="{BB962C8B-B14F-4D97-AF65-F5344CB8AC3E}">
-        <p14:creationId xmlns:p14="http://schemas.microsoft.com/office/powerpoint/2010/main" val="2455384134"/>
-      </p:ext>
-    </p:extLst>
-  </p:cSld>
-  <p:clrMapOvr>
-    <a:masterClrMapping/>
-  </p:clrMapOvr>
-</p:sldLayout>
-</file>
-
-<file path=ppt/slideLayouts/slideLayout15.xml><?xml version="1.0" encoding="utf-8"?>
-<p:sldLayout xmlns:a="http://schemas.openxmlformats.org/drawingml/2006/main" xmlns:r="http://schemas.openxmlformats.org/officeDocument/2006/relationships" xmlns:p="http://schemas.openxmlformats.org/presentationml/2006/main" preserve="1" userDrawn="1">
-  <p:cSld name="Default verb">
-    <p:bg>
-      <p:bgPr>
-        <a:solidFill>
-          <a:schemeClr val="bg1"/>
-        </a:solidFill>
-        <a:effectLst/>
-      </p:bgPr>
-    </p:bg>
-    <p:spTree>
-      <p:nvGrpSpPr>
-        <p:cNvPr id="1" name=""/>
-        <p:cNvGrpSpPr/>
-        <p:nvPr/>
-      </p:nvGrpSpPr>
-      <p:grpSpPr>
-        <a:xfrm>
-          <a:off x="0" y="0"/>
-          <a:ext cx="0" cy="0"/>
-          <a:chOff x="0" y="0"/>
-          <a:chExt cx="0" cy="0"/>
-        </a:xfrm>
-      </p:grpSpPr>
-      <p:pic>
-        <p:nvPicPr>
-          <p:cNvPr id="20" name="Picture 19">
-            <a:extLst>
-              <a:ext uri="{FF2B5EF4-FFF2-40B4-BE49-F238E27FC236}">
-                <a16:creationId xmlns:a16="http://schemas.microsoft.com/office/drawing/2014/main" id="{64CE1A7C-CAD8-744A-811C-8777A474C7EE}"/>
-              </a:ext>
-            </a:extLst>
-          </p:cNvPr>
-          <p:cNvPicPr>
-            <a:picLocks noChangeAspect="1"/>
-          </p:cNvPicPr>
-          <p:nvPr userDrawn="1"/>
-        </p:nvPicPr>
-        <p:blipFill>
-          <a:blip r:embed="rId2"/>
-          <a:stretch>
-            <a:fillRect/>
-          </a:stretch>
-        </p:blipFill>
-        <p:spPr>
-          <a:xfrm>
-            <a:off x="0" y="8410"/>
-            <a:ext cx="12221225" cy="6870536"/>
-          </a:xfrm>
-          <a:prstGeom prst="rect">
-            <a:avLst/>
-          </a:prstGeom>
-        </p:spPr>
-      </p:pic>
-      <p:sp>
-        <p:nvSpPr>
-          <p:cNvPr id="25" name="Rounded Rectangle 24">
-            <a:extLst>
-              <a:ext uri="{FF2B5EF4-FFF2-40B4-BE49-F238E27FC236}">
-                <a16:creationId xmlns:a16="http://schemas.microsoft.com/office/drawing/2014/main" id="{BF240552-C9E5-5E4F-AAB2-8E2982F9FD3C}"/>
-              </a:ext>
-            </a:extLst>
-          </p:cNvPr>
-          <p:cNvSpPr/>
-          <p:nvPr userDrawn="1"/>
-        </p:nvSpPr>
-        <p:spPr>
-          <a:xfrm>
-            <a:off x="5761200" y="1048839"/>
-            <a:ext cx="669600" cy="324000"/>
-          </a:xfrm>
-          <a:prstGeom prst="roundRect">
-            <a:avLst>
-              <a:gd name="adj" fmla="val 50000"/>
-            </a:avLst>
-          </a:prstGeom>
-          <a:solidFill>
-            <a:schemeClr val="bg1"/>
-          </a:solidFill>
-          <a:ln>
-            <a:solidFill>
-              <a:schemeClr val="bg1">
-                <a:lumMod val="95000"/>
-              </a:schemeClr>
-            </a:solidFill>
-          </a:ln>
-        </p:spPr>
-        <p:style>
-          <a:lnRef idx="2">
-            <a:schemeClr val="accent1">
-              <a:shade val="50000"/>
-            </a:schemeClr>
-          </a:lnRef>
-          <a:fillRef idx="1">
-            <a:schemeClr val="accent1"/>
-          </a:fillRef>
-          <a:effectRef idx="0">
-            <a:schemeClr val="accent1"/>
-          </a:effectRef>
-          <a:fontRef idx="minor">
-            <a:schemeClr val="lt1"/>
-          </a:fontRef>
-        </p:style>
-        <p:txBody>
-          <a:bodyPr rtlCol="0" anchor="ctr"/>
-          <a:lstStyle/>
-          <a:p>
-            <a:pPr algn="ctr"/>
-            <a:endParaRPr lang="en-JP" sz="1200" dirty="0">
-              <a:solidFill>
-                <a:schemeClr val="tx1">
-                  <a:lumMod val="50000"/>
-                  <a:lumOff val="50000"/>
-                </a:schemeClr>
-              </a:solidFill>
-              <a:latin typeface="PingFang SC" panose="020B0400000000000000" pitchFamily="34" charset="-122"/>
-              <a:ea typeface="PingFang SC" panose="020B0400000000000000" pitchFamily="34" charset="-122"/>
-            </a:endParaRPr>
-          </a:p>
-        </p:txBody>
-      </p:sp>
-      <p:sp>
-        <p:nvSpPr>
-          <p:cNvPr id="7" name="Text Placeholder 6">
-            <a:extLst>
-              <a:ext uri="{FF2B5EF4-FFF2-40B4-BE49-F238E27FC236}">
-                <a16:creationId xmlns:a16="http://schemas.microsoft.com/office/drawing/2014/main" id="{640E96AF-F586-3243-ACF1-FD2B5D10F517}"/>
-              </a:ext>
-            </a:extLst>
-          </p:cNvPr>
-          <p:cNvSpPr>
-            <a:spLocks noGrp="1"/>
-          </p:cNvSpPr>
-          <p:nvPr>
-            <p:ph type="body" sz="quarter" idx="10" hasCustomPrompt="1"/>
-          </p:nvPr>
-        </p:nvSpPr>
-        <p:spPr>
-          <a:xfrm>
-            <a:off x="5761200" y="1048839"/>
-            <a:ext cx="669600" cy="324000"/>
-          </a:xfrm>
-          <a:prstGeom prst="rect">
-            <a:avLst/>
-          </a:prstGeom>
-        </p:spPr>
-        <p:txBody>
-          <a:bodyPr anchor="ctr"/>
-          <a:lstStyle>
-            <a:lvl1pPr marL="0" indent="0" algn="ctr">
-              <a:buNone/>
-              <a:defRPr sz="1400" b="0" i="0">
-                <a:solidFill>
-                  <a:schemeClr val="accent3">
-                    <a:lumMod val="75000"/>
-                  </a:schemeClr>
-                </a:solidFill>
-                <a:latin typeface="Roboto" pitchFamily="2" charset="0"/>
-                <a:ea typeface="Roboto" pitchFamily="2" charset="0"/>
-              </a:defRPr>
-            </a:lvl1pPr>
-            <a:lvl2pPr marL="324000" indent="0">
-              <a:buNone/>
-              <a:defRPr sz="1200" b="0" i="0">
-                <a:latin typeface="PingFang SC Light" panose="020B0300000000000000" pitchFamily="34" charset="-122"/>
-                <a:ea typeface="PingFang SC Light" panose="020B0300000000000000" pitchFamily="34" charset="-122"/>
-              </a:defRPr>
-            </a:lvl2pPr>
-            <a:lvl3pPr marL="630000" indent="0">
-              <a:buNone/>
-              <a:defRPr sz="1200" b="0" i="0">
-                <a:latin typeface="PingFang SC Light" panose="020B0300000000000000" pitchFamily="34" charset="-122"/>
-                <a:ea typeface="PingFang SC Light" panose="020B0300000000000000" pitchFamily="34" charset="-122"/>
-              </a:defRPr>
-            </a:lvl3pPr>
-            <a:lvl4pPr marL="1008000" indent="0">
-              <a:buNone/>
-              <a:defRPr sz="1200" b="0" i="0">
-                <a:latin typeface="PingFang SC Light" panose="020B0300000000000000" pitchFamily="34" charset="-122"/>
-                <a:ea typeface="PingFang SC Light" panose="020B0300000000000000" pitchFamily="34" charset="-122"/>
-              </a:defRPr>
-            </a:lvl4pPr>
-            <a:lvl5pPr marL="1368000" indent="0">
-              <a:buNone/>
-              <a:defRPr sz="1200" b="0" i="0">
-                <a:latin typeface="PingFang SC Light" panose="020B0300000000000000" pitchFamily="34" charset="-122"/>
-                <a:ea typeface="PingFang SC Light" panose="020B0300000000000000" pitchFamily="34" charset="-122"/>
-              </a:defRPr>
-            </a:lvl5pPr>
-          </a:lstStyle>
-          <a:p>
-            <a:pPr lvl="0"/>
-            <a:r>
-              <a:rPr lang="en-JP" dirty="0"/>
-              <a:t>v.</a:t>
-            </a:r>
-          </a:p>
-        </p:txBody>
-      </p:sp>
-      <p:sp>
-        <p:nvSpPr>
-          <p:cNvPr id="53" name="Text Placeholder 6">
-            <a:extLst>
-              <a:ext uri="{FF2B5EF4-FFF2-40B4-BE49-F238E27FC236}">
-                <a16:creationId xmlns:a16="http://schemas.microsoft.com/office/drawing/2014/main" id="{FE966760-E5A1-5B4E-BCB8-D2999A82721F}"/>
-              </a:ext>
-            </a:extLst>
-          </p:cNvPr>
-          <p:cNvSpPr>
-            <a:spLocks noGrp="1"/>
-          </p:cNvSpPr>
-          <p:nvPr>
-            <p:ph type="body" sz="quarter" idx="11" hasCustomPrompt="1"/>
-          </p:nvPr>
-        </p:nvSpPr>
-        <p:spPr>
-          <a:xfrm>
-            <a:off x="1247799" y="1484784"/>
-            <a:ext cx="9696401" cy="1300613"/>
-          </a:xfrm>
-          <a:prstGeom prst="rect">
-            <a:avLst/>
-          </a:prstGeom>
-        </p:spPr>
-        <p:txBody>
-          <a:bodyPr anchor="ctr"/>
-          <a:lstStyle>
-            <a:lvl1pPr marL="0" indent="0" algn="ctr">
-              <a:buNone/>
-              <a:defRPr sz="5800" b="0" i="0">
-                <a:solidFill>
-                  <a:schemeClr val="accent3">
-                    <a:lumMod val="75000"/>
-                  </a:schemeClr>
-                </a:solidFill>
-                <a:latin typeface="Roboto Medium" pitchFamily="2" charset="0"/>
-                <a:ea typeface="Roboto Medium" pitchFamily="2" charset="0"/>
-              </a:defRPr>
-            </a:lvl1pPr>
-            <a:lvl2pPr marL="324000" indent="0">
-              <a:buNone/>
-              <a:defRPr sz="1200" b="0" i="0">
-                <a:latin typeface="PingFang SC Light" panose="020B0300000000000000" pitchFamily="34" charset="-122"/>
-                <a:ea typeface="PingFang SC Light" panose="020B0300000000000000" pitchFamily="34" charset="-122"/>
-              </a:defRPr>
-            </a:lvl2pPr>
-            <a:lvl3pPr marL="630000" indent="0">
-              <a:buNone/>
-              <a:defRPr sz="1200" b="0" i="0">
-                <a:latin typeface="PingFang SC Light" panose="020B0300000000000000" pitchFamily="34" charset="-122"/>
-                <a:ea typeface="PingFang SC Light" panose="020B0300000000000000" pitchFamily="34" charset="-122"/>
-              </a:defRPr>
-            </a:lvl3pPr>
-            <a:lvl4pPr marL="1008000" indent="0">
-              <a:buNone/>
-              <a:defRPr sz="1200" b="0" i="0">
-                <a:latin typeface="PingFang SC Light" panose="020B0300000000000000" pitchFamily="34" charset="-122"/>
-                <a:ea typeface="PingFang SC Light" panose="020B0300000000000000" pitchFamily="34" charset="-122"/>
-              </a:defRPr>
-            </a:lvl4pPr>
-            <a:lvl5pPr marL="1368000" indent="0">
-              <a:buNone/>
-              <a:defRPr sz="1200" b="0" i="0">
-                <a:latin typeface="PingFang SC Light" panose="020B0300000000000000" pitchFamily="34" charset="-122"/>
-                <a:ea typeface="PingFang SC Light" panose="020B0300000000000000" pitchFamily="34" charset="-122"/>
-              </a:defRPr>
-            </a:lvl5pPr>
-          </a:lstStyle>
-          <a:p>
-            <a:pPr lvl="0"/>
-            <a:r>
-              <a:rPr lang="en-JP" dirty="0"/>
-              <a:t>verb</a:t>
-            </a:r>
-          </a:p>
-        </p:txBody>
-      </p:sp>
-      <p:sp>
-        <p:nvSpPr>
-          <p:cNvPr id="54" name="Text Placeholder 6">
-            <a:extLst>
-              <a:ext uri="{FF2B5EF4-FFF2-40B4-BE49-F238E27FC236}">
-                <a16:creationId xmlns:a16="http://schemas.microsoft.com/office/drawing/2014/main" id="{FB90C090-45A5-F849-A90C-BEEF045674C2}"/>
-              </a:ext>
-            </a:extLst>
-          </p:cNvPr>
-          <p:cNvSpPr>
-            <a:spLocks noGrp="1"/>
-          </p:cNvSpPr>
-          <p:nvPr>
-            <p:ph type="body" sz="quarter" idx="12" hasCustomPrompt="1"/>
-          </p:nvPr>
-        </p:nvSpPr>
-        <p:spPr>
-          <a:xfrm>
-            <a:off x="1247799" y="2883278"/>
-            <a:ext cx="9696401" cy="3058247"/>
-          </a:xfrm>
-          <a:prstGeom prst="rect">
-            <a:avLst/>
-          </a:prstGeom>
-        </p:spPr>
-        <p:txBody>
-          <a:bodyPr anchor="t"/>
-          <a:lstStyle>
-            <a:lvl1pPr marL="0" indent="0" algn="ctr">
-              <a:buNone/>
-              <a:defRPr sz="2400" b="0" i="0">
-                <a:solidFill>
-                  <a:schemeClr val="accent3">
-                    <a:lumMod val="75000"/>
-                  </a:schemeClr>
-                </a:solidFill>
-                <a:latin typeface="PingFang SC Light" panose="020B0300000000000000" pitchFamily="34" charset="-122"/>
-                <a:ea typeface="PingFang SC Light" panose="020B0300000000000000" pitchFamily="34" charset="-122"/>
-              </a:defRPr>
-            </a:lvl1pPr>
-            <a:lvl2pPr marL="324000" indent="0">
-              <a:buNone/>
-              <a:defRPr sz="1200" b="0" i="0">
-                <a:latin typeface="PingFang SC Light" panose="020B0300000000000000" pitchFamily="34" charset="-122"/>
-                <a:ea typeface="PingFang SC Light" panose="020B0300000000000000" pitchFamily="34" charset="-122"/>
-              </a:defRPr>
-            </a:lvl2pPr>
-            <a:lvl3pPr marL="630000" indent="0">
-              <a:buNone/>
-              <a:defRPr sz="1200" b="0" i="0">
-                <a:latin typeface="PingFang SC Light" panose="020B0300000000000000" pitchFamily="34" charset="-122"/>
-                <a:ea typeface="PingFang SC Light" panose="020B0300000000000000" pitchFamily="34" charset="-122"/>
-              </a:defRPr>
-            </a:lvl3pPr>
-            <a:lvl4pPr marL="1008000" indent="0">
-              <a:buNone/>
-              <a:defRPr sz="1200" b="0" i="0">
-                <a:latin typeface="PingFang SC Light" panose="020B0300000000000000" pitchFamily="34" charset="-122"/>
-                <a:ea typeface="PingFang SC Light" panose="020B0300000000000000" pitchFamily="34" charset="-122"/>
-              </a:defRPr>
-            </a:lvl4pPr>
-            <a:lvl5pPr marL="1368000" indent="0">
-              <a:buNone/>
-              <a:defRPr sz="1200" b="0" i="0">
-                <a:latin typeface="PingFang SC Light" panose="020B0300000000000000" pitchFamily="34" charset="-122"/>
-                <a:ea typeface="PingFang SC Light" panose="020B0300000000000000" pitchFamily="34" charset="-122"/>
-              </a:defRPr>
-            </a:lvl5pPr>
-          </a:lstStyle>
-          <a:p>
-            <a:pPr lvl="0"/>
-            <a:r>
-              <a:rPr lang="zh-CN" altLang="en-JP" dirty="0"/>
-              <a:t>翻译</a:t>
-            </a:r>
-            <a:r>
-              <a:rPr lang="en-US" altLang="zh-CN" dirty="0"/>
-              <a:t>1</a:t>
-            </a:r>
-          </a:p>
-          <a:p>
-            <a:pPr lvl="0"/>
-            <a:r>
-              <a:rPr lang="zh-CN" altLang="en-US" dirty="0"/>
-              <a:t>翻译</a:t>
-            </a:r>
-            <a:r>
-              <a:rPr lang="en-US" altLang="zh-CN" dirty="0"/>
-              <a:t>2</a:t>
-            </a:r>
-          </a:p>
-          <a:p>
-            <a:pPr lvl="0"/>
-            <a:r>
-              <a:rPr lang="zh-CN" altLang="en-US" dirty="0"/>
-              <a:t>翻译</a:t>
-            </a:r>
-            <a:r>
-              <a:rPr lang="en-US" altLang="zh-CN" dirty="0"/>
-              <a:t>3</a:t>
-            </a:r>
-          </a:p>
-          <a:p>
-            <a:pPr lvl="0"/>
-            <a:r>
-              <a:rPr lang="zh-CN" altLang="en-US" dirty="0"/>
-              <a:t>翻译</a:t>
-            </a:r>
-            <a:r>
-              <a:rPr lang="en-US" altLang="zh-CN" dirty="0"/>
-              <a:t>4</a:t>
-            </a:r>
-          </a:p>
-          <a:p>
-            <a:pPr lvl="0"/>
-            <a:r>
-              <a:rPr lang="zh-CN" altLang="en-US" dirty="0"/>
-              <a:t>翻译</a:t>
-            </a:r>
-            <a:r>
-              <a:rPr lang="en-US" altLang="zh-CN" dirty="0"/>
-              <a:t>5</a:t>
-            </a:r>
-          </a:p>
-          <a:p>
-            <a:pPr lvl="0"/>
-            <a:r>
-              <a:rPr lang="zh-CN" altLang="en-US" dirty="0"/>
-              <a:t>翻译</a:t>
-            </a:r>
-            <a:r>
-              <a:rPr lang="en-US" altLang="zh-CN" dirty="0"/>
-              <a:t>6</a:t>
-            </a:r>
-            <a:endParaRPr lang="en-JP" dirty="0"/>
-          </a:p>
-        </p:txBody>
-      </p:sp>
-    </p:spTree>
-    <p:extLst>
-      <p:ext uri="{BB962C8B-B14F-4D97-AF65-F5344CB8AC3E}">
-        <p14:creationId xmlns:p14="http://schemas.microsoft.com/office/powerpoint/2010/main" val="111068796"/>
-      </p:ext>
-    </p:extLst>
-  </p:cSld>
-  <p:clrMapOvr>
-    <a:masterClrMapping/>
-  </p:clrMapOvr>
-</p:sldLayout>
-</file>
-
-<file path=ppt/slideLayouts/slideLayout16.xml><?xml version="1.0" encoding="utf-8"?>
-<p:sldLayout xmlns:a="http://schemas.openxmlformats.org/drawingml/2006/main" xmlns:r="http://schemas.openxmlformats.org/officeDocument/2006/relationships" xmlns:p="http://schemas.openxmlformats.org/presentationml/2006/main" preserve="1" userDrawn="1">
-  <p:cSld name="Verb with examples">
-    <p:bg>
-      <p:bgPr>
-        <a:solidFill>
-          <a:schemeClr val="bg1"/>
-        </a:solidFill>
-        <a:effectLst/>
-      </p:bgPr>
-    </p:bg>
-    <p:spTree>
-      <p:nvGrpSpPr>
-        <p:cNvPr id="1" name=""/>
-        <p:cNvGrpSpPr/>
-        <p:nvPr/>
-      </p:nvGrpSpPr>
-      <p:grpSpPr>
-        <a:xfrm>
-          <a:off x="0" y="0"/>
-          <a:ext cx="0" cy="0"/>
-          <a:chOff x="0" y="0"/>
-          <a:chExt cx="0" cy="0"/>
-        </a:xfrm>
-      </p:grpSpPr>
-      <p:pic>
-        <p:nvPicPr>
-          <p:cNvPr id="20" name="Picture 19">
-            <a:extLst>
-              <a:ext uri="{FF2B5EF4-FFF2-40B4-BE49-F238E27FC236}">
-                <a16:creationId xmlns:a16="http://schemas.microsoft.com/office/drawing/2014/main" id="{64CE1A7C-CAD8-744A-811C-8777A474C7EE}"/>
-              </a:ext>
-            </a:extLst>
-          </p:cNvPr>
-          <p:cNvPicPr>
-            <a:picLocks noChangeAspect="1"/>
-          </p:cNvPicPr>
-          <p:nvPr userDrawn="1"/>
-        </p:nvPicPr>
-        <p:blipFill>
-          <a:blip r:embed="rId2"/>
-          <a:stretch>
-            <a:fillRect/>
-          </a:stretch>
-        </p:blipFill>
-        <p:spPr>
-          <a:xfrm>
-            <a:off x="-1" y="-17777"/>
-            <a:ext cx="12221225" cy="6870536"/>
-          </a:xfrm>
-          <a:prstGeom prst="rect">
-            <a:avLst/>
-          </a:prstGeom>
-        </p:spPr>
-      </p:pic>
-      <p:sp>
-        <p:nvSpPr>
-          <p:cNvPr id="25" name="Rounded Rectangle 24">
-            <a:extLst>
-              <a:ext uri="{FF2B5EF4-FFF2-40B4-BE49-F238E27FC236}">
-                <a16:creationId xmlns:a16="http://schemas.microsoft.com/office/drawing/2014/main" id="{BF240552-C9E5-5E4F-AAB2-8E2982F9FD3C}"/>
-              </a:ext>
-            </a:extLst>
-          </p:cNvPr>
-          <p:cNvSpPr/>
-          <p:nvPr userDrawn="1"/>
-        </p:nvSpPr>
-        <p:spPr>
-          <a:xfrm>
-            <a:off x="4994599" y="980728"/>
-            <a:ext cx="669600" cy="324000"/>
-          </a:xfrm>
-          <a:prstGeom prst="roundRect">
-            <a:avLst>
-              <a:gd name="adj" fmla="val 50000"/>
-            </a:avLst>
-          </a:prstGeom>
-          <a:solidFill>
-            <a:schemeClr val="bg1"/>
-          </a:solidFill>
-          <a:ln>
-            <a:solidFill>
-              <a:schemeClr val="bg1">
-                <a:lumMod val="95000"/>
-              </a:schemeClr>
-            </a:solidFill>
-          </a:ln>
-        </p:spPr>
-        <p:style>
-          <a:lnRef idx="2">
-            <a:schemeClr val="accent1">
-              <a:shade val="50000"/>
-            </a:schemeClr>
-          </a:lnRef>
-          <a:fillRef idx="1">
-            <a:schemeClr val="accent1"/>
-          </a:fillRef>
-          <a:effectRef idx="0">
-            <a:schemeClr val="accent1"/>
-          </a:effectRef>
-          <a:fontRef idx="minor">
-            <a:schemeClr val="lt1"/>
-          </a:fontRef>
-        </p:style>
-        <p:txBody>
-          <a:bodyPr rtlCol="0" anchor="ctr"/>
-          <a:lstStyle/>
-          <a:p>
-            <a:pPr algn="ctr"/>
-            <a:endParaRPr lang="en-JP" sz="1200" dirty="0">
-              <a:solidFill>
-                <a:schemeClr val="tx1">
-                  <a:lumMod val="50000"/>
-                  <a:lumOff val="50000"/>
-                </a:schemeClr>
-              </a:solidFill>
-              <a:latin typeface="PingFang SC" panose="020B0400000000000000" pitchFamily="34" charset="-122"/>
-              <a:ea typeface="PingFang SC" panose="020B0400000000000000" pitchFamily="34" charset="-122"/>
-            </a:endParaRPr>
-          </a:p>
-        </p:txBody>
-      </p:sp>
-      <p:cxnSp>
-        <p:nvCxnSpPr>
-          <p:cNvPr id="52" name="Straight Connector 51">
-            <a:extLst>
-              <a:ext uri="{FF2B5EF4-FFF2-40B4-BE49-F238E27FC236}">
-                <a16:creationId xmlns:a16="http://schemas.microsoft.com/office/drawing/2014/main" id="{37B0950A-2FDA-924B-BFF8-E5629FE778C4}"/>
-              </a:ext>
-            </a:extLst>
-          </p:cNvPr>
-          <p:cNvCxnSpPr>
-            <a:cxnSpLocks/>
-          </p:cNvCxnSpPr>
-          <p:nvPr userDrawn="1"/>
-        </p:nvCxnSpPr>
-        <p:spPr>
-          <a:xfrm>
-            <a:off x="6096000" y="0"/>
-            <a:ext cx="0" cy="6858000"/>
-          </a:xfrm>
-          <a:prstGeom prst="line">
-            <a:avLst/>
-          </a:prstGeom>
-          <a:ln>
-            <a:solidFill>
-              <a:schemeClr val="bg1">
-                <a:lumMod val="85000"/>
-              </a:schemeClr>
-            </a:solidFill>
-            <a:prstDash val="dash"/>
-          </a:ln>
-        </p:spPr>
-        <p:style>
-          <a:lnRef idx="1">
-            <a:schemeClr val="accent1"/>
-          </a:lnRef>
-          <a:fillRef idx="0">
-            <a:schemeClr val="accent1"/>
-          </a:fillRef>
-          <a:effectRef idx="0">
-            <a:schemeClr val="accent1"/>
-          </a:effectRef>
-          <a:fontRef idx="minor">
-            <a:schemeClr val="tx1"/>
-          </a:fontRef>
-        </p:style>
-      </p:cxnSp>
-      <p:sp>
-        <p:nvSpPr>
-          <p:cNvPr id="7" name="Text Placeholder 6">
-            <a:extLst>
-              <a:ext uri="{FF2B5EF4-FFF2-40B4-BE49-F238E27FC236}">
-                <a16:creationId xmlns:a16="http://schemas.microsoft.com/office/drawing/2014/main" id="{640E96AF-F586-3243-ACF1-FD2B5D10F517}"/>
-              </a:ext>
-            </a:extLst>
-          </p:cNvPr>
-          <p:cNvSpPr>
-            <a:spLocks noGrp="1"/>
-          </p:cNvSpPr>
-          <p:nvPr>
-            <p:ph type="body" sz="quarter" idx="10" hasCustomPrompt="1"/>
-          </p:nvPr>
-        </p:nvSpPr>
-        <p:spPr>
-          <a:xfrm>
-            <a:off x="4994600" y="980728"/>
-            <a:ext cx="669600" cy="324000"/>
-          </a:xfrm>
-          <a:prstGeom prst="rect">
-            <a:avLst/>
-          </a:prstGeom>
-        </p:spPr>
-        <p:txBody>
-          <a:bodyPr anchor="ctr"/>
-          <a:lstStyle>
-            <a:lvl1pPr marL="0" indent="0" algn="ctr">
-              <a:buNone/>
-              <a:defRPr sz="1400" b="0" i="0">
-                <a:solidFill>
-                  <a:schemeClr val="accent3">
-                    <a:lumMod val="75000"/>
-                  </a:schemeClr>
-                </a:solidFill>
-                <a:latin typeface="Roboto" pitchFamily="2" charset="0"/>
-                <a:ea typeface="Roboto" pitchFamily="2" charset="0"/>
-              </a:defRPr>
-            </a:lvl1pPr>
-            <a:lvl2pPr marL="324000" indent="0">
-              <a:buNone/>
-              <a:defRPr sz="1200" b="0" i="0">
-                <a:latin typeface="PingFang SC Light" panose="020B0300000000000000" pitchFamily="34" charset="-122"/>
-                <a:ea typeface="PingFang SC Light" panose="020B0300000000000000" pitchFamily="34" charset="-122"/>
-              </a:defRPr>
-            </a:lvl2pPr>
-            <a:lvl3pPr marL="630000" indent="0">
-              <a:buNone/>
-              <a:defRPr sz="1200" b="0" i="0">
-                <a:latin typeface="PingFang SC Light" panose="020B0300000000000000" pitchFamily="34" charset="-122"/>
-                <a:ea typeface="PingFang SC Light" panose="020B0300000000000000" pitchFamily="34" charset="-122"/>
-              </a:defRPr>
-            </a:lvl3pPr>
-            <a:lvl4pPr marL="1008000" indent="0">
-              <a:buNone/>
-              <a:defRPr sz="1200" b="0" i="0">
-                <a:latin typeface="PingFang SC Light" panose="020B0300000000000000" pitchFamily="34" charset="-122"/>
-                <a:ea typeface="PingFang SC Light" panose="020B0300000000000000" pitchFamily="34" charset="-122"/>
-              </a:defRPr>
-            </a:lvl4pPr>
-            <a:lvl5pPr marL="1368000" indent="0">
-              <a:buNone/>
-              <a:defRPr sz="1200" b="0" i="0">
-                <a:latin typeface="PingFang SC Light" panose="020B0300000000000000" pitchFamily="34" charset="-122"/>
-                <a:ea typeface="PingFang SC Light" panose="020B0300000000000000" pitchFamily="34" charset="-122"/>
-              </a:defRPr>
-            </a:lvl5pPr>
-          </a:lstStyle>
-          <a:p>
-            <a:pPr lvl="0"/>
-            <a:r>
-              <a:rPr lang="en-JP" dirty="0"/>
-              <a:t>v.</a:t>
-            </a:r>
-          </a:p>
-        </p:txBody>
-      </p:sp>
-      <p:sp>
-        <p:nvSpPr>
-          <p:cNvPr id="53" name="Text Placeholder 6">
-            <a:extLst>
-              <a:ext uri="{FF2B5EF4-FFF2-40B4-BE49-F238E27FC236}">
-                <a16:creationId xmlns:a16="http://schemas.microsoft.com/office/drawing/2014/main" id="{FE966760-E5A1-5B4E-BCB8-D2999A82721F}"/>
-              </a:ext>
-            </a:extLst>
-          </p:cNvPr>
-          <p:cNvSpPr>
-            <a:spLocks noGrp="1"/>
-          </p:cNvSpPr>
-          <p:nvPr>
-            <p:ph type="body" sz="quarter" idx="11" hasCustomPrompt="1"/>
-          </p:nvPr>
-        </p:nvSpPr>
-        <p:spPr>
-          <a:xfrm>
-            <a:off x="-1" y="1402609"/>
-            <a:ext cx="5756284" cy="1300613"/>
-          </a:xfrm>
-          <a:prstGeom prst="rect">
-            <a:avLst/>
-          </a:prstGeom>
-        </p:spPr>
-        <p:txBody>
-          <a:bodyPr anchor="ctr"/>
-          <a:lstStyle>
-            <a:lvl1pPr marL="0" indent="0" algn="r">
-              <a:buNone/>
-              <a:defRPr sz="5800" b="0" i="0">
-                <a:solidFill>
-                  <a:schemeClr val="accent3">
-                    <a:lumMod val="75000"/>
-                  </a:schemeClr>
-                </a:solidFill>
-                <a:latin typeface="Roboto Medium" pitchFamily="2" charset="0"/>
-                <a:ea typeface="Roboto Medium" pitchFamily="2" charset="0"/>
-              </a:defRPr>
-            </a:lvl1pPr>
-            <a:lvl2pPr marL="324000" indent="0">
-              <a:buNone/>
-              <a:defRPr sz="1200" b="0" i="0">
-                <a:latin typeface="PingFang SC Light" panose="020B0300000000000000" pitchFamily="34" charset="-122"/>
-                <a:ea typeface="PingFang SC Light" panose="020B0300000000000000" pitchFamily="34" charset="-122"/>
-              </a:defRPr>
-            </a:lvl2pPr>
-            <a:lvl3pPr marL="630000" indent="0">
-              <a:buNone/>
-              <a:defRPr sz="1200" b="0" i="0">
-                <a:latin typeface="PingFang SC Light" panose="020B0300000000000000" pitchFamily="34" charset="-122"/>
-                <a:ea typeface="PingFang SC Light" panose="020B0300000000000000" pitchFamily="34" charset="-122"/>
-              </a:defRPr>
-            </a:lvl3pPr>
-            <a:lvl4pPr marL="1008000" indent="0">
-              <a:buNone/>
-              <a:defRPr sz="1200" b="0" i="0">
-                <a:latin typeface="PingFang SC Light" panose="020B0300000000000000" pitchFamily="34" charset="-122"/>
-                <a:ea typeface="PingFang SC Light" panose="020B0300000000000000" pitchFamily="34" charset="-122"/>
-              </a:defRPr>
-            </a:lvl4pPr>
-            <a:lvl5pPr marL="1368000" indent="0">
-              <a:buNone/>
-              <a:defRPr sz="1200" b="0" i="0">
-                <a:latin typeface="PingFang SC Light" panose="020B0300000000000000" pitchFamily="34" charset="-122"/>
-                <a:ea typeface="PingFang SC Light" panose="020B0300000000000000" pitchFamily="34" charset="-122"/>
-              </a:defRPr>
-            </a:lvl5pPr>
-          </a:lstStyle>
-          <a:p>
-            <a:pPr lvl="0"/>
-            <a:r>
-              <a:rPr lang="en-JP" dirty="0"/>
-              <a:t>verb</a:t>
-            </a:r>
-          </a:p>
-        </p:txBody>
-      </p:sp>
-      <p:sp>
-        <p:nvSpPr>
-          <p:cNvPr id="54" name="Text Placeholder 6">
-            <a:extLst>
-              <a:ext uri="{FF2B5EF4-FFF2-40B4-BE49-F238E27FC236}">
-                <a16:creationId xmlns:a16="http://schemas.microsoft.com/office/drawing/2014/main" id="{FB90C090-45A5-F849-A90C-BEEF045674C2}"/>
-              </a:ext>
-            </a:extLst>
-          </p:cNvPr>
-          <p:cNvSpPr>
-            <a:spLocks noGrp="1"/>
-          </p:cNvSpPr>
-          <p:nvPr>
-            <p:ph type="body" sz="quarter" idx="12" hasCustomPrompt="1"/>
-          </p:nvPr>
-        </p:nvSpPr>
-        <p:spPr>
-          <a:xfrm>
-            <a:off x="-1" y="2801103"/>
-            <a:ext cx="5756284" cy="3058247"/>
-          </a:xfrm>
-          <a:prstGeom prst="rect">
-            <a:avLst/>
-          </a:prstGeom>
-        </p:spPr>
-        <p:txBody>
-          <a:bodyPr anchor="t"/>
-          <a:lstStyle>
-            <a:lvl1pPr marL="0" indent="0" algn="r">
-              <a:buNone/>
-              <a:defRPr sz="2400" b="0" i="0">
-                <a:solidFill>
-                  <a:schemeClr val="accent3">
-                    <a:lumMod val="75000"/>
-                  </a:schemeClr>
-                </a:solidFill>
-                <a:latin typeface="PingFang SC Light" panose="020B0300000000000000" pitchFamily="34" charset="-122"/>
-                <a:ea typeface="PingFang SC Light" panose="020B0300000000000000" pitchFamily="34" charset="-122"/>
-              </a:defRPr>
-            </a:lvl1pPr>
-            <a:lvl2pPr marL="324000" indent="0">
-              <a:buNone/>
-              <a:defRPr sz="1200" b="0" i="0">
-                <a:latin typeface="PingFang SC Light" panose="020B0300000000000000" pitchFamily="34" charset="-122"/>
-                <a:ea typeface="PingFang SC Light" panose="020B0300000000000000" pitchFamily="34" charset="-122"/>
-              </a:defRPr>
-            </a:lvl2pPr>
-            <a:lvl3pPr marL="630000" indent="0">
-              <a:buNone/>
-              <a:defRPr sz="1200" b="0" i="0">
-                <a:latin typeface="PingFang SC Light" panose="020B0300000000000000" pitchFamily="34" charset="-122"/>
-                <a:ea typeface="PingFang SC Light" panose="020B0300000000000000" pitchFamily="34" charset="-122"/>
-              </a:defRPr>
-            </a:lvl3pPr>
-            <a:lvl4pPr marL="1008000" indent="0">
-              <a:buNone/>
-              <a:defRPr sz="1200" b="0" i="0">
-                <a:latin typeface="PingFang SC Light" panose="020B0300000000000000" pitchFamily="34" charset="-122"/>
-                <a:ea typeface="PingFang SC Light" panose="020B0300000000000000" pitchFamily="34" charset="-122"/>
-              </a:defRPr>
-            </a:lvl4pPr>
-            <a:lvl5pPr marL="1368000" indent="0">
-              <a:buNone/>
-              <a:defRPr sz="1200" b="0" i="0">
-                <a:latin typeface="PingFang SC Light" panose="020B0300000000000000" pitchFamily="34" charset="-122"/>
-                <a:ea typeface="PingFang SC Light" panose="020B0300000000000000" pitchFamily="34" charset="-122"/>
-              </a:defRPr>
-            </a:lvl5pPr>
-          </a:lstStyle>
-          <a:p>
-            <a:pPr lvl="0"/>
-            <a:r>
-              <a:rPr lang="zh-CN" altLang="en-JP" dirty="0"/>
-              <a:t>翻译</a:t>
-            </a:r>
-            <a:r>
-              <a:rPr lang="en-US" altLang="zh-CN" dirty="0"/>
-              <a:t>1</a:t>
-            </a:r>
-          </a:p>
-          <a:p>
-            <a:pPr lvl="0"/>
-            <a:r>
-              <a:rPr lang="zh-CN" altLang="en-US" dirty="0"/>
-              <a:t>翻译</a:t>
-            </a:r>
-            <a:r>
-              <a:rPr lang="en-US" altLang="zh-CN" dirty="0"/>
-              <a:t>2</a:t>
-            </a:r>
-          </a:p>
-          <a:p>
-            <a:pPr lvl="0"/>
-            <a:r>
-              <a:rPr lang="zh-CN" altLang="en-US" dirty="0"/>
-              <a:t>翻译</a:t>
-            </a:r>
-            <a:r>
-              <a:rPr lang="en-US" altLang="zh-CN" dirty="0"/>
-              <a:t>3</a:t>
-            </a:r>
-          </a:p>
-          <a:p>
-            <a:pPr lvl="0"/>
-            <a:r>
-              <a:rPr lang="zh-CN" altLang="en-US" dirty="0"/>
-              <a:t>翻译</a:t>
-            </a:r>
-            <a:r>
-              <a:rPr lang="en-US" altLang="zh-CN" dirty="0"/>
-              <a:t>4</a:t>
-            </a:r>
-          </a:p>
-          <a:p>
-            <a:pPr lvl="0"/>
-            <a:r>
-              <a:rPr lang="zh-CN" altLang="en-US" dirty="0"/>
-              <a:t>翻译</a:t>
-            </a:r>
-            <a:r>
-              <a:rPr lang="en-US" altLang="zh-CN" dirty="0"/>
-              <a:t>5</a:t>
-            </a:r>
-          </a:p>
-          <a:p>
-            <a:pPr lvl="0"/>
-            <a:r>
-              <a:rPr lang="zh-CN" altLang="en-US" dirty="0"/>
-              <a:t>翻译</a:t>
-            </a:r>
-            <a:r>
-              <a:rPr lang="en-US" altLang="zh-CN" dirty="0"/>
-              <a:t>6</a:t>
-            </a:r>
-            <a:endParaRPr lang="en-JP" dirty="0"/>
-          </a:p>
-        </p:txBody>
-      </p:sp>
-      <p:sp>
-        <p:nvSpPr>
-          <p:cNvPr id="8" name="Rounded Rectangle 7">
-            <a:extLst>
-              <a:ext uri="{FF2B5EF4-FFF2-40B4-BE49-F238E27FC236}">
-                <a16:creationId xmlns:a16="http://schemas.microsoft.com/office/drawing/2014/main" id="{A87B8540-175F-6549-B6A1-2E535E8EF3CF}"/>
-              </a:ext>
-            </a:extLst>
-          </p:cNvPr>
-          <p:cNvSpPr/>
-          <p:nvPr userDrawn="1"/>
-        </p:nvSpPr>
-        <p:spPr>
-          <a:xfrm>
-            <a:off x="6415088" y="980728"/>
-            <a:ext cx="761032" cy="324000"/>
-          </a:xfrm>
-          <a:prstGeom prst="roundRect">
-            <a:avLst>
-              <a:gd name="adj" fmla="val 50000"/>
-            </a:avLst>
-          </a:prstGeom>
-          <a:solidFill>
-            <a:schemeClr val="bg1">
-              <a:lumMod val="95000"/>
-            </a:schemeClr>
-          </a:solidFill>
-          <a:ln>
-            <a:noFill/>
-          </a:ln>
-        </p:spPr>
-        <p:style>
-          <a:lnRef idx="2">
-            <a:schemeClr val="accent1">
-              <a:shade val="50000"/>
-            </a:schemeClr>
-          </a:lnRef>
-          <a:fillRef idx="1">
-            <a:schemeClr val="accent1"/>
-          </a:fillRef>
-          <a:effectRef idx="0">
-            <a:schemeClr val="accent1"/>
-          </a:effectRef>
-          <a:fontRef idx="minor">
-            <a:schemeClr val="lt1"/>
-          </a:fontRef>
-        </p:style>
-        <p:txBody>
-          <a:bodyPr rtlCol="0" anchor="ctr"/>
-          <a:lstStyle/>
-          <a:p>
-            <a:pPr algn="ctr"/>
-            <a:r>
-              <a:rPr lang="zh-CN" altLang="en-US" sz="1200" b="0" i="0" dirty="0">
-                <a:solidFill>
-                  <a:schemeClr val="tx1">
-                    <a:lumMod val="50000"/>
-                    <a:lumOff val="50000"/>
-                  </a:schemeClr>
-                </a:solidFill>
-                <a:latin typeface="PingFang SC Light" panose="020B0300000000000000" pitchFamily="34" charset="-122"/>
-                <a:ea typeface="PingFang SC Light" panose="020B0300000000000000" pitchFamily="34" charset="-122"/>
-              </a:rPr>
-              <a:t>例句</a:t>
-            </a:r>
-            <a:endParaRPr lang="en-JP" sz="1200" b="0" i="0" dirty="0">
-              <a:solidFill>
-                <a:schemeClr val="tx1">
-                  <a:lumMod val="50000"/>
-                  <a:lumOff val="50000"/>
-                </a:schemeClr>
-              </a:solidFill>
-              <a:latin typeface="PingFang SC Light" panose="020B0300000000000000" pitchFamily="34" charset="-122"/>
-              <a:ea typeface="PingFang SC Light" panose="020B0300000000000000" pitchFamily="34" charset="-122"/>
-            </a:endParaRPr>
-          </a:p>
-        </p:txBody>
-      </p:sp>
-      <p:sp>
-        <p:nvSpPr>
-          <p:cNvPr id="9" name="Text Placeholder 6">
-            <a:extLst>
-              <a:ext uri="{FF2B5EF4-FFF2-40B4-BE49-F238E27FC236}">
-                <a16:creationId xmlns:a16="http://schemas.microsoft.com/office/drawing/2014/main" id="{06994839-8FE8-6E43-8918-4D7D44F02D5D}"/>
-              </a:ext>
-            </a:extLst>
-          </p:cNvPr>
-          <p:cNvSpPr>
-            <a:spLocks noGrp="1"/>
-          </p:cNvSpPr>
-          <p:nvPr>
-            <p:ph type="body" sz="quarter" idx="13" hasCustomPrompt="1"/>
-          </p:nvPr>
-        </p:nvSpPr>
-        <p:spPr>
-          <a:xfrm>
-            <a:off x="6358268" y="1423672"/>
-            <a:ext cx="5400000" cy="648000"/>
-          </a:xfrm>
-          <a:prstGeom prst="rect">
-            <a:avLst/>
-          </a:prstGeom>
-        </p:spPr>
-        <p:txBody>
-          <a:bodyPr anchor="b"/>
-          <a:lstStyle>
-            <a:lvl1pPr marL="0" indent="0" algn="l">
-              <a:buNone/>
-              <a:defRPr sz="1800" b="0" i="0">
-                <a:solidFill>
-                  <a:schemeClr val="accent3">
-                    <a:lumMod val="75000"/>
-                  </a:schemeClr>
-                </a:solidFill>
-                <a:latin typeface="Roboto Medium" pitchFamily="2" charset="0"/>
-                <a:ea typeface="Roboto Medium" pitchFamily="2" charset="0"/>
-              </a:defRPr>
-            </a:lvl1pPr>
-            <a:lvl2pPr marL="324000" indent="0">
-              <a:buNone/>
-              <a:defRPr sz="1200" b="0" i="0">
-                <a:latin typeface="PingFang SC Light" panose="020B0300000000000000" pitchFamily="34" charset="-122"/>
-                <a:ea typeface="PingFang SC Light" panose="020B0300000000000000" pitchFamily="34" charset="-122"/>
-              </a:defRPr>
-            </a:lvl2pPr>
-            <a:lvl3pPr marL="630000" indent="0">
-              <a:buNone/>
-              <a:defRPr sz="1200" b="0" i="0">
-                <a:latin typeface="PingFang SC Light" panose="020B0300000000000000" pitchFamily="34" charset="-122"/>
-                <a:ea typeface="PingFang SC Light" panose="020B0300000000000000" pitchFamily="34" charset="-122"/>
-              </a:defRPr>
-            </a:lvl3pPr>
-            <a:lvl4pPr marL="1008000" indent="0">
-              <a:buNone/>
-              <a:defRPr sz="1200" b="0" i="0">
-                <a:latin typeface="PingFang SC Light" panose="020B0300000000000000" pitchFamily="34" charset="-122"/>
-                <a:ea typeface="PingFang SC Light" panose="020B0300000000000000" pitchFamily="34" charset="-122"/>
-              </a:defRPr>
-            </a:lvl4pPr>
-            <a:lvl5pPr marL="1368000" indent="0">
-              <a:buNone/>
-              <a:defRPr sz="1200" b="0" i="0">
-                <a:latin typeface="PingFang SC Light" panose="020B0300000000000000" pitchFamily="34" charset="-122"/>
-                <a:ea typeface="PingFang SC Light" panose="020B0300000000000000" pitchFamily="34" charset="-122"/>
-              </a:defRPr>
-            </a:lvl5pPr>
-          </a:lstStyle>
-          <a:p>
-            <a:pPr lvl="0"/>
-            <a:r>
-              <a:rPr lang="en-US" altLang="zh-CN" dirty="0"/>
-              <a:t>Sentence</a:t>
-            </a:r>
-            <a:r>
-              <a:rPr lang="zh-CN" altLang="en-US" dirty="0"/>
-              <a:t> </a:t>
-            </a:r>
-            <a:r>
-              <a:rPr lang="en-US" altLang="zh-CN" dirty="0"/>
-              <a:t>1</a:t>
-            </a:r>
-            <a:endParaRPr lang="en-JP" dirty="0"/>
-          </a:p>
-        </p:txBody>
-      </p:sp>
-      <p:sp>
-        <p:nvSpPr>
-          <p:cNvPr id="10" name="Text Placeholder 6">
-            <a:extLst>
-              <a:ext uri="{FF2B5EF4-FFF2-40B4-BE49-F238E27FC236}">
-                <a16:creationId xmlns:a16="http://schemas.microsoft.com/office/drawing/2014/main" id="{6816F5A4-C3D2-854B-ABC8-F66C643EE4E0}"/>
-              </a:ext>
-            </a:extLst>
-          </p:cNvPr>
-          <p:cNvSpPr>
-            <a:spLocks noGrp="1"/>
-          </p:cNvSpPr>
-          <p:nvPr>
-            <p:ph type="body" sz="quarter" idx="14" hasCustomPrompt="1"/>
-          </p:nvPr>
-        </p:nvSpPr>
-        <p:spPr>
-          <a:xfrm>
-            <a:off x="6358268" y="2118419"/>
-            <a:ext cx="5400000" cy="324000"/>
-          </a:xfrm>
-          <a:prstGeom prst="rect">
-            <a:avLst/>
-          </a:prstGeom>
-        </p:spPr>
-        <p:txBody>
-          <a:bodyPr anchor="t"/>
-          <a:lstStyle>
-            <a:lvl1pPr marL="0" indent="0" algn="l">
-              <a:buNone/>
-              <a:defRPr sz="1400" b="0" i="0">
-                <a:solidFill>
-                  <a:schemeClr val="tx1">
-                    <a:lumMod val="50000"/>
-                    <a:lumOff val="50000"/>
-                  </a:schemeClr>
-                </a:solidFill>
-                <a:latin typeface="PingFang SC Light" panose="020B0300000000000000" pitchFamily="34" charset="-122"/>
-                <a:ea typeface="PingFang SC Light" panose="020B0300000000000000" pitchFamily="34" charset="-122"/>
-              </a:defRPr>
-            </a:lvl1pPr>
-            <a:lvl2pPr marL="324000" indent="0">
-              <a:buNone/>
-              <a:defRPr sz="1200" b="0" i="0">
-                <a:latin typeface="PingFang SC Light" panose="020B0300000000000000" pitchFamily="34" charset="-122"/>
-                <a:ea typeface="PingFang SC Light" panose="020B0300000000000000" pitchFamily="34" charset="-122"/>
-              </a:defRPr>
-            </a:lvl2pPr>
-            <a:lvl3pPr marL="630000" indent="0">
-              <a:buNone/>
-              <a:defRPr sz="1200" b="0" i="0">
-                <a:latin typeface="PingFang SC Light" panose="020B0300000000000000" pitchFamily="34" charset="-122"/>
-                <a:ea typeface="PingFang SC Light" panose="020B0300000000000000" pitchFamily="34" charset="-122"/>
-              </a:defRPr>
-            </a:lvl3pPr>
-            <a:lvl4pPr marL="1008000" indent="0">
-              <a:buNone/>
-              <a:defRPr sz="1200" b="0" i="0">
-                <a:latin typeface="PingFang SC Light" panose="020B0300000000000000" pitchFamily="34" charset="-122"/>
-                <a:ea typeface="PingFang SC Light" panose="020B0300000000000000" pitchFamily="34" charset="-122"/>
-              </a:defRPr>
-            </a:lvl4pPr>
-            <a:lvl5pPr marL="1368000" indent="0">
-              <a:buNone/>
-              <a:defRPr sz="1200" b="0" i="0">
-                <a:latin typeface="PingFang SC Light" panose="020B0300000000000000" pitchFamily="34" charset="-122"/>
-                <a:ea typeface="PingFang SC Light" panose="020B0300000000000000" pitchFamily="34" charset="-122"/>
-              </a:defRPr>
-            </a:lvl5pPr>
-          </a:lstStyle>
-          <a:p>
-            <a:pPr lvl="0"/>
-            <a:r>
-              <a:rPr lang="zh-CN" altLang="en-JP" dirty="0"/>
-              <a:t>翻译</a:t>
-            </a:r>
-            <a:r>
-              <a:rPr lang="zh-CN" altLang="en-US" dirty="0"/>
-              <a:t> </a:t>
-            </a:r>
-            <a:r>
-              <a:rPr lang="en-US" altLang="zh-CN" dirty="0"/>
-              <a:t>1</a:t>
-            </a:r>
-            <a:endParaRPr lang="en-JP" dirty="0"/>
-          </a:p>
-        </p:txBody>
-      </p:sp>
-      <p:sp>
-        <p:nvSpPr>
-          <p:cNvPr id="11" name="Text Placeholder 6">
-            <a:extLst>
-              <a:ext uri="{FF2B5EF4-FFF2-40B4-BE49-F238E27FC236}">
-                <a16:creationId xmlns:a16="http://schemas.microsoft.com/office/drawing/2014/main" id="{FCF73F8A-79A6-8B45-80FF-2449DD7E715F}"/>
-              </a:ext>
-            </a:extLst>
-          </p:cNvPr>
-          <p:cNvSpPr>
-            <a:spLocks noGrp="1"/>
-          </p:cNvSpPr>
-          <p:nvPr>
-            <p:ph type="body" sz="quarter" idx="15" hasCustomPrompt="1"/>
-          </p:nvPr>
-        </p:nvSpPr>
-        <p:spPr>
-          <a:xfrm>
-            <a:off x="6358268" y="2581081"/>
-            <a:ext cx="5400000" cy="648000"/>
-          </a:xfrm>
-          <a:prstGeom prst="rect">
-            <a:avLst/>
-          </a:prstGeom>
-        </p:spPr>
-        <p:txBody>
-          <a:bodyPr anchor="b"/>
-          <a:lstStyle>
-            <a:lvl1pPr marL="0" indent="0" algn="l">
-              <a:buNone/>
-              <a:defRPr sz="1800" b="0" i="0">
-                <a:solidFill>
-                  <a:schemeClr val="accent3">
-                    <a:lumMod val="75000"/>
-                  </a:schemeClr>
-                </a:solidFill>
-                <a:latin typeface="Roboto Medium" pitchFamily="2" charset="0"/>
-                <a:ea typeface="Roboto Medium" pitchFamily="2" charset="0"/>
-              </a:defRPr>
-            </a:lvl1pPr>
-            <a:lvl2pPr marL="324000" indent="0">
-              <a:buNone/>
-              <a:defRPr sz="1200" b="0" i="0">
-                <a:latin typeface="PingFang SC Light" panose="020B0300000000000000" pitchFamily="34" charset="-122"/>
-                <a:ea typeface="PingFang SC Light" panose="020B0300000000000000" pitchFamily="34" charset="-122"/>
-              </a:defRPr>
-            </a:lvl2pPr>
-            <a:lvl3pPr marL="630000" indent="0">
-              <a:buNone/>
-              <a:defRPr sz="1200" b="0" i="0">
-                <a:latin typeface="PingFang SC Light" panose="020B0300000000000000" pitchFamily="34" charset="-122"/>
-                <a:ea typeface="PingFang SC Light" panose="020B0300000000000000" pitchFamily="34" charset="-122"/>
-              </a:defRPr>
-            </a:lvl3pPr>
-            <a:lvl4pPr marL="1008000" indent="0">
-              <a:buNone/>
-              <a:defRPr sz="1200" b="0" i="0">
-                <a:latin typeface="PingFang SC Light" panose="020B0300000000000000" pitchFamily="34" charset="-122"/>
-                <a:ea typeface="PingFang SC Light" panose="020B0300000000000000" pitchFamily="34" charset="-122"/>
-              </a:defRPr>
-            </a:lvl4pPr>
-            <a:lvl5pPr marL="1368000" indent="0">
-              <a:buNone/>
-              <a:defRPr sz="1200" b="0" i="0">
-                <a:latin typeface="PingFang SC Light" panose="020B0300000000000000" pitchFamily="34" charset="-122"/>
-                <a:ea typeface="PingFang SC Light" panose="020B0300000000000000" pitchFamily="34" charset="-122"/>
-              </a:defRPr>
-            </a:lvl5pPr>
-          </a:lstStyle>
-          <a:p>
-            <a:pPr lvl="0"/>
-            <a:r>
-              <a:rPr lang="en-US" altLang="zh-CN" dirty="0"/>
-              <a:t>Sentence</a:t>
-            </a:r>
-            <a:r>
-              <a:rPr lang="zh-CN" altLang="en-US" dirty="0"/>
-              <a:t> </a:t>
-            </a:r>
-            <a:r>
-              <a:rPr lang="en-US" altLang="zh-CN" dirty="0"/>
-              <a:t>2</a:t>
-            </a:r>
-            <a:endParaRPr lang="en-JP" dirty="0"/>
-          </a:p>
-        </p:txBody>
-      </p:sp>
-      <p:sp>
-        <p:nvSpPr>
-          <p:cNvPr id="12" name="Text Placeholder 6">
-            <a:extLst>
-              <a:ext uri="{FF2B5EF4-FFF2-40B4-BE49-F238E27FC236}">
-                <a16:creationId xmlns:a16="http://schemas.microsoft.com/office/drawing/2014/main" id="{6D94A5CC-3BDE-784D-82EA-FEA7B34C9CFC}"/>
-              </a:ext>
-            </a:extLst>
-          </p:cNvPr>
-          <p:cNvSpPr>
-            <a:spLocks noGrp="1"/>
-          </p:cNvSpPr>
-          <p:nvPr>
-            <p:ph type="body" sz="quarter" idx="16" hasCustomPrompt="1"/>
-          </p:nvPr>
-        </p:nvSpPr>
-        <p:spPr>
-          <a:xfrm>
-            <a:off x="6358268" y="3263825"/>
-            <a:ext cx="5400000" cy="324000"/>
-          </a:xfrm>
-          <a:prstGeom prst="rect">
-            <a:avLst/>
-          </a:prstGeom>
-        </p:spPr>
-        <p:txBody>
-          <a:bodyPr anchor="t"/>
-          <a:lstStyle>
-            <a:lvl1pPr marL="0" indent="0" algn="l">
-              <a:buNone/>
-              <a:defRPr sz="1400" b="0" i="0">
-                <a:solidFill>
-                  <a:schemeClr val="tx1">
-                    <a:lumMod val="50000"/>
-                    <a:lumOff val="50000"/>
-                  </a:schemeClr>
-                </a:solidFill>
-                <a:latin typeface="PingFang SC Light" panose="020B0300000000000000" pitchFamily="34" charset="-122"/>
-                <a:ea typeface="PingFang SC Light" panose="020B0300000000000000" pitchFamily="34" charset="-122"/>
-              </a:defRPr>
-            </a:lvl1pPr>
-            <a:lvl2pPr marL="324000" indent="0">
-              <a:buNone/>
-              <a:defRPr sz="1200" b="0" i="0">
-                <a:latin typeface="PingFang SC Light" panose="020B0300000000000000" pitchFamily="34" charset="-122"/>
-                <a:ea typeface="PingFang SC Light" panose="020B0300000000000000" pitchFamily="34" charset="-122"/>
-              </a:defRPr>
-            </a:lvl2pPr>
-            <a:lvl3pPr marL="630000" indent="0">
-              <a:buNone/>
-              <a:defRPr sz="1200" b="0" i="0">
-                <a:latin typeface="PingFang SC Light" panose="020B0300000000000000" pitchFamily="34" charset="-122"/>
-                <a:ea typeface="PingFang SC Light" panose="020B0300000000000000" pitchFamily="34" charset="-122"/>
-              </a:defRPr>
-            </a:lvl3pPr>
-            <a:lvl4pPr marL="1008000" indent="0">
-              <a:buNone/>
-              <a:defRPr sz="1200" b="0" i="0">
-                <a:latin typeface="PingFang SC Light" panose="020B0300000000000000" pitchFamily="34" charset="-122"/>
-                <a:ea typeface="PingFang SC Light" panose="020B0300000000000000" pitchFamily="34" charset="-122"/>
-              </a:defRPr>
-            </a:lvl4pPr>
-            <a:lvl5pPr marL="1368000" indent="0">
-              <a:buNone/>
-              <a:defRPr sz="1200" b="0" i="0">
-                <a:latin typeface="PingFang SC Light" panose="020B0300000000000000" pitchFamily="34" charset="-122"/>
-                <a:ea typeface="PingFang SC Light" panose="020B0300000000000000" pitchFamily="34" charset="-122"/>
-              </a:defRPr>
-            </a:lvl5pPr>
-          </a:lstStyle>
-          <a:p>
-            <a:pPr lvl="0"/>
-            <a:r>
-              <a:rPr lang="zh-CN" altLang="en-JP" dirty="0"/>
-              <a:t>翻译</a:t>
-            </a:r>
-            <a:r>
-              <a:rPr lang="zh-CN" altLang="en-US" dirty="0"/>
-              <a:t> </a:t>
-            </a:r>
-            <a:r>
-              <a:rPr lang="en-US" altLang="zh-CN" dirty="0"/>
-              <a:t>2</a:t>
-            </a:r>
-            <a:endParaRPr lang="en-JP" dirty="0"/>
-          </a:p>
-        </p:txBody>
-      </p:sp>
-      <p:sp>
-        <p:nvSpPr>
-          <p:cNvPr id="13" name="Text Placeholder 6">
-            <a:extLst>
-              <a:ext uri="{FF2B5EF4-FFF2-40B4-BE49-F238E27FC236}">
-                <a16:creationId xmlns:a16="http://schemas.microsoft.com/office/drawing/2014/main" id="{F9B50DCC-A84C-A64B-89FC-40EE28A7E87C}"/>
-              </a:ext>
-            </a:extLst>
-          </p:cNvPr>
-          <p:cNvSpPr>
-            <a:spLocks noGrp="1"/>
-          </p:cNvSpPr>
-          <p:nvPr>
-            <p:ph type="body" sz="quarter" idx="17" hasCustomPrompt="1"/>
-          </p:nvPr>
-        </p:nvSpPr>
-        <p:spPr>
-          <a:xfrm>
-            <a:off x="6358268" y="3727216"/>
-            <a:ext cx="5400000" cy="648000"/>
-          </a:xfrm>
-          <a:prstGeom prst="rect">
-            <a:avLst/>
-          </a:prstGeom>
-        </p:spPr>
-        <p:txBody>
-          <a:bodyPr anchor="b"/>
-          <a:lstStyle>
-            <a:lvl1pPr marL="0" indent="0" algn="l">
-              <a:buNone/>
-              <a:defRPr sz="1800" b="0" i="0">
-                <a:solidFill>
-                  <a:schemeClr val="accent3">
-                    <a:lumMod val="75000"/>
-                  </a:schemeClr>
-                </a:solidFill>
-                <a:latin typeface="Roboto Medium" pitchFamily="2" charset="0"/>
-                <a:ea typeface="Roboto Medium" pitchFamily="2" charset="0"/>
-              </a:defRPr>
-            </a:lvl1pPr>
-            <a:lvl2pPr marL="324000" indent="0">
-              <a:buNone/>
-              <a:defRPr sz="1200" b="0" i="0">
-                <a:latin typeface="PingFang SC Light" panose="020B0300000000000000" pitchFamily="34" charset="-122"/>
-                <a:ea typeface="PingFang SC Light" panose="020B0300000000000000" pitchFamily="34" charset="-122"/>
-              </a:defRPr>
-            </a:lvl2pPr>
-            <a:lvl3pPr marL="630000" indent="0">
-              <a:buNone/>
-              <a:defRPr sz="1200" b="0" i="0">
-                <a:latin typeface="PingFang SC Light" panose="020B0300000000000000" pitchFamily="34" charset="-122"/>
-                <a:ea typeface="PingFang SC Light" panose="020B0300000000000000" pitchFamily="34" charset="-122"/>
-              </a:defRPr>
-            </a:lvl3pPr>
-            <a:lvl4pPr marL="1008000" indent="0">
-              <a:buNone/>
-              <a:defRPr sz="1200" b="0" i="0">
-                <a:latin typeface="PingFang SC Light" panose="020B0300000000000000" pitchFamily="34" charset="-122"/>
-                <a:ea typeface="PingFang SC Light" panose="020B0300000000000000" pitchFamily="34" charset="-122"/>
-              </a:defRPr>
-            </a:lvl4pPr>
-            <a:lvl5pPr marL="1368000" indent="0">
-              <a:buNone/>
-              <a:defRPr sz="1200" b="0" i="0">
-                <a:latin typeface="PingFang SC Light" panose="020B0300000000000000" pitchFamily="34" charset="-122"/>
-                <a:ea typeface="PingFang SC Light" panose="020B0300000000000000" pitchFamily="34" charset="-122"/>
-              </a:defRPr>
-            </a:lvl5pPr>
-          </a:lstStyle>
-          <a:p>
-            <a:pPr lvl="0"/>
-            <a:r>
-              <a:rPr lang="en-US" altLang="zh-CN" dirty="0"/>
-              <a:t>Sentence</a:t>
-            </a:r>
-            <a:r>
-              <a:rPr lang="zh-CN" altLang="en-US" dirty="0"/>
-              <a:t> </a:t>
-            </a:r>
-            <a:r>
-              <a:rPr lang="en-US" altLang="zh-CN" dirty="0"/>
-              <a:t>3</a:t>
-            </a:r>
-            <a:endParaRPr lang="en-JP" dirty="0"/>
-          </a:p>
-        </p:txBody>
-      </p:sp>
-      <p:sp>
-        <p:nvSpPr>
-          <p:cNvPr id="14" name="Text Placeholder 6">
-            <a:extLst>
-              <a:ext uri="{FF2B5EF4-FFF2-40B4-BE49-F238E27FC236}">
-                <a16:creationId xmlns:a16="http://schemas.microsoft.com/office/drawing/2014/main" id="{0BBC6236-F0EF-2D41-BDBC-922BED4B9BAA}"/>
-              </a:ext>
-            </a:extLst>
-          </p:cNvPr>
-          <p:cNvSpPr>
-            <a:spLocks noGrp="1"/>
-          </p:cNvSpPr>
-          <p:nvPr>
-            <p:ph type="body" sz="quarter" idx="18" hasCustomPrompt="1"/>
-          </p:nvPr>
-        </p:nvSpPr>
-        <p:spPr>
-          <a:xfrm>
-            <a:off x="6358268" y="4416019"/>
-            <a:ext cx="5400000" cy="324000"/>
-          </a:xfrm>
-          <a:prstGeom prst="rect">
-            <a:avLst/>
-          </a:prstGeom>
-        </p:spPr>
-        <p:txBody>
-          <a:bodyPr anchor="t"/>
-          <a:lstStyle>
-            <a:lvl1pPr marL="0" indent="0" algn="l">
-              <a:buNone/>
-              <a:defRPr sz="1400" b="0" i="0">
-                <a:solidFill>
-                  <a:schemeClr val="tx1">
-                    <a:lumMod val="50000"/>
-                    <a:lumOff val="50000"/>
-                  </a:schemeClr>
-                </a:solidFill>
-                <a:latin typeface="PingFang SC Light" panose="020B0300000000000000" pitchFamily="34" charset="-122"/>
-                <a:ea typeface="PingFang SC Light" panose="020B0300000000000000" pitchFamily="34" charset="-122"/>
-              </a:defRPr>
-            </a:lvl1pPr>
-            <a:lvl2pPr marL="324000" indent="0">
-              <a:buNone/>
-              <a:defRPr sz="1200" b="0" i="0">
-                <a:latin typeface="PingFang SC Light" panose="020B0300000000000000" pitchFamily="34" charset="-122"/>
-                <a:ea typeface="PingFang SC Light" panose="020B0300000000000000" pitchFamily="34" charset="-122"/>
-              </a:defRPr>
-            </a:lvl2pPr>
-            <a:lvl3pPr marL="630000" indent="0">
-              <a:buNone/>
-              <a:defRPr sz="1200" b="0" i="0">
-                <a:latin typeface="PingFang SC Light" panose="020B0300000000000000" pitchFamily="34" charset="-122"/>
-                <a:ea typeface="PingFang SC Light" panose="020B0300000000000000" pitchFamily="34" charset="-122"/>
-              </a:defRPr>
-            </a:lvl3pPr>
-            <a:lvl4pPr marL="1008000" indent="0">
-              <a:buNone/>
-              <a:defRPr sz="1200" b="0" i="0">
-                <a:latin typeface="PingFang SC Light" panose="020B0300000000000000" pitchFamily="34" charset="-122"/>
-                <a:ea typeface="PingFang SC Light" panose="020B0300000000000000" pitchFamily="34" charset="-122"/>
-              </a:defRPr>
-            </a:lvl4pPr>
-            <a:lvl5pPr marL="1368000" indent="0">
-              <a:buNone/>
-              <a:defRPr sz="1200" b="0" i="0">
-                <a:latin typeface="PingFang SC Light" panose="020B0300000000000000" pitchFamily="34" charset="-122"/>
-                <a:ea typeface="PingFang SC Light" panose="020B0300000000000000" pitchFamily="34" charset="-122"/>
-              </a:defRPr>
-            </a:lvl5pPr>
-          </a:lstStyle>
-          <a:p>
-            <a:pPr lvl="0"/>
-            <a:r>
-              <a:rPr lang="zh-CN" altLang="en-JP" dirty="0"/>
-              <a:t>翻译</a:t>
-            </a:r>
-            <a:r>
-              <a:rPr lang="zh-CN" altLang="en-US" dirty="0"/>
-              <a:t> </a:t>
-            </a:r>
-            <a:r>
-              <a:rPr lang="en-US" altLang="zh-CN" dirty="0"/>
-              <a:t>3</a:t>
-            </a:r>
-            <a:endParaRPr lang="en-JP" dirty="0"/>
-          </a:p>
-        </p:txBody>
-      </p:sp>
-      <p:sp>
-        <p:nvSpPr>
-          <p:cNvPr id="15" name="Text Placeholder 6">
-            <a:extLst>
-              <a:ext uri="{FF2B5EF4-FFF2-40B4-BE49-F238E27FC236}">
-                <a16:creationId xmlns:a16="http://schemas.microsoft.com/office/drawing/2014/main" id="{5CC1D25C-4F08-D748-A9A2-136F6A6BFF34}"/>
-              </a:ext>
-            </a:extLst>
-          </p:cNvPr>
-          <p:cNvSpPr>
-            <a:spLocks noGrp="1"/>
-          </p:cNvSpPr>
-          <p:nvPr>
-            <p:ph type="body" sz="quarter" idx="19" hasCustomPrompt="1"/>
-          </p:nvPr>
-        </p:nvSpPr>
-        <p:spPr>
-          <a:xfrm>
-            <a:off x="6358268" y="4878632"/>
-            <a:ext cx="5400000" cy="648000"/>
-          </a:xfrm>
-          <a:prstGeom prst="rect">
-            <a:avLst/>
-          </a:prstGeom>
-        </p:spPr>
-        <p:txBody>
-          <a:bodyPr anchor="b"/>
-          <a:lstStyle>
-            <a:lvl1pPr marL="0" indent="0" algn="l">
-              <a:buNone/>
-              <a:defRPr sz="1800" b="0" i="0">
-                <a:solidFill>
-                  <a:schemeClr val="accent3">
-                    <a:lumMod val="75000"/>
-                  </a:schemeClr>
-                </a:solidFill>
-                <a:latin typeface="Roboto Medium" pitchFamily="2" charset="0"/>
-                <a:ea typeface="Roboto Medium" pitchFamily="2" charset="0"/>
-              </a:defRPr>
-            </a:lvl1pPr>
-            <a:lvl2pPr marL="324000" indent="0">
-              <a:buNone/>
-              <a:defRPr sz="1200" b="0" i="0">
-                <a:latin typeface="PingFang SC Light" panose="020B0300000000000000" pitchFamily="34" charset="-122"/>
-                <a:ea typeface="PingFang SC Light" panose="020B0300000000000000" pitchFamily="34" charset="-122"/>
-              </a:defRPr>
-            </a:lvl2pPr>
-            <a:lvl3pPr marL="630000" indent="0">
-              <a:buNone/>
-              <a:defRPr sz="1200" b="0" i="0">
-                <a:latin typeface="PingFang SC Light" panose="020B0300000000000000" pitchFamily="34" charset="-122"/>
-                <a:ea typeface="PingFang SC Light" panose="020B0300000000000000" pitchFamily="34" charset="-122"/>
-              </a:defRPr>
-            </a:lvl3pPr>
-            <a:lvl4pPr marL="1008000" indent="0">
-              <a:buNone/>
-              <a:defRPr sz="1200" b="0" i="0">
-                <a:latin typeface="PingFang SC Light" panose="020B0300000000000000" pitchFamily="34" charset="-122"/>
-                <a:ea typeface="PingFang SC Light" panose="020B0300000000000000" pitchFamily="34" charset="-122"/>
-              </a:defRPr>
-            </a:lvl4pPr>
-            <a:lvl5pPr marL="1368000" indent="0">
-              <a:buNone/>
-              <a:defRPr sz="1200" b="0" i="0">
-                <a:latin typeface="PingFang SC Light" panose="020B0300000000000000" pitchFamily="34" charset="-122"/>
-                <a:ea typeface="PingFang SC Light" panose="020B0300000000000000" pitchFamily="34" charset="-122"/>
-              </a:defRPr>
-            </a:lvl5pPr>
-          </a:lstStyle>
-          <a:p>
-            <a:pPr lvl="0"/>
-            <a:r>
-              <a:rPr lang="en-US" altLang="zh-CN" dirty="0"/>
-              <a:t>Sentence</a:t>
-            </a:r>
-            <a:r>
-              <a:rPr lang="zh-CN" altLang="en-US" dirty="0"/>
-              <a:t> </a:t>
-            </a:r>
-            <a:r>
-              <a:rPr lang="en-US" altLang="zh-CN" dirty="0"/>
-              <a:t>4</a:t>
-            </a:r>
-            <a:endParaRPr lang="en-JP" dirty="0"/>
-          </a:p>
-        </p:txBody>
-      </p:sp>
-      <p:sp>
-        <p:nvSpPr>
-          <p:cNvPr id="16" name="Text Placeholder 6">
-            <a:extLst>
-              <a:ext uri="{FF2B5EF4-FFF2-40B4-BE49-F238E27FC236}">
-                <a16:creationId xmlns:a16="http://schemas.microsoft.com/office/drawing/2014/main" id="{99A6D220-4B7F-584B-BCD3-BB0D49E94ACF}"/>
-              </a:ext>
-            </a:extLst>
-          </p:cNvPr>
-          <p:cNvSpPr>
-            <a:spLocks noGrp="1"/>
-          </p:cNvSpPr>
-          <p:nvPr>
-            <p:ph type="body" sz="quarter" idx="20" hasCustomPrompt="1"/>
-          </p:nvPr>
-        </p:nvSpPr>
-        <p:spPr>
-          <a:xfrm>
-            <a:off x="6358268" y="5567435"/>
-            <a:ext cx="5400000" cy="324000"/>
-          </a:xfrm>
-          <a:prstGeom prst="rect">
-            <a:avLst/>
-          </a:prstGeom>
-        </p:spPr>
-        <p:txBody>
-          <a:bodyPr anchor="t"/>
-          <a:lstStyle>
-            <a:lvl1pPr marL="0" indent="0" algn="l">
-              <a:buNone/>
-              <a:defRPr sz="1400" b="0" i="0">
-                <a:solidFill>
-                  <a:schemeClr val="tx1">
-                    <a:lumMod val="50000"/>
-                    <a:lumOff val="50000"/>
-                  </a:schemeClr>
-                </a:solidFill>
-                <a:latin typeface="PingFang SC Light" panose="020B0300000000000000" pitchFamily="34" charset="-122"/>
-                <a:ea typeface="PingFang SC Light" panose="020B0300000000000000" pitchFamily="34" charset="-122"/>
-              </a:defRPr>
-            </a:lvl1pPr>
-            <a:lvl2pPr marL="324000" indent="0">
-              <a:buNone/>
-              <a:defRPr sz="1200" b="0" i="0">
-                <a:latin typeface="PingFang SC Light" panose="020B0300000000000000" pitchFamily="34" charset="-122"/>
-                <a:ea typeface="PingFang SC Light" panose="020B0300000000000000" pitchFamily="34" charset="-122"/>
-              </a:defRPr>
-            </a:lvl2pPr>
-            <a:lvl3pPr marL="630000" indent="0">
-              <a:buNone/>
-              <a:defRPr sz="1200" b="0" i="0">
-                <a:latin typeface="PingFang SC Light" panose="020B0300000000000000" pitchFamily="34" charset="-122"/>
-                <a:ea typeface="PingFang SC Light" panose="020B0300000000000000" pitchFamily="34" charset="-122"/>
-              </a:defRPr>
-            </a:lvl3pPr>
-            <a:lvl4pPr marL="1008000" indent="0">
-              <a:buNone/>
-              <a:defRPr sz="1200" b="0" i="0">
-                <a:latin typeface="PingFang SC Light" panose="020B0300000000000000" pitchFamily="34" charset="-122"/>
-                <a:ea typeface="PingFang SC Light" panose="020B0300000000000000" pitchFamily="34" charset="-122"/>
-              </a:defRPr>
-            </a:lvl4pPr>
-            <a:lvl5pPr marL="1368000" indent="0">
-              <a:buNone/>
-              <a:defRPr sz="1200" b="0" i="0">
-                <a:latin typeface="PingFang SC Light" panose="020B0300000000000000" pitchFamily="34" charset="-122"/>
-                <a:ea typeface="PingFang SC Light" panose="020B0300000000000000" pitchFamily="34" charset="-122"/>
-              </a:defRPr>
-            </a:lvl5pPr>
-          </a:lstStyle>
-          <a:p>
-            <a:pPr lvl="0"/>
-            <a:r>
-              <a:rPr lang="zh-CN" altLang="en-JP" dirty="0"/>
-              <a:t>翻译</a:t>
-            </a:r>
-            <a:r>
-              <a:rPr lang="zh-CN" altLang="en-US" dirty="0"/>
-              <a:t> </a:t>
-            </a:r>
-            <a:r>
-              <a:rPr lang="en-US" altLang="zh-CN" dirty="0"/>
-              <a:t>4</a:t>
-            </a:r>
-            <a:endParaRPr lang="en-JP" dirty="0"/>
-          </a:p>
-        </p:txBody>
-      </p:sp>
-    </p:spTree>
-    <p:extLst>
-      <p:ext uri="{BB962C8B-B14F-4D97-AF65-F5344CB8AC3E}">
-        <p14:creationId xmlns:p14="http://schemas.microsoft.com/office/powerpoint/2010/main" val="1466240464"/>
-      </p:ext>
-    </p:extLst>
-  </p:cSld>
-  <p:clrMapOvr>
-    <a:masterClrMapping/>
-  </p:clrMapOvr>
-  <p:extLst>
-    <p:ext uri="{DCECCB84-F9BA-43D5-87BE-67443E8EF086}">
-      <p15:sldGuideLst xmlns:p15="http://schemas.microsoft.com/office/powerpoint/2012/main">
-        <p15:guide id="1" pos="3568" userDrawn="1">
-          <p15:clr>
-            <a:srgbClr val="FBAE40"/>
-          </p15:clr>
-        </p15:guide>
-      </p15:sldGuideLst>
-    </p:ext>
-  </p:extLst>
-</p:sldLayout>
-</file>
-
-<file path=ppt/slideLayouts/slideLayout17.xml><?xml version="1.0" encoding="utf-8"?>
-<p:sldLayout xmlns:a="http://schemas.openxmlformats.org/drawingml/2006/main" xmlns:r="http://schemas.openxmlformats.org/officeDocument/2006/relationships" xmlns:p="http://schemas.openxmlformats.org/presentationml/2006/main" preserve="1" userDrawn="1">
-  <p:cSld name="Verb with extension">
+  <p:cSld name="Verb with extension A">
     <p:bg>
       <p:bgPr>
         <a:solidFill>
@@ -8381,9 +3769,9 @@
 </p:sldLayout>
 </file>
 
-<file path=ppt/slideLayouts/slideLayout18.xml><?xml version="1.0" encoding="utf-8"?>
+<file path=ppt/slideLayouts/slideLayout12.xml><?xml version="1.0" encoding="utf-8"?>
 <p:sldLayout xmlns:a="http://schemas.openxmlformats.org/drawingml/2006/main" xmlns:r="http://schemas.openxmlformats.org/officeDocument/2006/relationships" xmlns:p="http://schemas.openxmlformats.org/presentationml/2006/main" preserve="1" userDrawn="1">
-  <p:cSld name="Verb with extension and examples">
+  <p:cSld name="Verb with extension B">
     <p:bg>
       <p:bgPr>
         <a:solidFill>
@@ -10310,9 +5698,9 @@
 </p:sldLayout>
 </file>
 
-<file path=ppt/slideLayouts/slideLayout19.xml><?xml version="1.0" encoding="utf-8"?>
+<file path=ppt/slideLayouts/slideLayout13.xml><?xml version="1.0" encoding="utf-8"?>
 <p:sldLayout xmlns:a="http://schemas.openxmlformats.org/drawingml/2006/main" xmlns:r="http://schemas.openxmlformats.org/officeDocument/2006/relationships" xmlns:p="http://schemas.openxmlformats.org/presentationml/2006/main" preserve="1" userDrawn="1">
-  <p:cSld name="Title for other pos">
+  <p:cSld name="Blank">
     <p:bg>
       <p:bgPr>
         <a:solidFill>
@@ -10337,10 +5725,10 @@
       </p:grpSpPr>
       <p:pic>
         <p:nvPicPr>
-          <p:cNvPr id="8" name="Picture 7">
-            <a:extLst>
-              <a:ext uri="{FF2B5EF4-FFF2-40B4-BE49-F238E27FC236}">
-                <a16:creationId xmlns:a16="http://schemas.microsoft.com/office/drawing/2014/main" id="{00AF1CD0-67D7-AE40-B239-42F160169587}"/>
+          <p:cNvPr id="3" name="Picture 2">
+            <a:extLst>
+              <a:ext uri="{FF2B5EF4-FFF2-40B4-BE49-F238E27FC236}">
+                <a16:creationId xmlns:a16="http://schemas.microsoft.com/office/drawing/2014/main" id="{6B11D472-279B-5B42-AD8F-D6EF9792DBAF}"/>
               </a:ext>
             </a:extLst>
           </p:cNvPr>
@@ -10357,6 +5745,74 @@
         </p:blipFill>
         <p:spPr>
           <a:xfrm>
+            <a:off x="1" y="-1"/>
+            <a:ext cx="12221224" cy="6870535"/>
+          </a:xfrm>
+          <a:prstGeom prst="rect">
+            <a:avLst/>
+          </a:prstGeom>
+        </p:spPr>
+      </p:pic>
+    </p:spTree>
+    <p:extLst>
+      <p:ext uri="{BB962C8B-B14F-4D97-AF65-F5344CB8AC3E}">
+        <p14:creationId xmlns:p14="http://schemas.microsoft.com/office/powerpoint/2010/main" val="1298605362"/>
+      </p:ext>
+    </p:extLst>
+  </p:cSld>
+  <p:clrMapOvr>
+    <a:masterClrMapping/>
+  </p:clrMapOvr>
+</p:sldLayout>
+</file>
+
+<file path=ppt/slideLayouts/slideLayout14.xml><?xml version="1.0" encoding="utf-8"?>
+<p:sldLayout xmlns:a="http://schemas.openxmlformats.org/drawingml/2006/main" xmlns:r="http://schemas.openxmlformats.org/officeDocument/2006/relationships" xmlns:p="http://schemas.openxmlformats.org/presentationml/2006/main" preserve="1" userDrawn="1">
+  <p:cSld name="Thanks">
+    <p:bg>
+      <p:bgPr>
+        <a:solidFill>
+          <a:schemeClr val="bg1"/>
+        </a:solidFill>
+        <a:effectLst/>
+      </p:bgPr>
+    </p:bg>
+    <p:spTree>
+      <p:nvGrpSpPr>
+        <p:cNvPr id="1" name=""/>
+        <p:cNvGrpSpPr/>
+        <p:nvPr/>
+      </p:nvGrpSpPr>
+      <p:grpSpPr>
+        <a:xfrm>
+          <a:off x="0" y="0"/>
+          <a:ext cx="0" cy="0"/>
+          <a:chOff x="0" y="0"/>
+          <a:chExt cx="0" cy="0"/>
+        </a:xfrm>
+      </p:grpSpPr>
+      <p:pic>
+        <p:nvPicPr>
+          <p:cNvPr id="7" name="Picture 6">
+            <a:extLst>
+              <a:ext uri="{FF2B5EF4-FFF2-40B4-BE49-F238E27FC236}">
+                <a16:creationId xmlns:a16="http://schemas.microsoft.com/office/drawing/2014/main" id="{E2D29A84-597E-9044-A9AC-C1A3F512A820}"/>
+              </a:ext>
+            </a:extLst>
+          </p:cNvPr>
+          <p:cNvPicPr>
+            <a:picLocks noChangeAspect="1"/>
+          </p:cNvPicPr>
+          <p:nvPr userDrawn="1"/>
+        </p:nvPicPr>
+        <p:blipFill>
+          <a:blip r:embed="rId2"/>
+          <a:stretch>
+            <a:fillRect/>
+          </a:stretch>
+        </p:blipFill>
+        <p:spPr>
+          <a:xfrm>
             <a:off x="-1" y="0"/>
             <a:ext cx="12198927" cy="6858000"/>
           </a:xfrm>
@@ -10367,220 +5823,198 @@
       </p:pic>
       <p:sp>
         <p:nvSpPr>
-          <p:cNvPr id="5" name="Text Placeholder 6">
-            <a:extLst>
-              <a:ext uri="{FF2B5EF4-FFF2-40B4-BE49-F238E27FC236}">
-                <a16:creationId xmlns:a16="http://schemas.microsoft.com/office/drawing/2014/main" id="{F5F4ADE3-8622-714A-B6C7-DE542EA6C243}"/>
-              </a:ext>
-            </a:extLst>
-          </p:cNvPr>
-          <p:cNvSpPr>
-            <a:spLocks noGrp="1"/>
-          </p:cNvSpPr>
-          <p:nvPr>
-            <p:ph type="body" sz="quarter" idx="10" hasCustomPrompt="1"/>
-          </p:nvPr>
+          <p:cNvPr id="43" name="TextBox 42">
+            <a:extLst>
+              <a:ext uri="{FF2B5EF4-FFF2-40B4-BE49-F238E27FC236}">
+                <a16:creationId xmlns:a16="http://schemas.microsoft.com/office/drawing/2014/main" id="{B09844E1-DDCC-2F4A-9F36-3DBE5642B30F}"/>
+              </a:ext>
+            </a:extLst>
+          </p:cNvPr>
+          <p:cNvSpPr txBox="1"/>
+          <p:nvPr userDrawn="1"/>
         </p:nvSpPr>
         <p:spPr>
           <a:xfrm>
-            <a:off x="3283131" y="2383436"/>
-            <a:ext cx="5625738" cy="1031276"/>
+            <a:off x="3661954" y="3316395"/>
+            <a:ext cx="4868092" cy="523220"/>
           </a:xfrm>
           <a:prstGeom prst="rect">
             <a:avLst/>
           </a:prstGeom>
+          <a:noFill/>
         </p:spPr>
         <p:txBody>
-          <a:bodyPr vert="horz" anchor="ctr"/>
-          <a:lstStyle>
-            <a:lvl1pPr marL="0" indent="0" algn="ctr">
-              <a:buNone/>
-              <a:defRPr sz="4400" b="0" i="0">
+          <a:bodyPr wrap="square" rtlCol="0">
+            <a:spAutoFit/>
+          </a:bodyPr>
+          <a:lstStyle/>
+          <a:p>
+            <a:pPr algn="ctr"/>
+            <a:r>
+              <a:rPr lang="zh-CN" altLang="en-US" sz="2800" b="0" i="0" spc="300" dirty="0">
                 <a:solidFill>
                   <a:schemeClr val="accent3">
                     <a:lumMod val="75000"/>
                   </a:schemeClr>
                 </a:solidFill>
-                <a:latin typeface="Roboto Medium" pitchFamily="2" charset="0"/>
-                <a:ea typeface="Roboto Medium" pitchFamily="2" charset="0"/>
-                <a:cs typeface="Helvetica Neue" panose="02000503000000020004" pitchFamily="2" charset="0"/>
-              </a:defRPr>
-            </a:lvl1pPr>
-            <a:lvl2pPr>
-              <a:defRPr>
-                <a:solidFill>
-                  <a:schemeClr val="tx1">
-                    <a:lumMod val="95000"/>
-                    <a:lumOff val="5000"/>
-                  </a:schemeClr>
-                </a:solidFill>
-                <a:latin typeface="Helvetica Neue" panose="02000503000000020004" pitchFamily="2" charset="0"/>
-                <a:ea typeface="Helvetica Neue" panose="02000503000000020004" pitchFamily="2" charset="0"/>
-                <a:cs typeface="Helvetica Neue" panose="02000503000000020004" pitchFamily="2" charset="0"/>
-              </a:defRPr>
-            </a:lvl2pPr>
-            <a:lvl3pPr>
-              <a:defRPr>
-                <a:solidFill>
-                  <a:schemeClr val="tx1">
-                    <a:lumMod val="95000"/>
-                    <a:lumOff val="5000"/>
-                  </a:schemeClr>
-                </a:solidFill>
-                <a:latin typeface="Helvetica Neue" panose="02000503000000020004" pitchFamily="2" charset="0"/>
-                <a:ea typeface="Helvetica Neue" panose="02000503000000020004" pitchFamily="2" charset="0"/>
-                <a:cs typeface="Helvetica Neue" panose="02000503000000020004" pitchFamily="2" charset="0"/>
-              </a:defRPr>
-            </a:lvl3pPr>
-            <a:lvl4pPr>
-              <a:defRPr>
-                <a:solidFill>
-                  <a:schemeClr val="tx1">
-                    <a:lumMod val="95000"/>
-                    <a:lumOff val="5000"/>
-                  </a:schemeClr>
-                </a:solidFill>
-                <a:latin typeface="Helvetica Neue" panose="02000503000000020004" pitchFamily="2" charset="0"/>
-                <a:ea typeface="Helvetica Neue" panose="02000503000000020004" pitchFamily="2" charset="0"/>
-                <a:cs typeface="Helvetica Neue" panose="02000503000000020004" pitchFamily="2" charset="0"/>
-              </a:defRPr>
-            </a:lvl4pPr>
-            <a:lvl5pPr>
-              <a:defRPr>
-                <a:solidFill>
-                  <a:schemeClr val="tx1">
-                    <a:lumMod val="95000"/>
-                    <a:lumOff val="5000"/>
-                  </a:schemeClr>
-                </a:solidFill>
-                <a:latin typeface="Helvetica Neue" panose="02000503000000020004" pitchFamily="2" charset="0"/>
-                <a:ea typeface="Helvetica Neue" panose="02000503000000020004" pitchFamily="2" charset="0"/>
-                <a:cs typeface="Helvetica Neue" panose="02000503000000020004" pitchFamily="2" charset="0"/>
-              </a:defRPr>
-            </a:lvl5pPr>
-          </a:lstStyle>
-          <a:p>
-            <a:pPr lvl="0"/>
-            <a:r>
-              <a:rPr lang="en-US" altLang="zh-CN" dirty="0"/>
-              <a:t>POS</a:t>
-            </a:r>
-            <a:endParaRPr lang="en-US" dirty="0"/>
+                <a:latin typeface="PingFang SC" panose="020B0400000000000000" pitchFamily="34" charset="-122"/>
+                <a:ea typeface="PingFang SC" panose="020B0400000000000000" pitchFamily="34" charset="-122"/>
+              </a:rPr>
+              <a:t>歧舌</a:t>
+            </a:r>
+            <a:r>
+              <a:rPr lang="en-US" altLang="zh-CN" sz="2800" b="0" i="0" spc="300" dirty="0">
+                <a:solidFill>
+                  <a:schemeClr val="accent3">
+                    <a:lumMod val="75000"/>
+                  </a:schemeClr>
+                </a:solidFill>
+                <a:latin typeface="PingFang SC" panose="020B0400000000000000" pitchFamily="34" charset="-122"/>
+                <a:ea typeface="PingFang SC" panose="020B0400000000000000" pitchFamily="34" charset="-122"/>
+              </a:rPr>
+              <a:t>AI</a:t>
+            </a:r>
+            <a:r>
+              <a:rPr lang="zh-CN" altLang="en-US" sz="2800" b="0" i="0" spc="300" dirty="0">
+                <a:solidFill>
+                  <a:schemeClr val="accent3">
+                    <a:lumMod val="75000"/>
+                  </a:schemeClr>
+                </a:solidFill>
+                <a:latin typeface="PingFang SC" panose="020B0400000000000000" pitchFamily="34" charset="-122"/>
+                <a:ea typeface="PingFang SC" panose="020B0400000000000000" pitchFamily="34" charset="-122"/>
+              </a:rPr>
+              <a:t>备课助教</a:t>
+            </a:r>
+            <a:endParaRPr lang="en-CN" sz="2800" b="0" i="0" spc="300" dirty="0">
+              <a:solidFill>
+                <a:schemeClr val="accent3">
+                  <a:lumMod val="75000"/>
+                </a:schemeClr>
+              </a:solidFill>
+              <a:latin typeface="PingFang SC" panose="020B0400000000000000" pitchFamily="34" charset="-122"/>
+              <a:ea typeface="PingFang SC" panose="020B0400000000000000" pitchFamily="34" charset="-122"/>
+            </a:endParaRPr>
           </a:p>
         </p:txBody>
       </p:sp>
       <p:sp>
         <p:nvSpPr>
-          <p:cNvPr id="6" name="Text Placeholder 6">
-            <a:extLst>
-              <a:ext uri="{FF2B5EF4-FFF2-40B4-BE49-F238E27FC236}">
-                <a16:creationId xmlns:a16="http://schemas.microsoft.com/office/drawing/2014/main" id="{4C56A07E-E9FC-4444-A843-AE8A2CBEFAD2}"/>
-              </a:ext>
-            </a:extLst>
-          </p:cNvPr>
-          <p:cNvSpPr>
-            <a:spLocks noGrp="1"/>
-          </p:cNvSpPr>
-          <p:nvPr>
-            <p:ph type="body" sz="quarter" idx="11" hasCustomPrompt="1"/>
-          </p:nvPr>
+          <p:cNvPr id="44" name="TextBox 43">
+            <a:extLst>
+              <a:ext uri="{FF2B5EF4-FFF2-40B4-BE49-F238E27FC236}">
+                <a16:creationId xmlns:a16="http://schemas.microsoft.com/office/drawing/2014/main" id="{35F62947-62CC-8544-8364-BB6A7925BE22}"/>
+              </a:ext>
+            </a:extLst>
+          </p:cNvPr>
+          <p:cNvSpPr txBox="1"/>
+          <p:nvPr userDrawn="1"/>
         </p:nvSpPr>
         <p:spPr>
           <a:xfrm>
-            <a:off x="3283131" y="3471864"/>
-            <a:ext cx="5625738" cy="560490"/>
+            <a:off x="4695314" y="3855067"/>
+            <a:ext cx="2801372" cy="461665"/>
           </a:xfrm>
           <a:prstGeom prst="rect">
             <a:avLst/>
           </a:prstGeom>
+          <a:noFill/>
         </p:spPr>
         <p:txBody>
-          <a:bodyPr vert="horz" anchor="ctr"/>
-          <a:lstStyle>
-            <a:lvl1pPr marL="0" indent="0" algn="ctr">
-              <a:buNone/>
-              <a:defRPr sz="2400" b="0" i="0">
+          <a:bodyPr wrap="square" rtlCol="0">
+            <a:spAutoFit/>
+          </a:bodyPr>
+          <a:lstStyle/>
+          <a:p>
+            <a:pPr algn="ctr"/>
+            <a:r>
+              <a:rPr lang="zh-CN" altLang="en-US" sz="2400" b="0" i="0" spc="300" dirty="0">
                 <a:solidFill>
                   <a:schemeClr val="accent3">
                     <a:lumMod val="75000"/>
                   </a:schemeClr>
                 </a:solidFill>
-                <a:latin typeface="PingFang SC Light" panose="020B0300000000000000" pitchFamily="34" charset="-122"/>
-                <a:ea typeface="PingFang SC Light" panose="020B0300000000000000" pitchFamily="34" charset="-122"/>
-                <a:cs typeface="Helvetica Neue" panose="02000503000000020004" pitchFamily="2" charset="0"/>
-              </a:defRPr>
-            </a:lvl1pPr>
-            <a:lvl2pPr>
-              <a:defRPr>
-                <a:solidFill>
-                  <a:schemeClr val="tx1">
-                    <a:lumMod val="95000"/>
-                    <a:lumOff val="5000"/>
-                  </a:schemeClr>
-                </a:solidFill>
-                <a:latin typeface="Helvetica Neue" panose="02000503000000020004" pitchFamily="2" charset="0"/>
-                <a:ea typeface="Helvetica Neue" panose="02000503000000020004" pitchFamily="2" charset="0"/>
-                <a:cs typeface="Helvetica Neue" panose="02000503000000020004" pitchFamily="2" charset="0"/>
-              </a:defRPr>
-            </a:lvl2pPr>
-            <a:lvl3pPr>
-              <a:defRPr>
-                <a:solidFill>
-                  <a:schemeClr val="tx1">
-                    <a:lumMod val="95000"/>
-                    <a:lumOff val="5000"/>
-                  </a:schemeClr>
-                </a:solidFill>
-                <a:latin typeface="Helvetica Neue" panose="02000503000000020004" pitchFamily="2" charset="0"/>
-                <a:ea typeface="Helvetica Neue" panose="02000503000000020004" pitchFamily="2" charset="0"/>
-                <a:cs typeface="Helvetica Neue" panose="02000503000000020004" pitchFamily="2" charset="0"/>
-              </a:defRPr>
-            </a:lvl3pPr>
-            <a:lvl4pPr>
-              <a:defRPr>
-                <a:solidFill>
-                  <a:schemeClr val="tx1">
-                    <a:lumMod val="95000"/>
-                    <a:lumOff val="5000"/>
-                  </a:schemeClr>
-                </a:solidFill>
-                <a:latin typeface="Helvetica Neue" panose="02000503000000020004" pitchFamily="2" charset="0"/>
-                <a:ea typeface="Helvetica Neue" panose="02000503000000020004" pitchFamily="2" charset="0"/>
-                <a:cs typeface="Helvetica Neue" panose="02000503000000020004" pitchFamily="2" charset="0"/>
-              </a:defRPr>
-            </a:lvl4pPr>
-            <a:lvl5pPr>
-              <a:defRPr>
-                <a:solidFill>
-                  <a:schemeClr val="tx1">
-                    <a:lumMod val="95000"/>
-                    <a:lumOff val="5000"/>
-                  </a:schemeClr>
-                </a:solidFill>
-                <a:latin typeface="Helvetica Neue" panose="02000503000000020004" pitchFamily="2" charset="0"/>
-                <a:ea typeface="Helvetica Neue" panose="02000503000000020004" pitchFamily="2" charset="0"/>
-                <a:cs typeface="Helvetica Neue" panose="02000503000000020004" pitchFamily="2" charset="0"/>
-              </a:defRPr>
-            </a:lvl5pPr>
-          </a:lstStyle>
-          <a:p>
-            <a:pPr lvl="0"/>
-            <a:r>
-              <a:rPr lang="zh-CN" altLang="en-CN" dirty="0"/>
-              <a:t>中文</a:t>
-            </a:r>
-            <a:r>
-              <a:rPr lang="zh-CN" altLang="en-US" dirty="0"/>
-              <a:t>翻译</a:t>
-            </a:r>
-            <a:endParaRPr lang="en-US" dirty="0"/>
+                <a:latin typeface="PingFang SC Medium" panose="020B0400000000000000" pitchFamily="34" charset="-122"/>
+                <a:ea typeface="PingFang SC Medium" panose="020B0400000000000000" pitchFamily="34" charset="-122"/>
+              </a:rPr>
+              <a:t>英语</a:t>
+            </a:r>
+            <a:endParaRPr lang="en-CN" sz="2400" b="0" i="0" spc="300" dirty="0">
+              <a:solidFill>
+                <a:schemeClr val="accent3">
+                  <a:lumMod val="75000"/>
+                </a:schemeClr>
+              </a:solidFill>
+              <a:latin typeface="PingFang SC Medium" panose="020B0400000000000000" pitchFamily="34" charset="-122"/>
+              <a:ea typeface="PingFang SC Medium" panose="020B0400000000000000" pitchFamily="34" charset="-122"/>
+            </a:endParaRPr>
           </a:p>
         </p:txBody>
       </p:sp>
+      <p:pic>
+        <p:nvPicPr>
+          <p:cNvPr id="5" name="Picture 4">
+            <a:extLst>
+              <a:ext uri="{FF2B5EF4-FFF2-40B4-BE49-F238E27FC236}">
+                <a16:creationId xmlns:a16="http://schemas.microsoft.com/office/drawing/2014/main" id="{90EA518E-9B5C-E84C-8590-28A28376CA17}"/>
+              </a:ext>
+            </a:extLst>
+          </p:cNvPr>
+          <p:cNvPicPr>
+            <a:picLocks noChangeAspect="1"/>
+          </p:cNvPicPr>
+          <p:nvPr userDrawn="1"/>
+        </p:nvPicPr>
+        <p:blipFill>
+          <a:blip r:embed="rId3"/>
+          <a:stretch>
+            <a:fillRect/>
+          </a:stretch>
+        </p:blipFill>
+        <p:spPr>
+          <a:xfrm>
+            <a:off x="5476988" y="1990305"/>
+            <a:ext cx="1238024" cy="1238024"/>
+          </a:xfrm>
+          <a:prstGeom prst="rect">
+            <a:avLst/>
+          </a:prstGeom>
+        </p:spPr>
+      </p:pic>
+      <p:pic>
+        <p:nvPicPr>
+          <p:cNvPr id="13" name="Picture 12">
+            <a:extLst>
+              <a:ext uri="{FF2B5EF4-FFF2-40B4-BE49-F238E27FC236}">
+                <a16:creationId xmlns:a16="http://schemas.microsoft.com/office/drawing/2014/main" id="{3522076D-892E-C949-AF29-BADBF8022C9F}"/>
+              </a:ext>
+            </a:extLst>
+          </p:cNvPr>
+          <p:cNvPicPr>
+            <a:picLocks noChangeAspect="1"/>
+          </p:cNvPicPr>
+          <p:nvPr userDrawn="1"/>
+        </p:nvPicPr>
+        <p:blipFill>
+          <a:blip r:embed="rId4"/>
+          <a:stretch>
+            <a:fillRect/>
+          </a:stretch>
+        </p:blipFill>
+        <p:spPr>
+          <a:xfrm>
+            <a:off x="5646000" y="5611950"/>
+            <a:ext cx="900000" cy="900000"/>
+          </a:xfrm>
+          <a:prstGeom prst="rect">
+            <a:avLst/>
+          </a:prstGeom>
+        </p:spPr>
+      </p:pic>
     </p:spTree>
     <p:extLst>
       <p:ext uri="{BB962C8B-B14F-4D97-AF65-F5344CB8AC3E}">
-        <p14:creationId xmlns:p14="http://schemas.microsoft.com/office/powerpoint/2010/main" val="1116592378"/>
+        <p14:creationId xmlns:p14="http://schemas.microsoft.com/office/powerpoint/2010/main" val="3740306407"/>
       </p:ext>
     </p:extLst>
   </p:cSld>
@@ -10592,7 +6026,7 @@
 
 <file path=ppt/slideLayouts/slideLayout2.xml><?xml version="1.0" encoding="utf-8"?>
 <p:sldLayout xmlns:a="http://schemas.openxmlformats.org/drawingml/2006/main" xmlns:r="http://schemas.openxmlformats.org/officeDocument/2006/relationships" xmlns:p="http://schemas.openxmlformats.org/presentationml/2006/main" preserve="1" userDrawn="1">
-  <p:cSld name="Title and subtitle for english">
+  <p:cSld name="Opening for english">
     <p:bg>
       <p:bgPr>
         <a:solidFill>
@@ -11006,1690 +6440,9 @@
 </p:sldLayout>
 </file>
 
-<file path=ppt/slideLayouts/slideLayout20.xml><?xml version="1.0" encoding="utf-8"?>
+<file path=ppt/slideLayouts/slideLayout3.xml><?xml version="1.0" encoding="utf-8"?>
 <p:sldLayout xmlns:a="http://schemas.openxmlformats.org/drawingml/2006/main" xmlns:r="http://schemas.openxmlformats.org/officeDocument/2006/relationships" xmlns:p="http://schemas.openxmlformats.org/presentationml/2006/main" preserve="1" userDrawn="1">
-  <p:cSld name="Common layout">
-    <p:bg>
-      <p:bgPr>
-        <a:solidFill>
-          <a:schemeClr val="bg1"/>
-        </a:solidFill>
-        <a:effectLst/>
-      </p:bgPr>
-    </p:bg>
-    <p:spTree>
-      <p:nvGrpSpPr>
-        <p:cNvPr id="1" name=""/>
-        <p:cNvGrpSpPr/>
-        <p:nvPr/>
-      </p:nvGrpSpPr>
-      <p:grpSpPr>
-        <a:xfrm>
-          <a:off x="0" y="0"/>
-          <a:ext cx="0" cy="0"/>
-          <a:chOff x="0" y="0"/>
-          <a:chExt cx="0" cy="0"/>
-        </a:xfrm>
-      </p:grpSpPr>
-      <p:pic>
-        <p:nvPicPr>
-          <p:cNvPr id="17" name="Picture 16">
-            <a:extLst>
-              <a:ext uri="{FF2B5EF4-FFF2-40B4-BE49-F238E27FC236}">
-                <a16:creationId xmlns:a16="http://schemas.microsoft.com/office/drawing/2014/main" id="{7BEFA54E-8B5B-DA4D-9242-DB9F67C32D5B}"/>
-              </a:ext>
-            </a:extLst>
-          </p:cNvPr>
-          <p:cNvPicPr>
-            <a:picLocks noChangeAspect="1"/>
-          </p:cNvPicPr>
-          <p:nvPr userDrawn="1"/>
-        </p:nvPicPr>
-        <p:blipFill>
-          <a:blip r:embed="rId2"/>
-          <a:stretch>
-            <a:fillRect/>
-          </a:stretch>
-        </p:blipFill>
-        <p:spPr>
-          <a:xfrm>
-            <a:off x="-8739" y="0"/>
-            <a:ext cx="12229963" cy="6875448"/>
-          </a:xfrm>
-          <a:prstGeom prst="rect">
-            <a:avLst/>
-          </a:prstGeom>
-        </p:spPr>
-      </p:pic>
-      <p:sp>
-        <p:nvSpPr>
-          <p:cNvPr id="19" name="Rounded Rectangle 18">
-            <a:extLst>
-              <a:ext uri="{FF2B5EF4-FFF2-40B4-BE49-F238E27FC236}">
-                <a16:creationId xmlns:a16="http://schemas.microsoft.com/office/drawing/2014/main" id="{E89D0A14-5F69-1F4C-9DD9-906AAEA3790E}"/>
-              </a:ext>
-            </a:extLst>
-          </p:cNvPr>
-          <p:cNvSpPr/>
-          <p:nvPr userDrawn="1"/>
-        </p:nvSpPr>
-        <p:spPr>
-          <a:xfrm>
-            <a:off x="5761200" y="980728"/>
-            <a:ext cx="669600" cy="324000"/>
-          </a:xfrm>
-          <a:prstGeom prst="roundRect">
-            <a:avLst>
-              <a:gd name="adj" fmla="val 50000"/>
-            </a:avLst>
-          </a:prstGeom>
-          <a:solidFill>
-            <a:schemeClr val="bg1"/>
-          </a:solidFill>
-          <a:ln>
-            <a:solidFill>
-              <a:schemeClr val="bg1">
-                <a:lumMod val="95000"/>
-              </a:schemeClr>
-            </a:solidFill>
-          </a:ln>
-        </p:spPr>
-        <p:style>
-          <a:lnRef idx="2">
-            <a:schemeClr val="accent1">
-              <a:shade val="50000"/>
-            </a:schemeClr>
-          </a:lnRef>
-          <a:fillRef idx="1">
-            <a:schemeClr val="accent1"/>
-          </a:fillRef>
-          <a:effectRef idx="0">
-            <a:schemeClr val="accent1"/>
-          </a:effectRef>
-          <a:fontRef idx="minor">
-            <a:schemeClr val="lt1"/>
-          </a:fontRef>
-        </p:style>
-        <p:txBody>
-          <a:bodyPr rtlCol="0" anchor="ctr"/>
-          <a:lstStyle/>
-          <a:p>
-            <a:pPr algn="ctr"/>
-            <a:endParaRPr lang="en-JP" sz="1200" dirty="0">
-              <a:solidFill>
-                <a:schemeClr val="tx1">
-                  <a:lumMod val="50000"/>
-                  <a:lumOff val="50000"/>
-                </a:schemeClr>
-              </a:solidFill>
-              <a:latin typeface="PingFang SC" panose="020B0400000000000000" pitchFamily="34" charset="-122"/>
-              <a:ea typeface="PingFang SC" panose="020B0400000000000000" pitchFamily="34" charset="-122"/>
-            </a:endParaRPr>
-          </a:p>
-        </p:txBody>
-      </p:sp>
-      <p:sp>
-        <p:nvSpPr>
-          <p:cNvPr id="24" name="Text Placeholder 6">
-            <a:extLst>
-              <a:ext uri="{FF2B5EF4-FFF2-40B4-BE49-F238E27FC236}">
-                <a16:creationId xmlns:a16="http://schemas.microsoft.com/office/drawing/2014/main" id="{25C6983E-044F-E84B-B3F0-74B52BD98029}"/>
-              </a:ext>
-            </a:extLst>
-          </p:cNvPr>
-          <p:cNvSpPr>
-            <a:spLocks noGrp="1"/>
-          </p:cNvSpPr>
-          <p:nvPr>
-            <p:ph type="body" sz="quarter" idx="10" hasCustomPrompt="1"/>
-          </p:nvPr>
-        </p:nvSpPr>
-        <p:spPr>
-          <a:xfrm>
-            <a:off x="5761200" y="980728"/>
-            <a:ext cx="669600" cy="324000"/>
-          </a:xfrm>
-          <a:prstGeom prst="rect">
-            <a:avLst/>
-          </a:prstGeom>
-        </p:spPr>
-        <p:txBody>
-          <a:bodyPr anchor="ctr"/>
-          <a:lstStyle>
-            <a:lvl1pPr marL="0" indent="0" algn="ctr">
-              <a:buNone/>
-              <a:defRPr sz="1400" b="0" i="0">
-                <a:solidFill>
-                  <a:schemeClr val="accent3">
-                    <a:lumMod val="75000"/>
-                  </a:schemeClr>
-                </a:solidFill>
-                <a:latin typeface="Roboto" pitchFamily="2" charset="0"/>
-                <a:ea typeface="Roboto" pitchFamily="2" charset="0"/>
-              </a:defRPr>
-            </a:lvl1pPr>
-            <a:lvl2pPr marL="324000" indent="0">
-              <a:buNone/>
-              <a:defRPr sz="1200" b="0" i="0">
-                <a:latin typeface="PingFang SC Light" panose="020B0300000000000000" pitchFamily="34" charset="-122"/>
-                <a:ea typeface="PingFang SC Light" panose="020B0300000000000000" pitchFamily="34" charset="-122"/>
-              </a:defRPr>
-            </a:lvl2pPr>
-            <a:lvl3pPr marL="630000" indent="0">
-              <a:buNone/>
-              <a:defRPr sz="1200" b="0" i="0">
-                <a:latin typeface="PingFang SC Light" panose="020B0300000000000000" pitchFamily="34" charset="-122"/>
-                <a:ea typeface="PingFang SC Light" panose="020B0300000000000000" pitchFamily="34" charset="-122"/>
-              </a:defRPr>
-            </a:lvl3pPr>
-            <a:lvl4pPr marL="1008000" indent="0">
-              <a:buNone/>
-              <a:defRPr sz="1200" b="0" i="0">
-                <a:latin typeface="PingFang SC Light" panose="020B0300000000000000" pitchFamily="34" charset="-122"/>
-                <a:ea typeface="PingFang SC Light" panose="020B0300000000000000" pitchFamily="34" charset="-122"/>
-              </a:defRPr>
-            </a:lvl4pPr>
-            <a:lvl5pPr marL="1368000" indent="0">
-              <a:buNone/>
-              <a:defRPr sz="1200" b="0" i="0">
-                <a:latin typeface="PingFang SC Light" panose="020B0300000000000000" pitchFamily="34" charset="-122"/>
-                <a:ea typeface="PingFang SC Light" panose="020B0300000000000000" pitchFamily="34" charset="-122"/>
-              </a:defRPr>
-            </a:lvl5pPr>
-          </a:lstStyle>
-          <a:p>
-            <a:pPr lvl="0"/>
-            <a:r>
-              <a:rPr lang="en-JP" altLang="zh-CN" dirty="0"/>
-              <a:t>pos</a:t>
-            </a:r>
-            <a:endParaRPr lang="en-JP" dirty="0"/>
-          </a:p>
-        </p:txBody>
-      </p:sp>
-      <p:sp>
-        <p:nvSpPr>
-          <p:cNvPr id="25" name="Text Placeholder 6">
-            <a:extLst>
-              <a:ext uri="{FF2B5EF4-FFF2-40B4-BE49-F238E27FC236}">
-                <a16:creationId xmlns:a16="http://schemas.microsoft.com/office/drawing/2014/main" id="{7D4053B6-1A91-3143-B4AF-30397BBF29B1}"/>
-              </a:ext>
-            </a:extLst>
-          </p:cNvPr>
-          <p:cNvSpPr>
-            <a:spLocks noGrp="1"/>
-          </p:cNvSpPr>
-          <p:nvPr>
-            <p:ph type="body" sz="quarter" idx="11" hasCustomPrompt="1"/>
-          </p:nvPr>
-        </p:nvSpPr>
-        <p:spPr>
-          <a:xfrm>
-            <a:off x="1415479" y="1402609"/>
-            <a:ext cx="9361042" cy="1300613"/>
-          </a:xfrm>
-          <a:prstGeom prst="rect">
-            <a:avLst/>
-          </a:prstGeom>
-        </p:spPr>
-        <p:txBody>
-          <a:bodyPr anchor="ctr"/>
-          <a:lstStyle>
-            <a:lvl1pPr marL="0" indent="0" algn="ctr">
-              <a:buNone/>
-              <a:defRPr sz="5800" b="0" i="0">
-                <a:solidFill>
-                  <a:schemeClr val="accent3">
-                    <a:lumMod val="75000"/>
-                  </a:schemeClr>
-                </a:solidFill>
-                <a:latin typeface="Roboto Medium" pitchFamily="2" charset="0"/>
-                <a:ea typeface="Roboto Medium" pitchFamily="2" charset="0"/>
-              </a:defRPr>
-            </a:lvl1pPr>
-            <a:lvl2pPr marL="324000" indent="0">
-              <a:buNone/>
-              <a:defRPr sz="1200" b="0" i="0">
-                <a:latin typeface="PingFang SC Light" panose="020B0300000000000000" pitchFamily="34" charset="-122"/>
-                <a:ea typeface="PingFang SC Light" panose="020B0300000000000000" pitchFamily="34" charset="-122"/>
-              </a:defRPr>
-            </a:lvl2pPr>
-            <a:lvl3pPr marL="630000" indent="0">
-              <a:buNone/>
-              <a:defRPr sz="1200" b="0" i="0">
-                <a:latin typeface="PingFang SC Light" panose="020B0300000000000000" pitchFamily="34" charset="-122"/>
-                <a:ea typeface="PingFang SC Light" panose="020B0300000000000000" pitchFamily="34" charset="-122"/>
-              </a:defRPr>
-            </a:lvl3pPr>
-            <a:lvl4pPr marL="1008000" indent="0">
-              <a:buNone/>
-              <a:defRPr sz="1200" b="0" i="0">
-                <a:latin typeface="PingFang SC Light" panose="020B0300000000000000" pitchFamily="34" charset="-122"/>
-                <a:ea typeface="PingFang SC Light" panose="020B0300000000000000" pitchFamily="34" charset="-122"/>
-              </a:defRPr>
-            </a:lvl4pPr>
-            <a:lvl5pPr marL="1368000" indent="0">
-              <a:buNone/>
-              <a:defRPr sz="1200" b="0" i="0">
-                <a:latin typeface="PingFang SC Light" panose="020B0300000000000000" pitchFamily="34" charset="-122"/>
-                <a:ea typeface="PingFang SC Light" panose="020B0300000000000000" pitchFamily="34" charset="-122"/>
-              </a:defRPr>
-            </a:lvl5pPr>
-          </a:lstStyle>
-          <a:p>
-            <a:pPr lvl="0"/>
-            <a:r>
-              <a:rPr lang="en-US" altLang="zh-CN" dirty="0"/>
-              <a:t>word</a:t>
-            </a:r>
-            <a:endParaRPr lang="en-JP" dirty="0"/>
-          </a:p>
-        </p:txBody>
-      </p:sp>
-      <p:sp>
-        <p:nvSpPr>
-          <p:cNvPr id="26" name="Text Placeholder 6">
-            <a:extLst>
-              <a:ext uri="{FF2B5EF4-FFF2-40B4-BE49-F238E27FC236}">
-                <a16:creationId xmlns:a16="http://schemas.microsoft.com/office/drawing/2014/main" id="{D4875BA1-B601-D848-90E5-D0E62665A5FF}"/>
-              </a:ext>
-            </a:extLst>
-          </p:cNvPr>
-          <p:cNvSpPr>
-            <a:spLocks noGrp="1"/>
-          </p:cNvSpPr>
-          <p:nvPr>
-            <p:ph type="body" sz="quarter" idx="12" hasCustomPrompt="1"/>
-          </p:nvPr>
-        </p:nvSpPr>
-        <p:spPr>
-          <a:xfrm>
-            <a:off x="1415479" y="2801103"/>
-            <a:ext cx="9361042" cy="3058247"/>
-          </a:xfrm>
-          <a:prstGeom prst="rect">
-            <a:avLst/>
-          </a:prstGeom>
-        </p:spPr>
-        <p:txBody>
-          <a:bodyPr anchor="t"/>
-          <a:lstStyle>
-            <a:lvl1pPr marL="0" indent="0" algn="ctr">
-              <a:buNone/>
-              <a:defRPr sz="2400" b="0" i="0">
-                <a:solidFill>
-                  <a:schemeClr val="accent3">
-                    <a:lumMod val="75000"/>
-                  </a:schemeClr>
-                </a:solidFill>
-                <a:latin typeface="PingFang SC Light" panose="020B0300000000000000" pitchFamily="34" charset="-122"/>
-                <a:ea typeface="PingFang SC Light" panose="020B0300000000000000" pitchFamily="34" charset="-122"/>
-              </a:defRPr>
-            </a:lvl1pPr>
-            <a:lvl2pPr marL="324000" indent="0">
-              <a:buNone/>
-              <a:defRPr sz="1200" b="0" i="0">
-                <a:latin typeface="PingFang SC Light" panose="020B0300000000000000" pitchFamily="34" charset="-122"/>
-                <a:ea typeface="PingFang SC Light" panose="020B0300000000000000" pitchFamily="34" charset="-122"/>
-              </a:defRPr>
-            </a:lvl2pPr>
-            <a:lvl3pPr marL="630000" indent="0">
-              <a:buNone/>
-              <a:defRPr sz="1200" b="0" i="0">
-                <a:latin typeface="PingFang SC Light" panose="020B0300000000000000" pitchFamily="34" charset="-122"/>
-                <a:ea typeface="PingFang SC Light" panose="020B0300000000000000" pitchFamily="34" charset="-122"/>
-              </a:defRPr>
-            </a:lvl3pPr>
-            <a:lvl4pPr marL="1008000" indent="0">
-              <a:buNone/>
-              <a:defRPr sz="1200" b="0" i="0">
-                <a:latin typeface="PingFang SC Light" panose="020B0300000000000000" pitchFamily="34" charset="-122"/>
-                <a:ea typeface="PingFang SC Light" panose="020B0300000000000000" pitchFamily="34" charset="-122"/>
-              </a:defRPr>
-            </a:lvl4pPr>
-            <a:lvl5pPr marL="1368000" indent="0">
-              <a:buNone/>
-              <a:defRPr sz="1200" b="0" i="0">
-                <a:latin typeface="PingFang SC Light" panose="020B0300000000000000" pitchFamily="34" charset="-122"/>
-                <a:ea typeface="PingFang SC Light" panose="020B0300000000000000" pitchFamily="34" charset="-122"/>
-              </a:defRPr>
-            </a:lvl5pPr>
-          </a:lstStyle>
-          <a:p>
-            <a:pPr lvl="0"/>
-            <a:r>
-              <a:rPr lang="zh-CN" altLang="en-JP" dirty="0"/>
-              <a:t>翻译</a:t>
-            </a:r>
-            <a:r>
-              <a:rPr lang="en-US" altLang="zh-CN" dirty="0"/>
-              <a:t>1</a:t>
-            </a:r>
-          </a:p>
-          <a:p>
-            <a:pPr lvl="0"/>
-            <a:r>
-              <a:rPr lang="zh-CN" altLang="en-US" dirty="0"/>
-              <a:t>翻译</a:t>
-            </a:r>
-            <a:r>
-              <a:rPr lang="en-US" altLang="zh-CN" dirty="0"/>
-              <a:t>2</a:t>
-            </a:r>
-          </a:p>
-          <a:p>
-            <a:pPr lvl="0"/>
-            <a:r>
-              <a:rPr lang="zh-CN" altLang="en-US" dirty="0"/>
-              <a:t>翻译</a:t>
-            </a:r>
-            <a:r>
-              <a:rPr lang="en-US" altLang="zh-CN" dirty="0"/>
-              <a:t>3</a:t>
-            </a:r>
-          </a:p>
-          <a:p>
-            <a:pPr lvl="0"/>
-            <a:r>
-              <a:rPr lang="zh-CN" altLang="en-US" dirty="0"/>
-              <a:t>翻译</a:t>
-            </a:r>
-            <a:r>
-              <a:rPr lang="en-US" altLang="zh-CN" dirty="0"/>
-              <a:t>4</a:t>
-            </a:r>
-          </a:p>
-          <a:p>
-            <a:pPr lvl="0"/>
-            <a:r>
-              <a:rPr lang="zh-CN" altLang="en-US" dirty="0"/>
-              <a:t>翻译</a:t>
-            </a:r>
-            <a:r>
-              <a:rPr lang="en-US" altLang="zh-CN" dirty="0"/>
-              <a:t>5</a:t>
-            </a:r>
-          </a:p>
-          <a:p>
-            <a:pPr lvl="0"/>
-            <a:r>
-              <a:rPr lang="zh-CN" altLang="en-US" dirty="0"/>
-              <a:t>翻译</a:t>
-            </a:r>
-            <a:r>
-              <a:rPr lang="en-US" altLang="zh-CN" dirty="0"/>
-              <a:t>6</a:t>
-            </a:r>
-            <a:endParaRPr lang="en-JP" dirty="0"/>
-          </a:p>
-        </p:txBody>
-      </p:sp>
-    </p:spTree>
-    <p:extLst>
-      <p:ext uri="{BB962C8B-B14F-4D97-AF65-F5344CB8AC3E}">
-        <p14:creationId xmlns:p14="http://schemas.microsoft.com/office/powerpoint/2010/main" val="1117571498"/>
-      </p:ext>
-    </p:extLst>
-  </p:cSld>
-  <p:clrMapOvr>
-    <a:masterClrMapping/>
-  </p:clrMapOvr>
-</p:sldLayout>
-</file>
-
-<file path=ppt/slideLayouts/slideLayout21.xml><?xml version="1.0" encoding="utf-8"?>
-<p:sldLayout xmlns:a="http://schemas.openxmlformats.org/drawingml/2006/main" xmlns:r="http://schemas.openxmlformats.org/officeDocument/2006/relationships" xmlns:p="http://schemas.openxmlformats.org/presentationml/2006/main" preserve="1" userDrawn="1">
-  <p:cSld name="Common layout with examples">
-    <p:bg>
-      <p:bgPr>
-        <a:solidFill>
-          <a:schemeClr val="bg1"/>
-        </a:solidFill>
-        <a:effectLst/>
-      </p:bgPr>
-    </p:bg>
-    <p:spTree>
-      <p:nvGrpSpPr>
-        <p:cNvPr id="1" name=""/>
-        <p:cNvGrpSpPr/>
-        <p:nvPr/>
-      </p:nvGrpSpPr>
-      <p:grpSpPr>
-        <a:xfrm>
-          <a:off x="0" y="0"/>
-          <a:ext cx="0" cy="0"/>
-          <a:chOff x="0" y="0"/>
-          <a:chExt cx="0" cy="0"/>
-        </a:xfrm>
-      </p:grpSpPr>
-      <p:pic>
-        <p:nvPicPr>
-          <p:cNvPr id="17" name="Picture 16">
-            <a:extLst>
-              <a:ext uri="{FF2B5EF4-FFF2-40B4-BE49-F238E27FC236}">
-                <a16:creationId xmlns:a16="http://schemas.microsoft.com/office/drawing/2014/main" id="{7BEFA54E-8B5B-DA4D-9242-DB9F67C32D5B}"/>
-              </a:ext>
-            </a:extLst>
-          </p:cNvPr>
-          <p:cNvPicPr>
-            <a:picLocks noChangeAspect="1"/>
-          </p:cNvPicPr>
-          <p:nvPr userDrawn="1"/>
-        </p:nvPicPr>
-        <p:blipFill>
-          <a:blip r:embed="rId2"/>
-          <a:stretch>
-            <a:fillRect/>
-          </a:stretch>
-        </p:blipFill>
-        <p:spPr>
-          <a:xfrm>
-            <a:off x="-8739" y="0"/>
-            <a:ext cx="12229963" cy="6875448"/>
-          </a:xfrm>
-          <a:prstGeom prst="rect">
-            <a:avLst/>
-          </a:prstGeom>
-        </p:spPr>
-      </p:pic>
-      <p:sp>
-        <p:nvSpPr>
-          <p:cNvPr id="19" name="Rounded Rectangle 18">
-            <a:extLst>
-              <a:ext uri="{FF2B5EF4-FFF2-40B4-BE49-F238E27FC236}">
-                <a16:creationId xmlns:a16="http://schemas.microsoft.com/office/drawing/2014/main" id="{E89D0A14-5F69-1F4C-9DD9-906AAEA3790E}"/>
-              </a:ext>
-            </a:extLst>
-          </p:cNvPr>
-          <p:cNvSpPr/>
-          <p:nvPr userDrawn="1"/>
-        </p:nvSpPr>
-        <p:spPr>
-          <a:xfrm>
-            <a:off x="5015879" y="980728"/>
-            <a:ext cx="669600" cy="324000"/>
-          </a:xfrm>
-          <a:prstGeom prst="roundRect">
-            <a:avLst>
-              <a:gd name="adj" fmla="val 50000"/>
-            </a:avLst>
-          </a:prstGeom>
-          <a:solidFill>
-            <a:schemeClr val="bg1"/>
-          </a:solidFill>
-          <a:ln>
-            <a:solidFill>
-              <a:schemeClr val="bg1">
-                <a:lumMod val="95000"/>
-              </a:schemeClr>
-            </a:solidFill>
-          </a:ln>
-        </p:spPr>
-        <p:style>
-          <a:lnRef idx="2">
-            <a:schemeClr val="accent1">
-              <a:shade val="50000"/>
-            </a:schemeClr>
-          </a:lnRef>
-          <a:fillRef idx="1">
-            <a:schemeClr val="accent1"/>
-          </a:fillRef>
-          <a:effectRef idx="0">
-            <a:schemeClr val="accent1"/>
-          </a:effectRef>
-          <a:fontRef idx="minor">
-            <a:schemeClr val="lt1"/>
-          </a:fontRef>
-        </p:style>
-        <p:txBody>
-          <a:bodyPr rtlCol="0" anchor="ctr"/>
-          <a:lstStyle/>
-          <a:p>
-            <a:pPr algn="ctr"/>
-            <a:endParaRPr lang="en-JP" sz="1200" dirty="0">
-              <a:solidFill>
-                <a:schemeClr val="tx1">
-                  <a:lumMod val="50000"/>
-                  <a:lumOff val="50000"/>
-                </a:schemeClr>
-              </a:solidFill>
-              <a:latin typeface="PingFang SC" panose="020B0400000000000000" pitchFamily="34" charset="-122"/>
-              <a:ea typeface="PingFang SC" panose="020B0400000000000000" pitchFamily="34" charset="-122"/>
-            </a:endParaRPr>
-          </a:p>
-        </p:txBody>
-      </p:sp>
-      <p:cxnSp>
-        <p:nvCxnSpPr>
-          <p:cNvPr id="20" name="Straight Connector 19">
-            <a:extLst>
-              <a:ext uri="{FF2B5EF4-FFF2-40B4-BE49-F238E27FC236}">
-                <a16:creationId xmlns:a16="http://schemas.microsoft.com/office/drawing/2014/main" id="{19F99851-6F44-5047-A39F-9FBB4472FC3D}"/>
-              </a:ext>
-            </a:extLst>
-          </p:cNvPr>
-          <p:cNvCxnSpPr>
-            <a:cxnSpLocks/>
-          </p:cNvCxnSpPr>
-          <p:nvPr userDrawn="1"/>
-        </p:nvCxnSpPr>
-        <p:spPr>
-          <a:xfrm>
-            <a:off x="6096000" y="0"/>
-            <a:ext cx="0" cy="6858000"/>
-          </a:xfrm>
-          <a:prstGeom prst="line">
-            <a:avLst/>
-          </a:prstGeom>
-          <a:ln>
-            <a:solidFill>
-              <a:schemeClr val="bg1">
-                <a:lumMod val="85000"/>
-              </a:schemeClr>
-            </a:solidFill>
-            <a:prstDash val="dash"/>
-          </a:ln>
-        </p:spPr>
-        <p:style>
-          <a:lnRef idx="1">
-            <a:schemeClr val="accent1"/>
-          </a:lnRef>
-          <a:fillRef idx="0">
-            <a:schemeClr val="accent1"/>
-          </a:fillRef>
-          <a:effectRef idx="0">
-            <a:schemeClr val="accent1"/>
-          </a:effectRef>
-          <a:fontRef idx="minor">
-            <a:schemeClr val="tx1"/>
-          </a:fontRef>
-        </p:style>
-      </p:cxnSp>
-      <p:sp>
-        <p:nvSpPr>
-          <p:cNvPr id="24" name="Text Placeholder 6">
-            <a:extLst>
-              <a:ext uri="{FF2B5EF4-FFF2-40B4-BE49-F238E27FC236}">
-                <a16:creationId xmlns:a16="http://schemas.microsoft.com/office/drawing/2014/main" id="{25C6983E-044F-E84B-B3F0-74B52BD98029}"/>
-              </a:ext>
-            </a:extLst>
-          </p:cNvPr>
-          <p:cNvSpPr>
-            <a:spLocks noGrp="1"/>
-          </p:cNvSpPr>
-          <p:nvPr>
-            <p:ph type="body" sz="quarter" idx="10" hasCustomPrompt="1"/>
-          </p:nvPr>
-        </p:nvSpPr>
-        <p:spPr>
-          <a:xfrm>
-            <a:off x="5015879" y="982452"/>
-            <a:ext cx="669600" cy="324000"/>
-          </a:xfrm>
-          <a:prstGeom prst="rect">
-            <a:avLst/>
-          </a:prstGeom>
-        </p:spPr>
-        <p:txBody>
-          <a:bodyPr anchor="ctr"/>
-          <a:lstStyle>
-            <a:lvl1pPr marL="0" indent="0" algn="ctr">
-              <a:buNone/>
-              <a:defRPr sz="1400" b="0" i="0">
-                <a:solidFill>
-                  <a:schemeClr val="accent3">
-                    <a:lumMod val="75000"/>
-                  </a:schemeClr>
-                </a:solidFill>
-                <a:latin typeface="Roboto" pitchFamily="2" charset="0"/>
-                <a:ea typeface="Roboto" pitchFamily="2" charset="0"/>
-              </a:defRPr>
-            </a:lvl1pPr>
-            <a:lvl2pPr marL="324000" indent="0">
-              <a:buNone/>
-              <a:defRPr sz="1200" b="0" i="0">
-                <a:latin typeface="PingFang SC Light" panose="020B0300000000000000" pitchFamily="34" charset="-122"/>
-                <a:ea typeface="PingFang SC Light" panose="020B0300000000000000" pitchFamily="34" charset="-122"/>
-              </a:defRPr>
-            </a:lvl2pPr>
-            <a:lvl3pPr marL="630000" indent="0">
-              <a:buNone/>
-              <a:defRPr sz="1200" b="0" i="0">
-                <a:latin typeface="PingFang SC Light" panose="020B0300000000000000" pitchFamily="34" charset="-122"/>
-                <a:ea typeface="PingFang SC Light" panose="020B0300000000000000" pitchFamily="34" charset="-122"/>
-              </a:defRPr>
-            </a:lvl3pPr>
-            <a:lvl4pPr marL="1008000" indent="0">
-              <a:buNone/>
-              <a:defRPr sz="1200" b="0" i="0">
-                <a:latin typeface="PingFang SC Light" panose="020B0300000000000000" pitchFamily="34" charset="-122"/>
-                <a:ea typeface="PingFang SC Light" panose="020B0300000000000000" pitchFamily="34" charset="-122"/>
-              </a:defRPr>
-            </a:lvl4pPr>
-            <a:lvl5pPr marL="1368000" indent="0">
-              <a:buNone/>
-              <a:defRPr sz="1200" b="0" i="0">
-                <a:latin typeface="PingFang SC Light" panose="020B0300000000000000" pitchFamily="34" charset="-122"/>
-                <a:ea typeface="PingFang SC Light" panose="020B0300000000000000" pitchFamily="34" charset="-122"/>
-              </a:defRPr>
-            </a:lvl5pPr>
-          </a:lstStyle>
-          <a:p>
-            <a:pPr lvl="0"/>
-            <a:r>
-              <a:rPr lang="en-JP" altLang="zh-CN" dirty="0"/>
-              <a:t>pos</a:t>
-            </a:r>
-            <a:endParaRPr lang="en-JP" dirty="0"/>
-          </a:p>
-        </p:txBody>
-      </p:sp>
-      <p:sp>
-        <p:nvSpPr>
-          <p:cNvPr id="25" name="Text Placeholder 6">
-            <a:extLst>
-              <a:ext uri="{FF2B5EF4-FFF2-40B4-BE49-F238E27FC236}">
-                <a16:creationId xmlns:a16="http://schemas.microsoft.com/office/drawing/2014/main" id="{7D4053B6-1A91-3143-B4AF-30397BBF29B1}"/>
-              </a:ext>
-            </a:extLst>
-          </p:cNvPr>
-          <p:cNvSpPr>
-            <a:spLocks noGrp="1"/>
-          </p:cNvSpPr>
-          <p:nvPr>
-            <p:ph type="body" sz="quarter" idx="11" hasCustomPrompt="1"/>
-          </p:nvPr>
-        </p:nvSpPr>
-        <p:spPr>
-          <a:xfrm>
-            <a:off x="-1" y="1402609"/>
-            <a:ext cx="5756284" cy="1300613"/>
-          </a:xfrm>
-          <a:prstGeom prst="rect">
-            <a:avLst/>
-          </a:prstGeom>
-        </p:spPr>
-        <p:txBody>
-          <a:bodyPr anchor="ctr"/>
-          <a:lstStyle>
-            <a:lvl1pPr marL="0" indent="0" algn="r">
-              <a:buNone/>
-              <a:defRPr sz="5800" b="0" i="0">
-                <a:solidFill>
-                  <a:schemeClr val="accent3">
-                    <a:lumMod val="75000"/>
-                  </a:schemeClr>
-                </a:solidFill>
-                <a:latin typeface="Roboto Medium" pitchFamily="2" charset="0"/>
-                <a:ea typeface="Roboto Medium" pitchFamily="2" charset="0"/>
-              </a:defRPr>
-            </a:lvl1pPr>
-            <a:lvl2pPr marL="324000" indent="0">
-              <a:buNone/>
-              <a:defRPr sz="1200" b="0" i="0">
-                <a:latin typeface="PingFang SC Light" panose="020B0300000000000000" pitchFamily="34" charset="-122"/>
-                <a:ea typeface="PingFang SC Light" panose="020B0300000000000000" pitchFamily="34" charset="-122"/>
-              </a:defRPr>
-            </a:lvl2pPr>
-            <a:lvl3pPr marL="630000" indent="0">
-              <a:buNone/>
-              <a:defRPr sz="1200" b="0" i="0">
-                <a:latin typeface="PingFang SC Light" panose="020B0300000000000000" pitchFamily="34" charset="-122"/>
-                <a:ea typeface="PingFang SC Light" panose="020B0300000000000000" pitchFamily="34" charset="-122"/>
-              </a:defRPr>
-            </a:lvl3pPr>
-            <a:lvl4pPr marL="1008000" indent="0">
-              <a:buNone/>
-              <a:defRPr sz="1200" b="0" i="0">
-                <a:latin typeface="PingFang SC Light" panose="020B0300000000000000" pitchFamily="34" charset="-122"/>
-                <a:ea typeface="PingFang SC Light" panose="020B0300000000000000" pitchFamily="34" charset="-122"/>
-              </a:defRPr>
-            </a:lvl4pPr>
-            <a:lvl5pPr marL="1368000" indent="0">
-              <a:buNone/>
-              <a:defRPr sz="1200" b="0" i="0">
-                <a:latin typeface="PingFang SC Light" panose="020B0300000000000000" pitchFamily="34" charset="-122"/>
-                <a:ea typeface="PingFang SC Light" panose="020B0300000000000000" pitchFamily="34" charset="-122"/>
-              </a:defRPr>
-            </a:lvl5pPr>
-          </a:lstStyle>
-          <a:p>
-            <a:pPr lvl="0"/>
-            <a:r>
-              <a:rPr lang="en-US" altLang="zh-CN" dirty="0"/>
-              <a:t>word</a:t>
-            </a:r>
-            <a:endParaRPr lang="en-JP" dirty="0"/>
-          </a:p>
-        </p:txBody>
-      </p:sp>
-      <p:sp>
-        <p:nvSpPr>
-          <p:cNvPr id="26" name="Text Placeholder 6">
-            <a:extLst>
-              <a:ext uri="{FF2B5EF4-FFF2-40B4-BE49-F238E27FC236}">
-                <a16:creationId xmlns:a16="http://schemas.microsoft.com/office/drawing/2014/main" id="{D4875BA1-B601-D848-90E5-D0E62665A5FF}"/>
-              </a:ext>
-            </a:extLst>
-          </p:cNvPr>
-          <p:cNvSpPr>
-            <a:spLocks noGrp="1"/>
-          </p:cNvSpPr>
-          <p:nvPr>
-            <p:ph type="body" sz="quarter" idx="12" hasCustomPrompt="1"/>
-          </p:nvPr>
-        </p:nvSpPr>
-        <p:spPr>
-          <a:xfrm>
-            <a:off x="-1" y="2801103"/>
-            <a:ext cx="5756284" cy="3058247"/>
-          </a:xfrm>
-          <a:prstGeom prst="rect">
-            <a:avLst/>
-          </a:prstGeom>
-        </p:spPr>
-        <p:txBody>
-          <a:bodyPr anchor="t"/>
-          <a:lstStyle>
-            <a:lvl1pPr marL="0" indent="0" algn="r">
-              <a:buNone/>
-              <a:defRPr sz="2400" b="0" i="0">
-                <a:solidFill>
-                  <a:schemeClr val="accent3">
-                    <a:lumMod val="75000"/>
-                  </a:schemeClr>
-                </a:solidFill>
-                <a:latin typeface="PingFang SC Light" panose="020B0300000000000000" pitchFamily="34" charset="-122"/>
-                <a:ea typeface="PingFang SC Light" panose="020B0300000000000000" pitchFamily="34" charset="-122"/>
-              </a:defRPr>
-            </a:lvl1pPr>
-            <a:lvl2pPr marL="324000" indent="0">
-              <a:buNone/>
-              <a:defRPr sz="1200" b="0" i="0">
-                <a:latin typeface="PingFang SC Light" panose="020B0300000000000000" pitchFamily="34" charset="-122"/>
-                <a:ea typeface="PingFang SC Light" panose="020B0300000000000000" pitchFamily="34" charset="-122"/>
-              </a:defRPr>
-            </a:lvl2pPr>
-            <a:lvl3pPr marL="630000" indent="0">
-              <a:buNone/>
-              <a:defRPr sz="1200" b="0" i="0">
-                <a:latin typeface="PingFang SC Light" panose="020B0300000000000000" pitchFamily="34" charset="-122"/>
-                <a:ea typeface="PingFang SC Light" panose="020B0300000000000000" pitchFamily="34" charset="-122"/>
-              </a:defRPr>
-            </a:lvl3pPr>
-            <a:lvl4pPr marL="1008000" indent="0">
-              <a:buNone/>
-              <a:defRPr sz="1200" b="0" i="0">
-                <a:latin typeface="PingFang SC Light" panose="020B0300000000000000" pitchFamily="34" charset="-122"/>
-                <a:ea typeface="PingFang SC Light" panose="020B0300000000000000" pitchFamily="34" charset="-122"/>
-              </a:defRPr>
-            </a:lvl4pPr>
-            <a:lvl5pPr marL="1368000" indent="0">
-              <a:buNone/>
-              <a:defRPr sz="1200" b="0" i="0">
-                <a:latin typeface="PingFang SC Light" panose="020B0300000000000000" pitchFamily="34" charset="-122"/>
-                <a:ea typeface="PingFang SC Light" panose="020B0300000000000000" pitchFamily="34" charset="-122"/>
-              </a:defRPr>
-            </a:lvl5pPr>
-          </a:lstStyle>
-          <a:p>
-            <a:pPr lvl="0"/>
-            <a:r>
-              <a:rPr lang="zh-CN" altLang="en-JP" dirty="0"/>
-              <a:t>翻译</a:t>
-            </a:r>
-            <a:r>
-              <a:rPr lang="en-US" altLang="zh-CN" dirty="0"/>
-              <a:t>1</a:t>
-            </a:r>
-          </a:p>
-          <a:p>
-            <a:pPr lvl="0"/>
-            <a:r>
-              <a:rPr lang="zh-CN" altLang="en-US" dirty="0"/>
-              <a:t>翻译</a:t>
-            </a:r>
-            <a:r>
-              <a:rPr lang="en-US" altLang="zh-CN" dirty="0"/>
-              <a:t>2</a:t>
-            </a:r>
-          </a:p>
-          <a:p>
-            <a:pPr lvl="0"/>
-            <a:r>
-              <a:rPr lang="zh-CN" altLang="en-US" dirty="0"/>
-              <a:t>翻译</a:t>
-            </a:r>
-            <a:r>
-              <a:rPr lang="en-US" altLang="zh-CN" dirty="0"/>
-              <a:t>3</a:t>
-            </a:r>
-          </a:p>
-          <a:p>
-            <a:pPr lvl="0"/>
-            <a:r>
-              <a:rPr lang="zh-CN" altLang="en-US" dirty="0"/>
-              <a:t>翻译</a:t>
-            </a:r>
-            <a:r>
-              <a:rPr lang="en-US" altLang="zh-CN" dirty="0"/>
-              <a:t>4</a:t>
-            </a:r>
-          </a:p>
-          <a:p>
-            <a:pPr lvl="0"/>
-            <a:r>
-              <a:rPr lang="zh-CN" altLang="en-US" dirty="0"/>
-              <a:t>翻译</a:t>
-            </a:r>
-            <a:r>
-              <a:rPr lang="en-US" altLang="zh-CN" dirty="0"/>
-              <a:t>5</a:t>
-            </a:r>
-          </a:p>
-          <a:p>
-            <a:pPr lvl="0"/>
-            <a:r>
-              <a:rPr lang="zh-CN" altLang="en-US" dirty="0"/>
-              <a:t>翻译</a:t>
-            </a:r>
-            <a:r>
-              <a:rPr lang="en-US" altLang="zh-CN" dirty="0"/>
-              <a:t>6</a:t>
-            </a:r>
-            <a:endParaRPr lang="en-JP" dirty="0"/>
-          </a:p>
-        </p:txBody>
-      </p:sp>
-      <p:sp>
-        <p:nvSpPr>
-          <p:cNvPr id="27" name="Rounded Rectangle 26">
-            <a:extLst>
-              <a:ext uri="{FF2B5EF4-FFF2-40B4-BE49-F238E27FC236}">
-                <a16:creationId xmlns:a16="http://schemas.microsoft.com/office/drawing/2014/main" id="{54F54E28-823B-CC45-9F21-AF6E2FE4CD55}"/>
-              </a:ext>
-            </a:extLst>
-          </p:cNvPr>
-          <p:cNvSpPr/>
-          <p:nvPr userDrawn="1"/>
-        </p:nvSpPr>
-        <p:spPr>
-          <a:xfrm>
-            <a:off x="6415088" y="980728"/>
-            <a:ext cx="761032" cy="324000"/>
-          </a:xfrm>
-          <a:prstGeom prst="roundRect">
-            <a:avLst>
-              <a:gd name="adj" fmla="val 50000"/>
-            </a:avLst>
-          </a:prstGeom>
-          <a:solidFill>
-            <a:schemeClr val="bg1">
-              <a:lumMod val="95000"/>
-            </a:schemeClr>
-          </a:solidFill>
-          <a:ln>
-            <a:noFill/>
-          </a:ln>
-        </p:spPr>
-        <p:style>
-          <a:lnRef idx="2">
-            <a:schemeClr val="accent1">
-              <a:shade val="50000"/>
-            </a:schemeClr>
-          </a:lnRef>
-          <a:fillRef idx="1">
-            <a:schemeClr val="accent1"/>
-          </a:fillRef>
-          <a:effectRef idx="0">
-            <a:schemeClr val="accent1"/>
-          </a:effectRef>
-          <a:fontRef idx="minor">
-            <a:schemeClr val="lt1"/>
-          </a:fontRef>
-        </p:style>
-        <p:txBody>
-          <a:bodyPr rtlCol="0" anchor="ctr"/>
-          <a:lstStyle/>
-          <a:p>
-            <a:pPr algn="ctr"/>
-            <a:r>
-              <a:rPr lang="zh-CN" altLang="en-US" sz="1200" b="0" i="0" dirty="0">
-                <a:solidFill>
-                  <a:schemeClr val="tx1">
-                    <a:lumMod val="50000"/>
-                    <a:lumOff val="50000"/>
-                  </a:schemeClr>
-                </a:solidFill>
-                <a:latin typeface="PingFang SC Light" panose="020B0300000000000000" pitchFamily="34" charset="-122"/>
-                <a:ea typeface="PingFang SC Light" panose="020B0300000000000000" pitchFamily="34" charset="-122"/>
-              </a:rPr>
-              <a:t>例句</a:t>
-            </a:r>
-            <a:endParaRPr lang="en-JP" sz="1200" b="0" i="0" dirty="0">
-              <a:solidFill>
-                <a:schemeClr val="tx1">
-                  <a:lumMod val="50000"/>
-                  <a:lumOff val="50000"/>
-                </a:schemeClr>
-              </a:solidFill>
-              <a:latin typeface="PingFang SC Light" panose="020B0300000000000000" pitchFamily="34" charset="-122"/>
-              <a:ea typeface="PingFang SC Light" panose="020B0300000000000000" pitchFamily="34" charset="-122"/>
-            </a:endParaRPr>
-          </a:p>
-        </p:txBody>
-      </p:sp>
-      <p:sp>
-        <p:nvSpPr>
-          <p:cNvPr id="28" name="Text Placeholder 6">
-            <a:extLst>
-              <a:ext uri="{FF2B5EF4-FFF2-40B4-BE49-F238E27FC236}">
-                <a16:creationId xmlns:a16="http://schemas.microsoft.com/office/drawing/2014/main" id="{4AD4C2CB-F27B-B14B-A96F-C330F314FD93}"/>
-              </a:ext>
-            </a:extLst>
-          </p:cNvPr>
-          <p:cNvSpPr>
-            <a:spLocks noGrp="1"/>
-          </p:cNvSpPr>
-          <p:nvPr>
-            <p:ph type="body" sz="quarter" idx="13" hasCustomPrompt="1"/>
-          </p:nvPr>
-        </p:nvSpPr>
-        <p:spPr>
-          <a:xfrm>
-            <a:off x="6358268" y="1423672"/>
-            <a:ext cx="5400000" cy="648000"/>
-          </a:xfrm>
-          <a:prstGeom prst="rect">
-            <a:avLst/>
-          </a:prstGeom>
-        </p:spPr>
-        <p:txBody>
-          <a:bodyPr anchor="b"/>
-          <a:lstStyle>
-            <a:lvl1pPr marL="0" indent="0" algn="l">
-              <a:buNone/>
-              <a:defRPr sz="1800" b="0" i="0">
-                <a:solidFill>
-                  <a:schemeClr val="accent3">
-                    <a:lumMod val="75000"/>
-                  </a:schemeClr>
-                </a:solidFill>
-                <a:latin typeface="Roboto Medium" pitchFamily="2" charset="0"/>
-                <a:ea typeface="Roboto Medium" pitchFamily="2" charset="0"/>
-              </a:defRPr>
-            </a:lvl1pPr>
-            <a:lvl2pPr marL="324000" indent="0">
-              <a:buNone/>
-              <a:defRPr sz="1200" b="0" i="0">
-                <a:latin typeface="PingFang SC Light" panose="020B0300000000000000" pitchFamily="34" charset="-122"/>
-                <a:ea typeface="PingFang SC Light" panose="020B0300000000000000" pitchFamily="34" charset="-122"/>
-              </a:defRPr>
-            </a:lvl2pPr>
-            <a:lvl3pPr marL="630000" indent="0">
-              <a:buNone/>
-              <a:defRPr sz="1200" b="0" i="0">
-                <a:latin typeface="PingFang SC Light" panose="020B0300000000000000" pitchFamily="34" charset="-122"/>
-                <a:ea typeface="PingFang SC Light" panose="020B0300000000000000" pitchFamily="34" charset="-122"/>
-              </a:defRPr>
-            </a:lvl3pPr>
-            <a:lvl4pPr marL="1008000" indent="0">
-              <a:buNone/>
-              <a:defRPr sz="1200" b="0" i="0">
-                <a:latin typeface="PingFang SC Light" panose="020B0300000000000000" pitchFamily="34" charset="-122"/>
-                <a:ea typeface="PingFang SC Light" panose="020B0300000000000000" pitchFamily="34" charset="-122"/>
-              </a:defRPr>
-            </a:lvl4pPr>
-            <a:lvl5pPr marL="1368000" indent="0">
-              <a:buNone/>
-              <a:defRPr sz="1200" b="0" i="0">
-                <a:latin typeface="PingFang SC Light" panose="020B0300000000000000" pitchFamily="34" charset="-122"/>
-                <a:ea typeface="PingFang SC Light" panose="020B0300000000000000" pitchFamily="34" charset="-122"/>
-              </a:defRPr>
-            </a:lvl5pPr>
-          </a:lstStyle>
-          <a:p>
-            <a:pPr lvl="0"/>
-            <a:r>
-              <a:rPr lang="en-US" altLang="zh-CN" dirty="0"/>
-              <a:t>Sentence</a:t>
-            </a:r>
-            <a:r>
-              <a:rPr lang="zh-CN" altLang="en-US" dirty="0"/>
-              <a:t> </a:t>
-            </a:r>
-            <a:r>
-              <a:rPr lang="en-US" altLang="zh-CN" dirty="0"/>
-              <a:t>1</a:t>
-            </a:r>
-            <a:endParaRPr lang="en-JP" dirty="0"/>
-          </a:p>
-        </p:txBody>
-      </p:sp>
-      <p:sp>
-        <p:nvSpPr>
-          <p:cNvPr id="29" name="Text Placeholder 6">
-            <a:extLst>
-              <a:ext uri="{FF2B5EF4-FFF2-40B4-BE49-F238E27FC236}">
-                <a16:creationId xmlns:a16="http://schemas.microsoft.com/office/drawing/2014/main" id="{E219D414-5CE4-694C-8C0A-739BF2B1CE3B}"/>
-              </a:ext>
-            </a:extLst>
-          </p:cNvPr>
-          <p:cNvSpPr>
-            <a:spLocks noGrp="1"/>
-          </p:cNvSpPr>
-          <p:nvPr>
-            <p:ph type="body" sz="quarter" idx="14" hasCustomPrompt="1"/>
-          </p:nvPr>
-        </p:nvSpPr>
-        <p:spPr>
-          <a:xfrm>
-            <a:off x="6358268" y="2118419"/>
-            <a:ext cx="5400000" cy="324000"/>
-          </a:xfrm>
-          <a:prstGeom prst="rect">
-            <a:avLst/>
-          </a:prstGeom>
-        </p:spPr>
-        <p:txBody>
-          <a:bodyPr anchor="t"/>
-          <a:lstStyle>
-            <a:lvl1pPr marL="0" indent="0" algn="l">
-              <a:buNone/>
-              <a:defRPr sz="1400" b="0" i="0">
-                <a:solidFill>
-                  <a:schemeClr val="tx1">
-                    <a:lumMod val="50000"/>
-                    <a:lumOff val="50000"/>
-                  </a:schemeClr>
-                </a:solidFill>
-                <a:latin typeface="PingFang SC Light" panose="020B0300000000000000" pitchFamily="34" charset="-122"/>
-                <a:ea typeface="PingFang SC Light" panose="020B0300000000000000" pitchFamily="34" charset="-122"/>
-              </a:defRPr>
-            </a:lvl1pPr>
-            <a:lvl2pPr marL="324000" indent="0">
-              <a:buNone/>
-              <a:defRPr sz="1200" b="0" i="0">
-                <a:latin typeface="PingFang SC Light" panose="020B0300000000000000" pitchFamily="34" charset="-122"/>
-                <a:ea typeface="PingFang SC Light" panose="020B0300000000000000" pitchFamily="34" charset="-122"/>
-              </a:defRPr>
-            </a:lvl2pPr>
-            <a:lvl3pPr marL="630000" indent="0">
-              <a:buNone/>
-              <a:defRPr sz="1200" b="0" i="0">
-                <a:latin typeface="PingFang SC Light" panose="020B0300000000000000" pitchFamily="34" charset="-122"/>
-                <a:ea typeface="PingFang SC Light" panose="020B0300000000000000" pitchFamily="34" charset="-122"/>
-              </a:defRPr>
-            </a:lvl3pPr>
-            <a:lvl4pPr marL="1008000" indent="0">
-              <a:buNone/>
-              <a:defRPr sz="1200" b="0" i="0">
-                <a:latin typeface="PingFang SC Light" panose="020B0300000000000000" pitchFamily="34" charset="-122"/>
-                <a:ea typeface="PingFang SC Light" panose="020B0300000000000000" pitchFamily="34" charset="-122"/>
-              </a:defRPr>
-            </a:lvl4pPr>
-            <a:lvl5pPr marL="1368000" indent="0">
-              <a:buNone/>
-              <a:defRPr sz="1200" b="0" i="0">
-                <a:latin typeface="PingFang SC Light" panose="020B0300000000000000" pitchFamily="34" charset="-122"/>
-                <a:ea typeface="PingFang SC Light" panose="020B0300000000000000" pitchFamily="34" charset="-122"/>
-              </a:defRPr>
-            </a:lvl5pPr>
-          </a:lstStyle>
-          <a:p>
-            <a:pPr lvl="0"/>
-            <a:r>
-              <a:rPr lang="zh-CN" altLang="en-US" dirty="0"/>
-              <a:t>翻译 </a:t>
-            </a:r>
-            <a:r>
-              <a:rPr lang="en-US" altLang="zh-CN" dirty="0"/>
-              <a:t>1</a:t>
-            </a:r>
-            <a:endParaRPr lang="en-JP" dirty="0"/>
-          </a:p>
-        </p:txBody>
-      </p:sp>
-      <p:sp>
-        <p:nvSpPr>
-          <p:cNvPr id="36" name="Text Placeholder 6">
-            <a:extLst>
-              <a:ext uri="{FF2B5EF4-FFF2-40B4-BE49-F238E27FC236}">
-                <a16:creationId xmlns:a16="http://schemas.microsoft.com/office/drawing/2014/main" id="{904FB3A9-4E57-B940-B688-8A296D571517}"/>
-              </a:ext>
-            </a:extLst>
-          </p:cNvPr>
-          <p:cNvSpPr>
-            <a:spLocks noGrp="1"/>
-          </p:cNvSpPr>
-          <p:nvPr>
-            <p:ph type="body" sz="quarter" idx="15" hasCustomPrompt="1"/>
-          </p:nvPr>
-        </p:nvSpPr>
-        <p:spPr>
-          <a:xfrm>
-            <a:off x="6358268" y="2581081"/>
-            <a:ext cx="5400000" cy="648000"/>
-          </a:xfrm>
-          <a:prstGeom prst="rect">
-            <a:avLst/>
-          </a:prstGeom>
-        </p:spPr>
-        <p:txBody>
-          <a:bodyPr anchor="b"/>
-          <a:lstStyle>
-            <a:lvl1pPr marL="0" indent="0" algn="l">
-              <a:buNone/>
-              <a:defRPr sz="1800" b="0" i="0">
-                <a:solidFill>
-                  <a:schemeClr val="accent3">
-                    <a:lumMod val="75000"/>
-                  </a:schemeClr>
-                </a:solidFill>
-                <a:latin typeface="Roboto Medium" pitchFamily="2" charset="0"/>
-                <a:ea typeface="Roboto Medium" pitchFamily="2" charset="0"/>
-              </a:defRPr>
-            </a:lvl1pPr>
-            <a:lvl2pPr marL="324000" indent="0">
-              <a:buNone/>
-              <a:defRPr sz="1200" b="0" i="0">
-                <a:latin typeface="PingFang SC Light" panose="020B0300000000000000" pitchFamily="34" charset="-122"/>
-                <a:ea typeface="PingFang SC Light" panose="020B0300000000000000" pitchFamily="34" charset="-122"/>
-              </a:defRPr>
-            </a:lvl2pPr>
-            <a:lvl3pPr marL="630000" indent="0">
-              <a:buNone/>
-              <a:defRPr sz="1200" b="0" i="0">
-                <a:latin typeface="PingFang SC Light" panose="020B0300000000000000" pitchFamily="34" charset="-122"/>
-                <a:ea typeface="PingFang SC Light" panose="020B0300000000000000" pitchFamily="34" charset="-122"/>
-              </a:defRPr>
-            </a:lvl3pPr>
-            <a:lvl4pPr marL="1008000" indent="0">
-              <a:buNone/>
-              <a:defRPr sz="1200" b="0" i="0">
-                <a:latin typeface="PingFang SC Light" panose="020B0300000000000000" pitchFamily="34" charset="-122"/>
-                <a:ea typeface="PingFang SC Light" panose="020B0300000000000000" pitchFamily="34" charset="-122"/>
-              </a:defRPr>
-            </a:lvl4pPr>
-            <a:lvl5pPr marL="1368000" indent="0">
-              <a:buNone/>
-              <a:defRPr sz="1200" b="0" i="0">
-                <a:latin typeface="PingFang SC Light" panose="020B0300000000000000" pitchFamily="34" charset="-122"/>
-                <a:ea typeface="PingFang SC Light" panose="020B0300000000000000" pitchFamily="34" charset="-122"/>
-              </a:defRPr>
-            </a:lvl5pPr>
-          </a:lstStyle>
-          <a:p>
-            <a:pPr lvl="0"/>
-            <a:r>
-              <a:rPr lang="en-US" altLang="zh-CN" dirty="0"/>
-              <a:t>Sentence</a:t>
-            </a:r>
-            <a:r>
-              <a:rPr lang="zh-CN" altLang="en-US" dirty="0"/>
-              <a:t> </a:t>
-            </a:r>
-            <a:r>
-              <a:rPr lang="en-US" altLang="zh-CN" dirty="0"/>
-              <a:t>2</a:t>
-            </a:r>
-            <a:endParaRPr lang="en-JP" dirty="0"/>
-          </a:p>
-        </p:txBody>
-      </p:sp>
-      <p:sp>
-        <p:nvSpPr>
-          <p:cNvPr id="37" name="Text Placeholder 6">
-            <a:extLst>
-              <a:ext uri="{FF2B5EF4-FFF2-40B4-BE49-F238E27FC236}">
-                <a16:creationId xmlns:a16="http://schemas.microsoft.com/office/drawing/2014/main" id="{81A4C1F4-F470-B34C-BEB7-600CBFAD5F16}"/>
-              </a:ext>
-            </a:extLst>
-          </p:cNvPr>
-          <p:cNvSpPr>
-            <a:spLocks noGrp="1"/>
-          </p:cNvSpPr>
-          <p:nvPr>
-            <p:ph type="body" sz="quarter" idx="16" hasCustomPrompt="1"/>
-          </p:nvPr>
-        </p:nvSpPr>
-        <p:spPr>
-          <a:xfrm>
-            <a:off x="6358268" y="3263825"/>
-            <a:ext cx="5400000" cy="324000"/>
-          </a:xfrm>
-          <a:prstGeom prst="rect">
-            <a:avLst/>
-          </a:prstGeom>
-        </p:spPr>
-        <p:txBody>
-          <a:bodyPr anchor="t"/>
-          <a:lstStyle>
-            <a:lvl1pPr marL="0" indent="0" algn="l">
-              <a:buNone/>
-              <a:defRPr sz="1400" b="0" i="0">
-                <a:solidFill>
-                  <a:schemeClr val="tx1">
-                    <a:lumMod val="50000"/>
-                    <a:lumOff val="50000"/>
-                  </a:schemeClr>
-                </a:solidFill>
-                <a:latin typeface="PingFang SC Light" panose="020B0300000000000000" pitchFamily="34" charset="-122"/>
-                <a:ea typeface="PingFang SC Light" panose="020B0300000000000000" pitchFamily="34" charset="-122"/>
-              </a:defRPr>
-            </a:lvl1pPr>
-            <a:lvl2pPr marL="324000" indent="0">
-              <a:buNone/>
-              <a:defRPr sz="1200" b="0" i="0">
-                <a:latin typeface="PingFang SC Light" panose="020B0300000000000000" pitchFamily="34" charset="-122"/>
-                <a:ea typeface="PingFang SC Light" panose="020B0300000000000000" pitchFamily="34" charset="-122"/>
-              </a:defRPr>
-            </a:lvl2pPr>
-            <a:lvl3pPr marL="630000" indent="0">
-              <a:buNone/>
-              <a:defRPr sz="1200" b="0" i="0">
-                <a:latin typeface="PingFang SC Light" panose="020B0300000000000000" pitchFamily="34" charset="-122"/>
-                <a:ea typeface="PingFang SC Light" panose="020B0300000000000000" pitchFamily="34" charset="-122"/>
-              </a:defRPr>
-            </a:lvl3pPr>
-            <a:lvl4pPr marL="1008000" indent="0">
-              <a:buNone/>
-              <a:defRPr sz="1200" b="0" i="0">
-                <a:latin typeface="PingFang SC Light" panose="020B0300000000000000" pitchFamily="34" charset="-122"/>
-                <a:ea typeface="PingFang SC Light" panose="020B0300000000000000" pitchFamily="34" charset="-122"/>
-              </a:defRPr>
-            </a:lvl4pPr>
-            <a:lvl5pPr marL="1368000" indent="0">
-              <a:buNone/>
-              <a:defRPr sz="1200" b="0" i="0">
-                <a:latin typeface="PingFang SC Light" panose="020B0300000000000000" pitchFamily="34" charset="-122"/>
-                <a:ea typeface="PingFang SC Light" panose="020B0300000000000000" pitchFamily="34" charset="-122"/>
-              </a:defRPr>
-            </a:lvl5pPr>
-          </a:lstStyle>
-          <a:p>
-            <a:pPr lvl="0"/>
-            <a:r>
-              <a:rPr lang="zh-CN" altLang="en-US" dirty="0"/>
-              <a:t>翻译 </a:t>
-            </a:r>
-            <a:r>
-              <a:rPr lang="en-US" altLang="zh-CN" dirty="0"/>
-              <a:t>2</a:t>
-            </a:r>
-            <a:endParaRPr lang="en-JP" dirty="0"/>
-          </a:p>
-        </p:txBody>
-      </p:sp>
-      <p:sp>
-        <p:nvSpPr>
-          <p:cNvPr id="38" name="Text Placeholder 6">
-            <a:extLst>
-              <a:ext uri="{FF2B5EF4-FFF2-40B4-BE49-F238E27FC236}">
-                <a16:creationId xmlns:a16="http://schemas.microsoft.com/office/drawing/2014/main" id="{464A3B0C-4915-4A4D-9691-B106C65C0466}"/>
-              </a:ext>
-            </a:extLst>
-          </p:cNvPr>
-          <p:cNvSpPr>
-            <a:spLocks noGrp="1"/>
-          </p:cNvSpPr>
-          <p:nvPr>
-            <p:ph type="body" sz="quarter" idx="17" hasCustomPrompt="1"/>
-          </p:nvPr>
-        </p:nvSpPr>
-        <p:spPr>
-          <a:xfrm>
-            <a:off x="6358268" y="3727216"/>
-            <a:ext cx="5400000" cy="648000"/>
-          </a:xfrm>
-          <a:prstGeom prst="rect">
-            <a:avLst/>
-          </a:prstGeom>
-        </p:spPr>
-        <p:txBody>
-          <a:bodyPr anchor="b"/>
-          <a:lstStyle>
-            <a:lvl1pPr marL="0" indent="0" algn="l">
-              <a:buNone/>
-              <a:defRPr sz="1800" b="0" i="0">
-                <a:solidFill>
-                  <a:schemeClr val="accent3">
-                    <a:lumMod val="75000"/>
-                  </a:schemeClr>
-                </a:solidFill>
-                <a:latin typeface="Roboto Medium" pitchFamily="2" charset="0"/>
-                <a:ea typeface="Roboto Medium" pitchFamily="2" charset="0"/>
-              </a:defRPr>
-            </a:lvl1pPr>
-            <a:lvl2pPr marL="324000" indent="0">
-              <a:buNone/>
-              <a:defRPr sz="1200" b="0" i="0">
-                <a:latin typeface="PingFang SC Light" panose="020B0300000000000000" pitchFamily="34" charset="-122"/>
-                <a:ea typeface="PingFang SC Light" panose="020B0300000000000000" pitchFamily="34" charset="-122"/>
-              </a:defRPr>
-            </a:lvl2pPr>
-            <a:lvl3pPr marL="630000" indent="0">
-              <a:buNone/>
-              <a:defRPr sz="1200" b="0" i="0">
-                <a:latin typeface="PingFang SC Light" panose="020B0300000000000000" pitchFamily="34" charset="-122"/>
-                <a:ea typeface="PingFang SC Light" panose="020B0300000000000000" pitchFamily="34" charset="-122"/>
-              </a:defRPr>
-            </a:lvl3pPr>
-            <a:lvl4pPr marL="1008000" indent="0">
-              <a:buNone/>
-              <a:defRPr sz="1200" b="0" i="0">
-                <a:latin typeface="PingFang SC Light" panose="020B0300000000000000" pitchFamily="34" charset="-122"/>
-                <a:ea typeface="PingFang SC Light" panose="020B0300000000000000" pitchFamily="34" charset="-122"/>
-              </a:defRPr>
-            </a:lvl4pPr>
-            <a:lvl5pPr marL="1368000" indent="0">
-              <a:buNone/>
-              <a:defRPr sz="1200" b="0" i="0">
-                <a:latin typeface="PingFang SC Light" panose="020B0300000000000000" pitchFamily="34" charset="-122"/>
-                <a:ea typeface="PingFang SC Light" panose="020B0300000000000000" pitchFamily="34" charset="-122"/>
-              </a:defRPr>
-            </a:lvl5pPr>
-          </a:lstStyle>
-          <a:p>
-            <a:pPr lvl="0"/>
-            <a:r>
-              <a:rPr lang="en-US" altLang="zh-CN" dirty="0"/>
-              <a:t>Sentence</a:t>
-            </a:r>
-            <a:r>
-              <a:rPr lang="zh-CN" altLang="en-US" dirty="0"/>
-              <a:t> </a:t>
-            </a:r>
-            <a:r>
-              <a:rPr lang="en-US" altLang="zh-CN" dirty="0"/>
-              <a:t>3</a:t>
-            </a:r>
-            <a:endParaRPr lang="en-JP" dirty="0"/>
-          </a:p>
-        </p:txBody>
-      </p:sp>
-      <p:sp>
-        <p:nvSpPr>
-          <p:cNvPr id="39" name="Text Placeholder 6">
-            <a:extLst>
-              <a:ext uri="{FF2B5EF4-FFF2-40B4-BE49-F238E27FC236}">
-                <a16:creationId xmlns:a16="http://schemas.microsoft.com/office/drawing/2014/main" id="{F6F54114-5695-C24B-A9D4-31CB98DF9D0A}"/>
-              </a:ext>
-            </a:extLst>
-          </p:cNvPr>
-          <p:cNvSpPr>
-            <a:spLocks noGrp="1"/>
-          </p:cNvSpPr>
-          <p:nvPr>
-            <p:ph type="body" sz="quarter" idx="18" hasCustomPrompt="1"/>
-          </p:nvPr>
-        </p:nvSpPr>
-        <p:spPr>
-          <a:xfrm>
-            <a:off x="6358268" y="4416019"/>
-            <a:ext cx="5400000" cy="324000"/>
-          </a:xfrm>
-          <a:prstGeom prst="rect">
-            <a:avLst/>
-          </a:prstGeom>
-        </p:spPr>
-        <p:txBody>
-          <a:bodyPr anchor="t"/>
-          <a:lstStyle>
-            <a:lvl1pPr marL="0" indent="0" algn="l">
-              <a:buNone/>
-              <a:defRPr sz="1400" b="0" i="0">
-                <a:solidFill>
-                  <a:schemeClr val="tx1">
-                    <a:lumMod val="50000"/>
-                    <a:lumOff val="50000"/>
-                  </a:schemeClr>
-                </a:solidFill>
-                <a:latin typeface="PingFang SC Light" panose="020B0300000000000000" pitchFamily="34" charset="-122"/>
-                <a:ea typeface="PingFang SC Light" panose="020B0300000000000000" pitchFamily="34" charset="-122"/>
-              </a:defRPr>
-            </a:lvl1pPr>
-            <a:lvl2pPr marL="324000" indent="0">
-              <a:buNone/>
-              <a:defRPr sz="1200" b="0" i="0">
-                <a:latin typeface="PingFang SC Light" panose="020B0300000000000000" pitchFamily="34" charset="-122"/>
-                <a:ea typeface="PingFang SC Light" panose="020B0300000000000000" pitchFamily="34" charset="-122"/>
-              </a:defRPr>
-            </a:lvl2pPr>
-            <a:lvl3pPr marL="630000" indent="0">
-              <a:buNone/>
-              <a:defRPr sz="1200" b="0" i="0">
-                <a:latin typeface="PingFang SC Light" panose="020B0300000000000000" pitchFamily="34" charset="-122"/>
-                <a:ea typeface="PingFang SC Light" panose="020B0300000000000000" pitchFamily="34" charset="-122"/>
-              </a:defRPr>
-            </a:lvl3pPr>
-            <a:lvl4pPr marL="1008000" indent="0">
-              <a:buNone/>
-              <a:defRPr sz="1200" b="0" i="0">
-                <a:latin typeface="PingFang SC Light" panose="020B0300000000000000" pitchFamily="34" charset="-122"/>
-                <a:ea typeface="PingFang SC Light" panose="020B0300000000000000" pitchFamily="34" charset="-122"/>
-              </a:defRPr>
-            </a:lvl4pPr>
-            <a:lvl5pPr marL="1368000" indent="0">
-              <a:buNone/>
-              <a:defRPr sz="1200" b="0" i="0">
-                <a:latin typeface="PingFang SC Light" panose="020B0300000000000000" pitchFamily="34" charset="-122"/>
-                <a:ea typeface="PingFang SC Light" panose="020B0300000000000000" pitchFamily="34" charset="-122"/>
-              </a:defRPr>
-            </a:lvl5pPr>
-          </a:lstStyle>
-          <a:p>
-            <a:pPr lvl="0"/>
-            <a:r>
-              <a:rPr lang="zh-CN" altLang="en-US" dirty="0"/>
-              <a:t>翻译 </a:t>
-            </a:r>
-            <a:r>
-              <a:rPr lang="en-US" altLang="zh-CN" dirty="0"/>
-              <a:t>3</a:t>
-            </a:r>
-            <a:endParaRPr lang="en-JP" dirty="0"/>
-          </a:p>
-        </p:txBody>
-      </p:sp>
-      <p:sp>
-        <p:nvSpPr>
-          <p:cNvPr id="40" name="Text Placeholder 6">
-            <a:extLst>
-              <a:ext uri="{FF2B5EF4-FFF2-40B4-BE49-F238E27FC236}">
-                <a16:creationId xmlns:a16="http://schemas.microsoft.com/office/drawing/2014/main" id="{59B15C1E-FD78-4D43-8D91-573D81AE48E2}"/>
-              </a:ext>
-            </a:extLst>
-          </p:cNvPr>
-          <p:cNvSpPr>
-            <a:spLocks noGrp="1"/>
-          </p:cNvSpPr>
-          <p:nvPr>
-            <p:ph type="body" sz="quarter" idx="19" hasCustomPrompt="1"/>
-          </p:nvPr>
-        </p:nvSpPr>
-        <p:spPr>
-          <a:xfrm>
-            <a:off x="6358268" y="4878632"/>
-            <a:ext cx="5400000" cy="648000"/>
-          </a:xfrm>
-          <a:prstGeom prst="rect">
-            <a:avLst/>
-          </a:prstGeom>
-        </p:spPr>
-        <p:txBody>
-          <a:bodyPr anchor="b"/>
-          <a:lstStyle>
-            <a:lvl1pPr marL="0" indent="0" algn="l">
-              <a:buNone/>
-              <a:defRPr sz="1800" b="0" i="0">
-                <a:solidFill>
-                  <a:schemeClr val="accent3">
-                    <a:lumMod val="75000"/>
-                  </a:schemeClr>
-                </a:solidFill>
-                <a:latin typeface="Roboto Medium" pitchFamily="2" charset="0"/>
-                <a:ea typeface="Roboto Medium" pitchFamily="2" charset="0"/>
-              </a:defRPr>
-            </a:lvl1pPr>
-            <a:lvl2pPr marL="324000" indent="0">
-              <a:buNone/>
-              <a:defRPr sz="1200" b="0" i="0">
-                <a:latin typeface="PingFang SC Light" panose="020B0300000000000000" pitchFamily="34" charset="-122"/>
-                <a:ea typeface="PingFang SC Light" panose="020B0300000000000000" pitchFamily="34" charset="-122"/>
-              </a:defRPr>
-            </a:lvl2pPr>
-            <a:lvl3pPr marL="630000" indent="0">
-              <a:buNone/>
-              <a:defRPr sz="1200" b="0" i="0">
-                <a:latin typeface="PingFang SC Light" panose="020B0300000000000000" pitchFamily="34" charset="-122"/>
-                <a:ea typeface="PingFang SC Light" panose="020B0300000000000000" pitchFamily="34" charset="-122"/>
-              </a:defRPr>
-            </a:lvl3pPr>
-            <a:lvl4pPr marL="1008000" indent="0">
-              <a:buNone/>
-              <a:defRPr sz="1200" b="0" i="0">
-                <a:latin typeface="PingFang SC Light" panose="020B0300000000000000" pitchFamily="34" charset="-122"/>
-                <a:ea typeface="PingFang SC Light" panose="020B0300000000000000" pitchFamily="34" charset="-122"/>
-              </a:defRPr>
-            </a:lvl4pPr>
-            <a:lvl5pPr marL="1368000" indent="0">
-              <a:buNone/>
-              <a:defRPr sz="1200" b="0" i="0">
-                <a:latin typeface="PingFang SC Light" panose="020B0300000000000000" pitchFamily="34" charset="-122"/>
-                <a:ea typeface="PingFang SC Light" panose="020B0300000000000000" pitchFamily="34" charset="-122"/>
-              </a:defRPr>
-            </a:lvl5pPr>
-          </a:lstStyle>
-          <a:p>
-            <a:pPr lvl="0"/>
-            <a:r>
-              <a:rPr lang="en-US" altLang="zh-CN" dirty="0"/>
-              <a:t>Sentence</a:t>
-            </a:r>
-            <a:r>
-              <a:rPr lang="zh-CN" altLang="en-US" dirty="0"/>
-              <a:t> </a:t>
-            </a:r>
-            <a:r>
-              <a:rPr lang="en-US" altLang="zh-CN" dirty="0"/>
-              <a:t>4</a:t>
-            </a:r>
-            <a:endParaRPr lang="en-JP" dirty="0"/>
-          </a:p>
-        </p:txBody>
-      </p:sp>
-      <p:sp>
-        <p:nvSpPr>
-          <p:cNvPr id="41" name="Text Placeholder 6">
-            <a:extLst>
-              <a:ext uri="{FF2B5EF4-FFF2-40B4-BE49-F238E27FC236}">
-                <a16:creationId xmlns:a16="http://schemas.microsoft.com/office/drawing/2014/main" id="{56D70A3E-EF68-B148-913F-65CF0E86BAC9}"/>
-              </a:ext>
-            </a:extLst>
-          </p:cNvPr>
-          <p:cNvSpPr>
-            <a:spLocks noGrp="1"/>
-          </p:cNvSpPr>
-          <p:nvPr>
-            <p:ph type="body" sz="quarter" idx="20" hasCustomPrompt="1"/>
-          </p:nvPr>
-        </p:nvSpPr>
-        <p:spPr>
-          <a:xfrm>
-            <a:off x="6358268" y="5567435"/>
-            <a:ext cx="5400000" cy="324000"/>
-          </a:xfrm>
-          <a:prstGeom prst="rect">
-            <a:avLst/>
-          </a:prstGeom>
-        </p:spPr>
-        <p:txBody>
-          <a:bodyPr anchor="t"/>
-          <a:lstStyle>
-            <a:lvl1pPr marL="0" indent="0" algn="l">
-              <a:buNone/>
-              <a:defRPr sz="1400" b="0" i="0">
-                <a:solidFill>
-                  <a:schemeClr val="tx1">
-                    <a:lumMod val="50000"/>
-                    <a:lumOff val="50000"/>
-                  </a:schemeClr>
-                </a:solidFill>
-                <a:latin typeface="PingFang SC Light" panose="020B0300000000000000" pitchFamily="34" charset="-122"/>
-                <a:ea typeface="PingFang SC Light" panose="020B0300000000000000" pitchFamily="34" charset="-122"/>
-              </a:defRPr>
-            </a:lvl1pPr>
-            <a:lvl2pPr marL="324000" indent="0">
-              <a:buNone/>
-              <a:defRPr sz="1200" b="0" i="0">
-                <a:latin typeface="PingFang SC Light" panose="020B0300000000000000" pitchFamily="34" charset="-122"/>
-                <a:ea typeface="PingFang SC Light" panose="020B0300000000000000" pitchFamily="34" charset="-122"/>
-              </a:defRPr>
-            </a:lvl2pPr>
-            <a:lvl3pPr marL="630000" indent="0">
-              <a:buNone/>
-              <a:defRPr sz="1200" b="0" i="0">
-                <a:latin typeface="PingFang SC Light" panose="020B0300000000000000" pitchFamily="34" charset="-122"/>
-                <a:ea typeface="PingFang SC Light" panose="020B0300000000000000" pitchFamily="34" charset="-122"/>
-              </a:defRPr>
-            </a:lvl3pPr>
-            <a:lvl4pPr marL="1008000" indent="0">
-              <a:buNone/>
-              <a:defRPr sz="1200" b="0" i="0">
-                <a:latin typeface="PingFang SC Light" panose="020B0300000000000000" pitchFamily="34" charset="-122"/>
-                <a:ea typeface="PingFang SC Light" panose="020B0300000000000000" pitchFamily="34" charset="-122"/>
-              </a:defRPr>
-            </a:lvl4pPr>
-            <a:lvl5pPr marL="1368000" indent="0">
-              <a:buNone/>
-              <a:defRPr sz="1200" b="0" i="0">
-                <a:latin typeface="PingFang SC Light" panose="020B0300000000000000" pitchFamily="34" charset="-122"/>
-                <a:ea typeface="PingFang SC Light" panose="020B0300000000000000" pitchFamily="34" charset="-122"/>
-              </a:defRPr>
-            </a:lvl5pPr>
-          </a:lstStyle>
-          <a:p>
-            <a:pPr lvl="0"/>
-            <a:r>
-              <a:rPr lang="zh-CN" altLang="en-US" dirty="0"/>
-              <a:t>翻译 </a:t>
-            </a:r>
-            <a:r>
-              <a:rPr lang="en-US" altLang="zh-CN" dirty="0"/>
-              <a:t>4</a:t>
-            </a:r>
-            <a:endParaRPr lang="en-JP" dirty="0"/>
-          </a:p>
-        </p:txBody>
-      </p:sp>
-    </p:spTree>
-    <p:extLst>
-      <p:ext uri="{BB962C8B-B14F-4D97-AF65-F5344CB8AC3E}">
-        <p14:creationId xmlns:p14="http://schemas.microsoft.com/office/powerpoint/2010/main" val="3402214122"/>
-      </p:ext>
-    </p:extLst>
-  </p:cSld>
-  <p:clrMapOvr>
-    <a:masterClrMapping/>
-  </p:clrMapOvr>
-  <p:extLst>
-    <p:ext uri="{DCECCB84-F9BA-43D5-87BE-67443E8EF086}">
-      <p15:sldGuideLst xmlns:p15="http://schemas.microsoft.com/office/powerpoint/2012/main">
-        <p15:guide id="1" pos="3568" userDrawn="1">
-          <p15:clr>
-            <a:srgbClr val="FBAE40"/>
-          </p15:clr>
-        </p15:guide>
-      </p15:sldGuideLst>
-    </p:ext>
-  </p:extLst>
-</p:sldLayout>
-</file>
-
-<file path=ppt/slideLayouts/slideLayout22.xml><?xml version="1.0" encoding="utf-8"?>
-<p:sldLayout xmlns:a="http://schemas.openxmlformats.org/drawingml/2006/main" xmlns:r="http://schemas.openxmlformats.org/officeDocument/2006/relationships" xmlns:p="http://schemas.openxmlformats.org/presentationml/2006/main" preserve="1" userDrawn="1">
-  <p:cSld name="Blank">
+  <p:cSld name="Statistics">
     <p:bg>
       <p:bgPr>
         <a:solidFill>
@@ -12717,7 +6470,7 @@
           <p:cNvPr id="3" name="Picture 2">
             <a:extLst>
               <a:ext uri="{FF2B5EF4-FFF2-40B4-BE49-F238E27FC236}">
-                <a16:creationId xmlns:a16="http://schemas.microsoft.com/office/drawing/2014/main" id="{6B11D472-279B-5B42-AD8F-D6EF9792DBAF}"/>
+                <a16:creationId xmlns:a16="http://schemas.microsoft.com/office/drawing/2014/main" id="{CE28D393-1424-A947-9556-83BB6DD0367C}"/>
               </a:ext>
             </a:extLst>
           </p:cNvPr>
@@ -12734,18 +6487,645 @@
         </p:blipFill>
         <p:spPr>
           <a:xfrm>
-            <a:off x="1" y="-1"/>
-            <a:ext cx="12221224" cy="6870535"/>
+            <a:off x="-3464" y="0"/>
+            <a:ext cx="12198928" cy="6858000"/>
           </a:xfrm>
           <a:prstGeom prst="rect">
             <a:avLst/>
           </a:prstGeom>
         </p:spPr>
       </p:pic>
+      <p:sp>
+        <p:nvSpPr>
+          <p:cNvPr id="28" name="Text Placeholder 6">
+            <a:extLst>
+              <a:ext uri="{FF2B5EF4-FFF2-40B4-BE49-F238E27FC236}">
+                <a16:creationId xmlns:a16="http://schemas.microsoft.com/office/drawing/2014/main" id="{63BF1E44-C241-4649-A08E-A74F0B8C0F94}"/>
+              </a:ext>
+            </a:extLst>
+          </p:cNvPr>
+          <p:cNvSpPr>
+            <a:spLocks noGrp="1"/>
+          </p:cNvSpPr>
+          <p:nvPr>
+            <p:ph type="body" sz="quarter" idx="10" hasCustomPrompt="1"/>
+          </p:nvPr>
+        </p:nvSpPr>
+        <p:spPr>
+          <a:xfrm>
+            <a:off x="3143672" y="1756226"/>
+            <a:ext cx="2736305" cy="792865"/>
+          </a:xfrm>
+          <a:prstGeom prst="rect">
+            <a:avLst/>
+          </a:prstGeom>
+        </p:spPr>
+        <p:txBody>
+          <a:bodyPr vert="horz" anchor="ctr"/>
+          <a:lstStyle>
+            <a:lvl1pPr marL="0" indent="0" algn="ctr">
+              <a:buNone/>
+              <a:defRPr sz="4800" b="1" i="0">
+                <a:solidFill>
+                  <a:schemeClr val="accent3">
+                    <a:lumMod val="75000"/>
+                  </a:schemeClr>
+                </a:solidFill>
+                <a:latin typeface="Roboto" pitchFamily="2" charset="0"/>
+                <a:ea typeface="Roboto" pitchFamily="2" charset="0"/>
+                <a:cs typeface="Helvetica Neue" panose="02000503000000020004" pitchFamily="2" charset="0"/>
+              </a:defRPr>
+            </a:lvl1pPr>
+            <a:lvl2pPr>
+              <a:defRPr>
+                <a:solidFill>
+                  <a:schemeClr val="tx1">
+                    <a:lumMod val="95000"/>
+                    <a:lumOff val="5000"/>
+                  </a:schemeClr>
+                </a:solidFill>
+                <a:latin typeface="Helvetica Neue" panose="02000503000000020004" pitchFamily="2" charset="0"/>
+                <a:ea typeface="Helvetica Neue" panose="02000503000000020004" pitchFamily="2" charset="0"/>
+                <a:cs typeface="Helvetica Neue" panose="02000503000000020004" pitchFamily="2" charset="0"/>
+              </a:defRPr>
+            </a:lvl2pPr>
+            <a:lvl3pPr>
+              <a:defRPr>
+                <a:solidFill>
+                  <a:schemeClr val="tx1">
+                    <a:lumMod val="95000"/>
+                    <a:lumOff val="5000"/>
+                  </a:schemeClr>
+                </a:solidFill>
+                <a:latin typeface="Helvetica Neue" panose="02000503000000020004" pitchFamily="2" charset="0"/>
+                <a:ea typeface="Helvetica Neue" panose="02000503000000020004" pitchFamily="2" charset="0"/>
+                <a:cs typeface="Helvetica Neue" panose="02000503000000020004" pitchFamily="2" charset="0"/>
+              </a:defRPr>
+            </a:lvl3pPr>
+            <a:lvl4pPr>
+              <a:defRPr>
+                <a:solidFill>
+                  <a:schemeClr val="tx1">
+                    <a:lumMod val="95000"/>
+                    <a:lumOff val="5000"/>
+                  </a:schemeClr>
+                </a:solidFill>
+                <a:latin typeface="Helvetica Neue" panose="02000503000000020004" pitchFamily="2" charset="0"/>
+                <a:ea typeface="Helvetica Neue" panose="02000503000000020004" pitchFamily="2" charset="0"/>
+                <a:cs typeface="Helvetica Neue" panose="02000503000000020004" pitchFamily="2" charset="0"/>
+              </a:defRPr>
+            </a:lvl4pPr>
+            <a:lvl5pPr>
+              <a:defRPr>
+                <a:solidFill>
+                  <a:schemeClr val="tx1">
+                    <a:lumMod val="95000"/>
+                    <a:lumOff val="5000"/>
+                  </a:schemeClr>
+                </a:solidFill>
+                <a:latin typeface="Helvetica Neue" panose="02000503000000020004" pitchFamily="2" charset="0"/>
+                <a:ea typeface="Helvetica Neue" panose="02000503000000020004" pitchFamily="2" charset="0"/>
+                <a:cs typeface="Helvetica Neue" panose="02000503000000020004" pitchFamily="2" charset="0"/>
+              </a:defRPr>
+            </a:lvl5pPr>
+          </a:lstStyle>
+          <a:p>
+            <a:pPr lvl="0"/>
+            <a:r>
+              <a:rPr lang="en-US" altLang="zh-CN" dirty="0"/>
+              <a:t>Count</a:t>
+            </a:r>
+            <a:endParaRPr lang="en-US" dirty="0"/>
+          </a:p>
+        </p:txBody>
+      </p:sp>
+      <p:sp>
+        <p:nvSpPr>
+          <p:cNvPr id="29" name="Text Placeholder 6">
+            <a:extLst>
+              <a:ext uri="{FF2B5EF4-FFF2-40B4-BE49-F238E27FC236}">
+                <a16:creationId xmlns:a16="http://schemas.microsoft.com/office/drawing/2014/main" id="{46FFB427-AD5C-8049-859C-245DA3BF9341}"/>
+              </a:ext>
+            </a:extLst>
+          </p:cNvPr>
+          <p:cNvSpPr>
+            <a:spLocks noGrp="1"/>
+          </p:cNvSpPr>
+          <p:nvPr>
+            <p:ph type="body" sz="quarter" idx="11" hasCustomPrompt="1"/>
+          </p:nvPr>
+        </p:nvSpPr>
+        <p:spPr>
+          <a:xfrm>
+            <a:off x="3143672" y="2565681"/>
+            <a:ext cx="2736305" cy="450168"/>
+          </a:xfrm>
+          <a:prstGeom prst="rect">
+            <a:avLst/>
+          </a:prstGeom>
+        </p:spPr>
+        <p:txBody>
+          <a:bodyPr vert="horz" anchor="ctr"/>
+          <a:lstStyle>
+            <a:lvl1pPr marL="0" indent="0" algn="ctr">
+              <a:buNone/>
+              <a:defRPr sz="2000" b="0" i="0">
+                <a:solidFill>
+                  <a:schemeClr val="accent3">
+                    <a:lumMod val="75000"/>
+                    <a:alpha val="75000"/>
+                  </a:schemeClr>
+                </a:solidFill>
+                <a:latin typeface="Roboto" pitchFamily="2" charset="0"/>
+                <a:ea typeface="Roboto" pitchFamily="2" charset="0"/>
+                <a:cs typeface="Helvetica Neue" panose="02000503000000020004" pitchFamily="2" charset="0"/>
+              </a:defRPr>
+            </a:lvl1pPr>
+            <a:lvl2pPr>
+              <a:defRPr>
+                <a:solidFill>
+                  <a:schemeClr val="tx1">
+                    <a:lumMod val="95000"/>
+                    <a:lumOff val="5000"/>
+                  </a:schemeClr>
+                </a:solidFill>
+                <a:latin typeface="Helvetica Neue" panose="02000503000000020004" pitchFamily="2" charset="0"/>
+                <a:ea typeface="Helvetica Neue" panose="02000503000000020004" pitchFamily="2" charset="0"/>
+                <a:cs typeface="Helvetica Neue" panose="02000503000000020004" pitchFamily="2" charset="0"/>
+              </a:defRPr>
+            </a:lvl2pPr>
+            <a:lvl3pPr>
+              <a:defRPr>
+                <a:solidFill>
+                  <a:schemeClr val="tx1">
+                    <a:lumMod val="95000"/>
+                    <a:lumOff val="5000"/>
+                  </a:schemeClr>
+                </a:solidFill>
+                <a:latin typeface="Helvetica Neue" panose="02000503000000020004" pitchFamily="2" charset="0"/>
+                <a:ea typeface="Helvetica Neue" panose="02000503000000020004" pitchFamily="2" charset="0"/>
+                <a:cs typeface="Helvetica Neue" panose="02000503000000020004" pitchFamily="2" charset="0"/>
+              </a:defRPr>
+            </a:lvl3pPr>
+            <a:lvl4pPr>
+              <a:defRPr>
+                <a:solidFill>
+                  <a:schemeClr val="tx1">
+                    <a:lumMod val="95000"/>
+                    <a:lumOff val="5000"/>
+                  </a:schemeClr>
+                </a:solidFill>
+                <a:latin typeface="Helvetica Neue" panose="02000503000000020004" pitchFamily="2" charset="0"/>
+                <a:ea typeface="Helvetica Neue" panose="02000503000000020004" pitchFamily="2" charset="0"/>
+                <a:cs typeface="Helvetica Neue" panose="02000503000000020004" pitchFamily="2" charset="0"/>
+              </a:defRPr>
+            </a:lvl4pPr>
+            <a:lvl5pPr>
+              <a:defRPr>
+                <a:solidFill>
+                  <a:schemeClr val="tx1">
+                    <a:lumMod val="95000"/>
+                    <a:lumOff val="5000"/>
+                  </a:schemeClr>
+                </a:solidFill>
+                <a:latin typeface="Helvetica Neue" panose="02000503000000020004" pitchFamily="2" charset="0"/>
+                <a:ea typeface="Helvetica Neue" panose="02000503000000020004" pitchFamily="2" charset="0"/>
+                <a:cs typeface="Helvetica Neue" panose="02000503000000020004" pitchFamily="2" charset="0"/>
+              </a:defRPr>
+            </a:lvl5pPr>
+          </a:lstStyle>
+          <a:p>
+            <a:pPr lvl="0"/>
+            <a:r>
+              <a:rPr lang="en-US" altLang="zh-CN" dirty="0"/>
+              <a:t>Noun</a:t>
+            </a:r>
+            <a:endParaRPr lang="en-US" dirty="0"/>
+          </a:p>
+        </p:txBody>
+      </p:sp>
+      <p:sp>
+        <p:nvSpPr>
+          <p:cNvPr id="30" name="Text Placeholder 6">
+            <a:extLst>
+              <a:ext uri="{FF2B5EF4-FFF2-40B4-BE49-F238E27FC236}">
+                <a16:creationId xmlns:a16="http://schemas.microsoft.com/office/drawing/2014/main" id="{61D9F235-1963-FB46-98D5-8117FA918A66}"/>
+              </a:ext>
+            </a:extLst>
+          </p:cNvPr>
+          <p:cNvSpPr>
+            <a:spLocks noGrp="1"/>
+          </p:cNvSpPr>
+          <p:nvPr>
+            <p:ph type="body" sz="quarter" idx="12" hasCustomPrompt="1"/>
+          </p:nvPr>
+        </p:nvSpPr>
+        <p:spPr>
+          <a:xfrm>
+            <a:off x="6384032" y="1772816"/>
+            <a:ext cx="2736304" cy="792865"/>
+          </a:xfrm>
+          <a:prstGeom prst="rect">
+            <a:avLst/>
+          </a:prstGeom>
+        </p:spPr>
+        <p:txBody>
+          <a:bodyPr vert="horz" anchor="ctr"/>
+          <a:lstStyle>
+            <a:lvl1pPr marL="0" indent="0" algn="ctr">
+              <a:buNone/>
+              <a:defRPr sz="4800" b="1" i="0">
+                <a:solidFill>
+                  <a:schemeClr val="accent3">
+                    <a:lumMod val="75000"/>
+                  </a:schemeClr>
+                </a:solidFill>
+                <a:latin typeface="Roboto" pitchFamily="2" charset="0"/>
+                <a:ea typeface="Roboto" pitchFamily="2" charset="0"/>
+                <a:cs typeface="Helvetica Neue" panose="02000503000000020004" pitchFamily="2" charset="0"/>
+              </a:defRPr>
+            </a:lvl1pPr>
+            <a:lvl2pPr>
+              <a:defRPr>
+                <a:solidFill>
+                  <a:schemeClr val="tx1">
+                    <a:lumMod val="95000"/>
+                    <a:lumOff val="5000"/>
+                  </a:schemeClr>
+                </a:solidFill>
+                <a:latin typeface="Helvetica Neue" panose="02000503000000020004" pitchFamily="2" charset="0"/>
+                <a:ea typeface="Helvetica Neue" panose="02000503000000020004" pitchFamily="2" charset="0"/>
+                <a:cs typeface="Helvetica Neue" panose="02000503000000020004" pitchFamily="2" charset="0"/>
+              </a:defRPr>
+            </a:lvl2pPr>
+            <a:lvl3pPr>
+              <a:defRPr>
+                <a:solidFill>
+                  <a:schemeClr val="tx1">
+                    <a:lumMod val="95000"/>
+                    <a:lumOff val="5000"/>
+                  </a:schemeClr>
+                </a:solidFill>
+                <a:latin typeface="Helvetica Neue" panose="02000503000000020004" pitchFamily="2" charset="0"/>
+                <a:ea typeface="Helvetica Neue" panose="02000503000000020004" pitchFamily="2" charset="0"/>
+                <a:cs typeface="Helvetica Neue" panose="02000503000000020004" pitchFamily="2" charset="0"/>
+              </a:defRPr>
+            </a:lvl3pPr>
+            <a:lvl4pPr>
+              <a:defRPr>
+                <a:solidFill>
+                  <a:schemeClr val="tx1">
+                    <a:lumMod val="95000"/>
+                    <a:lumOff val="5000"/>
+                  </a:schemeClr>
+                </a:solidFill>
+                <a:latin typeface="Helvetica Neue" panose="02000503000000020004" pitchFamily="2" charset="0"/>
+                <a:ea typeface="Helvetica Neue" panose="02000503000000020004" pitchFamily="2" charset="0"/>
+                <a:cs typeface="Helvetica Neue" panose="02000503000000020004" pitchFamily="2" charset="0"/>
+              </a:defRPr>
+            </a:lvl4pPr>
+            <a:lvl5pPr>
+              <a:defRPr>
+                <a:solidFill>
+                  <a:schemeClr val="tx1">
+                    <a:lumMod val="95000"/>
+                    <a:lumOff val="5000"/>
+                  </a:schemeClr>
+                </a:solidFill>
+                <a:latin typeface="Helvetica Neue" panose="02000503000000020004" pitchFamily="2" charset="0"/>
+                <a:ea typeface="Helvetica Neue" panose="02000503000000020004" pitchFamily="2" charset="0"/>
+                <a:cs typeface="Helvetica Neue" panose="02000503000000020004" pitchFamily="2" charset="0"/>
+              </a:defRPr>
+            </a:lvl5pPr>
+          </a:lstStyle>
+          <a:p>
+            <a:pPr lvl="0"/>
+            <a:r>
+              <a:rPr lang="en-US" altLang="zh-CN" dirty="0"/>
+              <a:t>Count</a:t>
+            </a:r>
+            <a:endParaRPr lang="en-US" dirty="0"/>
+          </a:p>
+        </p:txBody>
+      </p:sp>
+      <p:sp>
+        <p:nvSpPr>
+          <p:cNvPr id="31" name="Text Placeholder 6">
+            <a:extLst>
+              <a:ext uri="{FF2B5EF4-FFF2-40B4-BE49-F238E27FC236}">
+                <a16:creationId xmlns:a16="http://schemas.microsoft.com/office/drawing/2014/main" id="{A46AEF7F-5E3F-784D-A3AB-229EC07D6FB6}"/>
+              </a:ext>
+            </a:extLst>
+          </p:cNvPr>
+          <p:cNvSpPr>
+            <a:spLocks noGrp="1"/>
+          </p:cNvSpPr>
+          <p:nvPr>
+            <p:ph type="body" sz="quarter" idx="13" hasCustomPrompt="1"/>
+          </p:nvPr>
+        </p:nvSpPr>
+        <p:spPr>
+          <a:xfrm>
+            <a:off x="6384032" y="2572253"/>
+            <a:ext cx="2736304" cy="450168"/>
+          </a:xfrm>
+          <a:prstGeom prst="rect">
+            <a:avLst/>
+          </a:prstGeom>
+        </p:spPr>
+        <p:txBody>
+          <a:bodyPr vert="horz" anchor="ctr"/>
+          <a:lstStyle>
+            <a:lvl1pPr marL="0" indent="0" algn="ctr">
+              <a:buNone/>
+              <a:defRPr sz="2000" b="0" i="0">
+                <a:solidFill>
+                  <a:schemeClr val="accent3">
+                    <a:lumMod val="75000"/>
+                    <a:alpha val="75000"/>
+                  </a:schemeClr>
+                </a:solidFill>
+                <a:latin typeface="Roboto" pitchFamily="2" charset="0"/>
+                <a:ea typeface="Roboto" pitchFamily="2" charset="0"/>
+                <a:cs typeface="Helvetica Neue" panose="02000503000000020004" pitchFamily="2" charset="0"/>
+              </a:defRPr>
+            </a:lvl1pPr>
+            <a:lvl2pPr>
+              <a:defRPr>
+                <a:solidFill>
+                  <a:schemeClr val="tx1">
+                    <a:lumMod val="95000"/>
+                    <a:lumOff val="5000"/>
+                  </a:schemeClr>
+                </a:solidFill>
+                <a:latin typeface="Helvetica Neue" panose="02000503000000020004" pitchFamily="2" charset="0"/>
+                <a:ea typeface="Helvetica Neue" panose="02000503000000020004" pitchFamily="2" charset="0"/>
+                <a:cs typeface="Helvetica Neue" panose="02000503000000020004" pitchFamily="2" charset="0"/>
+              </a:defRPr>
+            </a:lvl2pPr>
+            <a:lvl3pPr>
+              <a:defRPr>
+                <a:solidFill>
+                  <a:schemeClr val="tx1">
+                    <a:lumMod val="95000"/>
+                    <a:lumOff val="5000"/>
+                  </a:schemeClr>
+                </a:solidFill>
+                <a:latin typeface="Helvetica Neue" panose="02000503000000020004" pitchFamily="2" charset="0"/>
+                <a:ea typeface="Helvetica Neue" panose="02000503000000020004" pitchFamily="2" charset="0"/>
+                <a:cs typeface="Helvetica Neue" panose="02000503000000020004" pitchFamily="2" charset="0"/>
+              </a:defRPr>
+            </a:lvl3pPr>
+            <a:lvl4pPr>
+              <a:defRPr>
+                <a:solidFill>
+                  <a:schemeClr val="tx1">
+                    <a:lumMod val="95000"/>
+                    <a:lumOff val="5000"/>
+                  </a:schemeClr>
+                </a:solidFill>
+                <a:latin typeface="Helvetica Neue" panose="02000503000000020004" pitchFamily="2" charset="0"/>
+                <a:ea typeface="Helvetica Neue" panose="02000503000000020004" pitchFamily="2" charset="0"/>
+                <a:cs typeface="Helvetica Neue" panose="02000503000000020004" pitchFamily="2" charset="0"/>
+              </a:defRPr>
+            </a:lvl4pPr>
+            <a:lvl5pPr>
+              <a:defRPr>
+                <a:solidFill>
+                  <a:schemeClr val="tx1">
+                    <a:lumMod val="95000"/>
+                    <a:lumOff val="5000"/>
+                  </a:schemeClr>
+                </a:solidFill>
+                <a:latin typeface="Helvetica Neue" panose="02000503000000020004" pitchFamily="2" charset="0"/>
+                <a:ea typeface="Helvetica Neue" panose="02000503000000020004" pitchFamily="2" charset="0"/>
+                <a:cs typeface="Helvetica Neue" panose="02000503000000020004" pitchFamily="2" charset="0"/>
+              </a:defRPr>
+            </a:lvl5pPr>
+          </a:lstStyle>
+          <a:p>
+            <a:pPr lvl="0"/>
+            <a:r>
+              <a:rPr lang="en-US" altLang="zh-CN" dirty="0"/>
+              <a:t>Adjective</a:t>
+            </a:r>
+            <a:endParaRPr lang="en-US" dirty="0"/>
+          </a:p>
+        </p:txBody>
+      </p:sp>
+      <p:sp>
+        <p:nvSpPr>
+          <p:cNvPr id="32" name="Text Placeholder 6">
+            <a:extLst>
+              <a:ext uri="{FF2B5EF4-FFF2-40B4-BE49-F238E27FC236}">
+                <a16:creationId xmlns:a16="http://schemas.microsoft.com/office/drawing/2014/main" id="{F19CD6CB-4A0E-854D-9CF0-B57DC1E2F82A}"/>
+              </a:ext>
+            </a:extLst>
+          </p:cNvPr>
+          <p:cNvSpPr>
+            <a:spLocks noGrp="1"/>
+          </p:cNvSpPr>
+          <p:nvPr>
+            <p:ph type="body" sz="quarter" idx="14" hasCustomPrompt="1"/>
+          </p:nvPr>
+        </p:nvSpPr>
+        <p:spPr>
+          <a:xfrm>
+            <a:off x="4511824" y="3772941"/>
+            <a:ext cx="2736305" cy="750725"/>
+          </a:xfrm>
+          <a:prstGeom prst="rect">
+            <a:avLst/>
+          </a:prstGeom>
+        </p:spPr>
+        <p:txBody>
+          <a:bodyPr vert="horz" anchor="ctr"/>
+          <a:lstStyle>
+            <a:lvl1pPr marL="0" indent="0" algn="ctr">
+              <a:buNone/>
+              <a:defRPr sz="4800" b="1" i="0">
+                <a:solidFill>
+                  <a:schemeClr val="accent3">
+                    <a:lumMod val="75000"/>
+                  </a:schemeClr>
+                </a:solidFill>
+                <a:latin typeface="Roboto" pitchFamily="2" charset="0"/>
+                <a:ea typeface="Roboto" pitchFamily="2" charset="0"/>
+                <a:cs typeface="Helvetica Neue" panose="02000503000000020004" pitchFamily="2" charset="0"/>
+              </a:defRPr>
+            </a:lvl1pPr>
+            <a:lvl2pPr>
+              <a:defRPr>
+                <a:solidFill>
+                  <a:schemeClr val="tx1">
+                    <a:lumMod val="95000"/>
+                    <a:lumOff val="5000"/>
+                  </a:schemeClr>
+                </a:solidFill>
+                <a:latin typeface="Helvetica Neue" panose="02000503000000020004" pitchFamily="2" charset="0"/>
+                <a:ea typeface="Helvetica Neue" panose="02000503000000020004" pitchFamily="2" charset="0"/>
+                <a:cs typeface="Helvetica Neue" panose="02000503000000020004" pitchFamily="2" charset="0"/>
+              </a:defRPr>
+            </a:lvl2pPr>
+            <a:lvl3pPr>
+              <a:defRPr>
+                <a:solidFill>
+                  <a:schemeClr val="tx1">
+                    <a:lumMod val="95000"/>
+                    <a:lumOff val="5000"/>
+                  </a:schemeClr>
+                </a:solidFill>
+                <a:latin typeface="Helvetica Neue" panose="02000503000000020004" pitchFamily="2" charset="0"/>
+                <a:ea typeface="Helvetica Neue" panose="02000503000000020004" pitchFamily="2" charset="0"/>
+                <a:cs typeface="Helvetica Neue" panose="02000503000000020004" pitchFamily="2" charset="0"/>
+              </a:defRPr>
+            </a:lvl3pPr>
+            <a:lvl4pPr>
+              <a:defRPr>
+                <a:solidFill>
+                  <a:schemeClr val="tx1">
+                    <a:lumMod val="95000"/>
+                    <a:lumOff val="5000"/>
+                  </a:schemeClr>
+                </a:solidFill>
+                <a:latin typeface="Helvetica Neue" panose="02000503000000020004" pitchFamily="2" charset="0"/>
+                <a:ea typeface="Helvetica Neue" panose="02000503000000020004" pitchFamily="2" charset="0"/>
+                <a:cs typeface="Helvetica Neue" panose="02000503000000020004" pitchFamily="2" charset="0"/>
+              </a:defRPr>
+            </a:lvl4pPr>
+            <a:lvl5pPr>
+              <a:defRPr>
+                <a:solidFill>
+                  <a:schemeClr val="tx1">
+                    <a:lumMod val="95000"/>
+                    <a:lumOff val="5000"/>
+                  </a:schemeClr>
+                </a:solidFill>
+                <a:latin typeface="Helvetica Neue" panose="02000503000000020004" pitchFamily="2" charset="0"/>
+                <a:ea typeface="Helvetica Neue" panose="02000503000000020004" pitchFamily="2" charset="0"/>
+                <a:cs typeface="Helvetica Neue" panose="02000503000000020004" pitchFamily="2" charset="0"/>
+              </a:defRPr>
+            </a:lvl5pPr>
+          </a:lstStyle>
+          <a:p>
+            <a:pPr lvl="0"/>
+            <a:r>
+              <a:rPr lang="en-US" altLang="zh-CN" dirty="0"/>
+              <a:t>Count</a:t>
+            </a:r>
+            <a:endParaRPr lang="en-US" dirty="0"/>
+          </a:p>
+        </p:txBody>
+      </p:sp>
+      <p:sp>
+        <p:nvSpPr>
+          <p:cNvPr id="33" name="Text Placeholder 6">
+            <a:extLst>
+              <a:ext uri="{FF2B5EF4-FFF2-40B4-BE49-F238E27FC236}">
+                <a16:creationId xmlns:a16="http://schemas.microsoft.com/office/drawing/2014/main" id="{2D308670-0A9E-E04E-AAED-1888BAAC0AB4}"/>
+              </a:ext>
+            </a:extLst>
+          </p:cNvPr>
+          <p:cNvSpPr>
+            <a:spLocks noGrp="1"/>
+          </p:cNvSpPr>
+          <p:nvPr>
+            <p:ph type="body" sz="quarter" idx="15" hasCustomPrompt="1"/>
+          </p:nvPr>
+        </p:nvSpPr>
+        <p:spPr>
+          <a:xfrm>
+            <a:off x="4511824" y="4530212"/>
+            <a:ext cx="2736305" cy="486568"/>
+          </a:xfrm>
+          <a:prstGeom prst="rect">
+            <a:avLst/>
+          </a:prstGeom>
+        </p:spPr>
+        <p:txBody>
+          <a:bodyPr vert="horz" anchor="ctr"/>
+          <a:lstStyle>
+            <a:lvl1pPr marL="0" indent="0" algn="ctr">
+              <a:buNone/>
+              <a:defRPr sz="2000" b="0" i="0">
+                <a:solidFill>
+                  <a:schemeClr val="accent3">
+                    <a:lumMod val="75000"/>
+                    <a:alpha val="75000"/>
+                  </a:schemeClr>
+                </a:solidFill>
+                <a:latin typeface="Roboto" pitchFamily="2" charset="0"/>
+                <a:ea typeface="Roboto" pitchFamily="2" charset="0"/>
+                <a:cs typeface="Helvetica Neue" panose="02000503000000020004" pitchFamily="2" charset="0"/>
+              </a:defRPr>
+            </a:lvl1pPr>
+            <a:lvl2pPr>
+              <a:defRPr>
+                <a:solidFill>
+                  <a:schemeClr val="tx1">
+                    <a:lumMod val="95000"/>
+                    <a:lumOff val="5000"/>
+                  </a:schemeClr>
+                </a:solidFill>
+                <a:latin typeface="Helvetica Neue" panose="02000503000000020004" pitchFamily="2" charset="0"/>
+                <a:ea typeface="Helvetica Neue" panose="02000503000000020004" pitchFamily="2" charset="0"/>
+                <a:cs typeface="Helvetica Neue" panose="02000503000000020004" pitchFamily="2" charset="0"/>
+              </a:defRPr>
+            </a:lvl2pPr>
+            <a:lvl3pPr>
+              <a:defRPr>
+                <a:solidFill>
+                  <a:schemeClr val="tx1">
+                    <a:lumMod val="95000"/>
+                    <a:lumOff val="5000"/>
+                  </a:schemeClr>
+                </a:solidFill>
+                <a:latin typeface="Helvetica Neue" panose="02000503000000020004" pitchFamily="2" charset="0"/>
+                <a:ea typeface="Helvetica Neue" panose="02000503000000020004" pitchFamily="2" charset="0"/>
+                <a:cs typeface="Helvetica Neue" panose="02000503000000020004" pitchFamily="2" charset="0"/>
+              </a:defRPr>
+            </a:lvl3pPr>
+            <a:lvl4pPr>
+              <a:defRPr>
+                <a:solidFill>
+                  <a:schemeClr val="tx1">
+                    <a:lumMod val="95000"/>
+                    <a:lumOff val="5000"/>
+                  </a:schemeClr>
+                </a:solidFill>
+                <a:latin typeface="Helvetica Neue" panose="02000503000000020004" pitchFamily="2" charset="0"/>
+                <a:ea typeface="Helvetica Neue" panose="02000503000000020004" pitchFamily="2" charset="0"/>
+                <a:cs typeface="Helvetica Neue" panose="02000503000000020004" pitchFamily="2" charset="0"/>
+              </a:defRPr>
+            </a:lvl4pPr>
+            <a:lvl5pPr>
+              <a:defRPr>
+                <a:solidFill>
+                  <a:schemeClr val="tx1">
+                    <a:lumMod val="95000"/>
+                    <a:lumOff val="5000"/>
+                  </a:schemeClr>
+                </a:solidFill>
+                <a:latin typeface="Helvetica Neue" panose="02000503000000020004" pitchFamily="2" charset="0"/>
+                <a:ea typeface="Helvetica Neue" panose="02000503000000020004" pitchFamily="2" charset="0"/>
+                <a:cs typeface="Helvetica Neue" panose="02000503000000020004" pitchFamily="2" charset="0"/>
+              </a:defRPr>
+            </a:lvl5pPr>
+          </a:lstStyle>
+          <a:p>
+            <a:pPr lvl="0"/>
+            <a:r>
+              <a:rPr lang="en-US" altLang="zh-CN" dirty="0"/>
+              <a:t>Verb</a:t>
+            </a:r>
+            <a:endParaRPr lang="en-US" dirty="0"/>
+          </a:p>
+        </p:txBody>
+      </p:sp>
     </p:spTree>
     <p:extLst>
       <p:ext uri="{BB962C8B-B14F-4D97-AF65-F5344CB8AC3E}">
-        <p14:creationId xmlns:p14="http://schemas.microsoft.com/office/powerpoint/2010/main" val="1298605362"/>
+        <p14:creationId xmlns:p14="http://schemas.microsoft.com/office/powerpoint/2010/main" val="1998541340"/>
       </p:ext>
     </p:extLst>
   </p:cSld>
@@ -12755,267 +7135,9 @@
 </p:sldLayout>
 </file>
 
-<file path=ppt/slideLayouts/slideLayout23.xml><?xml version="1.0" encoding="utf-8"?>
+<file path=ppt/slideLayouts/slideLayout4.xml><?xml version="1.0" encoding="utf-8"?>
 <p:sldLayout xmlns:a="http://schemas.openxmlformats.org/drawingml/2006/main" xmlns:r="http://schemas.openxmlformats.org/officeDocument/2006/relationships" xmlns:p="http://schemas.openxmlformats.org/presentationml/2006/main" preserve="1" userDrawn="1">
-  <p:cSld name="Thanks">
-    <p:bg>
-      <p:bgPr>
-        <a:solidFill>
-          <a:schemeClr val="bg1"/>
-        </a:solidFill>
-        <a:effectLst/>
-      </p:bgPr>
-    </p:bg>
-    <p:spTree>
-      <p:nvGrpSpPr>
-        <p:cNvPr id="1" name=""/>
-        <p:cNvGrpSpPr/>
-        <p:nvPr/>
-      </p:nvGrpSpPr>
-      <p:grpSpPr>
-        <a:xfrm>
-          <a:off x="0" y="0"/>
-          <a:ext cx="0" cy="0"/>
-          <a:chOff x="0" y="0"/>
-          <a:chExt cx="0" cy="0"/>
-        </a:xfrm>
-      </p:grpSpPr>
-      <p:pic>
-        <p:nvPicPr>
-          <p:cNvPr id="7" name="Picture 6">
-            <a:extLst>
-              <a:ext uri="{FF2B5EF4-FFF2-40B4-BE49-F238E27FC236}">
-                <a16:creationId xmlns:a16="http://schemas.microsoft.com/office/drawing/2014/main" id="{E2D29A84-597E-9044-A9AC-C1A3F512A820}"/>
-              </a:ext>
-            </a:extLst>
-          </p:cNvPr>
-          <p:cNvPicPr>
-            <a:picLocks noChangeAspect="1"/>
-          </p:cNvPicPr>
-          <p:nvPr userDrawn="1"/>
-        </p:nvPicPr>
-        <p:blipFill>
-          <a:blip r:embed="rId2"/>
-          <a:stretch>
-            <a:fillRect/>
-          </a:stretch>
-        </p:blipFill>
-        <p:spPr>
-          <a:xfrm>
-            <a:off x="-1" y="0"/>
-            <a:ext cx="12198927" cy="6858000"/>
-          </a:xfrm>
-          <a:prstGeom prst="rect">
-            <a:avLst/>
-          </a:prstGeom>
-        </p:spPr>
-      </p:pic>
-      <p:sp>
-        <p:nvSpPr>
-          <p:cNvPr id="43" name="TextBox 42">
-            <a:extLst>
-              <a:ext uri="{FF2B5EF4-FFF2-40B4-BE49-F238E27FC236}">
-                <a16:creationId xmlns:a16="http://schemas.microsoft.com/office/drawing/2014/main" id="{B09844E1-DDCC-2F4A-9F36-3DBE5642B30F}"/>
-              </a:ext>
-            </a:extLst>
-          </p:cNvPr>
-          <p:cNvSpPr txBox="1"/>
-          <p:nvPr userDrawn="1"/>
-        </p:nvSpPr>
-        <p:spPr>
-          <a:xfrm>
-            <a:off x="3661954" y="3316395"/>
-            <a:ext cx="4868092" cy="523220"/>
-          </a:xfrm>
-          <a:prstGeom prst="rect">
-            <a:avLst/>
-          </a:prstGeom>
-          <a:noFill/>
-        </p:spPr>
-        <p:txBody>
-          <a:bodyPr wrap="square" rtlCol="0">
-            <a:spAutoFit/>
-          </a:bodyPr>
-          <a:lstStyle/>
-          <a:p>
-            <a:pPr algn="ctr"/>
-            <a:r>
-              <a:rPr lang="zh-CN" altLang="en-US" sz="2800" b="0" i="0" spc="300" dirty="0">
-                <a:solidFill>
-                  <a:schemeClr val="accent3">
-                    <a:lumMod val="75000"/>
-                  </a:schemeClr>
-                </a:solidFill>
-                <a:latin typeface="PingFang SC" panose="020B0400000000000000" pitchFamily="34" charset="-122"/>
-                <a:ea typeface="PingFang SC" panose="020B0400000000000000" pitchFamily="34" charset="-122"/>
-              </a:rPr>
-              <a:t>歧舌</a:t>
-            </a:r>
-            <a:r>
-              <a:rPr lang="en-US" altLang="zh-CN" sz="2800" b="0" i="0" spc="300" dirty="0">
-                <a:solidFill>
-                  <a:schemeClr val="accent3">
-                    <a:lumMod val="75000"/>
-                  </a:schemeClr>
-                </a:solidFill>
-                <a:latin typeface="PingFang SC" panose="020B0400000000000000" pitchFamily="34" charset="-122"/>
-                <a:ea typeface="PingFang SC" panose="020B0400000000000000" pitchFamily="34" charset="-122"/>
-              </a:rPr>
-              <a:t>AI</a:t>
-            </a:r>
-            <a:r>
-              <a:rPr lang="zh-CN" altLang="en-US" sz="2800" b="0" i="0" spc="300" dirty="0">
-                <a:solidFill>
-                  <a:schemeClr val="accent3">
-                    <a:lumMod val="75000"/>
-                  </a:schemeClr>
-                </a:solidFill>
-                <a:latin typeface="PingFang SC" panose="020B0400000000000000" pitchFamily="34" charset="-122"/>
-                <a:ea typeface="PingFang SC" panose="020B0400000000000000" pitchFamily="34" charset="-122"/>
-              </a:rPr>
-              <a:t>备课助教</a:t>
-            </a:r>
-            <a:endParaRPr lang="en-CN" sz="2800" b="0" i="0" spc="300" dirty="0">
-              <a:solidFill>
-                <a:schemeClr val="accent3">
-                  <a:lumMod val="75000"/>
-                </a:schemeClr>
-              </a:solidFill>
-              <a:latin typeface="PingFang SC" panose="020B0400000000000000" pitchFamily="34" charset="-122"/>
-              <a:ea typeface="PingFang SC" panose="020B0400000000000000" pitchFamily="34" charset="-122"/>
-            </a:endParaRPr>
-          </a:p>
-        </p:txBody>
-      </p:sp>
-      <p:sp>
-        <p:nvSpPr>
-          <p:cNvPr id="44" name="TextBox 43">
-            <a:extLst>
-              <a:ext uri="{FF2B5EF4-FFF2-40B4-BE49-F238E27FC236}">
-                <a16:creationId xmlns:a16="http://schemas.microsoft.com/office/drawing/2014/main" id="{35F62947-62CC-8544-8364-BB6A7925BE22}"/>
-              </a:ext>
-            </a:extLst>
-          </p:cNvPr>
-          <p:cNvSpPr txBox="1"/>
-          <p:nvPr userDrawn="1"/>
-        </p:nvSpPr>
-        <p:spPr>
-          <a:xfrm>
-            <a:off x="4695314" y="3855067"/>
-            <a:ext cx="2801372" cy="461665"/>
-          </a:xfrm>
-          <a:prstGeom prst="rect">
-            <a:avLst/>
-          </a:prstGeom>
-          <a:noFill/>
-        </p:spPr>
-        <p:txBody>
-          <a:bodyPr wrap="square" rtlCol="0">
-            <a:spAutoFit/>
-          </a:bodyPr>
-          <a:lstStyle/>
-          <a:p>
-            <a:pPr algn="ctr"/>
-            <a:r>
-              <a:rPr lang="zh-CN" altLang="en-US" sz="2400" b="0" i="0" spc="300" dirty="0">
-                <a:solidFill>
-                  <a:schemeClr val="accent3">
-                    <a:lumMod val="75000"/>
-                  </a:schemeClr>
-                </a:solidFill>
-                <a:latin typeface="PingFang SC Medium" panose="020B0400000000000000" pitchFamily="34" charset="-122"/>
-                <a:ea typeface="PingFang SC Medium" panose="020B0400000000000000" pitchFamily="34" charset="-122"/>
-              </a:rPr>
-              <a:t>英语</a:t>
-            </a:r>
-            <a:endParaRPr lang="en-CN" sz="2400" b="0" i="0" spc="300" dirty="0">
-              <a:solidFill>
-                <a:schemeClr val="accent3">
-                  <a:lumMod val="75000"/>
-                </a:schemeClr>
-              </a:solidFill>
-              <a:latin typeface="PingFang SC Medium" panose="020B0400000000000000" pitchFamily="34" charset="-122"/>
-              <a:ea typeface="PingFang SC Medium" panose="020B0400000000000000" pitchFamily="34" charset="-122"/>
-            </a:endParaRPr>
-          </a:p>
-        </p:txBody>
-      </p:sp>
-      <p:pic>
-        <p:nvPicPr>
-          <p:cNvPr id="5" name="Picture 4">
-            <a:extLst>
-              <a:ext uri="{FF2B5EF4-FFF2-40B4-BE49-F238E27FC236}">
-                <a16:creationId xmlns:a16="http://schemas.microsoft.com/office/drawing/2014/main" id="{90EA518E-9B5C-E84C-8590-28A28376CA17}"/>
-              </a:ext>
-            </a:extLst>
-          </p:cNvPr>
-          <p:cNvPicPr>
-            <a:picLocks noChangeAspect="1"/>
-          </p:cNvPicPr>
-          <p:nvPr userDrawn="1"/>
-        </p:nvPicPr>
-        <p:blipFill>
-          <a:blip r:embed="rId3"/>
-          <a:stretch>
-            <a:fillRect/>
-          </a:stretch>
-        </p:blipFill>
-        <p:spPr>
-          <a:xfrm>
-            <a:off x="5476988" y="1990305"/>
-            <a:ext cx="1238024" cy="1238024"/>
-          </a:xfrm>
-          <a:prstGeom prst="rect">
-            <a:avLst/>
-          </a:prstGeom>
-        </p:spPr>
-      </p:pic>
-      <p:pic>
-        <p:nvPicPr>
-          <p:cNvPr id="13" name="Picture 12">
-            <a:extLst>
-              <a:ext uri="{FF2B5EF4-FFF2-40B4-BE49-F238E27FC236}">
-                <a16:creationId xmlns:a16="http://schemas.microsoft.com/office/drawing/2014/main" id="{3522076D-892E-C949-AF29-BADBF8022C9F}"/>
-              </a:ext>
-            </a:extLst>
-          </p:cNvPr>
-          <p:cNvPicPr>
-            <a:picLocks noChangeAspect="1"/>
-          </p:cNvPicPr>
-          <p:nvPr userDrawn="1"/>
-        </p:nvPicPr>
-        <p:blipFill>
-          <a:blip r:embed="rId4"/>
-          <a:stretch>
-            <a:fillRect/>
-          </a:stretch>
-        </p:blipFill>
-        <p:spPr>
-          <a:xfrm>
-            <a:off x="5646000" y="5611950"/>
-            <a:ext cx="900000" cy="900000"/>
-          </a:xfrm>
-          <a:prstGeom prst="rect">
-            <a:avLst/>
-          </a:prstGeom>
-        </p:spPr>
-      </p:pic>
-    </p:spTree>
-    <p:extLst>
-      <p:ext uri="{BB962C8B-B14F-4D97-AF65-F5344CB8AC3E}">
-        <p14:creationId xmlns:p14="http://schemas.microsoft.com/office/powerpoint/2010/main" val="3740306407"/>
-      </p:ext>
-    </p:extLst>
-  </p:cSld>
-  <p:clrMapOvr>
-    <a:masterClrMapping/>
-  </p:clrMapOvr>
-</p:sldLayout>
-</file>
-
-<file path=ppt/slideLayouts/slideLayout3.xml><?xml version="1.0" encoding="utf-8"?>
-<p:sldLayout xmlns:a="http://schemas.openxmlformats.org/drawingml/2006/main" xmlns:r="http://schemas.openxmlformats.org/officeDocument/2006/relationships" xmlns:p="http://schemas.openxmlformats.org/presentationml/2006/main" preserve="1" userDrawn="1">
-  <p:cSld name="Word count">
+  <p:cSld name="Title for pos">
     <p:bg>
       <p:bgPr>
         <a:solidFill>
@@ -13043,7 +7165,7 @@
           <p:cNvPr id="3" name="Picture 2">
             <a:extLst>
               <a:ext uri="{FF2B5EF4-FFF2-40B4-BE49-F238E27FC236}">
-                <a16:creationId xmlns:a16="http://schemas.microsoft.com/office/drawing/2014/main" id="{CE28D393-1424-A947-9556-83BB6DD0367C}"/>
+                <a16:creationId xmlns:a16="http://schemas.microsoft.com/office/drawing/2014/main" id="{839332BA-0FD2-594D-BDF6-09817D71D2BF}"/>
               </a:ext>
             </a:extLst>
           </p:cNvPr>
@@ -13060,8 +7182,8 @@
         </p:blipFill>
         <p:spPr>
           <a:xfrm>
-            <a:off x="-3464" y="0"/>
-            <a:ext cx="12198928" cy="6858000"/>
+            <a:off x="-1" y="0"/>
+            <a:ext cx="12198927" cy="6858000"/>
           </a:xfrm>
           <a:prstGeom prst="rect">
             <a:avLst/>
@@ -13070,10 +7192,10 @@
       </p:pic>
       <p:sp>
         <p:nvSpPr>
-          <p:cNvPr id="28" name="Text Placeholder 6">
-            <a:extLst>
-              <a:ext uri="{FF2B5EF4-FFF2-40B4-BE49-F238E27FC236}">
-                <a16:creationId xmlns:a16="http://schemas.microsoft.com/office/drawing/2014/main" id="{63BF1E44-C241-4649-A08E-A74F0B8C0F94}"/>
+          <p:cNvPr id="5" name="Text Placeholder 6">
+            <a:extLst>
+              <a:ext uri="{FF2B5EF4-FFF2-40B4-BE49-F238E27FC236}">
+                <a16:creationId xmlns:a16="http://schemas.microsoft.com/office/drawing/2014/main" id="{F5F4ADE3-8622-714A-B6C7-DE542EA6C243}"/>
               </a:ext>
             </a:extLst>
           </p:cNvPr>
@@ -13086,8 +7208,8 @@
         </p:nvSpPr>
         <p:spPr>
           <a:xfrm>
-            <a:off x="3143672" y="1756226"/>
-            <a:ext cx="2736305" cy="792865"/>
+            <a:off x="3239386" y="2383436"/>
+            <a:ext cx="5713228" cy="1031276"/>
           </a:xfrm>
           <a:prstGeom prst="rect">
             <a:avLst/>
@@ -13098,14 +7220,14 @@
           <a:lstStyle>
             <a:lvl1pPr marL="0" indent="0" algn="ctr">
               <a:buNone/>
-              <a:defRPr sz="4800" b="1" i="0">
+              <a:defRPr sz="4400" b="0" i="0">
                 <a:solidFill>
                   <a:schemeClr val="accent3">
                     <a:lumMod val="75000"/>
                   </a:schemeClr>
                 </a:solidFill>
-                <a:latin typeface="Roboto" pitchFamily="2" charset="0"/>
-                <a:ea typeface="Roboto" pitchFamily="2" charset="0"/>
+                <a:latin typeface="Roboto Medium" pitchFamily="2" charset="0"/>
+                <a:ea typeface="Roboto Medium" pitchFamily="2" charset="0"/>
                 <a:cs typeface="Helvetica Neue" panose="02000503000000020004" pitchFamily="2" charset="0"/>
               </a:defRPr>
             </a:lvl1pPr>
@@ -13165,19 +7287,18 @@
           <a:p>
             <a:pPr lvl="0"/>
             <a:r>
-              <a:rPr lang="en-US" altLang="zh-CN" dirty="0"/>
-              <a:t>Count</a:t>
-            </a:r>
-            <a:endParaRPr lang="en-US" dirty="0"/>
+              <a:rPr lang="en-US" dirty="0"/>
+              <a:t>POS</a:t>
+            </a:r>
           </a:p>
         </p:txBody>
       </p:sp>
       <p:sp>
         <p:nvSpPr>
-          <p:cNvPr id="29" name="Text Placeholder 6">
-            <a:extLst>
-              <a:ext uri="{FF2B5EF4-FFF2-40B4-BE49-F238E27FC236}">
-                <a16:creationId xmlns:a16="http://schemas.microsoft.com/office/drawing/2014/main" id="{46FFB427-AD5C-8049-859C-245DA3BF9341}"/>
+          <p:cNvPr id="6" name="Text Placeholder 6">
+            <a:extLst>
+              <a:ext uri="{FF2B5EF4-FFF2-40B4-BE49-F238E27FC236}">
+                <a16:creationId xmlns:a16="http://schemas.microsoft.com/office/drawing/2014/main" id="{4C56A07E-E9FC-4444-A843-AE8A2CBEFAD2}"/>
               </a:ext>
             </a:extLst>
           </p:cNvPr>
@@ -13190,8 +7311,8 @@
         </p:nvSpPr>
         <p:spPr>
           <a:xfrm>
-            <a:off x="3143672" y="2565681"/>
-            <a:ext cx="2736305" cy="450168"/>
+            <a:off x="3239386" y="3471864"/>
+            <a:ext cx="5713228" cy="560490"/>
           </a:xfrm>
           <a:prstGeom prst="rect">
             <a:avLst/>
@@ -13202,15 +7323,14 @@
           <a:lstStyle>
             <a:lvl1pPr marL="0" indent="0" algn="ctr">
               <a:buNone/>
-              <a:defRPr sz="2000" b="0" i="0">
+              <a:defRPr sz="2400" b="0" i="0">
                 <a:solidFill>
                   <a:schemeClr val="accent3">
                     <a:lumMod val="75000"/>
-                    <a:alpha val="75000"/>
-                  </a:schemeClr>
-                </a:solidFill>
-                <a:latin typeface="Roboto" pitchFamily="2" charset="0"/>
-                <a:ea typeface="Roboto" pitchFamily="2" charset="0"/>
+                  </a:schemeClr>
+                </a:solidFill>
+                <a:latin typeface="PingFang SC Light" panose="020B0300000000000000" pitchFamily="34" charset="-122"/>
+                <a:ea typeface="PingFang SC Light" panose="020B0300000000000000" pitchFamily="34" charset="-122"/>
                 <a:cs typeface="Helvetica Neue" panose="02000503000000020004" pitchFamily="2" charset="0"/>
               </a:defRPr>
             </a:lvl1pPr>
@@ -13270,702 +7390,8 @@
           <a:p>
             <a:pPr lvl="0"/>
             <a:r>
-              <a:rPr lang="en-US" altLang="zh-CN" dirty="0"/>
-              <a:t>Noun</a:t>
-            </a:r>
-            <a:endParaRPr lang="en-US" dirty="0"/>
-          </a:p>
-        </p:txBody>
-      </p:sp>
-      <p:sp>
-        <p:nvSpPr>
-          <p:cNvPr id="30" name="Text Placeholder 6">
-            <a:extLst>
-              <a:ext uri="{FF2B5EF4-FFF2-40B4-BE49-F238E27FC236}">
-                <a16:creationId xmlns:a16="http://schemas.microsoft.com/office/drawing/2014/main" id="{61D9F235-1963-FB46-98D5-8117FA918A66}"/>
-              </a:ext>
-            </a:extLst>
-          </p:cNvPr>
-          <p:cNvSpPr>
-            <a:spLocks noGrp="1"/>
-          </p:cNvSpPr>
-          <p:nvPr>
-            <p:ph type="body" sz="quarter" idx="12" hasCustomPrompt="1"/>
-          </p:nvPr>
-        </p:nvSpPr>
-        <p:spPr>
-          <a:xfrm>
-            <a:off x="6384032" y="1772816"/>
-            <a:ext cx="2736304" cy="792865"/>
-          </a:xfrm>
-          <a:prstGeom prst="rect">
-            <a:avLst/>
-          </a:prstGeom>
-        </p:spPr>
-        <p:txBody>
-          <a:bodyPr vert="horz" anchor="ctr"/>
-          <a:lstStyle>
-            <a:lvl1pPr marL="0" indent="0" algn="ctr">
-              <a:buNone/>
-              <a:defRPr sz="4800" b="1" i="0">
-                <a:solidFill>
-                  <a:schemeClr val="accent3">
-                    <a:lumMod val="75000"/>
-                  </a:schemeClr>
-                </a:solidFill>
-                <a:latin typeface="Roboto" pitchFamily="2" charset="0"/>
-                <a:ea typeface="Roboto" pitchFamily="2" charset="0"/>
-                <a:cs typeface="Helvetica Neue" panose="02000503000000020004" pitchFamily="2" charset="0"/>
-              </a:defRPr>
-            </a:lvl1pPr>
-            <a:lvl2pPr>
-              <a:defRPr>
-                <a:solidFill>
-                  <a:schemeClr val="tx1">
-                    <a:lumMod val="95000"/>
-                    <a:lumOff val="5000"/>
-                  </a:schemeClr>
-                </a:solidFill>
-                <a:latin typeface="Helvetica Neue" panose="02000503000000020004" pitchFamily="2" charset="0"/>
-                <a:ea typeface="Helvetica Neue" panose="02000503000000020004" pitchFamily="2" charset="0"/>
-                <a:cs typeface="Helvetica Neue" panose="02000503000000020004" pitchFamily="2" charset="0"/>
-              </a:defRPr>
-            </a:lvl2pPr>
-            <a:lvl3pPr>
-              <a:defRPr>
-                <a:solidFill>
-                  <a:schemeClr val="tx1">
-                    <a:lumMod val="95000"/>
-                    <a:lumOff val="5000"/>
-                  </a:schemeClr>
-                </a:solidFill>
-                <a:latin typeface="Helvetica Neue" panose="02000503000000020004" pitchFamily="2" charset="0"/>
-                <a:ea typeface="Helvetica Neue" panose="02000503000000020004" pitchFamily="2" charset="0"/>
-                <a:cs typeface="Helvetica Neue" panose="02000503000000020004" pitchFamily="2" charset="0"/>
-              </a:defRPr>
-            </a:lvl3pPr>
-            <a:lvl4pPr>
-              <a:defRPr>
-                <a:solidFill>
-                  <a:schemeClr val="tx1">
-                    <a:lumMod val="95000"/>
-                    <a:lumOff val="5000"/>
-                  </a:schemeClr>
-                </a:solidFill>
-                <a:latin typeface="Helvetica Neue" panose="02000503000000020004" pitchFamily="2" charset="0"/>
-                <a:ea typeface="Helvetica Neue" panose="02000503000000020004" pitchFamily="2" charset="0"/>
-                <a:cs typeface="Helvetica Neue" panose="02000503000000020004" pitchFamily="2" charset="0"/>
-              </a:defRPr>
-            </a:lvl4pPr>
-            <a:lvl5pPr>
-              <a:defRPr>
-                <a:solidFill>
-                  <a:schemeClr val="tx1">
-                    <a:lumMod val="95000"/>
-                    <a:lumOff val="5000"/>
-                  </a:schemeClr>
-                </a:solidFill>
-                <a:latin typeface="Helvetica Neue" panose="02000503000000020004" pitchFamily="2" charset="0"/>
-                <a:ea typeface="Helvetica Neue" panose="02000503000000020004" pitchFamily="2" charset="0"/>
-                <a:cs typeface="Helvetica Neue" panose="02000503000000020004" pitchFamily="2" charset="0"/>
-              </a:defRPr>
-            </a:lvl5pPr>
-          </a:lstStyle>
-          <a:p>
-            <a:pPr lvl="0"/>
-            <a:r>
-              <a:rPr lang="en-US" altLang="zh-CN" dirty="0"/>
-              <a:t>Count</a:t>
-            </a:r>
-            <a:endParaRPr lang="en-US" dirty="0"/>
-          </a:p>
-        </p:txBody>
-      </p:sp>
-      <p:sp>
-        <p:nvSpPr>
-          <p:cNvPr id="31" name="Text Placeholder 6">
-            <a:extLst>
-              <a:ext uri="{FF2B5EF4-FFF2-40B4-BE49-F238E27FC236}">
-                <a16:creationId xmlns:a16="http://schemas.microsoft.com/office/drawing/2014/main" id="{A46AEF7F-5E3F-784D-A3AB-229EC07D6FB6}"/>
-              </a:ext>
-            </a:extLst>
-          </p:cNvPr>
-          <p:cNvSpPr>
-            <a:spLocks noGrp="1"/>
-          </p:cNvSpPr>
-          <p:nvPr>
-            <p:ph type="body" sz="quarter" idx="13" hasCustomPrompt="1"/>
-          </p:nvPr>
-        </p:nvSpPr>
-        <p:spPr>
-          <a:xfrm>
-            <a:off x="6384032" y="2572253"/>
-            <a:ext cx="2736304" cy="450168"/>
-          </a:xfrm>
-          <a:prstGeom prst="rect">
-            <a:avLst/>
-          </a:prstGeom>
-        </p:spPr>
-        <p:txBody>
-          <a:bodyPr vert="horz" anchor="ctr"/>
-          <a:lstStyle>
-            <a:lvl1pPr marL="0" indent="0" algn="ctr">
-              <a:buNone/>
-              <a:defRPr sz="2000" b="0" i="0">
-                <a:solidFill>
-                  <a:schemeClr val="accent3">
-                    <a:lumMod val="75000"/>
-                    <a:alpha val="75000"/>
-                  </a:schemeClr>
-                </a:solidFill>
-                <a:latin typeface="Roboto" pitchFamily="2" charset="0"/>
-                <a:ea typeface="Roboto" pitchFamily="2" charset="0"/>
-                <a:cs typeface="Helvetica Neue" panose="02000503000000020004" pitchFamily="2" charset="0"/>
-              </a:defRPr>
-            </a:lvl1pPr>
-            <a:lvl2pPr>
-              <a:defRPr>
-                <a:solidFill>
-                  <a:schemeClr val="tx1">
-                    <a:lumMod val="95000"/>
-                    <a:lumOff val="5000"/>
-                  </a:schemeClr>
-                </a:solidFill>
-                <a:latin typeface="Helvetica Neue" panose="02000503000000020004" pitchFamily="2" charset="0"/>
-                <a:ea typeface="Helvetica Neue" panose="02000503000000020004" pitchFamily="2" charset="0"/>
-                <a:cs typeface="Helvetica Neue" panose="02000503000000020004" pitchFamily="2" charset="0"/>
-              </a:defRPr>
-            </a:lvl2pPr>
-            <a:lvl3pPr>
-              <a:defRPr>
-                <a:solidFill>
-                  <a:schemeClr val="tx1">
-                    <a:lumMod val="95000"/>
-                    <a:lumOff val="5000"/>
-                  </a:schemeClr>
-                </a:solidFill>
-                <a:latin typeface="Helvetica Neue" panose="02000503000000020004" pitchFamily="2" charset="0"/>
-                <a:ea typeface="Helvetica Neue" panose="02000503000000020004" pitchFamily="2" charset="0"/>
-                <a:cs typeface="Helvetica Neue" panose="02000503000000020004" pitchFamily="2" charset="0"/>
-              </a:defRPr>
-            </a:lvl3pPr>
-            <a:lvl4pPr>
-              <a:defRPr>
-                <a:solidFill>
-                  <a:schemeClr val="tx1">
-                    <a:lumMod val="95000"/>
-                    <a:lumOff val="5000"/>
-                  </a:schemeClr>
-                </a:solidFill>
-                <a:latin typeface="Helvetica Neue" panose="02000503000000020004" pitchFamily="2" charset="0"/>
-                <a:ea typeface="Helvetica Neue" panose="02000503000000020004" pitchFamily="2" charset="0"/>
-                <a:cs typeface="Helvetica Neue" panose="02000503000000020004" pitchFamily="2" charset="0"/>
-              </a:defRPr>
-            </a:lvl4pPr>
-            <a:lvl5pPr>
-              <a:defRPr>
-                <a:solidFill>
-                  <a:schemeClr val="tx1">
-                    <a:lumMod val="95000"/>
-                    <a:lumOff val="5000"/>
-                  </a:schemeClr>
-                </a:solidFill>
-                <a:latin typeface="Helvetica Neue" panose="02000503000000020004" pitchFamily="2" charset="0"/>
-                <a:ea typeface="Helvetica Neue" panose="02000503000000020004" pitchFamily="2" charset="0"/>
-                <a:cs typeface="Helvetica Neue" panose="02000503000000020004" pitchFamily="2" charset="0"/>
-              </a:defRPr>
-            </a:lvl5pPr>
-          </a:lstStyle>
-          <a:p>
-            <a:pPr lvl="0"/>
-            <a:r>
-              <a:rPr lang="en-US" altLang="zh-CN" dirty="0"/>
-              <a:t>Adjective</a:t>
-            </a:r>
-            <a:endParaRPr lang="en-US" dirty="0"/>
-          </a:p>
-        </p:txBody>
-      </p:sp>
-      <p:sp>
-        <p:nvSpPr>
-          <p:cNvPr id="32" name="Text Placeholder 6">
-            <a:extLst>
-              <a:ext uri="{FF2B5EF4-FFF2-40B4-BE49-F238E27FC236}">
-                <a16:creationId xmlns:a16="http://schemas.microsoft.com/office/drawing/2014/main" id="{F19CD6CB-4A0E-854D-9CF0-B57DC1E2F82A}"/>
-              </a:ext>
-            </a:extLst>
-          </p:cNvPr>
-          <p:cNvSpPr>
-            <a:spLocks noGrp="1"/>
-          </p:cNvSpPr>
-          <p:nvPr>
-            <p:ph type="body" sz="quarter" idx="14" hasCustomPrompt="1"/>
-          </p:nvPr>
-        </p:nvSpPr>
-        <p:spPr>
-          <a:xfrm>
-            <a:off x="4511824" y="3772941"/>
-            <a:ext cx="2736305" cy="750725"/>
-          </a:xfrm>
-          <a:prstGeom prst="rect">
-            <a:avLst/>
-          </a:prstGeom>
-        </p:spPr>
-        <p:txBody>
-          <a:bodyPr vert="horz" anchor="ctr"/>
-          <a:lstStyle>
-            <a:lvl1pPr marL="0" indent="0" algn="ctr">
-              <a:buNone/>
-              <a:defRPr sz="4800" b="1" i="0">
-                <a:solidFill>
-                  <a:schemeClr val="accent3">
-                    <a:lumMod val="75000"/>
-                  </a:schemeClr>
-                </a:solidFill>
-                <a:latin typeface="Roboto" pitchFamily="2" charset="0"/>
-                <a:ea typeface="Roboto" pitchFamily="2" charset="0"/>
-                <a:cs typeface="Helvetica Neue" panose="02000503000000020004" pitchFamily="2" charset="0"/>
-              </a:defRPr>
-            </a:lvl1pPr>
-            <a:lvl2pPr>
-              <a:defRPr>
-                <a:solidFill>
-                  <a:schemeClr val="tx1">
-                    <a:lumMod val="95000"/>
-                    <a:lumOff val="5000"/>
-                  </a:schemeClr>
-                </a:solidFill>
-                <a:latin typeface="Helvetica Neue" panose="02000503000000020004" pitchFamily="2" charset="0"/>
-                <a:ea typeface="Helvetica Neue" panose="02000503000000020004" pitchFamily="2" charset="0"/>
-                <a:cs typeface="Helvetica Neue" panose="02000503000000020004" pitchFamily="2" charset="0"/>
-              </a:defRPr>
-            </a:lvl2pPr>
-            <a:lvl3pPr>
-              <a:defRPr>
-                <a:solidFill>
-                  <a:schemeClr val="tx1">
-                    <a:lumMod val="95000"/>
-                    <a:lumOff val="5000"/>
-                  </a:schemeClr>
-                </a:solidFill>
-                <a:latin typeface="Helvetica Neue" panose="02000503000000020004" pitchFamily="2" charset="0"/>
-                <a:ea typeface="Helvetica Neue" panose="02000503000000020004" pitchFamily="2" charset="0"/>
-                <a:cs typeface="Helvetica Neue" panose="02000503000000020004" pitchFamily="2" charset="0"/>
-              </a:defRPr>
-            </a:lvl3pPr>
-            <a:lvl4pPr>
-              <a:defRPr>
-                <a:solidFill>
-                  <a:schemeClr val="tx1">
-                    <a:lumMod val="95000"/>
-                    <a:lumOff val="5000"/>
-                  </a:schemeClr>
-                </a:solidFill>
-                <a:latin typeface="Helvetica Neue" panose="02000503000000020004" pitchFamily="2" charset="0"/>
-                <a:ea typeface="Helvetica Neue" panose="02000503000000020004" pitchFamily="2" charset="0"/>
-                <a:cs typeface="Helvetica Neue" panose="02000503000000020004" pitchFamily="2" charset="0"/>
-              </a:defRPr>
-            </a:lvl4pPr>
-            <a:lvl5pPr>
-              <a:defRPr>
-                <a:solidFill>
-                  <a:schemeClr val="tx1">
-                    <a:lumMod val="95000"/>
-                    <a:lumOff val="5000"/>
-                  </a:schemeClr>
-                </a:solidFill>
-                <a:latin typeface="Helvetica Neue" panose="02000503000000020004" pitchFamily="2" charset="0"/>
-                <a:ea typeface="Helvetica Neue" panose="02000503000000020004" pitchFamily="2" charset="0"/>
-                <a:cs typeface="Helvetica Neue" panose="02000503000000020004" pitchFamily="2" charset="0"/>
-              </a:defRPr>
-            </a:lvl5pPr>
-          </a:lstStyle>
-          <a:p>
-            <a:pPr lvl="0"/>
-            <a:r>
-              <a:rPr lang="en-US" altLang="zh-CN" dirty="0"/>
-              <a:t>Count</a:t>
-            </a:r>
-            <a:endParaRPr lang="en-US" dirty="0"/>
-          </a:p>
-        </p:txBody>
-      </p:sp>
-      <p:sp>
-        <p:nvSpPr>
-          <p:cNvPr id="33" name="Text Placeholder 6">
-            <a:extLst>
-              <a:ext uri="{FF2B5EF4-FFF2-40B4-BE49-F238E27FC236}">
-                <a16:creationId xmlns:a16="http://schemas.microsoft.com/office/drawing/2014/main" id="{2D308670-0A9E-E04E-AAED-1888BAAC0AB4}"/>
-              </a:ext>
-            </a:extLst>
-          </p:cNvPr>
-          <p:cNvSpPr>
-            <a:spLocks noGrp="1"/>
-          </p:cNvSpPr>
-          <p:nvPr>
-            <p:ph type="body" sz="quarter" idx="15" hasCustomPrompt="1"/>
-          </p:nvPr>
-        </p:nvSpPr>
-        <p:spPr>
-          <a:xfrm>
-            <a:off x="4511824" y="4530212"/>
-            <a:ext cx="2736305" cy="486568"/>
-          </a:xfrm>
-          <a:prstGeom prst="rect">
-            <a:avLst/>
-          </a:prstGeom>
-        </p:spPr>
-        <p:txBody>
-          <a:bodyPr vert="horz" anchor="ctr"/>
-          <a:lstStyle>
-            <a:lvl1pPr marL="0" indent="0" algn="ctr">
-              <a:buNone/>
-              <a:defRPr sz="2000" b="0" i="0">
-                <a:solidFill>
-                  <a:schemeClr val="accent3">
-                    <a:lumMod val="75000"/>
-                    <a:alpha val="75000"/>
-                  </a:schemeClr>
-                </a:solidFill>
-                <a:latin typeface="Roboto" pitchFamily="2" charset="0"/>
-                <a:ea typeface="Roboto" pitchFamily="2" charset="0"/>
-                <a:cs typeface="Helvetica Neue" panose="02000503000000020004" pitchFamily="2" charset="0"/>
-              </a:defRPr>
-            </a:lvl1pPr>
-            <a:lvl2pPr>
-              <a:defRPr>
-                <a:solidFill>
-                  <a:schemeClr val="tx1">
-                    <a:lumMod val="95000"/>
-                    <a:lumOff val="5000"/>
-                  </a:schemeClr>
-                </a:solidFill>
-                <a:latin typeface="Helvetica Neue" panose="02000503000000020004" pitchFamily="2" charset="0"/>
-                <a:ea typeface="Helvetica Neue" panose="02000503000000020004" pitchFamily="2" charset="0"/>
-                <a:cs typeface="Helvetica Neue" panose="02000503000000020004" pitchFamily="2" charset="0"/>
-              </a:defRPr>
-            </a:lvl2pPr>
-            <a:lvl3pPr>
-              <a:defRPr>
-                <a:solidFill>
-                  <a:schemeClr val="tx1">
-                    <a:lumMod val="95000"/>
-                    <a:lumOff val="5000"/>
-                  </a:schemeClr>
-                </a:solidFill>
-                <a:latin typeface="Helvetica Neue" panose="02000503000000020004" pitchFamily="2" charset="0"/>
-                <a:ea typeface="Helvetica Neue" panose="02000503000000020004" pitchFamily="2" charset="0"/>
-                <a:cs typeface="Helvetica Neue" panose="02000503000000020004" pitchFamily="2" charset="0"/>
-              </a:defRPr>
-            </a:lvl3pPr>
-            <a:lvl4pPr>
-              <a:defRPr>
-                <a:solidFill>
-                  <a:schemeClr val="tx1">
-                    <a:lumMod val="95000"/>
-                    <a:lumOff val="5000"/>
-                  </a:schemeClr>
-                </a:solidFill>
-                <a:latin typeface="Helvetica Neue" panose="02000503000000020004" pitchFamily="2" charset="0"/>
-                <a:ea typeface="Helvetica Neue" panose="02000503000000020004" pitchFamily="2" charset="0"/>
-                <a:cs typeface="Helvetica Neue" panose="02000503000000020004" pitchFamily="2" charset="0"/>
-              </a:defRPr>
-            </a:lvl4pPr>
-            <a:lvl5pPr>
-              <a:defRPr>
-                <a:solidFill>
-                  <a:schemeClr val="tx1">
-                    <a:lumMod val="95000"/>
-                    <a:lumOff val="5000"/>
-                  </a:schemeClr>
-                </a:solidFill>
-                <a:latin typeface="Helvetica Neue" panose="02000503000000020004" pitchFamily="2" charset="0"/>
-                <a:ea typeface="Helvetica Neue" panose="02000503000000020004" pitchFamily="2" charset="0"/>
-                <a:cs typeface="Helvetica Neue" panose="02000503000000020004" pitchFamily="2" charset="0"/>
-              </a:defRPr>
-            </a:lvl5pPr>
-          </a:lstStyle>
-          <a:p>
-            <a:pPr lvl="0"/>
-            <a:r>
-              <a:rPr lang="en-US" altLang="zh-CN" dirty="0"/>
-              <a:t>Verb</a:t>
-            </a:r>
-            <a:endParaRPr lang="en-US" dirty="0"/>
-          </a:p>
-        </p:txBody>
-      </p:sp>
-    </p:spTree>
-    <p:extLst>
-      <p:ext uri="{BB962C8B-B14F-4D97-AF65-F5344CB8AC3E}">
-        <p14:creationId xmlns:p14="http://schemas.microsoft.com/office/powerpoint/2010/main" val="1998541340"/>
-      </p:ext>
-    </p:extLst>
-  </p:cSld>
-  <p:clrMapOvr>
-    <a:masterClrMapping/>
-  </p:clrMapOvr>
-</p:sldLayout>
-</file>
-
-<file path=ppt/slideLayouts/slideLayout4.xml><?xml version="1.0" encoding="utf-8"?>
-<p:sldLayout xmlns:a="http://schemas.openxmlformats.org/drawingml/2006/main" xmlns:r="http://schemas.openxmlformats.org/officeDocument/2006/relationships" xmlns:p="http://schemas.openxmlformats.org/presentationml/2006/main" preserve="1" userDrawn="1">
-  <p:cSld name="Title for noun">
-    <p:bg>
-      <p:bgPr>
-        <a:solidFill>
-          <a:schemeClr val="bg1"/>
-        </a:solidFill>
-        <a:effectLst/>
-      </p:bgPr>
-    </p:bg>
-    <p:spTree>
-      <p:nvGrpSpPr>
-        <p:cNvPr id="1" name=""/>
-        <p:cNvGrpSpPr/>
-        <p:nvPr/>
-      </p:nvGrpSpPr>
-      <p:grpSpPr>
-        <a:xfrm>
-          <a:off x="0" y="0"/>
-          <a:ext cx="0" cy="0"/>
-          <a:chOff x="0" y="0"/>
-          <a:chExt cx="0" cy="0"/>
-        </a:xfrm>
-      </p:grpSpPr>
-      <p:pic>
-        <p:nvPicPr>
-          <p:cNvPr id="3" name="Picture 2">
-            <a:extLst>
-              <a:ext uri="{FF2B5EF4-FFF2-40B4-BE49-F238E27FC236}">
-                <a16:creationId xmlns:a16="http://schemas.microsoft.com/office/drawing/2014/main" id="{839332BA-0FD2-594D-BDF6-09817D71D2BF}"/>
-              </a:ext>
-            </a:extLst>
-          </p:cNvPr>
-          <p:cNvPicPr>
-            <a:picLocks noChangeAspect="1"/>
-          </p:cNvPicPr>
-          <p:nvPr userDrawn="1"/>
-        </p:nvPicPr>
-        <p:blipFill>
-          <a:blip r:embed="rId2"/>
-          <a:stretch>
-            <a:fillRect/>
-          </a:stretch>
-        </p:blipFill>
-        <p:spPr>
-          <a:xfrm>
-            <a:off x="-1" y="0"/>
-            <a:ext cx="12198927" cy="6858000"/>
-          </a:xfrm>
-          <a:prstGeom prst="rect">
-            <a:avLst/>
-          </a:prstGeom>
-        </p:spPr>
-      </p:pic>
-      <p:sp>
-        <p:nvSpPr>
-          <p:cNvPr id="5" name="Text Placeholder 6">
-            <a:extLst>
-              <a:ext uri="{FF2B5EF4-FFF2-40B4-BE49-F238E27FC236}">
-                <a16:creationId xmlns:a16="http://schemas.microsoft.com/office/drawing/2014/main" id="{F5F4ADE3-8622-714A-B6C7-DE542EA6C243}"/>
-              </a:ext>
-            </a:extLst>
-          </p:cNvPr>
-          <p:cNvSpPr>
-            <a:spLocks noGrp="1"/>
-          </p:cNvSpPr>
-          <p:nvPr>
-            <p:ph type="body" sz="quarter" idx="10" hasCustomPrompt="1"/>
-          </p:nvPr>
-        </p:nvSpPr>
-        <p:spPr>
-          <a:xfrm>
-            <a:off x="3239386" y="2383436"/>
-            <a:ext cx="5713228" cy="1031276"/>
-          </a:xfrm>
-          <a:prstGeom prst="rect">
-            <a:avLst/>
-          </a:prstGeom>
-        </p:spPr>
-        <p:txBody>
-          <a:bodyPr vert="horz" anchor="ctr"/>
-          <a:lstStyle>
-            <a:lvl1pPr marL="0" indent="0" algn="ctr">
-              <a:buNone/>
-              <a:defRPr sz="4400" b="0" i="0">
-                <a:solidFill>
-                  <a:schemeClr val="accent3">
-                    <a:lumMod val="75000"/>
-                  </a:schemeClr>
-                </a:solidFill>
-                <a:latin typeface="Roboto Medium" pitchFamily="2" charset="0"/>
-                <a:ea typeface="Roboto Medium" pitchFamily="2" charset="0"/>
-                <a:cs typeface="Helvetica Neue" panose="02000503000000020004" pitchFamily="2" charset="0"/>
-              </a:defRPr>
-            </a:lvl1pPr>
-            <a:lvl2pPr>
-              <a:defRPr>
-                <a:solidFill>
-                  <a:schemeClr val="tx1">
-                    <a:lumMod val="95000"/>
-                    <a:lumOff val="5000"/>
-                  </a:schemeClr>
-                </a:solidFill>
-                <a:latin typeface="Helvetica Neue" panose="02000503000000020004" pitchFamily="2" charset="0"/>
-                <a:ea typeface="Helvetica Neue" panose="02000503000000020004" pitchFamily="2" charset="0"/>
-                <a:cs typeface="Helvetica Neue" panose="02000503000000020004" pitchFamily="2" charset="0"/>
-              </a:defRPr>
-            </a:lvl2pPr>
-            <a:lvl3pPr>
-              <a:defRPr>
-                <a:solidFill>
-                  <a:schemeClr val="tx1">
-                    <a:lumMod val="95000"/>
-                    <a:lumOff val="5000"/>
-                  </a:schemeClr>
-                </a:solidFill>
-                <a:latin typeface="Helvetica Neue" panose="02000503000000020004" pitchFamily="2" charset="0"/>
-                <a:ea typeface="Helvetica Neue" panose="02000503000000020004" pitchFamily="2" charset="0"/>
-                <a:cs typeface="Helvetica Neue" panose="02000503000000020004" pitchFamily="2" charset="0"/>
-              </a:defRPr>
-            </a:lvl3pPr>
-            <a:lvl4pPr>
-              <a:defRPr>
-                <a:solidFill>
-                  <a:schemeClr val="tx1">
-                    <a:lumMod val="95000"/>
-                    <a:lumOff val="5000"/>
-                  </a:schemeClr>
-                </a:solidFill>
-                <a:latin typeface="Helvetica Neue" panose="02000503000000020004" pitchFamily="2" charset="0"/>
-                <a:ea typeface="Helvetica Neue" panose="02000503000000020004" pitchFamily="2" charset="0"/>
-                <a:cs typeface="Helvetica Neue" panose="02000503000000020004" pitchFamily="2" charset="0"/>
-              </a:defRPr>
-            </a:lvl4pPr>
-            <a:lvl5pPr>
-              <a:defRPr>
-                <a:solidFill>
-                  <a:schemeClr val="tx1">
-                    <a:lumMod val="95000"/>
-                    <a:lumOff val="5000"/>
-                  </a:schemeClr>
-                </a:solidFill>
-                <a:latin typeface="Helvetica Neue" panose="02000503000000020004" pitchFamily="2" charset="0"/>
-                <a:ea typeface="Helvetica Neue" panose="02000503000000020004" pitchFamily="2" charset="0"/>
-                <a:cs typeface="Helvetica Neue" panose="02000503000000020004" pitchFamily="2" charset="0"/>
-              </a:defRPr>
-            </a:lvl5pPr>
-          </a:lstStyle>
-          <a:p>
-            <a:pPr lvl="0"/>
-            <a:r>
-              <a:rPr lang="en-US" altLang="zh-CN" dirty="0"/>
-              <a:t>Noun</a:t>
-            </a:r>
-            <a:endParaRPr lang="en-US" dirty="0"/>
-          </a:p>
-        </p:txBody>
-      </p:sp>
-      <p:sp>
-        <p:nvSpPr>
-          <p:cNvPr id="6" name="Text Placeholder 6">
-            <a:extLst>
-              <a:ext uri="{FF2B5EF4-FFF2-40B4-BE49-F238E27FC236}">
-                <a16:creationId xmlns:a16="http://schemas.microsoft.com/office/drawing/2014/main" id="{4C56A07E-E9FC-4444-A843-AE8A2CBEFAD2}"/>
-              </a:ext>
-            </a:extLst>
-          </p:cNvPr>
-          <p:cNvSpPr>
-            <a:spLocks noGrp="1"/>
-          </p:cNvSpPr>
-          <p:nvPr>
-            <p:ph type="body" sz="quarter" idx="11" hasCustomPrompt="1"/>
-          </p:nvPr>
-        </p:nvSpPr>
-        <p:spPr>
-          <a:xfrm>
-            <a:off x="3239386" y="3471864"/>
-            <a:ext cx="5713228" cy="560490"/>
-          </a:xfrm>
-          <a:prstGeom prst="rect">
-            <a:avLst/>
-          </a:prstGeom>
-        </p:spPr>
-        <p:txBody>
-          <a:bodyPr vert="horz" anchor="ctr"/>
-          <a:lstStyle>
-            <a:lvl1pPr marL="0" indent="0" algn="ctr">
-              <a:buNone/>
-              <a:defRPr sz="2400" b="0" i="0">
-                <a:solidFill>
-                  <a:schemeClr val="accent3">
-                    <a:lumMod val="75000"/>
-                  </a:schemeClr>
-                </a:solidFill>
-                <a:latin typeface="PingFang SC Light" panose="020B0300000000000000" pitchFamily="34" charset="-122"/>
-                <a:ea typeface="PingFang SC Light" panose="020B0300000000000000" pitchFamily="34" charset="-122"/>
-                <a:cs typeface="Helvetica Neue" panose="02000503000000020004" pitchFamily="2" charset="0"/>
-              </a:defRPr>
-            </a:lvl1pPr>
-            <a:lvl2pPr>
-              <a:defRPr>
-                <a:solidFill>
-                  <a:schemeClr val="tx1">
-                    <a:lumMod val="95000"/>
-                    <a:lumOff val="5000"/>
-                  </a:schemeClr>
-                </a:solidFill>
-                <a:latin typeface="Helvetica Neue" panose="02000503000000020004" pitchFamily="2" charset="0"/>
-                <a:ea typeface="Helvetica Neue" panose="02000503000000020004" pitchFamily="2" charset="0"/>
-                <a:cs typeface="Helvetica Neue" panose="02000503000000020004" pitchFamily="2" charset="0"/>
-              </a:defRPr>
-            </a:lvl2pPr>
-            <a:lvl3pPr>
-              <a:defRPr>
-                <a:solidFill>
-                  <a:schemeClr val="tx1">
-                    <a:lumMod val="95000"/>
-                    <a:lumOff val="5000"/>
-                  </a:schemeClr>
-                </a:solidFill>
-                <a:latin typeface="Helvetica Neue" panose="02000503000000020004" pitchFamily="2" charset="0"/>
-                <a:ea typeface="Helvetica Neue" panose="02000503000000020004" pitchFamily="2" charset="0"/>
-                <a:cs typeface="Helvetica Neue" panose="02000503000000020004" pitchFamily="2" charset="0"/>
-              </a:defRPr>
-            </a:lvl3pPr>
-            <a:lvl4pPr>
-              <a:defRPr>
-                <a:solidFill>
-                  <a:schemeClr val="tx1">
-                    <a:lumMod val="95000"/>
-                    <a:lumOff val="5000"/>
-                  </a:schemeClr>
-                </a:solidFill>
-                <a:latin typeface="Helvetica Neue" panose="02000503000000020004" pitchFamily="2" charset="0"/>
-                <a:ea typeface="Helvetica Neue" panose="02000503000000020004" pitchFamily="2" charset="0"/>
-                <a:cs typeface="Helvetica Neue" panose="02000503000000020004" pitchFamily="2" charset="0"/>
-              </a:defRPr>
-            </a:lvl4pPr>
-            <a:lvl5pPr>
-              <a:defRPr>
-                <a:solidFill>
-                  <a:schemeClr val="tx1">
-                    <a:lumMod val="95000"/>
-                    <a:lumOff val="5000"/>
-                  </a:schemeClr>
-                </a:solidFill>
-                <a:latin typeface="Helvetica Neue" panose="02000503000000020004" pitchFamily="2" charset="0"/>
-                <a:ea typeface="Helvetica Neue" panose="02000503000000020004" pitchFamily="2" charset="0"/>
-                <a:cs typeface="Helvetica Neue" panose="02000503000000020004" pitchFamily="2" charset="0"/>
-              </a:defRPr>
-            </a:lvl5pPr>
-          </a:lstStyle>
-          <a:p>
-            <a:pPr lvl="0"/>
-            <a:r>
               <a:rPr lang="zh-CN" altLang="en-US" dirty="0"/>
-              <a:t>名词</a:t>
+              <a:t>词性</a:t>
             </a:r>
             <a:endParaRPr lang="en-US" dirty="0"/>
           </a:p>
@@ -13986,7 +7412,7 @@
 
 <file path=ppt/slideLayouts/slideLayout5.xml><?xml version="1.0" encoding="utf-8"?>
 <p:sldLayout xmlns:a="http://schemas.openxmlformats.org/drawingml/2006/main" xmlns:r="http://schemas.openxmlformats.org/officeDocument/2006/relationships" xmlns:p="http://schemas.openxmlformats.org/presentationml/2006/main" preserve="1" userDrawn="1">
-  <p:cSld name="Default noun">
+  <p:cSld name="Default">
     <p:bg>
       <p:bgPr>
         <a:solidFill>
@@ -14053,8 +7479,8 @@
         </p:nvSpPr>
         <p:spPr>
           <a:xfrm>
-            <a:off x="5758959" y="1062902"/>
-            <a:ext cx="669600" cy="324000"/>
+            <a:off x="5711455" y="1062226"/>
+            <a:ext cx="769089" cy="324000"/>
           </a:xfrm>
           <a:prstGeom prst="roundRect">
             <a:avLst>
@@ -14124,8 +7550,8 @@
         </p:nvSpPr>
         <p:spPr>
           <a:xfrm>
-            <a:off x="5758959" y="1052736"/>
-            <a:ext cx="669600" cy="324000"/>
+            <a:off x="5711456" y="1062226"/>
+            <a:ext cx="769088" cy="324000"/>
           </a:xfrm>
           <a:prstGeom prst="rect">
             <a:avLst/>
@@ -14179,7 +7605,7 @@
             <a:pPr lvl="0"/>
             <a:r>
               <a:rPr lang="en-US" altLang="zh-CN" dirty="0"/>
-              <a:t>n</a:t>
+              <a:t>pos</a:t>
             </a:r>
             <a:r>
               <a:rPr lang="en-JP" dirty="0"/>
@@ -14261,7 +7687,7 @@
             <a:pPr lvl="0"/>
             <a:r>
               <a:rPr lang="en-US" altLang="zh-CN" dirty="0"/>
-              <a:t>noun</a:t>
+              <a:t>word</a:t>
             </a:r>
             <a:endParaRPr lang="en-JP" dirty="0"/>
           </a:p>
@@ -14420,7 +7846,7 @@
 
 <file path=ppt/slideLayouts/slideLayout6.xml><?xml version="1.0" encoding="utf-8"?>
 <p:sldLayout xmlns:a="http://schemas.openxmlformats.org/drawingml/2006/main" xmlns:r="http://schemas.openxmlformats.org/officeDocument/2006/relationships" xmlns:p="http://schemas.openxmlformats.org/presentationml/2006/main" preserve="1" userDrawn="1">
-  <p:cSld name="Noun with examples">
+  <p:cSld name="Default with examples">
     <p:bg>
       <p:bgPr>
         <a:solidFill>
@@ -14659,7 +8085,7 @@
             <a:pPr lvl="0"/>
             <a:r>
               <a:rPr lang="en-US" altLang="zh-CN" dirty="0"/>
-              <a:t>n</a:t>
+              <a:t>pos</a:t>
             </a:r>
             <a:r>
               <a:rPr lang="en-JP" dirty="0"/>
@@ -14741,7 +8167,7 @@
             <a:pPr lvl="0"/>
             <a:r>
               <a:rPr lang="en-US" altLang="zh-CN" dirty="0"/>
-              <a:t>noun</a:t>
+              <a:t>word</a:t>
             </a:r>
             <a:endParaRPr lang="en-JP" dirty="0"/>
           </a:p>
@@ -15673,7 +9099,7 @@
 
 <file path=ppt/slideLayouts/slideLayout7.xml><?xml version="1.0" encoding="utf-8"?>
 <p:sldLayout xmlns:a="http://schemas.openxmlformats.org/drawingml/2006/main" xmlns:r="http://schemas.openxmlformats.org/officeDocument/2006/relationships" xmlns:p="http://schemas.openxmlformats.org/presentationml/2006/main" preserve="1" userDrawn="1">
-  <p:cSld name="Noun with extension">
+  <p:cSld name="Noun with extension A">
     <p:bg>
       <p:bgPr>
         <a:solidFill>
@@ -16067,12 +9493,8 @@
           <a:p>
             <a:pPr lvl="0"/>
             <a:r>
-              <a:rPr lang="en-JP" dirty="0"/>
-              <a:t>n. </a:t>
-            </a:r>
-            <a:r>
-              <a:rPr lang="zh-CN" altLang="en-US" dirty="0"/>
-              <a:t>说明</a:t>
+              <a:rPr lang="en-US" altLang="zh-CN" dirty="0"/>
+              <a:t>n.</a:t>
             </a:r>
             <a:endParaRPr lang="en-JP" dirty="0"/>
           </a:p>
@@ -16150,9 +9572,10 @@
           <a:p>
             <a:pPr lvl="0"/>
             <a:r>
-              <a:rPr lang="en-JP" dirty="0"/>
+              <a:rPr lang="en-US" altLang="zh-CN" dirty="0"/>
               <a:t>noun</a:t>
             </a:r>
+            <a:endParaRPr lang="en-JP" dirty="0"/>
           </a:p>
         </p:txBody>
       </p:sp>
@@ -16476,7 +9899,7 @@
 
 <file path=ppt/slideLayouts/slideLayout8.xml><?xml version="1.0" encoding="utf-8"?>
 <p:sldLayout xmlns:a="http://schemas.openxmlformats.org/drawingml/2006/main" xmlns:r="http://schemas.openxmlformats.org/officeDocument/2006/relationships" xmlns:p="http://schemas.openxmlformats.org/presentationml/2006/main" preserve="1" userDrawn="1">
-  <p:cSld name="Noun with extension and examples">
+  <p:cSld name="Noun with extension B">
     <p:bg>
       <p:bgPr>
         <a:solidFill>
@@ -17928,7 +11351,7 @@
 
 <file path=ppt/slideLayouts/slideLayout9.xml><?xml version="1.0" encoding="utf-8"?>
 <p:sldLayout xmlns:a="http://schemas.openxmlformats.org/drawingml/2006/main" xmlns:r="http://schemas.openxmlformats.org/officeDocument/2006/relationships" xmlns:p="http://schemas.openxmlformats.org/presentationml/2006/main" preserve="1" userDrawn="1">
-  <p:cSld name="Title for adj">
+  <p:cSld name="Adj with extension A">
     <p:bg>
       <p:bgPr>
         <a:solidFill>
@@ -17953,10 +11376,10 @@
       </p:grpSpPr>
       <p:pic>
         <p:nvPicPr>
-          <p:cNvPr id="8" name="Picture 7">
-            <a:extLst>
-              <a:ext uri="{FF2B5EF4-FFF2-40B4-BE49-F238E27FC236}">
-                <a16:creationId xmlns:a16="http://schemas.microsoft.com/office/drawing/2014/main" id="{352708E5-36E6-A745-BAD7-9E740C5D2CB6}"/>
+          <p:cNvPr id="20" name="Picture 19">
+            <a:extLst>
+              <a:ext uri="{FF2B5EF4-FFF2-40B4-BE49-F238E27FC236}">
+                <a16:creationId xmlns:a16="http://schemas.microsoft.com/office/drawing/2014/main" id="{64CE1A7C-CAD8-744A-811C-8777A474C7EE}"/>
               </a:ext>
             </a:extLst>
           </p:cNvPr>
@@ -17974,7 +11397,7 @@
         <p:spPr>
           <a:xfrm>
             <a:off x="-1" y="0"/>
-            <a:ext cx="12198927" cy="6858000"/>
+            <a:ext cx="12221225" cy="6870536"/>
           </a:xfrm>
           <a:prstGeom prst="rect">
             <a:avLst/>
@@ -17983,10 +11406,279 @@
       </p:pic>
       <p:sp>
         <p:nvSpPr>
-          <p:cNvPr id="5" name="Text Placeholder 6">
-            <a:extLst>
-              <a:ext uri="{FF2B5EF4-FFF2-40B4-BE49-F238E27FC236}">
-                <a16:creationId xmlns:a16="http://schemas.microsoft.com/office/drawing/2014/main" id="{F5F4ADE3-8622-714A-B6C7-DE542EA6C243}"/>
+          <p:cNvPr id="25" name="Rounded Rectangle 24">
+            <a:extLst>
+              <a:ext uri="{FF2B5EF4-FFF2-40B4-BE49-F238E27FC236}">
+                <a16:creationId xmlns:a16="http://schemas.microsoft.com/office/drawing/2014/main" id="{BF240552-C9E5-5E4F-AAB2-8E2982F9FD3C}"/>
+              </a:ext>
+            </a:extLst>
+          </p:cNvPr>
+          <p:cNvSpPr/>
+          <p:nvPr userDrawn="1"/>
+        </p:nvSpPr>
+        <p:spPr>
+          <a:xfrm>
+            <a:off x="4584200" y="993858"/>
+            <a:ext cx="1080000" cy="324000"/>
+          </a:xfrm>
+          <a:prstGeom prst="roundRect">
+            <a:avLst>
+              <a:gd name="adj" fmla="val 50000"/>
+            </a:avLst>
+          </a:prstGeom>
+          <a:solidFill>
+            <a:schemeClr val="bg1"/>
+          </a:solidFill>
+          <a:ln>
+            <a:solidFill>
+              <a:schemeClr val="bg1">
+                <a:lumMod val="95000"/>
+              </a:schemeClr>
+            </a:solidFill>
+          </a:ln>
+        </p:spPr>
+        <p:style>
+          <a:lnRef idx="2">
+            <a:schemeClr val="accent1">
+              <a:shade val="50000"/>
+            </a:schemeClr>
+          </a:lnRef>
+          <a:fillRef idx="1">
+            <a:schemeClr val="accent1"/>
+          </a:fillRef>
+          <a:effectRef idx="0">
+            <a:schemeClr val="accent1"/>
+          </a:effectRef>
+          <a:fontRef idx="minor">
+            <a:schemeClr val="lt1"/>
+          </a:fontRef>
+        </p:style>
+        <p:txBody>
+          <a:bodyPr rtlCol="0" anchor="ctr"/>
+          <a:lstStyle/>
+          <a:p>
+            <a:pPr algn="ctr"/>
+            <a:endParaRPr lang="en-JP" sz="1200" dirty="0">
+              <a:solidFill>
+                <a:schemeClr val="tx1">
+                  <a:lumMod val="50000"/>
+                  <a:lumOff val="50000"/>
+                </a:schemeClr>
+              </a:solidFill>
+              <a:latin typeface="PingFang SC" panose="020B0400000000000000" pitchFamily="34" charset="-122"/>
+              <a:ea typeface="PingFang SC" panose="020B0400000000000000" pitchFamily="34" charset="-122"/>
+            </a:endParaRPr>
+          </a:p>
+        </p:txBody>
+      </p:sp>
+      <p:sp>
+        <p:nvSpPr>
+          <p:cNvPr id="26" name="Rounded Rectangle 25">
+            <a:extLst>
+              <a:ext uri="{FF2B5EF4-FFF2-40B4-BE49-F238E27FC236}">
+                <a16:creationId xmlns:a16="http://schemas.microsoft.com/office/drawing/2014/main" id="{D3C38A53-AEFA-BD48-95DB-E59461D01E2B}"/>
+              </a:ext>
+            </a:extLst>
+          </p:cNvPr>
+          <p:cNvSpPr/>
+          <p:nvPr userDrawn="1"/>
+        </p:nvSpPr>
+        <p:spPr>
+          <a:xfrm>
+            <a:off x="6415088" y="1484784"/>
+            <a:ext cx="761032" cy="324000"/>
+          </a:xfrm>
+          <a:prstGeom prst="roundRect">
+            <a:avLst>
+              <a:gd name="adj" fmla="val 50000"/>
+            </a:avLst>
+          </a:prstGeom>
+          <a:solidFill>
+            <a:schemeClr val="bg1">
+              <a:lumMod val="95000"/>
+            </a:schemeClr>
+          </a:solidFill>
+          <a:ln>
+            <a:noFill/>
+          </a:ln>
+        </p:spPr>
+        <p:style>
+          <a:lnRef idx="2">
+            <a:schemeClr val="accent1">
+              <a:shade val="50000"/>
+            </a:schemeClr>
+          </a:lnRef>
+          <a:fillRef idx="1">
+            <a:schemeClr val="accent1"/>
+          </a:fillRef>
+          <a:effectRef idx="0">
+            <a:schemeClr val="accent1"/>
+          </a:effectRef>
+          <a:fontRef idx="minor">
+            <a:schemeClr val="lt1"/>
+          </a:fontRef>
+        </p:style>
+        <p:txBody>
+          <a:bodyPr rtlCol="0" anchor="ctr"/>
+          <a:lstStyle/>
+          <a:p>
+            <a:pPr algn="ctr"/>
+            <a:r>
+              <a:rPr lang="zh-CN" altLang="en-US" sz="1200" b="0" i="0" dirty="0">
+                <a:solidFill>
+                  <a:schemeClr val="tx1">
+                    <a:lumMod val="50000"/>
+                    <a:lumOff val="50000"/>
+                  </a:schemeClr>
+                </a:solidFill>
+                <a:latin typeface="PingFang SC Light" panose="020B0300000000000000" pitchFamily="34" charset="-122"/>
+                <a:ea typeface="PingFang SC Light" panose="020B0300000000000000" pitchFamily="34" charset="-122"/>
+              </a:rPr>
+              <a:t>原形</a:t>
+            </a:r>
+            <a:endParaRPr lang="en-JP" sz="1200" b="0" i="0" dirty="0">
+              <a:solidFill>
+                <a:schemeClr val="tx1">
+                  <a:lumMod val="50000"/>
+                  <a:lumOff val="50000"/>
+                </a:schemeClr>
+              </a:solidFill>
+              <a:latin typeface="PingFang SC Light" panose="020B0300000000000000" pitchFamily="34" charset="-122"/>
+              <a:ea typeface="PingFang SC Light" panose="020B0300000000000000" pitchFamily="34" charset="-122"/>
+            </a:endParaRPr>
+          </a:p>
+        </p:txBody>
+      </p:sp>
+      <p:sp>
+        <p:nvSpPr>
+          <p:cNvPr id="29" name="Rounded Rectangle 28">
+            <a:extLst>
+              <a:ext uri="{FF2B5EF4-FFF2-40B4-BE49-F238E27FC236}">
+                <a16:creationId xmlns:a16="http://schemas.microsoft.com/office/drawing/2014/main" id="{10B4239A-2331-584B-AA11-8BF68BA5FB62}"/>
+              </a:ext>
+            </a:extLst>
+          </p:cNvPr>
+          <p:cNvSpPr/>
+          <p:nvPr userDrawn="1"/>
+        </p:nvSpPr>
+        <p:spPr>
+          <a:xfrm>
+            <a:off x="6415088" y="2116669"/>
+            <a:ext cx="761032" cy="324000"/>
+          </a:xfrm>
+          <a:prstGeom prst="roundRect">
+            <a:avLst>
+              <a:gd name="adj" fmla="val 50000"/>
+            </a:avLst>
+          </a:prstGeom>
+          <a:solidFill>
+            <a:schemeClr val="bg1">
+              <a:lumMod val="95000"/>
+            </a:schemeClr>
+          </a:solidFill>
+          <a:ln>
+            <a:noFill/>
+          </a:ln>
+        </p:spPr>
+        <p:style>
+          <a:lnRef idx="2">
+            <a:schemeClr val="accent1">
+              <a:shade val="50000"/>
+            </a:schemeClr>
+          </a:lnRef>
+          <a:fillRef idx="1">
+            <a:schemeClr val="accent1"/>
+          </a:fillRef>
+          <a:effectRef idx="0">
+            <a:schemeClr val="accent1"/>
+          </a:effectRef>
+          <a:fontRef idx="minor">
+            <a:schemeClr val="lt1"/>
+          </a:fontRef>
+        </p:style>
+        <p:txBody>
+          <a:bodyPr rtlCol="0" anchor="ctr"/>
+          <a:lstStyle/>
+          <a:p>
+            <a:pPr algn="ctr"/>
+            <a:r>
+              <a:rPr lang="zh-CN" altLang="en-US" sz="1200" b="0" i="0" dirty="0">
+                <a:solidFill>
+                  <a:schemeClr val="tx1">
+                    <a:lumMod val="50000"/>
+                    <a:lumOff val="50000"/>
+                  </a:schemeClr>
+                </a:solidFill>
+                <a:latin typeface="PingFang SC Light" panose="020B0300000000000000" pitchFamily="34" charset="-122"/>
+                <a:ea typeface="PingFang SC Light" panose="020B0300000000000000" pitchFamily="34" charset="-122"/>
+              </a:rPr>
+              <a:t>比较级</a:t>
+            </a:r>
+            <a:endParaRPr lang="en-JP" sz="1200" b="0" i="0" dirty="0">
+              <a:solidFill>
+                <a:schemeClr val="tx1">
+                  <a:lumMod val="50000"/>
+                  <a:lumOff val="50000"/>
+                </a:schemeClr>
+              </a:solidFill>
+              <a:latin typeface="PingFang SC Light" panose="020B0300000000000000" pitchFamily="34" charset="-122"/>
+              <a:ea typeface="PingFang SC Light" panose="020B0300000000000000" pitchFamily="34" charset="-122"/>
+            </a:endParaRPr>
+          </a:p>
+        </p:txBody>
+      </p:sp>
+      <p:cxnSp>
+        <p:nvCxnSpPr>
+          <p:cNvPr id="52" name="Straight Connector 51">
+            <a:extLst>
+              <a:ext uri="{FF2B5EF4-FFF2-40B4-BE49-F238E27FC236}">
+                <a16:creationId xmlns:a16="http://schemas.microsoft.com/office/drawing/2014/main" id="{37B0950A-2FDA-924B-BFF8-E5629FE778C4}"/>
+              </a:ext>
+            </a:extLst>
+          </p:cNvPr>
+          <p:cNvCxnSpPr>
+            <a:cxnSpLocks/>
+          </p:cNvCxnSpPr>
+          <p:nvPr userDrawn="1"/>
+        </p:nvCxnSpPr>
+        <p:spPr>
+          <a:xfrm>
+            <a:off x="6096000" y="-6132"/>
+            <a:ext cx="0" cy="6858000"/>
+          </a:xfrm>
+          <a:prstGeom prst="line">
+            <a:avLst/>
+          </a:prstGeom>
+          <a:ln>
+            <a:solidFill>
+              <a:schemeClr val="bg1">
+                <a:lumMod val="85000"/>
+              </a:schemeClr>
+            </a:solidFill>
+            <a:prstDash val="dash"/>
+          </a:ln>
+        </p:spPr>
+        <p:style>
+          <a:lnRef idx="1">
+            <a:schemeClr val="accent1"/>
+          </a:lnRef>
+          <a:fillRef idx="0">
+            <a:schemeClr val="accent1"/>
+          </a:fillRef>
+          <a:effectRef idx="0">
+            <a:schemeClr val="accent1"/>
+          </a:effectRef>
+          <a:fontRef idx="minor">
+            <a:schemeClr val="tx1"/>
+          </a:fontRef>
+        </p:style>
+      </p:cxnSp>
+      <p:sp>
+        <p:nvSpPr>
+          <p:cNvPr id="7" name="Text Placeholder 6">
+            <a:extLst>
+              <a:ext uri="{FF2B5EF4-FFF2-40B4-BE49-F238E27FC236}">
+                <a16:creationId xmlns:a16="http://schemas.microsoft.com/office/drawing/2014/main" id="{640E96AF-F586-3243-ACF1-FD2B5D10F517}"/>
               </a:ext>
             </a:extLst>
           </p:cNvPr>
@@ -17999,98 +11691,77 @@
         </p:nvSpPr>
         <p:spPr>
           <a:xfrm>
-            <a:off x="3361509" y="2383436"/>
-            <a:ext cx="5468982" cy="1031276"/>
+            <a:off x="4584200" y="993858"/>
+            <a:ext cx="1080000" cy="324000"/>
           </a:xfrm>
           <a:prstGeom prst="rect">
             <a:avLst/>
           </a:prstGeom>
         </p:spPr>
         <p:txBody>
-          <a:bodyPr vert="horz" anchor="ctr"/>
+          <a:bodyPr anchor="ctr"/>
           <a:lstStyle>
             <a:lvl1pPr marL="0" indent="0" algn="ctr">
               <a:buNone/>
-              <a:defRPr sz="4400" b="0" i="0">
+              <a:defRPr sz="1200" b="0" i="0">
                 <a:solidFill>
                   <a:schemeClr val="accent3">
                     <a:lumMod val="75000"/>
                   </a:schemeClr>
                 </a:solidFill>
-                <a:latin typeface="Roboto Medium" pitchFamily="2" charset="0"/>
-                <a:ea typeface="Roboto Medium" pitchFamily="2" charset="0"/>
-                <a:cs typeface="Helvetica Neue" panose="02000503000000020004" pitchFamily="2" charset="0"/>
+                <a:latin typeface="PingFang SC" panose="020B0400000000000000" pitchFamily="34" charset="-122"/>
+                <a:ea typeface="PingFang SC" panose="020B0400000000000000" pitchFamily="34" charset="-122"/>
               </a:defRPr>
             </a:lvl1pPr>
-            <a:lvl2pPr>
-              <a:defRPr>
-                <a:solidFill>
-                  <a:schemeClr val="tx1">
-                    <a:lumMod val="95000"/>
-                    <a:lumOff val="5000"/>
-                  </a:schemeClr>
-                </a:solidFill>
-                <a:latin typeface="Helvetica Neue" panose="02000503000000020004" pitchFamily="2" charset="0"/>
-                <a:ea typeface="Helvetica Neue" panose="02000503000000020004" pitchFamily="2" charset="0"/>
-                <a:cs typeface="Helvetica Neue" panose="02000503000000020004" pitchFamily="2" charset="0"/>
+            <a:lvl2pPr marL="324000" indent="0">
+              <a:buNone/>
+              <a:defRPr sz="1200" b="0" i="0">
+                <a:latin typeface="PingFang SC Light" panose="020B0300000000000000" pitchFamily="34" charset="-122"/>
+                <a:ea typeface="PingFang SC Light" panose="020B0300000000000000" pitchFamily="34" charset="-122"/>
               </a:defRPr>
             </a:lvl2pPr>
-            <a:lvl3pPr>
-              <a:defRPr>
-                <a:solidFill>
-                  <a:schemeClr val="tx1">
-                    <a:lumMod val="95000"/>
-                    <a:lumOff val="5000"/>
-                  </a:schemeClr>
-                </a:solidFill>
-                <a:latin typeface="Helvetica Neue" panose="02000503000000020004" pitchFamily="2" charset="0"/>
-                <a:ea typeface="Helvetica Neue" panose="02000503000000020004" pitchFamily="2" charset="0"/>
-                <a:cs typeface="Helvetica Neue" panose="02000503000000020004" pitchFamily="2" charset="0"/>
+            <a:lvl3pPr marL="630000" indent="0">
+              <a:buNone/>
+              <a:defRPr sz="1200" b="0" i="0">
+                <a:latin typeface="PingFang SC Light" panose="020B0300000000000000" pitchFamily="34" charset="-122"/>
+                <a:ea typeface="PingFang SC Light" panose="020B0300000000000000" pitchFamily="34" charset="-122"/>
               </a:defRPr>
             </a:lvl3pPr>
-            <a:lvl4pPr>
-              <a:defRPr>
-                <a:solidFill>
-                  <a:schemeClr val="tx1">
-                    <a:lumMod val="95000"/>
-                    <a:lumOff val="5000"/>
-                  </a:schemeClr>
-                </a:solidFill>
-                <a:latin typeface="Helvetica Neue" panose="02000503000000020004" pitchFamily="2" charset="0"/>
-                <a:ea typeface="Helvetica Neue" panose="02000503000000020004" pitchFamily="2" charset="0"/>
-                <a:cs typeface="Helvetica Neue" panose="02000503000000020004" pitchFamily="2" charset="0"/>
+            <a:lvl4pPr marL="1008000" indent="0">
+              <a:buNone/>
+              <a:defRPr sz="1200" b="0" i="0">
+                <a:latin typeface="PingFang SC Light" panose="020B0300000000000000" pitchFamily="34" charset="-122"/>
+                <a:ea typeface="PingFang SC Light" panose="020B0300000000000000" pitchFamily="34" charset="-122"/>
               </a:defRPr>
             </a:lvl4pPr>
-            <a:lvl5pPr>
-              <a:defRPr>
-                <a:solidFill>
-                  <a:schemeClr val="tx1">
-                    <a:lumMod val="95000"/>
-                    <a:lumOff val="5000"/>
-                  </a:schemeClr>
-                </a:solidFill>
-                <a:latin typeface="Helvetica Neue" panose="02000503000000020004" pitchFamily="2" charset="0"/>
-                <a:ea typeface="Helvetica Neue" panose="02000503000000020004" pitchFamily="2" charset="0"/>
-                <a:cs typeface="Helvetica Neue" panose="02000503000000020004" pitchFamily="2" charset="0"/>
+            <a:lvl5pPr marL="1368000" indent="0">
+              <a:buNone/>
+              <a:defRPr sz="1200" b="0" i="0">
+                <a:latin typeface="PingFang SC Light" panose="020B0300000000000000" pitchFamily="34" charset="-122"/>
+                <a:ea typeface="PingFang SC Light" panose="020B0300000000000000" pitchFamily="34" charset="-122"/>
               </a:defRPr>
             </a:lvl5pPr>
           </a:lstStyle>
           <a:p>
             <a:pPr lvl="0"/>
             <a:r>
-              <a:rPr lang="en-US" altLang="zh-CN" dirty="0"/>
-              <a:t>Adjective</a:t>
-            </a:r>
-            <a:endParaRPr lang="en-US" dirty="0"/>
+              <a:rPr lang="en-JP" dirty="0"/>
+              <a:t>adj. </a:t>
+            </a:r>
+            <a:r>
+              <a:rPr lang="zh-CN" altLang="en-US" dirty="0"/>
+              <a:t>说明</a:t>
+            </a:r>
+            <a:endParaRPr lang="en-JP" dirty="0"/>
           </a:p>
         </p:txBody>
       </p:sp>
       <p:sp>
         <p:nvSpPr>
-          <p:cNvPr id="6" name="Text Placeholder 6">
-            <a:extLst>
-              <a:ext uri="{FF2B5EF4-FFF2-40B4-BE49-F238E27FC236}">
-                <a16:creationId xmlns:a16="http://schemas.microsoft.com/office/drawing/2014/main" id="{4C56A07E-E9FC-4444-A843-AE8A2CBEFAD2}"/>
+          <p:cNvPr id="53" name="Text Placeholder 6">
+            <a:extLst>
+              <a:ext uri="{FF2B5EF4-FFF2-40B4-BE49-F238E27FC236}">
+                <a16:creationId xmlns:a16="http://schemas.microsoft.com/office/drawing/2014/main" id="{FE966760-E5A1-5B4E-BCB8-D2999A82721F}"/>
               </a:ext>
             </a:extLst>
           </p:cNvPr>
@@ -18103,102 +11774,537 @@
         </p:nvSpPr>
         <p:spPr>
           <a:xfrm>
-            <a:off x="3361509" y="3471864"/>
-            <a:ext cx="5468982" cy="560490"/>
+            <a:off x="-1" y="1420216"/>
+            <a:ext cx="5756284" cy="1300613"/>
           </a:xfrm>
           <a:prstGeom prst="rect">
             <a:avLst/>
           </a:prstGeom>
         </p:spPr>
         <p:txBody>
-          <a:bodyPr vert="horz" anchor="ctr"/>
+          <a:bodyPr anchor="ctr"/>
           <a:lstStyle>
-            <a:lvl1pPr marL="0" indent="0" algn="ctr">
-              <a:buNone/>
-              <a:defRPr sz="2400" b="0" i="0">
+            <a:lvl1pPr marL="0" indent="0" algn="r">
+              <a:buNone/>
+              <a:defRPr sz="5800" b="0" i="0">
                 <a:solidFill>
                   <a:schemeClr val="accent3">
                     <a:lumMod val="75000"/>
                   </a:schemeClr>
                 </a:solidFill>
-                <a:latin typeface="PingFang SC Light" panose="020B0300000000000000" pitchFamily="34" charset="-122"/>
-                <a:ea typeface="PingFang SC Light" panose="020B0300000000000000" pitchFamily="34" charset="-122"/>
-                <a:cs typeface="Helvetica Neue" panose="02000503000000020004" pitchFamily="2" charset="0"/>
+                <a:latin typeface="Roboto Medium" pitchFamily="2" charset="0"/>
+                <a:ea typeface="Roboto Medium" pitchFamily="2" charset="0"/>
               </a:defRPr>
             </a:lvl1pPr>
-            <a:lvl2pPr>
-              <a:defRPr>
-                <a:solidFill>
-                  <a:schemeClr val="tx1">
-                    <a:lumMod val="95000"/>
-                    <a:lumOff val="5000"/>
-                  </a:schemeClr>
-                </a:solidFill>
-                <a:latin typeface="Helvetica Neue" panose="02000503000000020004" pitchFamily="2" charset="0"/>
-                <a:ea typeface="Helvetica Neue" panose="02000503000000020004" pitchFamily="2" charset="0"/>
-                <a:cs typeface="Helvetica Neue" panose="02000503000000020004" pitchFamily="2" charset="0"/>
+            <a:lvl2pPr marL="324000" indent="0">
+              <a:buNone/>
+              <a:defRPr sz="1200" b="0" i="0">
+                <a:latin typeface="PingFang SC Light" panose="020B0300000000000000" pitchFamily="34" charset="-122"/>
+                <a:ea typeface="PingFang SC Light" panose="020B0300000000000000" pitchFamily="34" charset="-122"/>
               </a:defRPr>
             </a:lvl2pPr>
-            <a:lvl3pPr>
-              <a:defRPr>
-                <a:solidFill>
-                  <a:schemeClr val="tx1">
-                    <a:lumMod val="95000"/>
-                    <a:lumOff val="5000"/>
-                  </a:schemeClr>
-                </a:solidFill>
-                <a:latin typeface="Helvetica Neue" panose="02000503000000020004" pitchFamily="2" charset="0"/>
-                <a:ea typeface="Helvetica Neue" panose="02000503000000020004" pitchFamily="2" charset="0"/>
-                <a:cs typeface="Helvetica Neue" panose="02000503000000020004" pitchFamily="2" charset="0"/>
+            <a:lvl3pPr marL="630000" indent="0">
+              <a:buNone/>
+              <a:defRPr sz="1200" b="0" i="0">
+                <a:latin typeface="PingFang SC Light" panose="020B0300000000000000" pitchFamily="34" charset="-122"/>
+                <a:ea typeface="PingFang SC Light" panose="020B0300000000000000" pitchFamily="34" charset="-122"/>
               </a:defRPr>
             </a:lvl3pPr>
-            <a:lvl4pPr>
-              <a:defRPr>
-                <a:solidFill>
-                  <a:schemeClr val="tx1">
-                    <a:lumMod val="95000"/>
-                    <a:lumOff val="5000"/>
-                  </a:schemeClr>
-                </a:solidFill>
-                <a:latin typeface="Helvetica Neue" panose="02000503000000020004" pitchFamily="2" charset="0"/>
-                <a:ea typeface="Helvetica Neue" panose="02000503000000020004" pitchFamily="2" charset="0"/>
-                <a:cs typeface="Helvetica Neue" panose="02000503000000020004" pitchFamily="2" charset="0"/>
+            <a:lvl4pPr marL="1008000" indent="0">
+              <a:buNone/>
+              <a:defRPr sz="1200" b="0" i="0">
+                <a:latin typeface="PingFang SC Light" panose="020B0300000000000000" pitchFamily="34" charset="-122"/>
+                <a:ea typeface="PingFang SC Light" panose="020B0300000000000000" pitchFamily="34" charset="-122"/>
               </a:defRPr>
             </a:lvl4pPr>
-            <a:lvl5pPr>
-              <a:defRPr>
-                <a:solidFill>
-                  <a:schemeClr val="tx1">
-                    <a:lumMod val="95000"/>
-                    <a:lumOff val="5000"/>
-                  </a:schemeClr>
-                </a:solidFill>
-                <a:latin typeface="Helvetica Neue" panose="02000503000000020004" pitchFamily="2" charset="0"/>
-                <a:ea typeface="Helvetica Neue" panose="02000503000000020004" pitchFamily="2" charset="0"/>
-                <a:cs typeface="Helvetica Neue" panose="02000503000000020004" pitchFamily="2" charset="0"/>
+            <a:lvl5pPr marL="1368000" indent="0">
+              <a:buNone/>
+              <a:defRPr sz="1200" b="0" i="0">
+                <a:latin typeface="PingFang SC Light" panose="020B0300000000000000" pitchFamily="34" charset="-122"/>
+                <a:ea typeface="PingFang SC Light" panose="020B0300000000000000" pitchFamily="34" charset="-122"/>
               </a:defRPr>
             </a:lvl5pPr>
           </a:lstStyle>
           <a:p>
             <a:pPr lvl="0"/>
             <a:r>
+              <a:rPr lang="en-JP" dirty="0"/>
+              <a:t>adjective</a:t>
+            </a:r>
+          </a:p>
+        </p:txBody>
+      </p:sp>
+      <p:sp>
+        <p:nvSpPr>
+          <p:cNvPr id="54" name="Text Placeholder 6">
+            <a:extLst>
+              <a:ext uri="{FF2B5EF4-FFF2-40B4-BE49-F238E27FC236}">
+                <a16:creationId xmlns:a16="http://schemas.microsoft.com/office/drawing/2014/main" id="{FB90C090-45A5-F849-A90C-BEEF045674C2}"/>
+              </a:ext>
+            </a:extLst>
+          </p:cNvPr>
+          <p:cNvSpPr>
+            <a:spLocks noGrp="1"/>
+          </p:cNvSpPr>
+          <p:nvPr>
+            <p:ph type="body" sz="quarter" idx="12" hasCustomPrompt="1"/>
+          </p:nvPr>
+        </p:nvSpPr>
+        <p:spPr>
+          <a:xfrm>
+            <a:off x="-1" y="2818710"/>
+            <a:ext cx="5756284" cy="3058247"/>
+          </a:xfrm>
+          <a:prstGeom prst="rect">
+            <a:avLst/>
+          </a:prstGeom>
+        </p:spPr>
+        <p:txBody>
+          <a:bodyPr anchor="t"/>
+          <a:lstStyle>
+            <a:lvl1pPr marL="0" indent="0" algn="r">
+              <a:buNone/>
+              <a:defRPr sz="2400" b="0" i="0">
+                <a:solidFill>
+                  <a:schemeClr val="accent3">
+                    <a:lumMod val="75000"/>
+                  </a:schemeClr>
+                </a:solidFill>
+                <a:latin typeface="PingFang SC Light" panose="020B0300000000000000" pitchFamily="34" charset="-122"/>
+                <a:ea typeface="PingFang SC Light" panose="020B0300000000000000" pitchFamily="34" charset="-122"/>
+              </a:defRPr>
+            </a:lvl1pPr>
+            <a:lvl2pPr marL="324000" indent="0">
+              <a:buNone/>
+              <a:defRPr sz="1200" b="0" i="0">
+                <a:latin typeface="PingFang SC Light" panose="020B0300000000000000" pitchFamily="34" charset="-122"/>
+                <a:ea typeface="PingFang SC Light" panose="020B0300000000000000" pitchFamily="34" charset="-122"/>
+              </a:defRPr>
+            </a:lvl2pPr>
+            <a:lvl3pPr marL="630000" indent="0">
+              <a:buNone/>
+              <a:defRPr sz="1200" b="0" i="0">
+                <a:latin typeface="PingFang SC Light" panose="020B0300000000000000" pitchFamily="34" charset="-122"/>
+                <a:ea typeface="PingFang SC Light" panose="020B0300000000000000" pitchFamily="34" charset="-122"/>
+              </a:defRPr>
+            </a:lvl3pPr>
+            <a:lvl4pPr marL="1008000" indent="0">
+              <a:buNone/>
+              <a:defRPr sz="1200" b="0" i="0">
+                <a:latin typeface="PingFang SC Light" panose="020B0300000000000000" pitchFamily="34" charset="-122"/>
+                <a:ea typeface="PingFang SC Light" panose="020B0300000000000000" pitchFamily="34" charset="-122"/>
+              </a:defRPr>
+            </a:lvl4pPr>
+            <a:lvl5pPr marL="1368000" indent="0">
+              <a:buNone/>
+              <a:defRPr sz="1200" b="0" i="0">
+                <a:latin typeface="PingFang SC Light" panose="020B0300000000000000" pitchFamily="34" charset="-122"/>
+                <a:ea typeface="PingFang SC Light" panose="020B0300000000000000" pitchFamily="34" charset="-122"/>
+              </a:defRPr>
+            </a:lvl5pPr>
+          </a:lstStyle>
+          <a:p>
+            <a:pPr lvl="0"/>
+            <a:r>
+              <a:rPr lang="zh-CN" altLang="en-JP" dirty="0"/>
+              <a:t>翻译</a:t>
+            </a:r>
+            <a:r>
+              <a:rPr lang="en-US" altLang="zh-CN" dirty="0"/>
+              <a:t>1</a:t>
+            </a:r>
+          </a:p>
+          <a:p>
+            <a:pPr lvl="0"/>
+            <a:r>
               <a:rPr lang="zh-CN" altLang="en-US" dirty="0"/>
-              <a:t>形容词</a:t>
-            </a:r>
-            <a:endParaRPr lang="en-US" dirty="0"/>
+              <a:t>翻译</a:t>
+            </a:r>
+            <a:r>
+              <a:rPr lang="en-US" altLang="zh-CN" dirty="0"/>
+              <a:t>2</a:t>
+            </a:r>
+          </a:p>
+          <a:p>
+            <a:pPr lvl="0"/>
+            <a:r>
+              <a:rPr lang="zh-CN" altLang="en-US" dirty="0"/>
+              <a:t>翻译</a:t>
+            </a:r>
+            <a:r>
+              <a:rPr lang="en-US" altLang="zh-CN" dirty="0"/>
+              <a:t>3</a:t>
+            </a:r>
+          </a:p>
+          <a:p>
+            <a:pPr lvl="0"/>
+            <a:r>
+              <a:rPr lang="zh-CN" altLang="en-US" dirty="0"/>
+              <a:t>翻译</a:t>
+            </a:r>
+            <a:r>
+              <a:rPr lang="en-US" altLang="zh-CN" dirty="0"/>
+              <a:t>4</a:t>
+            </a:r>
+          </a:p>
+          <a:p>
+            <a:pPr lvl="0"/>
+            <a:r>
+              <a:rPr lang="zh-CN" altLang="en-US" dirty="0"/>
+              <a:t>翻译</a:t>
+            </a:r>
+            <a:r>
+              <a:rPr lang="en-US" altLang="zh-CN" dirty="0"/>
+              <a:t>5</a:t>
+            </a:r>
+          </a:p>
+          <a:p>
+            <a:pPr lvl="0"/>
+            <a:r>
+              <a:rPr lang="zh-CN" altLang="en-US" dirty="0"/>
+              <a:t>翻译</a:t>
+            </a:r>
+            <a:r>
+              <a:rPr lang="en-US" altLang="zh-CN" dirty="0"/>
+              <a:t>6</a:t>
+            </a:r>
+            <a:endParaRPr lang="en-JP" dirty="0"/>
+          </a:p>
+        </p:txBody>
+      </p:sp>
+      <p:sp>
+        <p:nvSpPr>
+          <p:cNvPr id="55" name="Text Placeholder 6">
+            <a:extLst>
+              <a:ext uri="{FF2B5EF4-FFF2-40B4-BE49-F238E27FC236}">
+                <a16:creationId xmlns:a16="http://schemas.microsoft.com/office/drawing/2014/main" id="{DAFB5A77-CA21-6547-9045-AA48F1B4B34E}"/>
+              </a:ext>
+            </a:extLst>
+          </p:cNvPr>
+          <p:cNvSpPr>
+            <a:spLocks noGrp="1"/>
+          </p:cNvSpPr>
+          <p:nvPr>
+            <p:ph type="body" sz="quarter" idx="13" hasCustomPrompt="1"/>
+          </p:nvPr>
+        </p:nvSpPr>
+        <p:spPr>
+          <a:xfrm>
+            <a:off x="7361523" y="1410649"/>
+            <a:ext cx="4501390" cy="472270"/>
+          </a:xfrm>
+          <a:prstGeom prst="rect">
+            <a:avLst/>
+          </a:prstGeom>
+        </p:spPr>
+        <p:txBody>
+          <a:bodyPr anchor="ctr"/>
+          <a:lstStyle>
+            <a:lvl1pPr marL="0" indent="0" algn="l">
+              <a:buNone/>
+              <a:defRPr sz="2400" b="0" i="0">
+                <a:solidFill>
+                  <a:schemeClr val="accent3">
+                    <a:lumMod val="75000"/>
+                  </a:schemeClr>
+                </a:solidFill>
+                <a:latin typeface="Roboto Medium" pitchFamily="2" charset="0"/>
+                <a:ea typeface="Roboto Medium" pitchFamily="2" charset="0"/>
+              </a:defRPr>
+            </a:lvl1pPr>
+            <a:lvl2pPr marL="324000" indent="0">
+              <a:buNone/>
+              <a:defRPr sz="1200" b="0" i="0">
+                <a:latin typeface="PingFang SC Light" panose="020B0300000000000000" pitchFamily="34" charset="-122"/>
+                <a:ea typeface="PingFang SC Light" panose="020B0300000000000000" pitchFamily="34" charset="-122"/>
+              </a:defRPr>
+            </a:lvl2pPr>
+            <a:lvl3pPr marL="630000" indent="0">
+              <a:buNone/>
+              <a:defRPr sz="1200" b="0" i="0">
+                <a:latin typeface="PingFang SC Light" panose="020B0300000000000000" pitchFamily="34" charset="-122"/>
+                <a:ea typeface="PingFang SC Light" panose="020B0300000000000000" pitchFamily="34" charset="-122"/>
+              </a:defRPr>
+            </a:lvl3pPr>
+            <a:lvl4pPr marL="1008000" indent="0">
+              <a:buNone/>
+              <a:defRPr sz="1200" b="0" i="0">
+                <a:latin typeface="PingFang SC Light" panose="020B0300000000000000" pitchFamily="34" charset="-122"/>
+                <a:ea typeface="PingFang SC Light" panose="020B0300000000000000" pitchFamily="34" charset="-122"/>
+              </a:defRPr>
+            </a:lvl4pPr>
+            <a:lvl5pPr marL="1368000" indent="0">
+              <a:buNone/>
+              <a:defRPr sz="1200" b="0" i="0">
+                <a:latin typeface="PingFang SC Light" panose="020B0300000000000000" pitchFamily="34" charset="-122"/>
+                <a:ea typeface="PingFang SC Light" panose="020B0300000000000000" pitchFamily="34" charset="-122"/>
+              </a:defRPr>
+            </a:lvl5pPr>
+          </a:lstStyle>
+          <a:p>
+            <a:pPr lvl="0"/>
+            <a:r>
+              <a:rPr lang="en-JP" dirty="0"/>
+              <a:t>adjective</a:t>
+            </a:r>
+          </a:p>
+        </p:txBody>
+      </p:sp>
+      <p:sp>
+        <p:nvSpPr>
+          <p:cNvPr id="30" name="Text Placeholder 6">
+            <a:extLst>
+              <a:ext uri="{FF2B5EF4-FFF2-40B4-BE49-F238E27FC236}">
+                <a16:creationId xmlns:a16="http://schemas.microsoft.com/office/drawing/2014/main" id="{DC9DE555-235D-844E-81F7-2719FE0EBE5A}"/>
+              </a:ext>
+            </a:extLst>
+          </p:cNvPr>
+          <p:cNvSpPr>
+            <a:spLocks noGrp="1"/>
+          </p:cNvSpPr>
+          <p:nvPr>
+            <p:ph type="body" sz="quarter" idx="14" hasCustomPrompt="1"/>
+          </p:nvPr>
+        </p:nvSpPr>
+        <p:spPr>
+          <a:xfrm>
+            <a:off x="7350895" y="2046799"/>
+            <a:ext cx="4501390" cy="472270"/>
+          </a:xfrm>
+          <a:prstGeom prst="rect">
+            <a:avLst/>
+          </a:prstGeom>
+        </p:spPr>
+        <p:txBody>
+          <a:bodyPr anchor="ctr"/>
+          <a:lstStyle>
+            <a:lvl1pPr marL="0" indent="0" algn="l">
+              <a:buNone/>
+              <a:defRPr sz="2400" b="0" i="0">
+                <a:solidFill>
+                  <a:schemeClr val="accent3">
+                    <a:lumMod val="75000"/>
+                  </a:schemeClr>
+                </a:solidFill>
+                <a:latin typeface="Roboto Medium" pitchFamily="2" charset="0"/>
+                <a:ea typeface="Roboto Medium" pitchFamily="2" charset="0"/>
+              </a:defRPr>
+            </a:lvl1pPr>
+            <a:lvl2pPr marL="324000" indent="0">
+              <a:buNone/>
+              <a:defRPr sz="1200" b="0" i="0">
+                <a:latin typeface="PingFang SC Light" panose="020B0300000000000000" pitchFamily="34" charset="-122"/>
+                <a:ea typeface="PingFang SC Light" panose="020B0300000000000000" pitchFamily="34" charset="-122"/>
+              </a:defRPr>
+            </a:lvl2pPr>
+            <a:lvl3pPr marL="630000" indent="0">
+              <a:buNone/>
+              <a:defRPr sz="1200" b="0" i="0">
+                <a:latin typeface="PingFang SC Light" panose="020B0300000000000000" pitchFamily="34" charset="-122"/>
+                <a:ea typeface="PingFang SC Light" panose="020B0300000000000000" pitchFamily="34" charset="-122"/>
+              </a:defRPr>
+            </a:lvl3pPr>
+            <a:lvl4pPr marL="1008000" indent="0">
+              <a:buNone/>
+              <a:defRPr sz="1200" b="0" i="0">
+                <a:latin typeface="PingFang SC Light" panose="020B0300000000000000" pitchFamily="34" charset="-122"/>
+                <a:ea typeface="PingFang SC Light" panose="020B0300000000000000" pitchFamily="34" charset="-122"/>
+              </a:defRPr>
+            </a:lvl4pPr>
+            <a:lvl5pPr marL="1368000" indent="0">
+              <a:buNone/>
+              <a:defRPr sz="1200" b="0" i="0">
+                <a:latin typeface="PingFang SC Light" panose="020B0300000000000000" pitchFamily="34" charset="-122"/>
+                <a:ea typeface="PingFang SC Light" panose="020B0300000000000000" pitchFamily="34" charset="-122"/>
+              </a:defRPr>
+            </a:lvl5pPr>
+          </a:lstStyle>
+          <a:p>
+            <a:pPr lvl="0"/>
+            <a:r>
+              <a:rPr lang="en-JP" dirty="0"/>
+              <a:t>adjective</a:t>
+            </a:r>
+          </a:p>
+        </p:txBody>
+      </p:sp>
+      <p:sp>
+        <p:nvSpPr>
+          <p:cNvPr id="12" name="Rounded Rectangle 11">
+            <a:extLst>
+              <a:ext uri="{FF2B5EF4-FFF2-40B4-BE49-F238E27FC236}">
+                <a16:creationId xmlns:a16="http://schemas.microsoft.com/office/drawing/2014/main" id="{E7AB3786-9C4D-2449-8415-D91FBD28CAE0}"/>
+              </a:ext>
+            </a:extLst>
+          </p:cNvPr>
+          <p:cNvSpPr/>
+          <p:nvPr userDrawn="1"/>
+        </p:nvSpPr>
+        <p:spPr>
+          <a:xfrm>
+            <a:off x="6415088" y="2752819"/>
+            <a:ext cx="761032" cy="324000"/>
+          </a:xfrm>
+          <a:prstGeom prst="roundRect">
+            <a:avLst>
+              <a:gd name="adj" fmla="val 50000"/>
+            </a:avLst>
+          </a:prstGeom>
+          <a:solidFill>
+            <a:schemeClr val="bg1">
+              <a:lumMod val="95000"/>
+            </a:schemeClr>
+          </a:solidFill>
+          <a:ln>
+            <a:noFill/>
+          </a:ln>
+        </p:spPr>
+        <p:style>
+          <a:lnRef idx="2">
+            <a:schemeClr val="accent1">
+              <a:shade val="50000"/>
+            </a:schemeClr>
+          </a:lnRef>
+          <a:fillRef idx="1">
+            <a:schemeClr val="accent1"/>
+          </a:fillRef>
+          <a:effectRef idx="0">
+            <a:schemeClr val="accent1"/>
+          </a:effectRef>
+          <a:fontRef idx="minor">
+            <a:schemeClr val="lt1"/>
+          </a:fontRef>
+        </p:style>
+        <p:txBody>
+          <a:bodyPr rtlCol="0" anchor="ctr"/>
+          <a:lstStyle/>
+          <a:p>
+            <a:pPr algn="ctr"/>
+            <a:r>
+              <a:rPr lang="zh-CN" altLang="en-US" sz="1200" b="0" i="0" dirty="0">
+                <a:solidFill>
+                  <a:schemeClr val="tx1">
+                    <a:lumMod val="50000"/>
+                    <a:lumOff val="50000"/>
+                  </a:schemeClr>
+                </a:solidFill>
+                <a:latin typeface="PingFang SC Light" panose="020B0300000000000000" pitchFamily="34" charset="-122"/>
+                <a:ea typeface="PingFang SC Light" panose="020B0300000000000000" pitchFamily="34" charset="-122"/>
+              </a:rPr>
+              <a:t>最高级</a:t>
+            </a:r>
+            <a:endParaRPr lang="en-JP" sz="1200" b="0" i="0" dirty="0">
+              <a:solidFill>
+                <a:schemeClr val="tx1">
+                  <a:lumMod val="50000"/>
+                  <a:lumOff val="50000"/>
+                </a:schemeClr>
+              </a:solidFill>
+              <a:latin typeface="PingFang SC Light" panose="020B0300000000000000" pitchFamily="34" charset="-122"/>
+              <a:ea typeface="PingFang SC Light" panose="020B0300000000000000" pitchFamily="34" charset="-122"/>
+            </a:endParaRPr>
+          </a:p>
+        </p:txBody>
+      </p:sp>
+      <p:sp>
+        <p:nvSpPr>
+          <p:cNvPr id="13" name="Text Placeholder 6">
+            <a:extLst>
+              <a:ext uri="{FF2B5EF4-FFF2-40B4-BE49-F238E27FC236}">
+                <a16:creationId xmlns:a16="http://schemas.microsoft.com/office/drawing/2014/main" id="{2F65C241-53E5-F140-9F8D-2EF816AB9CD5}"/>
+              </a:ext>
+            </a:extLst>
+          </p:cNvPr>
+          <p:cNvSpPr>
+            <a:spLocks noGrp="1"/>
+          </p:cNvSpPr>
+          <p:nvPr>
+            <p:ph type="body" sz="quarter" idx="15" hasCustomPrompt="1"/>
+          </p:nvPr>
+        </p:nvSpPr>
+        <p:spPr>
+          <a:xfrm>
+            <a:off x="7350895" y="2682949"/>
+            <a:ext cx="4501390" cy="472270"/>
+          </a:xfrm>
+          <a:prstGeom prst="rect">
+            <a:avLst/>
+          </a:prstGeom>
+        </p:spPr>
+        <p:txBody>
+          <a:bodyPr anchor="ctr"/>
+          <a:lstStyle>
+            <a:lvl1pPr marL="0" indent="0" algn="l">
+              <a:buNone/>
+              <a:defRPr sz="2400" b="0" i="0">
+                <a:solidFill>
+                  <a:schemeClr val="accent3">
+                    <a:lumMod val="75000"/>
+                  </a:schemeClr>
+                </a:solidFill>
+                <a:latin typeface="Roboto Medium" pitchFamily="2" charset="0"/>
+                <a:ea typeface="Roboto Medium" pitchFamily="2" charset="0"/>
+              </a:defRPr>
+            </a:lvl1pPr>
+            <a:lvl2pPr marL="324000" indent="0">
+              <a:buNone/>
+              <a:defRPr sz="1200" b="0" i="0">
+                <a:latin typeface="PingFang SC Light" panose="020B0300000000000000" pitchFamily="34" charset="-122"/>
+                <a:ea typeface="PingFang SC Light" panose="020B0300000000000000" pitchFamily="34" charset="-122"/>
+              </a:defRPr>
+            </a:lvl2pPr>
+            <a:lvl3pPr marL="630000" indent="0">
+              <a:buNone/>
+              <a:defRPr sz="1200" b="0" i="0">
+                <a:latin typeface="PingFang SC Light" panose="020B0300000000000000" pitchFamily="34" charset="-122"/>
+                <a:ea typeface="PingFang SC Light" panose="020B0300000000000000" pitchFamily="34" charset="-122"/>
+              </a:defRPr>
+            </a:lvl3pPr>
+            <a:lvl4pPr marL="1008000" indent="0">
+              <a:buNone/>
+              <a:defRPr sz="1200" b="0" i="0">
+                <a:latin typeface="PingFang SC Light" panose="020B0300000000000000" pitchFamily="34" charset="-122"/>
+                <a:ea typeface="PingFang SC Light" panose="020B0300000000000000" pitchFamily="34" charset="-122"/>
+              </a:defRPr>
+            </a:lvl4pPr>
+            <a:lvl5pPr marL="1368000" indent="0">
+              <a:buNone/>
+              <a:defRPr sz="1200" b="0" i="0">
+                <a:latin typeface="PingFang SC Light" panose="020B0300000000000000" pitchFamily="34" charset="-122"/>
+                <a:ea typeface="PingFang SC Light" panose="020B0300000000000000" pitchFamily="34" charset="-122"/>
+              </a:defRPr>
+            </a:lvl5pPr>
+          </a:lstStyle>
+          <a:p>
+            <a:pPr lvl="0"/>
+            <a:r>
+              <a:rPr lang="en-JP" dirty="0"/>
+              <a:t>adjective</a:t>
+            </a:r>
           </a:p>
         </p:txBody>
       </p:sp>
     </p:spTree>
     <p:extLst>
       <p:ext uri="{BB962C8B-B14F-4D97-AF65-F5344CB8AC3E}">
-        <p14:creationId xmlns:p14="http://schemas.microsoft.com/office/powerpoint/2010/main" val="3894699225"/>
+        <p14:creationId xmlns:p14="http://schemas.microsoft.com/office/powerpoint/2010/main" val="2837212197"/>
       </p:ext>
     </p:extLst>
   </p:cSld>
   <p:clrMapOvr>
     <a:masterClrMapping/>
   </p:clrMapOvr>
+  <p:extLst>
+    <p:ext uri="{DCECCB84-F9BA-43D5-87BE-67443E8EF086}">
+      <p15:sldGuideLst xmlns:p15="http://schemas.microsoft.com/office/powerpoint/2012/main">
+        <p15:guide id="1" pos="3568" userDrawn="1">
+          <p15:clr>
+            <a:srgbClr val="FBAE40"/>
+          </p15:clr>
+        </p15:guide>
+      </p15:sldGuideLst>
+    </p:ext>
+  </p:extLst>
 </p:sldLayout>
 </file>
 
@@ -18244,21 +12350,12 @@
     <p:sldLayoutId id="2147483945" r:id="rId6"/>
     <p:sldLayoutId id="2147483946" r:id="rId7"/>
     <p:sldLayoutId id="2147483947" r:id="rId8"/>
-    <p:sldLayoutId id="2147483926" r:id="rId9"/>
-    <p:sldLayoutId id="2147483948" r:id="rId10"/>
-    <p:sldLayoutId id="2147483949" r:id="rId11"/>
-    <p:sldLayoutId id="2147483950" r:id="rId12"/>
-    <p:sldLayoutId id="2147483951" r:id="rId13"/>
-    <p:sldLayoutId id="2147483927" r:id="rId14"/>
-    <p:sldLayoutId id="2147483942" r:id="rId15"/>
-    <p:sldLayoutId id="2147483943" r:id="rId16"/>
-    <p:sldLayoutId id="2147483941" r:id="rId17"/>
-    <p:sldLayoutId id="2147483940" r:id="rId18"/>
-    <p:sldLayoutId id="2147483935" r:id="rId19"/>
-    <p:sldLayoutId id="2147483953" r:id="rId20"/>
-    <p:sldLayoutId id="2147483952" r:id="rId21"/>
-    <p:sldLayoutId id="2147483931" r:id="rId22"/>
-    <p:sldLayoutId id="2147483928" r:id="rId23"/>
+    <p:sldLayoutId id="2147483950" r:id="rId9"/>
+    <p:sldLayoutId id="2147483951" r:id="rId10"/>
+    <p:sldLayoutId id="2147483941" r:id="rId11"/>
+    <p:sldLayoutId id="2147483940" r:id="rId12"/>
+    <p:sldLayoutId id="2147483931" r:id="rId13"/>
+    <p:sldLayoutId id="2147483928" r:id="rId14"/>
   </p:sldLayoutIdLst>
   <p:hf sldNum="0" hdr="0" ftr="0" dt="0"/>
   <p:txStyles>
@@ -18647,6 +12744,86 @@
     </p:ext>
   </p:extLst>
 </p:sldMaster>
+</file>
+
+<file path=ppt/slides/slide1.xml><?xml version="1.0" encoding="utf-8"?>
+<p:sld xmlns:a="http://schemas.openxmlformats.org/drawingml/2006/main" xmlns:r="http://schemas.openxmlformats.org/officeDocument/2006/relationships" xmlns:p="http://schemas.openxmlformats.org/presentationml/2006/main">
+  <p:cSld>
+    <p:spTree>
+      <p:nvGrpSpPr>
+        <p:cNvPr id="1" name=""/>
+        <p:cNvGrpSpPr/>
+        <p:nvPr/>
+      </p:nvGrpSpPr>
+      <p:grpSpPr>
+        <a:xfrm>
+          <a:off x="0" y="0"/>
+          <a:ext cx="0" cy="0"/>
+          <a:chOff x="0" y="0"/>
+          <a:chExt cx="0" cy="0"/>
+        </a:xfrm>
+      </p:grpSpPr>
+      <p:sp>
+        <p:nvSpPr>
+          <p:cNvPr id="2" name="Text Placeholder 1">
+            <a:extLst>
+              <a:ext uri="{FF2B5EF4-FFF2-40B4-BE49-F238E27FC236}">
+                <a16:creationId xmlns:a16="http://schemas.microsoft.com/office/drawing/2014/main" id="{F4379AFC-3307-9B42-BA15-159151239110}"/>
+              </a:ext>
+            </a:extLst>
+          </p:cNvPr>
+          <p:cNvSpPr>
+            <a:spLocks noGrp="1"/>
+          </p:cNvSpPr>
+          <p:nvPr>
+            <p:ph type="body" sz="quarter" idx="10"/>
+          </p:nvPr>
+        </p:nvSpPr>
+        <p:spPr/>
+        <p:txBody>
+          <a:bodyPr/>
+          <a:lstStyle/>
+          <a:p>
+            <a:endParaRPr lang="en-JP"/>
+          </a:p>
+        </p:txBody>
+      </p:sp>
+      <p:sp>
+        <p:nvSpPr>
+          <p:cNvPr id="3" name="Text Placeholder 2">
+            <a:extLst>
+              <a:ext uri="{FF2B5EF4-FFF2-40B4-BE49-F238E27FC236}">
+                <a16:creationId xmlns:a16="http://schemas.microsoft.com/office/drawing/2014/main" id="{0B33966C-15D2-1145-AC0D-53E65A409C6F}"/>
+              </a:ext>
+            </a:extLst>
+          </p:cNvPr>
+          <p:cNvSpPr>
+            <a:spLocks noGrp="1"/>
+          </p:cNvSpPr>
+          <p:nvPr>
+            <p:ph type="body" sz="quarter" idx="11"/>
+          </p:nvPr>
+        </p:nvSpPr>
+        <p:spPr/>
+        <p:txBody>
+          <a:bodyPr/>
+          <a:lstStyle/>
+          <a:p>
+            <a:endParaRPr lang="en-JP"/>
+          </a:p>
+        </p:txBody>
+      </p:sp>
+    </p:spTree>
+    <p:extLst>
+      <p:ext uri="{BB962C8B-B14F-4D97-AF65-F5344CB8AC3E}">
+        <p14:creationId xmlns:p14="http://schemas.microsoft.com/office/powerpoint/2010/main" val="4000489959"/>
+      </p:ext>
+    </p:extLst>
+  </p:cSld>
+  <p:clrMapOvr>
+    <a:masterClrMapping/>
+  </p:clrMapOvr>
+</p:sld>
 </file>
 
 <file path=ppt/theme/theme1.xml><?xml version="1.0" encoding="utf-8"?>

--- a/linguappt/en/templates/vocab_english_classic.pptx
+++ b/linguappt/en/templates/vocab_english_classic.pptx
@@ -5,11 +5,8 @@
     <p:sldMasterId id="2147483852" r:id="rId1"/>
   </p:sldMasterIdLst>
   <p:notesMasterIdLst>
-    <p:notesMasterId r:id="rId3"/>
+    <p:notesMasterId r:id="rId2"/>
   </p:notesMasterIdLst>
-  <p:sldIdLst>
-    <p:sldId id="256" r:id="rId2"/>
-  </p:sldIdLst>
   <p:sldSz cx="12192000" cy="6858000"/>
   <p:notesSz cx="6858000" cy="9144000"/>
   <p:defaultTextStyle>
@@ -211,7 +208,7 @@
           <a:p>
             <a:fld id="{49827307-2D32-1C49-A664-3E09AADAF8D1}" type="datetimeFigureOut">
               <a:rPr lang="en-CN" smtClean="0"/>
-              <a:t>4/2/21</a:t>
+              <a:t>2021/4/20</a:t>
             </a:fld>
             <a:endParaRPr lang="en-CN"/>
           </a:p>
@@ -12744,86 +12741,6 @@
     </p:ext>
   </p:extLst>
 </p:sldMaster>
-</file>
-
-<file path=ppt/slides/slide1.xml><?xml version="1.0" encoding="utf-8"?>
-<p:sld xmlns:a="http://schemas.openxmlformats.org/drawingml/2006/main" xmlns:r="http://schemas.openxmlformats.org/officeDocument/2006/relationships" xmlns:p="http://schemas.openxmlformats.org/presentationml/2006/main">
-  <p:cSld>
-    <p:spTree>
-      <p:nvGrpSpPr>
-        <p:cNvPr id="1" name=""/>
-        <p:cNvGrpSpPr/>
-        <p:nvPr/>
-      </p:nvGrpSpPr>
-      <p:grpSpPr>
-        <a:xfrm>
-          <a:off x="0" y="0"/>
-          <a:ext cx="0" cy="0"/>
-          <a:chOff x="0" y="0"/>
-          <a:chExt cx="0" cy="0"/>
-        </a:xfrm>
-      </p:grpSpPr>
-      <p:sp>
-        <p:nvSpPr>
-          <p:cNvPr id="2" name="Text Placeholder 1">
-            <a:extLst>
-              <a:ext uri="{FF2B5EF4-FFF2-40B4-BE49-F238E27FC236}">
-                <a16:creationId xmlns:a16="http://schemas.microsoft.com/office/drawing/2014/main" id="{F4379AFC-3307-9B42-BA15-159151239110}"/>
-              </a:ext>
-            </a:extLst>
-          </p:cNvPr>
-          <p:cNvSpPr>
-            <a:spLocks noGrp="1"/>
-          </p:cNvSpPr>
-          <p:nvPr>
-            <p:ph type="body" sz="quarter" idx="10"/>
-          </p:nvPr>
-        </p:nvSpPr>
-        <p:spPr/>
-        <p:txBody>
-          <a:bodyPr/>
-          <a:lstStyle/>
-          <a:p>
-            <a:endParaRPr lang="en-JP"/>
-          </a:p>
-        </p:txBody>
-      </p:sp>
-      <p:sp>
-        <p:nvSpPr>
-          <p:cNvPr id="3" name="Text Placeholder 2">
-            <a:extLst>
-              <a:ext uri="{FF2B5EF4-FFF2-40B4-BE49-F238E27FC236}">
-                <a16:creationId xmlns:a16="http://schemas.microsoft.com/office/drawing/2014/main" id="{0B33966C-15D2-1145-AC0D-53E65A409C6F}"/>
-              </a:ext>
-            </a:extLst>
-          </p:cNvPr>
-          <p:cNvSpPr>
-            <a:spLocks noGrp="1"/>
-          </p:cNvSpPr>
-          <p:nvPr>
-            <p:ph type="body" sz="quarter" idx="11"/>
-          </p:nvPr>
-        </p:nvSpPr>
-        <p:spPr/>
-        <p:txBody>
-          <a:bodyPr/>
-          <a:lstStyle/>
-          <a:p>
-            <a:endParaRPr lang="en-JP"/>
-          </a:p>
-        </p:txBody>
-      </p:sp>
-    </p:spTree>
-    <p:extLst>
-      <p:ext uri="{BB962C8B-B14F-4D97-AF65-F5344CB8AC3E}">
-        <p14:creationId xmlns:p14="http://schemas.microsoft.com/office/powerpoint/2010/main" val="4000489959"/>
-      </p:ext>
-    </p:extLst>
-  </p:cSld>
-  <p:clrMapOvr>
-    <a:masterClrMapping/>
-  </p:clrMapOvr>
-</p:sld>
 </file>
 
 <file path=ppt/theme/theme1.xml><?xml version="1.0" encoding="utf-8"?>
